--- a/ppt/工欲善其事必先利其器.pptx
+++ b/ppt/工欲善其事必先利其器.pptx
@@ -4029,7 +4029,7 @@
               <a:defRPr sz="4400"/>
             </a:pPr>
             <a:r>
-              <a:t>2）用户名字母可以是小写和大写。</a:t>
+              <a:t>2）用户名字母可以是小写和大写，用户名只有数字和大小写字母组成。</a:t>
             </a:r>
           </a:p>
           <a:p>
@@ -4064,8 +4064,8 @@
         </p:nvSpPr>
         <p:spPr>
           <a:xfrm>
-            <a:off x="14633442" y="11774631"/>
-            <a:ext cx="7200901" cy="990601"/>
+            <a:off x="13238030" y="11774631"/>
+            <a:ext cx="9991726" cy="990601"/>
           </a:xfrm>
           <a:prstGeom prst="rect">
             <a:avLst/>
@@ -4096,7 +4096,7 @@
           <a:p>
             <a:pPr/>
             <a:r>
-              <a:t>参考答案：/[A-Za-z]+\d*/</a:t>
+              <a:t>参考答案：([A-Za-z]){2,}\d*|\1\d{2,}</a:t>
             </a:r>
           </a:p>
         </p:txBody>
@@ -10672,14 +10672,14 @@
       </p:par>
     </p:tnLst>
     <p:bldLst>
+      <p:bldP build="whole" bldLvl="1" animBg="1" rev="0" advAuto="0" spid="268" grpId="8"/>
+      <p:bldP build="whole" bldLvl="1" animBg="1" rev="0" advAuto="0" spid="265" grpId="1"/>
+      <p:bldP build="whole" bldLvl="1" animBg="1" rev="0" advAuto="0" spid="265" grpId="2"/>
+      <p:bldP build="whole" bldLvl="1" animBg="1" rev="0" advAuto="0" spid="269" grpId="9"/>
+      <p:bldP build="whole" bldLvl="1" animBg="1" rev="0" advAuto="0" spid="269" grpId="10"/>
       <p:bldP build="whole" bldLvl="1" animBg="1" rev="0" advAuto="0" spid="267" grpId="5"/>
       <p:bldP build="whole" bldLvl="1" animBg="1" rev="0" advAuto="0" spid="267" grpId="6"/>
       <p:bldP build="whole" bldLvl="1" animBg="1" rev="0" advAuto="0" spid="268" grpId="7"/>
-      <p:bldP build="whole" bldLvl="1" animBg="1" rev="0" advAuto="0" spid="268" grpId="8"/>
-      <p:bldP build="whole" bldLvl="1" animBg="1" rev="0" advAuto="0" spid="269" grpId="9"/>
-      <p:bldP build="whole" bldLvl="1" animBg="1" rev="0" advAuto="0" spid="269" grpId="10"/>
-      <p:bldP build="whole" bldLvl="1" animBg="1" rev="0" advAuto="0" spid="265" grpId="1"/>
-      <p:bldP build="whole" bldLvl="1" animBg="1" rev="0" advAuto="0" spid="265" grpId="2"/>
       <p:bldP build="whole" bldLvl="1" animBg="1" rev="0" advAuto="0" spid="266" grpId="3"/>
       <p:bldP build="whole" bldLvl="1" animBg="1" rev="0" advAuto="0" spid="266" grpId="4"/>
     </p:bldLst>
@@ -18284,7 +18284,7 @@
           <a:p>
             <a:pPr/>
             <a:r>
-              <a:t>练习题：修正正则表达式&lt;.*&gt;以返回 HTML 标签&lt;h1&gt;而不是文本"&lt;h1&gt;Winter is coming&lt;/h1&gt;”。记住正则表达式中的通配符“.”可匹配任何一个字符，“.*”可匹配任意多个任意字符。</a:t>
+              <a:t>练习题：修正正则表达式&lt;.*?&gt;以返回 HTML 标签&lt;h1&gt;而不是文本"&lt;h1&gt;Winter is coming&lt;/h1&gt;”。记住正则表达式中的通配符“.”可匹配任何一个字符，“.*”可匹配任意多个任意字符。</a:t>
             </a:r>
           </a:p>
         </p:txBody>

--- a/ppt/工欲善其事必先利其器.pptx
+++ b/ppt/工欲善其事必先利其器.pptx
@@ -5,7 +5,7 @@
     <p:sldMasterId id="2147483648" r:id="rId1"/>
   </p:sldMasterIdLst>
   <p:notesMasterIdLst>
-    <p:notesMasterId r:id="rId100"/>
+    <p:notesMasterId r:id="rId102"/>
   </p:notesMasterIdLst>
   <p:sldIdLst>
     <p:sldId id="256" r:id="rId3"/>
@@ -61,50 +61,52 @@
     <p:sldId id="315" r:id="rId53"/>
     <p:sldId id="316" r:id="rId54"/>
     <p:sldId id="317" r:id="rId55"/>
-    <p:sldId id="318" r:id="rId56"/>
-    <p:sldId id="319" r:id="rId57"/>
-    <p:sldId id="320" r:id="rId58"/>
-    <p:sldId id="321" r:id="rId59"/>
-    <p:sldId id="322" r:id="rId60"/>
-    <p:sldId id="323" r:id="rId61"/>
-    <p:sldId id="324" r:id="rId62"/>
-    <p:sldId id="325" r:id="rId63"/>
-    <p:sldId id="326" r:id="rId64"/>
-    <p:sldId id="327" r:id="rId65"/>
-    <p:sldId id="328" r:id="rId66"/>
-    <p:sldId id="329" r:id="rId67"/>
-    <p:sldId id="330" r:id="rId68"/>
-    <p:sldId id="331" r:id="rId69"/>
-    <p:sldId id="332" r:id="rId70"/>
-    <p:sldId id="333" r:id="rId71"/>
-    <p:sldId id="334" r:id="rId72"/>
-    <p:sldId id="335" r:id="rId73"/>
-    <p:sldId id="336" r:id="rId74"/>
-    <p:sldId id="337" r:id="rId75"/>
-    <p:sldId id="338" r:id="rId76"/>
-    <p:sldId id="339" r:id="rId77"/>
-    <p:sldId id="340" r:id="rId78"/>
-    <p:sldId id="341" r:id="rId79"/>
-    <p:sldId id="342" r:id="rId80"/>
-    <p:sldId id="343" r:id="rId81"/>
-    <p:sldId id="344" r:id="rId82"/>
-    <p:sldId id="345" r:id="rId83"/>
-    <p:sldId id="346" r:id="rId84"/>
-    <p:sldId id="347" r:id="rId85"/>
-    <p:sldId id="348" r:id="rId86"/>
-    <p:sldId id="349" r:id="rId87"/>
-    <p:sldId id="350" r:id="rId88"/>
-    <p:sldId id="351" r:id="rId89"/>
-    <p:sldId id="352" r:id="rId90"/>
-    <p:sldId id="353" r:id="rId91"/>
-    <p:sldId id="354" r:id="rId92"/>
-    <p:sldId id="355" r:id="rId93"/>
-    <p:sldId id="356" r:id="rId94"/>
-    <p:sldId id="357" r:id="rId95"/>
-    <p:sldId id="358" r:id="rId96"/>
-    <p:sldId id="359" r:id="rId97"/>
-    <p:sldId id="360" r:id="rId98"/>
-    <p:sldId id="361" r:id="rId99"/>
+    <p:sldId id="362" r:id="rId56"/>
+    <p:sldId id="318" r:id="rId57"/>
+    <p:sldId id="319" r:id="rId58"/>
+    <p:sldId id="320" r:id="rId59"/>
+    <p:sldId id="321" r:id="rId60"/>
+    <p:sldId id="322" r:id="rId61"/>
+    <p:sldId id="323" r:id="rId62"/>
+    <p:sldId id="324" r:id="rId63"/>
+    <p:sldId id="325" r:id="rId64"/>
+    <p:sldId id="326" r:id="rId65"/>
+    <p:sldId id="327" r:id="rId66"/>
+    <p:sldId id="328" r:id="rId67"/>
+    <p:sldId id="329" r:id="rId68"/>
+    <p:sldId id="330" r:id="rId69"/>
+    <p:sldId id="331" r:id="rId70"/>
+    <p:sldId id="332" r:id="rId71"/>
+    <p:sldId id="333" r:id="rId72"/>
+    <p:sldId id="334" r:id="rId73"/>
+    <p:sldId id="335" r:id="rId74"/>
+    <p:sldId id="336" r:id="rId75"/>
+    <p:sldId id="337" r:id="rId76"/>
+    <p:sldId id="338" r:id="rId77"/>
+    <p:sldId id="339" r:id="rId78"/>
+    <p:sldId id="363" r:id="rId79"/>
+    <p:sldId id="340" r:id="rId80"/>
+    <p:sldId id="341" r:id="rId81"/>
+    <p:sldId id="342" r:id="rId82"/>
+    <p:sldId id="343" r:id="rId83"/>
+    <p:sldId id="344" r:id="rId84"/>
+    <p:sldId id="345" r:id="rId85"/>
+    <p:sldId id="346" r:id="rId86"/>
+    <p:sldId id="347" r:id="rId87"/>
+    <p:sldId id="348" r:id="rId88"/>
+    <p:sldId id="349" r:id="rId89"/>
+    <p:sldId id="350" r:id="rId90"/>
+    <p:sldId id="351" r:id="rId91"/>
+    <p:sldId id="352" r:id="rId92"/>
+    <p:sldId id="353" r:id="rId93"/>
+    <p:sldId id="354" r:id="rId94"/>
+    <p:sldId id="355" r:id="rId95"/>
+    <p:sldId id="356" r:id="rId96"/>
+    <p:sldId id="357" r:id="rId97"/>
+    <p:sldId id="358" r:id="rId98"/>
+    <p:sldId id="359" r:id="rId99"/>
+    <p:sldId id="360" r:id="rId100"/>
+    <p:sldId id="361" r:id="rId101"/>
   </p:sldIdLst>
   <p:sldSz cx="24384000" cy="13716000"/>
   <p:notesSz cx="6858000" cy="9144000"/>
@@ -9014,107 +9016,46 @@
         <p:cNvGrpSpPr/>
         <p:nvPr/>
       </p:nvGrpSpPr>
-      <p:grpSpPr>
-        <a:xfrm>
-          <a:off x="0" y="0"/>
-          <a:ext cx="0" cy="0"/>
-          <a:chOff x="0" y="0"/>
-          <a:chExt cx="0" cy="0"/>
-        </a:xfrm>
-      </p:grpSpPr>
-      <p:sp>
-        <p:nvSpPr>
-          <p:cNvPr id="349" name="Shape 349"/>
+      <p:grpSpPr/>
+      <p:sp>
+        <p:nvSpPr>
+          <p:cNvPr id="2" name="图片占位符 1"/>
+          <p:cNvSpPr/>
+          <p:nvPr>
+            <p:ph type="pic" idx="13"/>
+          </p:nvPr>
+        </p:nvSpPr>
+        <p:spPr/>
+      </p:sp>
+      <p:sp>
+        <p:nvSpPr>
+          <p:cNvPr id="3" name="标题 2"/>
           <p:cNvSpPr/>
           <p:nvPr>
             <p:ph type="title"/>
           </p:nvPr>
         </p:nvSpPr>
-        <p:spPr>
-          <a:prstGeom prst="rect">
-            <a:avLst/>
-          </a:prstGeom>
-        </p:spPr>
-        <p:txBody>
-          <a:bodyPr/>
-          <a:lstStyle/>
-          <a:p>
-            <a:r>
-              <a:t>场景五：Fork + Pull request</a:t>
-            </a:r>
-          </a:p>
-        </p:txBody>
-      </p:sp>
-      <p:sp>
-        <p:nvSpPr>
-          <p:cNvPr id="350" name="Shape 350"/>
-          <p:cNvSpPr/>
-          <p:nvPr>
-            <p:ph type="body" idx="1"/>
-          </p:nvPr>
-        </p:nvSpPr>
-        <p:spPr>
-          <a:prstGeom prst="rect">
-            <a:avLst/>
-          </a:prstGeom>
-        </p:spPr>
-        <p:txBody>
-          <a:bodyPr/>
-          <a:lstStyle/>
-          <a:p>
-            <a:pPr marL="609600" indent="-609600" defTabSz="791845">
-              <a:spcBef>
-                <a:spcPts val="5600"/>
-              </a:spcBef>
-              <a:defRPr sz="4990"/>
-            </a:pPr>
-            <a:r>
-              <a:t>当你想更正别人仓库里的Bug或者向别人仓库里贡献代码时，要走Fork+ Pull request的协作开发工作流程：</a:t>
-            </a:r>
-          </a:p>
-          <a:p>
-            <a:pPr marL="609600" indent="-609600" defTabSz="791845">
-              <a:spcBef>
-                <a:spcPts val="5600"/>
-              </a:spcBef>
-              <a:defRPr sz="4990"/>
-            </a:pPr>
-            <a:r>
-              <a:t>	1	先 fork（分叉） 别人的仓库，相当于拷贝一份；</a:t>
-            </a:r>
-          </a:p>
-          <a:p>
-            <a:pPr marL="609600" indent="-609600" defTabSz="791845">
-              <a:spcBef>
-                <a:spcPts val="5600"/>
-              </a:spcBef>
-              <a:defRPr sz="4990"/>
-            </a:pPr>
-            <a:r>
-              <a:t>	2	做一些 bug fix或其他的代码贡献；</a:t>
-            </a:r>
-          </a:p>
-          <a:p>
-            <a:pPr marL="609600" indent="-609600" defTabSz="791845">
-              <a:spcBef>
-                <a:spcPts val="5600"/>
-              </a:spcBef>
-              <a:defRPr sz="4990"/>
-            </a:pPr>
-            <a:r>
-              <a:t>	3	发起 Pull request 给原仓库；</a:t>
-            </a:r>
-          </a:p>
-          <a:p>
-            <a:pPr marL="609600" indent="-609600" defTabSz="791845">
-              <a:spcBef>
-                <a:spcPts val="5600"/>
-              </a:spcBef>
-              <a:defRPr sz="4990"/>
-            </a:pPr>
-            <a:r>
-              <a:t>	4	原仓库的所有者 review Pull request，如果没有问题的话，就会 merge  Pull request 到原仓库中。</a:t>
-            </a:r>
+        <p:spPr/>
+        <p:txBody>
+          <a:bodyPr/>
+          <a:p>
+            <a:endParaRPr lang="zh-CN" altLang="en-US"/>
+          </a:p>
+        </p:txBody>
+      </p:sp>
+      <p:sp>
+        <p:nvSpPr>
+          <p:cNvPr id="4" name="文本占位符 3"/>
+          <p:cNvSpPr/>
+          <p:nvPr>
+            <p:ph type="body" sz="quarter" idx="1"/>
+          </p:nvPr>
+        </p:nvSpPr>
+        <p:spPr/>
+        <p:txBody>
+          <a:bodyPr/>
+          <a:p>
+            <a:endParaRPr lang="zh-CN" altLang="en-US"/>
           </a:p>
         </p:txBody>
       </p:sp>
@@ -9123,14 +9064,7 @@
   <p:clrMapOvr>
     <a:masterClrMapping/>
   </p:clrMapOvr>
-  <mc:AlternateContent xmlns:mc="http://schemas.openxmlformats.org/markup-compatibility/2006">
-    <mc:Choice xmlns:p14="http://schemas.microsoft.com/office/powerpoint/2010/main" Requires="p14">
-      <p:transition spd="med" p14:dur="1000"/>
-    </mc:Choice>
-    <mc:Fallback>
-      <p:transition spd="med"/>
-    </mc:Fallback>
-  </mc:AlternateContent>
+  <p:transition spd="med"/>
 </p:sld>
 </file>
 
@@ -9153,151 +9087,100 @@
       </p:grpSpPr>
       <p:sp>
         <p:nvSpPr>
-          <p:cNvPr id="352" name="Shape 352"/>
-          <p:cNvSpPr/>
-          <p:nvPr>
-            <p:ph type="ctrTitle"/>
-          </p:nvPr>
-        </p:nvSpPr>
-        <p:spPr>
-          <a:prstGeom prst="rect">
-            <a:avLst/>
-          </a:prstGeom>
-        </p:spPr>
-        <p:txBody>
-          <a:bodyPr/>
-          <a:lstStyle/>
-          <a:p>
-            <a:r>
-              <a:t>Vim - the ubiquitous text editor</a:t>
-            </a:r>
-          </a:p>
-        </p:txBody>
-      </p:sp>
-      <p:sp>
-        <p:nvSpPr>
-          <p:cNvPr id="353" name="Shape 353"/>
-          <p:cNvSpPr/>
-          <p:nvPr>
-            <p:ph type="subTitle" sz="quarter" idx="1"/>
-          </p:nvPr>
-        </p:nvSpPr>
-        <p:spPr>
-          <a:xfrm>
-            <a:off x="1447800" y="8623300"/>
-            <a:ext cx="20828000" cy="1587500"/>
-          </a:xfrm>
-          <a:prstGeom prst="rect">
-            <a:avLst/>
-          </a:prstGeom>
-        </p:spPr>
-        <p:txBody>
-          <a:bodyPr/>
-          <a:lstStyle/>
-          <a:p>
-            <a:r>
-              <a:t>孟宁</a:t>
-            </a:r>
-          </a:p>
-        </p:txBody>
-      </p:sp>
-      <p:pic>
-        <p:nvPicPr>
-          <p:cNvPr id="354" name="image1.png"/>
-          <p:cNvPicPr>
-            <a:picLocks noChangeAspect="1"/>
-          </p:cNvPicPr>
-          <p:nvPr/>
-        </p:nvPicPr>
-        <p:blipFill>
-          <a:blip r:embed="rId1"/>
-          <a:stretch>
-            <a:fillRect/>
-          </a:stretch>
-        </p:blipFill>
-        <p:spPr>
-          <a:xfrm>
-            <a:off x="19086777" y="9340198"/>
-            <a:ext cx="3604908" cy="3604907"/>
-          </a:xfrm>
-          <a:prstGeom prst="rect">
-            <a:avLst/>
-          </a:prstGeom>
-          <a:ln w="12700">
-            <a:miter lim="400000"/>
-            <a:headEnd/>
-            <a:tailEnd/>
-          </a:ln>
-        </p:spPr>
-      </p:pic>
-      <p:sp>
-        <p:nvSpPr>
-          <p:cNvPr id="355" name="Shape 355"/>
-          <p:cNvSpPr/>
-          <p:nvPr/>
-        </p:nvSpPr>
-        <p:spPr>
-          <a:xfrm>
-            <a:off x="20070079" y="12798844"/>
-            <a:ext cx="1638301" cy="635001"/>
-          </a:xfrm>
-          <a:prstGeom prst="rect">
-            <a:avLst/>
-          </a:prstGeom>
-          <a:ln w="12700">
-            <a:miter lim="400000"/>
-          </a:ln>
-        </p:spPr>
-        <p:txBody>
-          <a:bodyPr wrap="none" lIns="50800" tIns="50800" rIns="50800" bIns="50800" anchor="ctr">
-            <a:spAutoFit/>
-          </a:bodyPr>
-          <a:lstStyle>
-            <a:lvl1pPr>
-              <a:defRPr sz="3000">
-                <a:latin typeface="Helvetica Light"/>
-                <a:ea typeface="Helvetica Light"/>
-                <a:cs typeface="Helvetica Light"/>
-                <a:sym typeface="Helvetica Light"/>
-              </a:defRPr>
-            </a:lvl1pPr>
-          </a:lstStyle>
-          <a:p>
-            <a:r>
-              <a:t>关注孟宁</a:t>
-            </a:r>
-          </a:p>
-        </p:txBody>
-      </p:sp>
-      <p:pic>
-        <p:nvPicPr>
-          <p:cNvPr id="356" name="image17.png"/>
-          <p:cNvPicPr>
-            <a:picLocks noChangeAspect="1"/>
-          </p:cNvPicPr>
-          <p:nvPr/>
-        </p:nvPicPr>
-        <p:blipFill>
-          <a:blip r:embed="rId2"/>
-          <a:stretch>
-            <a:fillRect/>
-          </a:stretch>
-        </p:blipFill>
-        <p:spPr>
-          <a:xfrm>
-            <a:off x="8975758" y="3388230"/>
-            <a:ext cx="5772086" cy="1443023"/>
-          </a:xfrm>
-          <a:prstGeom prst="rect">
-            <a:avLst/>
-          </a:prstGeom>
-          <a:ln w="12700">
-            <a:miter lim="400000"/>
-            <a:headEnd/>
-            <a:tailEnd/>
-          </a:ln>
-        </p:spPr>
-      </p:pic>
+          <p:cNvPr id="349" name="Shape 349"/>
+          <p:cNvSpPr/>
+          <p:nvPr>
+            <p:ph type="title"/>
+          </p:nvPr>
+        </p:nvSpPr>
+        <p:spPr>
+          <a:prstGeom prst="rect">
+            <a:avLst/>
+          </a:prstGeom>
+        </p:spPr>
+        <p:txBody>
+          <a:bodyPr/>
+          <a:lstStyle/>
+          <a:p>
+            <a:r>
+              <a:t>场景五：Fork + Pull request</a:t>
+            </a:r>
+          </a:p>
+        </p:txBody>
+      </p:sp>
+      <p:sp>
+        <p:nvSpPr>
+          <p:cNvPr id="350" name="Shape 350"/>
+          <p:cNvSpPr/>
+          <p:nvPr>
+            <p:ph type="body" idx="1"/>
+          </p:nvPr>
+        </p:nvSpPr>
+        <p:spPr>
+          <a:prstGeom prst="rect">
+            <a:avLst/>
+          </a:prstGeom>
+        </p:spPr>
+        <p:txBody>
+          <a:bodyPr/>
+          <a:lstStyle/>
+          <a:p>
+            <a:pPr marL="609600" indent="-609600" defTabSz="791845">
+              <a:spcBef>
+                <a:spcPts val="5600"/>
+              </a:spcBef>
+              <a:defRPr sz="4990"/>
+            </a:pPr>
+            <a:r>
+              <a:t>当你想更正别人仓库里的Bug或者向别人仓库里贡献代码时，要走Fork+ Pull request的协作开发工作流程：</a:t>
+            </a:r>
+          </a:p>
+          <a:p>
+            <a:pPr marL="609600" indent="-609600" defTabSz="791845">
+              <a:spcBef>
+                <a:spcPts val="5600"/>
+              </a:spcBef>
+              <a:defRPr sz="4990"/>
+            </a:pPr>
+            <a:r>
+              <a:t>	1	先 fork（分叉） 别人的仓库，相当于拷贝一份；</a:t>
+            </a:r>
+          </a:p>
+          <a:p>
+            <a:pPr marL="609600" indent="-609600" defTabSz="791845">
+              <a:spcBef>
+                <a:spcPts val="5600"/>
+              </a:spcBef>
+              <a:defRPr sz="4990"/>
+            </a:pPr>
+            <a:r>
+              <a:t>	2	做一些 bug fix或其他的代码贡献；</a:t>
+            </a:r>
+          </a:p>
+          <a:p>
+            <a:pPr marL="609600" indent="-609600" defTabSz="791845">
+              <a:spcBef>
+                <a:spcPts val="5600"/>
+              </a:spcBef>
+              <a:defRPr sz="4990"/>
+            </a:pPr>
+            <a:r>
+              <a:t>	3	发起 Pull request 给原仓库；</a:t>
+            </a:r>
+          </a:p>
+          <a:p>
+            <a:pPr marL="609600" indent="-609600" defTabSz="791845">
+              <a:spcBef>
+                <a:spcPts val="5600"/>
+              </a:spcBef>
+              <a:defRPr sz="4990"/>
+            </a:pPr>
+            <a:r>
+              <a:t>	4	原仓库的所有者 review Pull request，如果没有问题的话，就会 merge  Pull request 到原仓库中。</a:t>
+            </a:r>
+          </a:p>
+        </p:txBody>
+      </p:sp>
     </p:spTree>
   </p:cSld>
   <p:clrMapOvr>
@@ -9333,89 +9216,151 @@
       </p:grpSpPr>
       <p:sp>
         <p:nvSpPr>
-          <p:cNvPr id="358" name="Shape 358"/>
-          <p:cNvSpPr/>
-          <p:nvPr>
-            <p:ph type="title"/>
-          </p:nvPr>
-        </p:nvSpPr>
-        <p:spPr>
-          <a:prstGeom prst="rect">
-            <a:avLst/>
-          </a:prstGeom>
-        </p:spPr>
-        <p:txBody>
-          <a:bodyPr/>
-          <a:lstStyle/>
-          <a:p>
-            <a:r>
-              <a:t>vi/vim</a:t>
-            </a:r>
-          </a:p>
-        </p:txBody>
-      </p:sp>
-      <p:sp>
-        <p:nvSpPr>
-          <p:cNvPr id="359" name="Shape 359"/>
-          <p:cNvSpPr/>
-          <p:nvPr>
-            <p:ph type="body" idx="1"/>
-          </p:nvPr>
-        </p:nvSpPr>
-        <p:spPr>
-          <a:prstGeom prst="rect">
-            <a:avLst/>
-          </a:prstGeom>
-        </p:spPr>
-        <p:txBody>
-          <a:bodyPr/>
-          <a:lstStyle/>
-          <a:p>
-            <a:pPr marL="546100" indent="-546100" defTabSz="709930">
-              <a:spcBef>
-                <a:spcPts val="5000"/>
-              </a:spcBef>
-              <a:defRPr sz="4400"/>
-            </a:pPr>
-            <a:r>
-              <a:t>几乎所有的Unix-Like系统一般都会预装vi文本编辑器，其他的文本编辑器则不一定预装。POSIX标准中就有vi命令。</a:t>
-            </a:r>
-          </a:p>
-          <a:p>
-            <a:pPr marL="546100" indent="-546100" defTabSz="709930">
-              <a:spcBef>
-                <a:spcPts val="5000"/>
-              </a:spcBef>
-              <a:defRPr sz="4400"/>
-            </a:pPr>
-            <a:r>
-              <a:t>vim具有程序编辑的能力，可以主动的以字体颜色辨别语法的正确性，方便程序设计。</a:t>
-            </a:r>
-          </a:p>
-          <a:p>
-            <a:pPr marL="546100" indent="-546100" defTabSz="709930">
-              <a:spcBef>
-                <a:spcPts val="5000"/>
-              </a:spcBef>
-              <a:defRPr sz="4400"/>
-            </a:pPr>
-            <a:r>
-              <a:t>vim是从vi发展出来的一个文本编辑器。代码补完、编译及错误跳转等方便编程的功能特别丰富，在程序员中被广泛使用。</a:t>
-            </a:r>
-          </a:p>
-          <a:p>
-            <a:pPr marL="546100" indent="-546100" defTabSz="709930">
-              <a:spcBef>
-                <a:spcPts val="5000"/>
-              </a:spcBef>
-              <a:defRPr sz="4400"/>
-            </a:pPr>
-            <a:r>
-              <a:t>简单的来说，vi仅仅是文本编辑器，不过功能已经很齐全了。 vim则是程序开发者的一项很好用的工具。连vim的官方网站 (http://www.vim.org) 也说vim是一个程序开发工具而不仅是文本编辑器。</a:t>
-            </a:r>
-          </a:p>
-        </p:txBody>
-      </p:sp>
+          <p:cNvPr id="352" name="Shape 352"/>
+          <p:cNvSpPr/>
+          <p:nvPr>
+            <p:ph type="ctrTitle"/>
+          </p:nvPr>
+        </p:nvSpPr>
+        <p:spPr>
+          <a:prstGeom prst="rect">
+            <a:avLst/>
+          </a:prstGeom>
+        </p:spPr>
+        <p:txBody>
+          <a:bodyPr/>
+          <a:lstStyle/>
+          <a:p>
+            <a:r>
+              <a:t>Vim - the ubiquitous text editor</a:t>
+            </a:r>
+          </a:p>
+        </p:txBody>
+      </p:sp>
+      <p:sp>
+        <p:nvSpPr>
+          <p:cNvPr id="353" name="Shape 353"/>
+          <p:cNvSpPr/>
+          <p:nvPr>
+            <p:ph type="subTitle" sz="quarter" idx="1"/>
+          </p:nvPr>
+        </p:nvSpPr>
+        <p:spPr>
+          <a:xfrm>
+            <a:off x="1447800" y="8623300"/>
+            <a:ext cx="20828000" cy="1587500"/>
+          </a:xfrm>
+          <a:prstGeom prst="rect">
+            <a:avLst/>
+          </a:prstGeom>
+        </p:spPr>
+        <p:txBody>
+          <a:bodyPr/>
+          <a:lstStyle/>
+          <a:p>
+            <a:r>
+              <a:t>孟宁</a:t>
+            </a:r>
+          </a:p>
+        </p:txBody>
+      </p:sp>
+      <p:pic>
+        <p:nvPicPr>
+          <p:cNvPr id="354" name="image1.png"/>
+          <p:cNvPicPr>
+            <a:picLocks noChangeAspect="1"/>
+          </p:cNvPicPr>
+          <p:nvPr/>
+        </p:nvPicPr>
+        <p:blipFill>
+          <a:blip r:embed="rId1"/>
+          <a:stretch>
+            <a:fillRect/>
+          </a:stretch>
+        </p:blipFill>
+        <p:spPr>
+          <a:xfrm>
+            <a:off x="19086777" y="9340198"/>
+            <a:ext cx="3604908" cy="3604907"/>
+          </a:xfrm>
+          <a:prstGeom prst="rect">
+            <a:avLst/>
+          </a:prstGeom>
+          <a:ln w="12700">
+            <a:miter lim="400000"/>
+            <a:headEnd/>
+            <a:tailEnd/>
+          </a:ln>
+        </p:spPr>
+      </p:pic>
+      <p:sp>
+        <p:nvSpPr>
+          <p:cNvPr id="355" name="Shape 355"/>
+          <p:cNvSpPr/>
+          <p:nvPr/>
+        </p:nvSpPr>
+        <p:spPr>
+          <a:xfrm>
+            <a:off x="20070079" y="12798844"/>
+            <a:ext cx="1638301" cy="635001"/>
+          </a:xfrm>
+          <a:prstGeom prst="rect">
+            <a:avLst/>
+          </a:prstGeom>
+          <a:ln w="12700">
+            <a:miter lim="400000"/>
+          </a:ln>
+        </p:spPr>
+        <p:txBody>
+          <a:bodyPr wrap="none" lIns="50800" tIns="50800" rIns="50800" bIns="50800" anchor="ctr">
+            <a:spAutoFit/>
+          </a:bodyPr>
+          <a:lstStyle>
+            <a:lvl1pPr>
+              <a:defRPr sz="3000">
+                <a:latin typeface="Helvetica Light"/>
+                <a:ea typeface="Helvetica Light"/>
+                <a:cs typeface="Helvetica Light"/>
+                <a:sym typeface="Helvetica Light"/>
+              </a:defRPr>
+            </a:lvl1pPr>
+          </a:lstStyle>
+          <a:p>
+            <a:r>
+              <a:t>关注孟宁</a:t>
+            </a:r>
+          </a:p>
+        </p:txBody>
+      </p:sp>
+      <p:pic>
+        <p:nvPicPr>
+          <p:cNvPr id="356" name="image17.png"/>
+          <p:cNvPicPr>
+            <a:picLocks noChangeAspect="1"/>
+          </p:cNvPicPr>
+          <p:nvPr/>
+        </p:nvPicPr>
+        <p:blipFill>
+          <a:blip r:embed="rId2"/>
+          <a:stretch>
+            <a:fillRect/>
+          </a:stretch>
+        </p:blipFill>
+        <p:spPr>
+          <a:xfrm>
+            <a:off x="8975758" y="3388230"/>
+            <a:ext cx="5772086" cy="1443023"/>
+          </a:xfrm>
+          <a:prstGeom prst="rect">
+            <a:avLst/>
+          </a:prstGeom>
+          <a:ln w="12700">
+            <a:miter lim="400000"/>
+            <a:headEnd/>
+            <a:tailEnd/>
+          </a:ln>
+        </p:spPr>
+      </p:pic>
     </p:spTree>
   </p:cSld>
   <p:clrMapOvr>
@@ -9451,7 +9396,7 @@
       </p:grpSpPr>
       <p:sp>
         <p:nvSpPr>
-          <p:cNvPr id="361" name="Shape 361"/>
+          <p:cNvPr id="358" name="Shape 358"/>
           <p:cNvSpPr/>
           <p:nvPr>
             <p:ph type="title"/>
@@ -9467,14 +9412,14 @@
           <a:lstStyle/>
           <a:p>
             <a:r>
-              <a:t>第一关：安装Vim</a:t>
-            </a:r>
-          </a:p>
-        </p:txBody>
-      </p:sp>
-      <p:sp>
-        <p:nvSpPr>
-          <p:cNvPr id="362" name="Shape 362"/>
+              <a:t>vi/vim</a:t>
+            </a:r>
+          </a:p>
+        </p:txBody>
+      </p:sp>
+      <p:sp>
+        <p:nvSpPr>
+          <p:cNvPr id="359" name="Shape 359"/>
           <p:cNvSpPr/>
           <p:nvPr>
             <p:ph type="body" idx="1"/>
@@ -9489,18 +9434,47 @@
           <a:bodyPr/>
           <a:lstStyle/>
           <a:p>
-            <a:r>
-              <a:t>It is included as "vi" with most UNIX systems and with Apple OS X. </a:t>
-            </a:r>
-          </a:p>
-          <a:p>
-            <a:r>
-              <a:t>使用VSCode则可以在Linux、Windows和OS X上都能使用Vim</a:t>
-            </a:r>
-          </a:p>
-          <a:p>
-            <a:r>
-              <a:t>在VSCode中Ctrl/⌘+Shift+X管理扩展插件中搜索vim即可安装使用</a:t>
+            <a:pPr marL="546100" indent="-546100" defTabSz="709930">
+              <a:spcBef>
+                <a:spcPts val="5000"/>
+              </a:spcBef>
+              <a:defRPr sz="4400"/>
+            </a:pPr>
+            <a:r>
+              <a:t>几乎所有的Unix-Like系统一般都会预装vi文本编辑器，其他的文本编辑器则不一定预装。POSIX标准中就有vi命令。</a:t>
+            </a:r>
+          </a:p>
+          <a:p>
+            <a:pPr marL="546100" indent="-546100" defTabSz="709930">
+              <a:spcBef>
+                <a:spcPts val="5000"/>
+              </a:spcBef>
+              <a:defRPr sz="4400"/>
+            </a:pPr>
+            <a:r>
+              <a:t>vim具有程序编辑的能力，可以主动的以字体颜色辨别语法的正确性，方便程序设计。</a:t>
+            </a:r>
+          </a:p>
+          <a:p>
+            <a:pPr marL="546100" indent="-546100" defTabSz="709930">
+              <a:spcBef>
+                <a:spcPts val="5000"/>
+              </a:spcBef>
+              <a:defRPr sz="4400"/>
+            </a:pPr>
+            <a:r>
+              <a:t>vim是从vi发展出来的一个文本编辑器。代码补完、编译及错误跳转等方便编程的功能特别丰富，在程序员中被广泛使用。</a:t>
+            </a:r>
+          </a:p>
+          <a:p>
+            <a:pPr marL="546100" indent="-546100" defTabSz="709930">
+              <a:spcBef>
+                <a:spcPts val="5000"/>
+              </a:spcBef>
+              <a:defRPr sz="4400"/>
+            </a:pPr>
+            <a:r>
+              <a:t>简单的来说，vi仅仅是文本编辑器，不过功能已经很齐全了。 vim则是程序开发者的一项很好用的工具。连vim的官方网站 (http://www.vim.org) 也说vim是一个程序开发工具而不仅是文本编辑器。</a:t>
             </a:r>
           </a:p>
         </p:txBody>
@@ -9540,7 +9514,7 @@
       </p:grpSpPr>
       <p:sp>
         <p:nvSpPr>
-          <p:cNvPr id="364" name="Shape 364"/>
+          <p:cNvPr id="361" name="Shape 361"/>
           <p:cNvSpPr/>
           <p:nvPr>
             <p:ph type="title"/>
@@ -9556,14 +9530,14 @@
           <a:lstStyle/>
           <a:p>
             <a:r>
-              <a:t> vi/vim的三种模式</a:t>
-            </a:r>
-          </a:p>
-        </p:txBody>
-      </p:sp>
-      <p:sp>
-        <p:nvSpPr>
-          <p:cNvPr id="365" name="Shape 365"/>
+              <a:t>第一关：安装Vim</a:t>
+            </a:r>
+          </a:p>
+        </p:txBody>
+      </p:sp>
+      <p:sp>
+        <p:nvSpPr>
+          <p:cNvPr id="362" name="Shape 362"/>
           <p:cNvSpPr/>
           <p:nvPr>
             <p:ph type="body" idx="1"/>
@@ -9578,36 +9552,18 @@
           <a:bodyPr/>
           <a:lstStyle/>
           <a:p>
-            <a:pPr marL="533400" indent="-533400" defTabSz="692785">
-              <a:spcBef>
-                <a:spcPts val="4900"/>
-              </a:spcBef>
-              <a:defRPr sz="4300"/>
-            </a:pPr>
-            <a:r>
-              <a:t>命令模式（Command mode），用户刚刚启动vi/vim，便进入了命令模式。此状态下敲击键盘动作会被vim识别为命令，而非输入字符。比如我们此时按下i，并不会输入一个字符，i被当作了一个命令。命令模式只有一些最基本的命令，因此仍要依靠底线命令模式输入更多命令</a:t>
-            </a:r>
-          </a:p>
-          <a:p>
-            <a:pPr marL="533400" indent="-533400" defTabSz="692785">
-              <a:spcBef>
-                <a:spcPts val="4900"/>
-              </a:spcBef>
-              <a:defRPr sz="4300"/>
-            </a:pPr>
-            <a:r>
-              <a:t>输入模式（Insert mode），在命令模式下按下i就进入了输入模式，按ESC退出输入模式，切换到命令模式。</a:t>
-            </a:r>
-          </a:p>
-          <a:p>
-            <a:pPr marL="533400" indent="-533400" defTabSz="692785">
-              <a:spcBef>
-                <a:spcPts val="4900"/>
-              </a:spcBef>
-              <a:defRPr sz="4300"/>
-            </a:pPr>
-            <a:r>
-              <a:t>底线命令模式（Last line mode），在命令模式下按下:（英文冒号）就进入了底线命令模式。底线命令模式可以输入单个或多个字符的命令，可用的命令非常多。基本的命令有q（退出程序）、w（保存文件）等。按ESC键可随时退出底线命令模式。</a:t>
+            <a:r>
+              <a:t>It is included as "vi" with most UNIX systems and with Apple OS X. </a:t>
+            </a:r>
+          </a:p>
+          <a:p>
+            <a:r>
+              <a:t>使用VSCode则可以在Linux、Windows和OS X上都能使用Vim</a:t>
+            </a:r>
+          </a:p>
+          <a:p>
+            <a:r>
+              <a:t>在VSCode中Ctrl/⌘+Shift+X管理扩展插件中搜索vim即可安装使用</a:t>
             </a:r>
           </a:p>
         </p:txBody>
@@ -9647,7 +9603,7 @@
       </p:grpSpPr>
       <p:sp>
         <p:nvSpPr>
-          <p:cNvPr id="367" name="Shape 367"/>
+          <p:cNvPr id="364" name="Shape 364"/>
           <p:cNvSpPr/>
           <p:nvPr>
             <p:ph type="title"/>
@@ -9663,40 +9619,62 @@
           <a:lstStyle/>
           <a:p>
             <a:r>
-              <a:t> 第二关：三种模式之间的切换</a:t>
-            </a:r>
-          </a:p>
-        </p:txBody>
-      </p:sp>
-      <p:pic>
-        <p:nvPicPr>
-          <p:cNvPr id="368" name="image18.png"/>
-          <p:cNvPicPr>
-            <a:picLocks noChangeAspect="1"/>
-          </p:cNvPicPr>
-          <p:nvPr/>
-        </p:nvPicPr>
-        <p:blipFill>
-          <a:blip r:embed="rId1"/>
-          <a:stretch>
-            <a:fillRect/>
-          </a:stretch>
-        </p:blipFill>
-        <p:spPr>
-          <a:xfrm>
-            <a:off x="3369704" y="3403246"/>
-            <a:ext cx="16960230" cy="9772761"/>
-          </a:xfrm>
-          <a:prstGeom prst="rect">
-            <a:avLst/>
-          </a:prstGeom>
-          <a:ln w="12700">
-            <a:miter lim="400000"/>
-            <a:headEnd/>
-            <a:tailEnd/>
-          </a:ln>
-        </p:spPr>
-      </p:pic>
+              <a:t> vi/vim的三种模式</a:t>
+            </a:r>
+          </a:p>
+        </p:txBody>
+      </p:sp>
+      <p:sp>
+        <p:nvSpPr>
+          <p:cNvPr id="365" name="Shape 365"/>
+          <p:cNvSpPr/>
+          <p:nvPr>
+            <p:ph type="body" idx="1"/>
+          </p:nvPr>
+        </p:nvSpPr>
+        <p:spPr>
+          <a:prstGeom prst="rect">
+            <a:avLst/>
+          </a:prstGeom>
+        </p:spPr>
+        <p:txBody>
+          <a:bodyPr/>
+          <a:lstStyle/>
+          <a:p>
+            <a:pPr marL="533400" indent="-533400" defTabSz="692785">
+              <a:spcBef>
+                <a:spcPts val="4900"/>
+              </a:spcBef>
+              <a:defRPr sz="4300"/>
+            </a:pPr>
+            <a:r>
+              <a:t>命令模式（Command mode），用户刚刚启动vi/vim，便进入了命令模式。此状态下敲击键盘动作会被vim识别为命令，而非输入字符。比如我们此时按下i，并不会输入一个字符，i被当作了一个命令。命令模式只有一些最基本的命令，因此仍要依靠底线命令模式输入更多命令</a:t>
+            </a:r>
+          </a:p>
+          <a:p>
+            <a:pPr marL="533400" indent="-533400" defTabSz="692785">
+              <a:spcBef>
+                <a:spcPts val="4900"/>
+              </a:spcBef>
+              <a:defRPr sz="4300"/>
+            </a:pPr>
+            <a:r>
+              <a:t>输入模式（Insert mode），在命令模式下按下i就进入了输入模式，按ESC退出输入模式，切换到命令模式。</a:t>
+            </a:r>
+          </a:p>
+          <a:p>
+            <a:pPr marL="533400" indent="-533400" defTabSz="692785">
+              <a:spcBef>
+                <a:spcPts val="4900"/>
+              </a:spcBef>
+              <a:defRPr sz="4300"/>
+            </a:pPr>
+            <a:r>
+              <a:t>底线命令模式（Last line mode），在命令模式下按下:（英文冒号）就进入了底线命令模式。底线命令模式可以输入单个或多个字符的命令，可用的命令非常多。基本的命令有q（退出程序）、w（保存文件）等。按ESC键可随时退出底线命令模式。</a:t>
+            </a:r>
+          </a:p>
+        </p:txBody>
+      </p:sp>
     </p:spTree>
   </p:cSld>
   <p:clrMapOvr>
@@ -9995,7 +9973,7 @@
       </p:grpSpPr>
       <p:sp>
         <p:nvSpPr>
-          <p:cNvPr id="370" name="Shape 370"/>
+          <p:cNvPr id="367" name="Shape 367"/>
           <p:cNvSpPr/>
           <p:nvPr>
             <p:ph type="title"/>
@@ -10011,84 +9989,40 @@
           <a:lstStyle/>
           <a:p>
             <a:r>
-              <a:t>第三关：移动光标的基本方法</a:t>
-            </a:r>
-          </a:p>
-        </p:txBody>
-      </p:sp>
-      <p:sp>
-        <p:nvSpPr>
-          <p:cNvPr id="371" name="Shape 371"/>
-          <p:cNvSpPr/>
-          <p:nvPr>
-            <p:ph type="body" idx="1"/>
-          </p:nvPr>
-        </p:nvSpPr>
-        <p:spPr>
-          <a:prstGeom prst="rect">
-            <a:avLst/>
-          </a:prstGeom>
-        </p:spPr>
-        <p:txBody>
-          <a:bodyPr/>
-          <a:lstStyle/>
-          <a:p>
-            <a:pPr marL="552450" indent="-552450" defTabSz="717550">
-              <a:spcBef>
-                <a:spcPts val="5100"/>
-              </a:spcBef>
-              <a:defRPr sz="4500"/>
-            </a:pPr>
-            <a:r>
-              <a:t>h 或 向左箭头键(←)	光标向左移动一个字符</a:t>
-            </a:r>
-          </a:p>
-          <a:p>
-            <a:pPr marL="552450" indent="-552450" defTabSz="717550">
-              <a:spcBef>
-                <a:spcPts val="5100"/>
-              </a:spcBef>
-              <a:defRPr sz="4500"/>
-            </a:pPr>
-            <a:r>
-              <a:t>j 或 向下箭头键(↓)	光标向下移动一个字符</a:t>
-            </a:r>
-          </a:p>
-          <a:p>
-            <a:pPr marL="552450" indent="-552450" defTabSz="717550">
-              <a:spcBef>
-                <a:spcPts val="5100"/>
-              </a:spcBef>
-              <a:defRPr sz="4500"/>
-            </a:pPr>
-            <a:r>
-              <a:t>k 或 向上箭头键(↑)	光标向上移动一个字符</a:t>
-            </a:r>
-          </a:p>
-          <a:p>
-            <a:pPr marL="552450" indent="-552450" defTabSz="717550">
-              <a:spcBef>
-                <a:spcPts val="5100"/>
-              </a:spcBef>
-              <a:defRPr sz="4500"/>
-            </a:pPr>
-            <a:r>
-              <a:t>l 或 向右箭头键(→)	光标向右移动一个字符</a:t>
-            </a:r>
-          </a:p>
-          <a:p>
-            <a:pPr marL="552450" indent="-552450" defTabSz="717550">
-              <a:spcBef>
-                <a:spcPts val="5100"/>
-              </a:spcBef>
-              <a:defRPr sz="4500"/>
-            </a:pPr>
-            <a:r>
-              <a:t>如果你将右手放在键盘上的话，你会发现 hjkl 是排列在一起的，因此可以使用这四个按钮来移动光标。 如果想要进行多次移动的话，例如向下移动 30 行，可以使用 "30j" 或 "30↓" 的组合按键， 亦即加上想要进行的次数(数字)后，按下动作即可！</a:t>
-            </a:r>
-          </a:p>
-        </p:txBody>
-      </p:sp>
+              <a:t> 第二关：三种模式之间的切换</a:t>
+            </a:r>
+          </a:p>
+        </p:txBody>
+      </p:sp>
+      <p:pic>
+        <p:nvPicPr>
+          <p:cNvPr id="368" name="image18.png"/>
+          <p:cNvPicPr>
+            <a:picLocks noChangeAspect="1"/>
+          </p:cNvPicPr>
+          <p:nvPr/>
+        </p:nvPicPr>
+        <p:blipFill>
+          <a:blip r:embed="rId1"/>
+          <a:stretch>
+            <a:fillRect/>
+          </a:stretch>
+        </p:blipFill>
+        <p:spPr>
+          <a:xfrm>
+            <a:off x="3369704" y="3403246"/>
+            <a:ext cx="16960230" cy="9772761"/>
+          </a:xfrm>
+          <a:prstGeom prst="rect">
+            <a:avLst/>
+          </a:prstGeom>
+          <a:ln w="12700">
+            <a:miter lim="400000"/>
+            <a:headEnd/>
+            <a:tailEnd/>
+          </a:ln>
+        </p:spPr>
+      </p:pic>
     </p:spTree>
   </p:cSld>
   <p:clrMapOvr>
@@ -10124,7 +10058,7 @@
       </p:grpSpPr>
       <p:sp>
         <p:nvSpPr>
-          <p:cNvPr id="373" name="Shape 373"/>
+          <p:cNvPr id="370" name="Shape 370"/>
           <p:cNvSpPr/>
           <p:nvPr>
             <p:ph type="title"/>
@@ -10140,14 +10074,14 @@
           <a:lstStyle/>
           <a:p>
             <a:r>
-              <a:t>第四关：移动光标的更多方法</a:t>
-            </a:r>
-          </a:p>
-        </p:txBody>
-      </p:sp>
-      <p:sp>
-        <p:nvSpPr>
-          <p:cNvPr id="374" name="Shape 374"/>
+              <a:t>第三关：移动光标的基本方法</a:t>
+            </a:r>
+          </a:p>
+        </p:txBody>
+      </p:sp>
+      <p:sp>
+        <p:nvSpPr>
+          <p:cNvPr id="371" name="Shape 371"/>
           <p:cNvSpPr/>
           <p:nvPr>
             <p:ph type="body" idx="1"/>
@@ -10162,113 +10096,58 @@
           <a:bodyPr/>
           <a:lstStyle/>
           <a:p>
-            <a:pPr marL="336550" indent="-336550" defTabSz="436880">
-              <a:spcBef>
-                <a:spcPts val="3100"/>
-              </a:spcBef>
-              <a:defRPr sz="2700"/>
-            </a:pPr>
-            <a:r>
-              <a:t>n&lt;space&gt;	那个 n 表示『数字』，例如 20 。按下数字后再按空格键，光标会向右移动这一行的 n 个字符。例如 20&lt;space&gt; 则光标会向后面移动 20 个字符距离。</a:t>
-            </a:r>
-          </a:p>
-          <a:p>
-            <a:pPr marL="336550" indent="-336550" defTabSz="436880">
-              <a:spcBef>
-                <a:spcPts val="3100"/>
-              </a:spcBef>
-              <a:defRPr sz="2700"/>
-            </a:pPr>
-            <a:r>
-              <a:t>0 或功能键[Home]	这是数字『 0 』：移动到这一行的最前面字符处 (常用)</a:t>
-            </a:r>
-          </a:p>
-          <a:p>
-            <a:pPr marL="336550" indent="-336550" defTabSz="436880">
-              <a:spcBef>
-                <a:spcPts val="3100"/>
-              </a:spcBef>
-              <a:defRPr sz="2700"/>
-            </a:pPr>
-            <a:r>
-              <a:t>$ 或功能键[End]	移动到这一行的最后面字符处(常用)</a:t>
-            </a:r>
-          </a:p>
-          <a:p>
-            <a:pPr marL="336550" indent="-336550" defTabSz="436880">
-              <a:spcBef>
-                <a:spcPts val="3100"/>
-              </a:spcBef>
-              <a:defRPr sz="2700"/>
-            </a:pPr>
-            <a:r>
-              <a:t>H	光标移动到这个屏幕的最上方那一行的第一个字符</a:t>
-            </a:r>
-          </a:p>
-          <a:p>
-            <a:pPr marL="336550" indent="-336550" defTabSz="436880">
-              <a:spcBef>
-                <a:spcPts val="3100"/>
-              </a:spcBef>
-              <a:defRPr sz="2700"/>
-            </a:pPr>
-            <a:r>
-              <a:t>M	光标移动到这个屏幕的中央那一行的第一个字符</a:t>
-            </a:r>
-          </a:p>
-          <a:p>
-            <a:pPr marL="336550" indent="-336550" defTabSz="436880">
-              <a:spcBef>
-                <a:spcPts val="3100"/>
-              </a:spcBef>
-              <a:defRPr sz="2700"/>
-            </a:pPr>
-            <a:r>
-              <a:t>L	光标移动到这个屏幕的最下方那一行的第一个字符</a:t>
-            </a:r>
-          </a:p>
-          <a:p>
-            <a:pPr marL="336550" indent="-336550" defTabSz="436880">
-              <a:spcBef>
-                <a:spcPts val="3100"/>
-              </a:spcBef>
-              <a:defRPr sz="2700"/>
-            </a:pPr>
-            <a:r>
-              <a:t>G	移动到这个档案的最后一行(常用)</a:t>
-            </a:r>
-          </a:p>
-          <a:p>
-            <a:pPr marL="336550" indent="-336550" defTabSz="436880">
-              <a:spcBef>
-                <a:spcPts val="3100"/>
-              </a:spcBef>
-              <a:defRPr sz="2700"/>
-            </a:pPr>
-            <a:r>
-              <a:t>nG	 n为数字。移动到这个档案的第 n 行。例如 20G 则会移动到这个档案的第 20 行</a:t>
-            </a:r>
-          </a:p>
-          <a:p>
-            <a:pPr marL="336550" indent="-336550" defTabSz="436880">
-              <a:spcBef>
-                <a:spcPts val="3100"/>
-              </a:spcBef>
-              <a:defRPr sz="2700"/>
-            </a:pPr>
-            <a:r>
-              <a:t>gg	移动到这个档案的第一行，相当于 1G 啊！ (常用)</a:t>
-            </a:r>
-          </a:p>
-          <a:p>
-            <a:pPr marL="336550" indent="-336550" defTabSz="436880">
-              <a:spcBef>
-                <a:spcPts val="3100"/>
-              </a:spcBef>
-              <a:defRPr sz="2700"/>
-            </a:pPr>
-            <a:r>
-              <a:t>n&lt;Enter&gt;	n 为数字。光标向下移动 n 行(常用)</a:t>
+            <a:pPr marL="552450" indent="-552450" defTabSz="717550">
+              <a:spcBef>
+                <a:spcPts val="5100"/>
+              </a:spcBef>
+              <a:defRPr sz="4500"/>
+            </a:pPr>
+            <a:r>
+              <a:t>h 或 向左箭头键(←)	光标向左移动一个字符</a:t>
+            </a:r>
+          </a:p>
+          <a:p>
+            <a:pPr marL="552450" indent="-552450" defTabSz="717550">
+              <a:spcBef>
+                <a:spcPts val="5100"/>
+              </a:spcBef>
+              <a:defRPr sz="4500"/>
+            </a:pPr>
+            <a:r>
+              <a:t>j 或 向下箭头键(↓)	光标向下移动一个字符</a:t>
+            </a:r>
+          </a:p>
+          <a:p>
+            <a:pPr marL="552450" indent="-552450" defTabSz="717550">
+              <a:spcBef>
+                <a:spcPts val="5100"/>
+              </a:spcBef>
+              <a:defRPr sz="4500"/>
+            </a:pPr>
+            <a:r>
+              <a:t>k 或 向上箭头键(↑)	光标向上移动一个字符</a:t>
+            </a:r>
+          </a:p>
+          <a:p>
+            <a:pPr marL="552450" indent="-552450" defTabSz="717550">
+              <a:spcBef>
+                <a:spcPts val="5100"/>
+              </a:spcBef>
+              <a:defRPr sz="4500"/>
+            </a:pPr>
+            <a:r>
+              <a:t>l 或 向右箭头键(→)	光标向右移动一个字符</a:t>
+            </a:r>
+          </a:p>
+          <a:p>
+            <a:pPr marL="552450" indent="-552450" defTabSz="717550">
+              <a:spcBef>
+                <a:spcPts val="5100"/>
+              </a:spcBef>
+              <a:defRPr sz="4500"/>
+            </a:pPr>
+            <a:r>
+              <a:t>如果你将右手放在键盘上的话，你会发现 hjkl 是排列在一起的，因此可以使用这四个按钮来移动光标。 如果想要进行多次移动的话，例如向下移动 30 行，可以使用 "30j" 或 "30↓" 的组合按键， 亦即加上想要进行的次数(数字)后，按下动作即可！</a:t>
             </a:r>
           </a:p>
         </p:txBody>
@@ -10308,7 +10187,7 @@
       </p:grpSpPr>
       <p:sp>
         <p:nvSpPr>
-          <p:cNvPr id="376" name="Shape 376"/>
+          <p:cNvPr id="373" name="Shape 373"/>
           <p:cNvSpPr/>
           <p:nvPr>
             <p:ph type="title"/>
@@ -10324,14 +10203,14 @@
           <a:lstStyle/>
           <a:p>
             <a:r>
-              <a:t>第五关：删除</a:t>
-            </a:r>
-          </a:p>
-        </p:txBody>
-      </p:sp>
-      <p:sp>
-        <p:nvSpPr>
-          <p:cNvPr id="377" name="Shape 377"/>
+              <a:t>第四关：移动光标的更多方法</a:t>
+            </a:r>
+          </a:p>
+        </p:txBody>
+      </p:sp>
+      <p:sp>
+        <p:nvSpPr>
+          <p:cNvPr id="374" name="Shape 374"/>
           <p:cNvSpPr/>
           <p:nvPr>
             <p:ph type="body" idx="1"/>
@@ -10346,91 +10225,113 @@
           <a:bodyPr/>
           <a:lstStyle/>
           <a:p>
-            <a:pPr marL="419100" indent="-419100" defTabSz="544830">
-              <a:spcBef>
-                <a:spcPts val="3800"/>
-              </a:spcBef>
-              <a:defRPr sz="3400"/>
-            </a:pPr>
-            <a:r>
-              <a:t>x, X	在一行字当中，x 为向后删除一个字符 (相当于 [del] 按键)， X 为向前删除一个字符(相当于 [backspace] 亦即是退格键) (常用)</a:t>
-            </a:r>
-          </a:p>
-          <a:p>
-            <a:pPr marL="419100" indent="-419100" defTabSz="544830">
-              <a:spcBef>
-                <a:spcPts val="3800"/>
-              </a:spcBef>
-              <a:defRPr sz="3400"/>
-            </a:pPr>
-            <a:r>
-              <a:t>nx	n 为数字，连续向后删除 n 个字符。举例来说，我要连续删除 10 个字符， 『10x』。</a:t>
-            </a:r>
-          </a:p>
-          <a:p>
-            <a:pPr marL="419100" indent="-419100" defTabSz="544830">
-              <a:spcBef>
-                <a:spcPts val="3800"/>
-              </a:spcBef>
-              <a:defRPr sz="3400"/>
-            </a:pPr>
-            <a:r>
-              <a:t>dd	删除游标所在的那一整行(常用)</a:t>
-            </a:r>
-          </a:p>
-          <a:p>
-            <a:pPr marL="419100" indent="-419100" defTabSz="544830">
-              <a:spcBef>
-                <a:spcPts val="3800"/>
-              </a:spcBef>
-              <a:defRPr sz="3400"/>
-            </a:pPr>
-            <a:r>
-              <a:t>ndd	n 为数字。删除光标所在的向下 n 行，例如 20dd 则是删除 20 行 (常用)</a:t>
-            </a:r>
-          </a:p>
-          <a:p>
-            <a:pPr marL="419100" indent="-419100" defTabSz="544830">
-              <a:spcBef>
-                <a:spcPts val="3800"/>
-              </a:spcBef>
-              <a:defRPr sz="3400"/>
-            </a:pPr>
-            <a:r>
-              <a:t>d1G	删除光标所在到第一行的所有数据</a:t>
-            </a:r>
-          </a:p>
-          <a:p>
-            <a:pPr marL="419100" indent="-419100" defTabSz="544830">
-              <a:spcBef>
-                <a:spcPts val="3800"/>
-              </a:spcBef>
-              <a:defRPr sz="3400"/>
-            </a:pPr>
-            <a:r>
-              <a:t>dG	删除光标所在到最后一行的所有数据</a:t>
-            </a:r>
-          </a:p>
-          <a:p>
-            <a:pPr marL="419100" indent="-419100" defTabSz="544830">
-              <a:spcBef>
-                <a:spcPts val="3800"/>
-              </a:spcBef>
-              <a:defRPr sz="3400"/>
-            </a:pPr>
-            <a:r>
-              <a:t>d$	删除游标所在处，到该行的最后一个字符</a:t>
-            </a:r>
-          </a:p>
-          <a:p>
-            <a:pPr marL="419100" indent="-419100" defTabSz="544830">
-              <a:spcBef>
-                <a:spcPts val="3800"/>
-              </a:spcBef>
-              <a:defRPr sz="3400"/>
-            </a:pPr>
-            <a:r>
-              <a:t>d0	那个是数字的0 ，删除游标所在处，到该行的最前面一个字符</a:t>
+            <a:pPr marL="336550" indent="-336550" defTabSz="436880">
+              <a:spcBef>
+                <a:spcPts val="3100"/>
+              </a:spcBef>
+              <a:defRPr sz="2700"/>
+            </a:pPr>
+            <a:r>
+              <a:t>n&lt;space&gt;	那个 n 表示『数字』，例如 20 。按下数字后再按空格键，光标会向右移动这一行的 n 个字符。例如 20&lt;space&gt; 则光标会向后面移动 20 个字符距离。</a:t>
+            </a:r>
+          </a:p>
+          <a:p>
+            <a:pPr marL="336550" indent="-336550" defTabSz="436880">
+              <a:spcBef>
+                <a:spcPts val="3100"/>
+              </a:spcBef>
+              <a:defRPr sz="2700"/>
+            </a:pPr>
+            <a:r>
+              <a:t>0 或功能键[Home]	这是数字『 0 』：移动到这一行的最前面字符处 (常用)</a:t>
+            </a:r>
+          </a:p>
+          <a:p>
+            <a:pPr marL="336550" indent="-336550" defTabSz="436880">
+              <a:spcBef>
+                <a:spcPts val="3100"/>
+              </a:spcBef>
+              <a:defRPr sz="2700"/>
+            </a:pPr>
+            <a:r>
+              <a:t>$ 或功能键[End]	移动到这一行的最后面字符处(常用)</a:t>
+            </a:r>
+          </a:p>
+          <a:p>
+            <a:pPr marL="336550" indent="-336550" defTabSz="436880">
+              <a:spcBef>
+                <a:spcPts val="3100"/>
+              </a:spcBef>
+              <a:defRPr sz="2700"/>
+            </a:pPr>
+            <a:r>
+              <a:t>H	光标移动到这个屏幕的最上方那一行的第一个字符</a:t>
+            </a:r>
+          </a:p>
+          <a:p>
+            <a:pPr marL="336550" indent="-336550" defTabSz="436880">
+              <a:spcBef>
+                <a:spcPts val="3100"/>
+              </a:spcBef>
+              <a:defRPr sz="2700"/>
+            </a:pPr>
+            <a:r>
+              <a:t>M	光标移动到这个屏幕的中央那一行的第一个字符</a:t>
+            </a:r>
+          </a:p>
+          <a:p>
+            <a:pPr marL="336550" indent="-336550" defTabSz="436880">
+              <a:spcBef>
+                <a:spcPts val="3100"/>
+              </a:spcBef>
+              <a:defRPr sz="2700"/>
+            </a:pPr>
+            <a:r>
+              <a:t>L	光标移动到这个屏幕的最下方那一行的第一个字符</a:t>
+            </a:r>
+          </a:p>
+          <a:p>
+            <a:pPr marL="336550" indent="-336550" defTabSz="436880">
+              <a:spcBef>
+                <a:spcPts val="3100"/>
+              </a:spcBef>
+              <a:defRPr sz="2700"/>
+            </a:pPr>
+            <a:r>
+              <a:t>G	移动到这个档案的最后一行(常用)</a:t>
+            </a:r>
+          </a:p>
+          <a:p>
+            <a:pPr marL="336550" indent="-336550" defTabSz="436880">
+              <a:spcBef>
+                <a:spcPts val="3100"/>
+              </a:spcBef>
+              <a:defRPr sz="2700"/>
+            </a:pPr>
+            <a:r>
+              <a:t>nG	 n为数字。移动到这个档案的第 n 行。例如 20G 则会移动到这个档案的第 20 行</a:t>
+            </a:r>
+          </a:p>
+          <a:p>
+            <a:pPr marL="336550" indent="-336550" defTabSz="436880">
+              <a:spcBef>
+                <a:spcPts val="3100"/>
+              </a:spcBef>
+              <a:defRPr sz="2700"/>
+            </a:pPr>
+            <a:r>
+              <a:t>gg	移动到这个档案的第一行，相当于 1G 啊！ (常用)</a:t>
+            </a:r>
+          </a:p>
+          <a:p>
+            <a:pPr marL="336550" indent="-336550" defTabSz="436880">
+              <a:spcBef>
+                <a:spcPts val="3100"/>
+              </a:spcBef>
+              <a:defRPr sz="2700"/>
+            </a:pPr>
+            <a:r>
+              <a:t>n&lt;Enter&gt;	n 为数字。光标向下移动 n 行(常用)</a:t>
             </a:r>
           </a:p>
         </p:txBody>
@@ -10470,7 +10371,7 @@
       </p:grpSpPr>
       <p:sp>
         <p:nvSpPr>
-          <p:cNvPr id="379" name="Shape 379"/>
+          <p:cNvPr id="376" name="Shape 376"/>
           <p:cNvSpPr/>
           <p:nvPr>
             <p:ph type="title"/>
@@ -10486,14 +10387,14 @@
           <a:lstStyle/>
           <a:p>
             <a:r>
-              <a:t>第六关：复制与粘贴</a:t>
-            </a:r>
-          </a:p>
-        </p:txBody>
-      </p:sp>
-      <p:sp>
-        <p:nvSpPr>
-          <p:cNvPr id="380" name="Shape 380"/>
+              <a:t>第五关：删除</a:t>
+            </a:r>
+          </a:p>
+        </p:txBody>
+      </p:sp>
+      <p:sp>
+        <p:nvSpPr>
+          <p:cNvPr id="377" name="Shape 377"/>
           <p:cNvSpPr/>
           <p:nvPr>
             <p:ph type="body" idx="1"/>
@@ -10508,80 +10409,91 @@
           <a:bodyPr/>
           <a:lstStyle/>
           <a:p>
-            <a:pPr marL="444500" indent="-444500" defTabSz="577850">
-              <a:spcBef>
-                <a:spcPts val="4100"/>
-              </a:spcBef>
-              <a:defRPr sz="3600"/>
-            </a:pPr>
-            <a:r>
-              <a:t>yy	复制游标所在的那一行(常用)</a:t>
-            </a:r>
-          </a:p>
-          <a:p>
-            <a:pPr marL="444500" indent="-444500" defTabSz="577850">
-              <a:spcBef>
-                <a:spcPts val="4100"/>
-              </a:spcBef>
-              <a:defRPr sz="3600"/>
-            </a:pPr>
-            <a:r>
-              <a:t>p, P	 p为将已复制的数据在光标下一行贴上，P则为贴在游标上一行！ 举例来说，我目前光标在第 20 行，且已经复制了 10 行数据。则按下 p 后， 那 10 行数据会贴在原本的 20 行之后，亦即由 21 行开始贴。但如果是按下 P 呢？ 那么原本的第 20 行会被推到变成 30 行。 (常用)</a:t>
-            </a:r>
-          </a:p>
-          <a:p>
-            <a:pPr marL="444500" indent="-444500" defTabSz="577850">
-              <a:spcBef>
-                <a:spcPts val="4100"/>
-              </a:spcBef>
-              <a:defRPr sz="3600"/>
-            </a:pPr>
-            <a:r>
-              <a:t>nyy	  n 为数字。复制光标所在的向下 n 行，例如 20yy 则是复制 20 行(常用)</a:t>
-            </a:r>
-          </a:p>
-          <a:p>
-            <a:pPr marL="444500" indent="-444500" defTabSz="577850">
-              <a:spcBef>
-                <a:spcPts val="4100"/>
-              </a:spcBef>
-              <a:defRPr sz="3600"/>
-            </a:pPr>
-            <a:r>
-              <a:t>y1G	复制游标所在行到第一行的所有数据</a:t>
-            </a:r>
-          </a:p>
-          <a:p>
-            <a:pPr marL="444500" indent="-444500" defTabSz="577850">
-              <a:spcBef>
-                <a:spcPts val="4100"/>
-              </a:spcBef>
-              <a:defRPr sz="3600"/>
-            </a:pPr>
-            <a:r>
-              <a:t>yG	复制游标所在行到最后一行的所有数据</a:t>
-            </a:r>
-          </a:p>
-          <a:p>
-            <a:pPr marL="444500" indent="-444500" defTabSz="577850">
-              <a:spcBef>
-                <a:spcPts val="4100"/>
-              </a:spcBef>
-              <a:defRPr sz="3600"/>
-            </a:pPr>
-            <a:r>
-              <a:t>y0	复制光标所在的那个字符到该行行首的所有数据</a:t>
-            </a:r>
-          </a:p>
-          <a:p>
-            <a:pPr marL="444500" indent="-444500" defTabSz="577850">
-              <a:spcBef>
-                <a:spcPts val="4100"/>
-              </a:spcBef>
-              <a:defRPr sz="3600"/>
-            </a:pPr>
-            <a:r>
-              <a:t>y$	复制光标所在的那个字符到该行行尾的所有数据</a:t>
+            <a:pPr marL="419100" indent="-419100" defTabSz="544830">
+              <a:spcBef>
+                <a:spcPts val="3800"/>
+              </a:spcBef>
+              <a:defRPr sz="3400"/>
+            </a:pPr>
+            <a:r>
+              <a:t>x, X	在一行字当中，x 为向后删除一个字符 (相当于 [del] 按键)， X 为向前删除一个字符(相当于 [backspace] 亦即是退格键) (常用)</a:t>
+            </a:r>
+          </a:p>
+          <a:p>
+            <a:pPr marL="419100" indent="-419100" defTabSz="544830">
+              <a:spcBef>
+                <a:spcPts val="3800"/>
+              </a:spcBef>
+              <a:defRPr sz="3400"/>
+            </a:pPr>
+            <a:r>
+              <a:t>nx	n 为数字，连续向后删除 n 个字符。举例来说，我要连续删除 10 个字符， 『10x』。</a:t>
+            </a:r>
+          </a:p>
+          <a:p>
+            <a:pPr marL="419100" indent="-419100" defTabSz="544830">
+              <a:spcBef>
+                <a:spcPts val="3800"/>
+              </a:spcBef>
+              <a:defRPr sz="3400"/>
+            </a:pPr>
+            <a:r>
+              <a:t>dd	删除游标所在的那一整行(常用)</a:t>
+            </a:r>
+          </a:p>
+          <a:p>
+            <a:pPr marL="419100" indent="-419100" defTabSz="544830">
+              <a:spcBef>
+                <a:spcPts val="3800"/>
+              </a:spcBef>
+              <a:defRPr sz="3400"/>
+            </a:pPr>
+            <a:r>
+              <a:t>ndd	n 为数字。删除光标所在的向下 n 行，例如 20dd 则是删除 20 行 (常用)</a:t>
+            </a:r>
+          </a:p>
+          <a:p>
+            <a:pPr marL="419100" indent="-419100" defTabSz="544830">
+              <a:spcBef>
+                <a:spcPts val="3800"/>
+              </a:spcBef>
+              <a:defRPr sz="3400"/>
+            </a:pPr>
+            <a:r>
+              <a:t>d1G	删除光标所在到第一行的所有数据</a:t>
+            </a:r>
+          </a:p>
+          <a:p>
+            <a:pPr marL="419100" indent="-419100" defTabSz="544830">
+              <a:spcBef>
+                <a:spcPts val="3800"/>
+              </a:spcBef>
+              <a:defRPr sz="3400"/>
+            </a:pPr>
+            <a:r>
+              <a:t>dG	删除光标所在到最后一行的所有数据</a:t>
+            </a:r>
+          </a:p>
+          <a:p>
+            <a:pPr marL="419100" indent="-419100" defTabSz="544830">
+              <a:spcBef>
+                <a:spcPts val="3800"/>
+              </a:spcBef>
+              <a:defRPr sz="3400"/>
+            </a:pPr>
+            <a:r>
+              <a:t>d$	删除游标所在处，到该行的最后一个字符</a:t>
+            </a:r>
+          </a:p>
+          <a:p>
+            <a:pPr marL="419100" indent="-419100" defTabSz="544830">
+              <a:spcBef>
+                <a:spcPts val="3800"/>
+              </a:spcBef>
+              <a:defRPr sz="3400"/>
+            </a:pPr>
+            <a:r>
+              <a:t>d0	那个是数字的0 ，删除游标所在处，到该行的最前面一个字符</a:t>
             </a:r>
           </a:p>
         </p:txBody>
@@ -10621,7 +10533,7 @@
       </p:grpSpPr>
       <p:sp>
         <p:nvSpPr>
-          <p:cNvPr id="382" name="Shape 382"/>
+          <p:cNvPr id="379" name="Shape 379"/>
           <p:cNvSpPr/>
           <p:nvPr>
             <p:ph type="title"/>
@@ -10637,14 +10549,14 @@
           <a:lstStyle/>
           <a:p>
             <a:r>
-              <a:t>第七关：复原和重做</a:t>
-            </a:r>
-          </a:p>
-        </p:txBody>
-      </p:sp>
-      <p:sp>
-        <p:nvSpPr>
-          <p:cNvPr id="383" name="Shape 383"/>
+              <a:t>第六关：复制与粘贴</a:t>
+            </a:r>
+          </a:p>
+        </p:txBody>
+      </p:sp>
+      <p:sp>
+        <p:nvSpPr>
+          <p:cNvPr id="380" name="Shape 380"/>
           <p:cNvSpPr/>
           <p:nvPr>
             <p:ph type="body" idx="1"/>
@@ -10658,20 +10570,81 @@
         <p:txBody>
           <a:bodyPr/>
           <a:lstStyle/>
-          <a:p/>
-          <a:p>
-            <a:r>
-              <a:t>u	复原前一个动作。(常用)</a:t>
-            </a:r>
-          </a:p>
-          <a:p>
-            <a:r>
-              <a:t>[Ctrl]+r	重做上一个动作。(常用) </a:t>
-            </a:r>
-          </a:p>
-          <a:p>
-            <a:r>
-              <a:t>这个 u 与 [Ctrl]+r 是很常用的指令！一个是复原，另一个则是重做一次</a:t>
+          <a:p>
+            <a:pPr marL="444500" indent="-444500" defTabSz="577850">
+              <a:spcBef>
+                <a:spcPts val="4100"/>
+              </a:spcBef>
+              <a:defRPr sz="3600"/>
+            </a:pPr>
+            <a:r>
+              <a:t>yy	复制游标所在的那一行(常用)</a:t>
+            </a:r>
+          </a:p>
+          <a:p>
+            <a:pPr marL="444500" indent="-444500" defTabSz="577850">
+              <a:spcBef>
+                <a:spcPts val="4100"/>
+              </a:spcBef>
+              <a:defRPr sz="3600"/>
+            </a:pPr>
+            <a:r>
+              <a:t>p, P	 p为将已复制的数据在光标下一行贴上，P则为贴在游标上一行！ 举例来说，我目前光标在第 20 行，且已经复制了 10 行数据。则按下 p 后， 那 10 行数据会贴在原本的 20 行之后，亦即由 21 行开始贴。但如果是按下 P 呢？ 那么原本的第 20 行会被推到变成 30 行。 (常用)</a:t>
+            </a:r>
+          </a:p>
+          <a:p>
+            <a:pPr marL="444500" indent="-444500" defTabSz="577850">
+              <a:spcBef>
+                <a:spcPts val="4100"/>
+              </a:spcBef>
+              <a:defRPr sz="3600"/>
+            </a:pPr>
+            <a:r>
+              <a:t>nyy	  n 为数字。复制光标所在的向下 n 行，例如 20yy 则是复制 20 行(常用)</a:t>
+            </a:r>
+          </a:p>
+          <a:p>
+            <a:pPr marL="444500" indent="-444500" defTabSz="577850">
+              <a:spcBef>
+                <a:spcPts val="4100"/>
+              </a:spcBef>
+              <a:defRPr sz="3600"/>
+            </a:pPr>
+            <a:r>
+              <a:t>y1G	复制游标所在行到第一行的所有数据</a:t>
+            </a:r>
+          </a:p>
+          <a:p>
+            <a:pPr marL="444500" indent="-444500" defTabSz="577850">
+              <a:spcBef>
+                <a:spcPts val="4100"/>
+              </a:spcBef>
+              <a:defRPr sz="3600"/>
+            </a:pPr>
+            <a:r>
+              <a:t>yG	复制游标所在行到最后一行的所有数据</a:t>
+            </a:r>
+          </a:p>
+          <a:p>
+            <a:pPr marL="444500" indent="-444500" defTabSz="577850">
+              <a:spcBef>
+                <a:spcPts val="4100"/>
+              </a:spcBef>
+              <a:defRPr sz="3600"/>
+            </a:pPr>
+            <a:r>
+              <a:t>y0	复制光标所在的那个字符到该行行首的所有数据</a:t>
+            </a:r>
+          </a:p>
+          <a:p>
+            <a:pPr marL="444500" indent="-444500" defTabSz="577850">
+              <a:spcBef>
+                <a:spcPts val="4100"/>
+              </a:spcBef>
+              <a:defRPr sz="3600"/>
+            </a:pPr>
+            <a:r>
+              <a:t>y$	复制光标所在的那个字符到该行行尾的所有数据</a:t>
             </a:r>
           </a:p>
         </p:txBody>
@@ -10711,7 +10684,7 @@
       </p:grpSpPr>
       <p:sp>
         <p:nvSpPr>
-          <p:cNvPr id="385" name="Shape 385"/>
+          <p:cNvPr id="382" name="Shape 382"/>
           <p:cNvSpPr/>
           <p:nvPr>
             <p:ph type="title"/>
@@ -10727,14 +10700,14 @@
           <a:lstStyle/>
           <a:p>
             <a:r>
-              <a:t>第八关：自动化执行宏命令</a:t>
-            </a:r>
-          </a:p>
-        </p:txBody>
-      </p:sp>
-      <p:sp>
-        <p:nvSpPr>
-          <p:cNvPr id="386" name="Shape 386"/>
+              <a:t>第七关：复原和重做</a:t>
+            </a:r>
+          </a:p>
+        </p:txBody>
+      </p:sp>
+      <p:sp>
+        <p:nvSpPr>
+          <p:cNvPr id="383" name="Shape 383"/>
           <p:cNvSpPr/>
           <p:nvPr>
             <p:ph type="body" idx="1"/>
@@ -10748,24 +10721,20 @@
         <p:txBody>
           <a:bodyPr/>
           <a:lstStyle/>
-          <a:p>
-            <a:r>
-              <a:t>J	将光标所在行与下一行的数据结合成同一行，2Jj则把下面的2行合并为一行并将光标下移一行</a:t>
-            </a:r>
-          </a:p>
-          <a:p>
-            <a:r>
-              <a:t>在normal mode下q[a-z]开始录制宏命令，再次按q结束宏命令定义。</a:t>
-            </a:r>
-          </a:p>
-          <a:p>
-            <a:r>
-              <a:t>qa2Jjq，q-开始录制宏；a-宏的编号是a，最后一个q-结束宏定义</a:t>
-            </a:r>
-          </a:p>
-          <a:p>
-            <a:r>
-              <a:t>3@a，执行三次a宏</a:t>
+          <a:p/>
+          <a:p>
+            <a:r>
+              <a:t>u	复原前一个动作。(常用)</a:t>
+            </a:r>
+          </a:p>
+          <a:p>
+            <a:r>
+              <a:t>[Ctrl]+r	重做上一个动作。(常用) </a:t>
+            </a:r>
+          </a:p>
+          <a:p>
+            <a:r>
+              <a:t>这个 u 与 [Ctrl]+r 是很常用的指令！一个是复原，另一个则是重做一次</a:t>
             </a:r>
           </a:p>
         </p:txBody>
@@ -10805,7 +10774,7 @@
       </p:grpSpPr>
       <p:sp>
         <p:nvSpPr>
-          <p:cNvPr id="388" name="Shape 388"/>
+          <p:cNvPr id="385" name="Shape 385"/>
           <p:cNvSpPr/>
           <p:nvPr>
             <p:ph type="title"/>
@@ -10821,14 +10790,14 @@
           <a:lstStyle/>
           <a:p>
             <a:r>
-              <a:t>第九关：基本搜索</a:t>
-            </a:r>
-          </a:p>
-        </p:txBody>
-      </p:sp>
-      <p:sp>
-        <p:nvSpPr>
-          <p:cNvPr id="389" name="Shape 389"/>
+              <a:t>第八关：自动化执行宏命令</a:t>
+            </a:r>
+          </a:p>
+        </p:txBody>
+      </p:sp>
+      <p:sp>
+        <p:nvSpPr>
+          <p:cNvPr id="386" name="Shape 386"/>
           <p:cNvSpPr/>
           <p:nvPr>
             <p:ph type="body" idx="1"/>
@@ -10843,58 +10812,23 @@
           <a:bodyPr/>
           <a:lstStyle/>
           <a:p>
-            <a:pPr marL="496570" indent="-496570" defTabSz="645160">
-              <a:spcBef>
-                <a:spcPts val="4500"/>
-              </a:spcBef>
-              <a:defRPr sz="4000"/>
-            </a:pPr>
-            <a:r>
-              <a:t>/word	向光标之下寻找一个名称为 word 的字符串。例如要在档案内搜寻 vbird 这个字符串，就输入 /vbird 即可！ (常用)</a:t>
-            </a:r>
-          </a:p>
-          <a:p>
-            <a:pPr marL="496570" indent="-496570" defTabSz="645160">
-              <a:spcBef>
-                <a:spcPts val="4500"/>
-              </a:spcBef>
-              <a:defRPr sz="4000"/>
-            </a:pPr>
-            <a:r>
-              <a:t>?word	向光标之上寻找一个字符串名称为 word 的字符串。</a:t>
-            </a:r>
-          </a:p>
-          <a:p>
-            <a:pPr marL="496570" indent="-496570" defTabSz="645160">
-              <a:spcBef>
-                <a:spcPts val="4500"/>
-              </a:spcBef>
-              <a:defRPr sz="4000"/>
-            </a:pPr>
-            <a:r>
-              <a:t>n	这个 n 是英文按键。代表重复前一个搜寻的动作。举例来说， 如果刚刚我们执行 /vbird 去向下搜寻 vbird 这个字符串，则按下 n 后，会向下继续搜寻下一个名称为 vbird 的字符串。如果是执行 ?vbird 的话，那么按下 n 则会向上继续搜寻名称为 vbird 的字符串！</a:t>
-            </a:r>
-          </a:p>
-          <a:p>
-            <a:pPr marL="496570" indent="-496570" defTabSz="645160">
-              <a:spcBef>
-                <a:spcPts val="4500"/>
-              </a:spcBef>
-              <a:defRPr sz="4000"/>
-            </a:pPr>
-            <a:r>
-              <a:t>N	这个 N 是英文按键。与 n 刚好相反，为『反向』进行前一个搜寻动作。 例如 /vbird 后，按下 N 则表示『向上』搜寻 vbird 。</a:t>
-            </a:r>
-          </a:p>
-          <a:p>
-            <a:pPr marL="496570" indent="-496570" defTabSz="645160">
-              <a:spcBef>
-                <a:spcPts val="4500"/>
-              </a:spcBef>
-              <a:defRPr sz="4000"/>
-            </a:pPr>
-            <a:r>
-              <a:t>使用 /word 配合 n 及 N 是非常有帮助的！可以让你重复的找到一些你搜寻的关键词！</a:t>
+            <a:r>
+              <a:t>J	将光标所在行与下一行的数据结合成同一行，2Jj则把下面的2行合并为一行并将光标下移一行</a:t>
+            </a:r>
+          </a:p>
+          <a:p>
+            <a:r>
+              <a:t>在normal mode下q[a-z]开始录制宏命令，再次按q结束宏命令定义。</a:t>
+            </a:r>
+          </a:p>
+          <a:p>
+            <a:r>
+              <a:t>qa2Jjq，q-开始录制宏；a-宏的编号是a，最后一个q-结束宏定义</a:t>
+            </a:r>
+          </a:p>
+          <a:p>
+            <a:r>
+              <a:t>3@a，执行三次a宏</a:t>
             </a:r>
           </a:p>
         </p:txBody>
@@ -10934,7 +10868,7 @@
       </p:grpSpPr>
       <p:sp>
         <p:nvSpPr>
-          <p:cNvPr id="391" name="Shape 391"/>
+          <p:cNvPr id="388" name="Shape 388"/>
           <p:cNvSpPr/>
           <p:nvPr>
             <p:ph type="title"/>
@@ -10950,14 +10884,14 @@
           <a:lstStyle/>
           <a:p>
             <a:r>
-              <a:t>第十关：基本搜索替换</a:t>
-            </a:r>
-          </a:p>
-        </p:txBody>
-      </p:sp>
-      <p:sp>
-        <p:nvSpPr>
-          <p:cNvPr id="392" name="Shape 392"/>
+              <a:t>第九关：基本搜索</a:t>
+            </a:r>
+          </a:p>
+        </p:txBody>
+      </p:sp>
+      <p:sp>
+        <p:nvSpPr>
+          <p:cNvPr id="389" name="Shape 389"/>
           <p:cNvSpPr/>
           <p:nvPr>
             <p:ph type="body" idx="1"/>
@@ -10972,58 +10906,58 @@
           <a:bodyPr/>
           <a:lstStyle/>
           <a:p>
-            <a:pPr marL="476250" indent="-476250" defTabSz="619125">
-              <a:spcBef>
-                <a:spcPts val="4400"/>
-              </a:spcBef>
-              <a:defRPr sz="3900"/>
-            </a:pPr>
-            <a:r>
-              <a:t>:n1,n2s/word1/word2/g	n1 与 n2 为数字。在第 n1 与 n2 行之间寻找 word1 这个字符串，并将该字符串取代为 word2 ！举例来说，在 100 到 200 行之间搜寻 vbird 并取代为 VBIRD 则：『:100,200s/vbird/VBIRD/g』。(常用)</a:t>
-            </a:r>
-          </a:p>
-          <a:p>
-            <a:pPr marL="476250" indent="-476250" defTabSz="619125">
-              <a:spcBef>
-                <a:spcPts val="4400"/>
-              </a:spcBef>
-              <a:defRPr sz="3900"/>
-            </a:pPr>
-            <a:r>
-              <a:t>s是substitute的简写，表示执行替换字符串操作</a:t>
-            </a:r>
-          </a:p>
-          <a:p>
-            <a:pPr marL="476250" indent="-476250" defTabSz="619125">
-              <a:spcBef>
-                <a:spcPts val="4400"/>
-              </a:spcBef>
-              <a:defRPr sz="3900"/>
-            </a:pPr>
-            <a:r>
-              <a:t>g(global)表示全局替换;c(comfirm)表示操作时需要确认;i(ignorecase)表示不区分大小写</a:t>
-            </a:r>
-          </a:p>
-          <a:p>
-            <a:pPr marL="476250" indent="-476250" defTabSz="619125">
-              <a:spcBef>
-                <a:spcPts val="4400"/>
-              </a:spcBef>
-              <a:defRPr sz="3900"/>
-            </a:pPr>
-            <a:r>
-              <a:t>:1,$s/word1/word2/g 或 :%s/word1/word2/g	从第一行到最后一行寻找 word1 字符串，并将该字符串取代为 word2 ！(常用)</a:t>
-            </a:r>
-          </a:p>
-          <a:p>
-            <a:pPr marL="476250" indent="-476250" defTabSz="619125">
-              <a:spcBef>
-                <a:spcPts val="4400"/>
-              </a:spcBef>
-              <a:defRPr sz="3900"/>
-            </a:pPr>
-            <a:r>
-              <a:t>:1,$s/word1/word2/gc 或 :%s/word1/word2/gc	从第一行到最后一行寻找 word1 字符串，并将该字符串取代为 word2 ！且在取代前显示提示字符给用户确认 (confirm) 是否需要取代！(常用)</a:t>
+            <a:pPr marL="496570" indent="-496570" defTabSz="645160">
+              <a:spcBef>
+                <a:spcPts val="4500"/>
+              </a:spcBef>
+              <a:defRPr sz="4000"/>
+            </a:pPr>
+            <a:r>
+              <a:t>/word	向光标之下寻找一个名称为 word 的字符串。例如要在档案内搜寻 vbird 这个字符串，就输入 /vbird 即可！ (常用)</a:t>
+            </a:r>
+          </a:p>
+          <a:p>
+            <a:pPr marL="496570" indent="-496570" defTabSz="645160">
+              <a:spcBef>
+                <a:spcPts val="4500"/>
+              </a:spcBef>
+              <a:defRPr sz="4000"/>
+            </a:pPr>
+            <a:r>
+              <a:t>?word	向光标之上寻找一个字符串名称为 word 的字符串。</a:t>
+            </a:r>
+          </a:p>
+          <a:p>
+            <a:pPr marL="496570" indent="-496570" defTabSz="645160">
+              <a:spcBef>
+                <a:spcPts val="4500"/>
+              </a:spcBef>
+              <a:defRPr sz="4000"/>
+            </a:pPr>
+            <a:r>
+              <a:t>n	这个 n 是英文按键。代表重复前一个搜寻的动作。举例来说， 如果刚刚我们执行 /vbird 去向下搜寻 vbird 这个字符串，则按下 n 后，会向下继续搜寻下一个名称为 vbird 的字符串。如果是执行 ?vbird 的话，那么按下 n 则会向上继续搜寻名称为 vbird 的字符串！</a:t>
+            </a:r>
+          </a:p>
+          <a:p>
+            <a:pPr marL="496570" indent="-496570" defTabSz="645160">
+              <a:spcBef>
+                <a:spcPts val="4500"/>
+              </a:spcBef>
+              <a:defRPr sz="4000"/>
+            </a:pPr>
+            <a:r>
+              <a:t>N	这个 N 是英文按键。与 n 刚好相反，为『反向』进行前一个搜寻动作。 例如 /vbird 后，按下 N 则表示『向上』搜寻 vbird 。</a:t>
+            </a:r>
+          </a:p>
+          <a:p>
+            <a:pPr marL="496570" indent="-496570" defTabSz="645160">
+              <a:spcBef>
+                <a:spcPts val="4500"/>
+              </a:spcBef>
+              <a:defRPr sz="4000"/>
+            </a:pPr>
+            <a:r>
+              <a:t>使用 /word 配合 n 及 N 是非常有帮助的！可以让你重复的找到一些你搜寻的关键词！</a:t>
             </a:r>
           </a:p>
         </p:txBody>
@@ -11063,7 +10997,7 @@
       </p:grpSpPr>
       <p:sp>
         <p:nvSpPr>
-          <p:cNvPr id="394" name="Shape 394"/>
+          <p:cNvPr id="391" name="Shape 391"/>
           <p:cNvSpPr/>
           <p:nvPr>
             <p:ph type="title"/>
@@ -11079,14 +11013,14 @@
           <a:lstStyle/>
           <a:p>
             <a:r>
-              <a:t>第十一关：切换到编辑模式</a:t>
-            </a:r>
-          </a:p>
-        </p:txBody>
-      </p:sp>
-      <p:sp>
-        <p:nvSpPr>
-          <p:cNvPr id="395" name="Shape 395"/>
+              <a:t>第十关：基本搜索替换</a:t>
+            </a:r>
+          </a:p>
+        </p:txBody>
+      </p:sp>
+      <p:sp>
+        <p:nvSpPr>
+          <p:cNvPr id="392" name="Shape 392"/>
           <p:cNvSpPr/>
           <p:nvPr>
             <p:ph type="body" idx="1"/>
@@ -11101,113 +11035,58 @@
           <a:bodyPr/>
           <a:lstStyle/>
           <a:p>
-            <a:pPr marL="336550" indent="-336550" defTabSz="436880">
-              <a:spcBef>
-                <a:spcPts val="3100"/>
-              </a:spcBef>
-              <a:defRPr sz="2700"/>
-            </a:pPr>
-            <a:r>
-              <a:t>i, I	进入输入模式(Insert mode)：</a:t>
-            </a:r>
-          </a:p>
-          <a:p>
-            <a:pPr marL="336550" indent="-336550" defTabSz="436880">
-              <a:spcBef>
-                <a:spcPts val="3100"/>
-              </a:spcBef>
-              <a:defRPr sz="2700"/>
-            </a:pPr>
-            <a:r>
-              <a:t>i 为『从目前光标所在处输入』， I 为『在目前所在行的第一个非空格符处开始输入』。 (常用)</a:t>
-            </a:r>
-          </a:p>
-          <a:p>
-            <a:pPr marL="336550" indent="-336550" defTabSz="436880">
-              <a:spcBef>
-                <a:spcPts val="3100"/>
-              </a:spcBef>
-              <a:defRPr sz="2700"/>
-            </a:pPr>
-            <a:r>
-              <a:t>a, A	进入输入模式(Insert mode)：</a:t>
-            </a:r>
-          </a:p>
-          <a:p>
-            <a:pPr marL="336550" indent="-336550" defTabSz="436880">
-              <a:spcBef>
-                <a:spcPts val="3100"/>
-              </a:spcBef>
-              <a:defRPr sz="2700"/>
-            </a:pPr>
-            <a:r>
-              <a:t>a 为『从目前光标所在的下一个字符处开始输入』， A 为『从光标所在行的最后一个字符处开始输入』。(常用)</a:t>
-            </a:r>
-          </a:p>
-          <a:p>
-            <a:pPr marL="336550" indent="-336550" defTabSz="436880">
-              <a:spcBef>
-                <a:spcPts val="3100"/>
-              </a:spcBef>
-              <a:defRPr sz="2700"/>
-            </a:pPr>
-            <a:r>
-              <a:t>o, O	进入输入模式(Insert mode)：</a:t>
-            </a:r>
-          </a:p>
-          <a:p>
-            <a:pPr marL="336550" indent="-336550" defTabSz="436880">
-              <a:spcBef>
-                <a:spcPts val="3100"/>
-              </a:spcBef>
-              <a:defRPr sz="2700"/>
-            </a:pPr>
-            <a:r>
-              <a:t>这是英文字母 o 的大小写。o 为『在目前光标所在的下一行处输入新的一行』； O 为在目前光标所在处的上一行输入新的一行！(常用)</a:t>
-            </a:r>
-          </a:p>
-          <a:p>
-            <a:pPr marL="336550" indent="-336550" defTabSz="436880">
-              <a:spcBef>
-                <a:spcPts val="3100"/>
-              </a:spcBef>
-              <a:defRPr sz="2700"/>
-            </a:pPr>
-            <a:r>
-              <a:t>r, R	进入取代模式(Replace mode)：</a:t>
-            </a:r>
-          </a:p>
-          <a:p>
-            <a:pPr marL="336550" indent="-336550" defTabSz="436880">
-              <a:spcBef>
-                <a:spcPts val="3100"/>
-              </a:spcBef>
-              <a:defRPr sz="2700"/>
-            </a:pPr>
-            <a:r>
-              <a:t>r 只会取代光标所在的那一个字符一次；R会一直取代光标所在的文字，直到按下 ESC 为止；(常用)</a:t>
-            </a:r>
-          </a:p>
-          <a:p>
-            <a:pPr marL="336550" indent="-336550" defTabSz="436880">
-              <a:spcBef>
-                <a:spcPts val="3100"/>
-              </a:spcBef>
-              <a:defRPr sz="2700"/>
-            </a:pPr>
-            <a:r>
-              <a:t>[Esc]	退出编辑模式，回到一般模式中(常用)</a:t>
-            </a:r>
-          </a:p>
-          <a:p>
-            <a:pPr marL="336550" indent="-336550" defTabSz="436880">
-              <a:spcBef>
-                <a:spcPts val="3100"/>
-              </a:spcBef>
-              <a:defRPr sz="2700"/>
-            </a:pPr>
-            <a:r>
-              <a:t>编辑模式在vi画面的左下角处会出现『--INSERT--』或『--REPLACE--』的字样</a:t>
+            <a:pPr marL="476250" indent="-476250" defTabSz="619125">
+              <a:spcBef>
+                <a:spcPts val="4400"/>
+              </a:spcBef>
+              <a:defRPr sz="3900"/>
+            </a:pPr>
+            <a:r>
+              <a:t>:n1,n2s/word1/word2/g	n1 与 n2 为数字。在第 n1 与 n2 行之间寻找 word1 这个字符串，并将该字符串取代为 word2 ！举例来说，在 100 到 200 行之间搜寻 vbird 并取代为 VBIRD 则：『:100,200s/vbird/VBIRD/g』。(常用)</a:t>
+            </a:r>
+          </a:p>
+          <a:p>
+            <a:pPr marL="476250" indent="-476250" defTabSz="619125">
+              <a:spcBef>
+                <a:spcPts val="4400"/>
+              </a:spcBef>
+              <a:defRPr sz="3900"/>
+            </a:pPr>
+            <a:r>
+              <a:t>s是substitute的简写，表示执行替换字符串操作</a:t>
+            </a:r>
+          </a:p>
+          <a:p>
+            <a:pPr marL="476250" indent="-476250" defTabSz="619125">
+              <a:spcBef>
+                <a:spcPts val="4400"/>
+              </a:spcBef>
+              <a:defRPr sz="3900"/>
+            </a:pPr>
+            <a:r>
+              <a:t>g(global)表示全局替换;c(comfirm)表示操作时需要确认;i(ignorecase)表示不区分大小写</a:t>
+            </a:r>
+          </a:p>
+          <a:p>
+            <a:pPr marL="476250" indent="-476250" defTabSz="619125">
+              <a:spcBef>
+                <a:spcPts val="4400"/>
+              </a:spcBef>
+              <a:defRPr sz="3900"/>
+            </a:pPr>
+            <a:r>
+              <a:t>:1,$s/word1/word2/g 或 :%s/word1/word2/g	从第一行到最后一行寻找 word1 字符串，并将该字符串取代为 word2 ！(常用)</a:t>
+            </a:r>
+          </a:p>
+          <a:p>
+            <a:pPr marL="476250" indent="-476250" defTabSz="619125">
+              <a:spcBef>
+                <a:spcPts val="4400"/>
+              </a:spcBef>
+              <a:defRPr sz="3900"/>
+            </a:pPr>
+            <a:r>
+              <a:t>:1,$s/word1/word2/gc 或 :%s/word1/word2/gc	从第一行到最后一行寻找 word1 字符串，并将该字符串取代为 word2 ！且在取代前显示提示字符给用户确认 (confirm) 是否需要取代！(常用)</a:t>
             </a:r>
           </a:p>
         </p:txBody>
@@ -11247,7 +11126,7 @@
       </p:grpSpPr>
       <p:sp>
         <p:nvSpPr>
-          <p:cNvPr id="397" name="Shape 397"/>
+          <p:cNvPr id="394" name="Shape 394"/>
           <p:cNvSpPr/>
           <p:nvPr>
             <p:ph type="title"/>
@@ -11263,14 +11142,14 @@
           <a:lstStyle/>
           <a:p>
             <a:r>
-              <a:t>第十二关：命令行模式</a:t>
-            </a:r>
-          </a:p>
-        </p:txBody>
-      </p:sp>
-      <p:sp>
-        <p:nvSpPr>
-          <p:cNvPr id="398" name="Shape 398"/>
+              <a:t>第十一关：切换到编辑模式</a:t>
+            </a:r>
+          </a:p>
+        </p:txBody>
+      </p:sp>
+      <p:sp>
+        <p:nvSpPr>
+          <p:cNvPr id="395" name="Shape 395"/>
           <p:cNvSpPr/>
           <p:nvPr>
             <p:ph type="body" idx="1"/>
@@ -11285,80 +11164,113 @@
           <a:bodyPr/>
           <a:lstStyle/>
           <a:p>
-            <a:pPr marL="482600" indent="-482600" defTabSz="626745">
-              <a:spcBef>
-                <a:spcPts val="4400"/>
-              </a:spcBef>
-              <a:defRPr sz="3900"/>
-            </a:pPr>
-            <a:r>
-              <a:t>:w	将编辑的数据写入硬盘档案中(常用)</a:t>
-            </a:r>
-          </a:p>
-          <a:p>
-            <a:pPr marL="482600" indent="-482600" defTabSz="626745">
-              <a:spcBef>
-                <a:spcPts val="4400"/>
-              </a:spcBef>
-              <a:defRPr sz="3900"/>
-            </a:pPr>
-            <a:r>
-              <a:t>:w!	若文件属性为『只读』时，强制写入该档案。不过，到底能不能写入， 还是跟你对该档案的档案权限有关啊！</a:t>
-            </a:r>
-          </a:p>
-          <a:p>
-            <a:pPr marL="482600" indent="-482600" defTabSz="626745">
-              <a:spcBef>
-                <a:spcPts val="4400"/>
-              </a:spcBef>
-              <a:defRPr sz="3900"/>
-            </a:pPr>
-            <a:r>
-              <a:t>:w [filename]	将编辑的数据储存成另一个档案（类似另存新档）</a:t>
-            </a:r>
-          </a:p>
-          <a:p>
-            <a:pPr marL="482600" indent="-482600" defTabSz="626745">
-              <a:spcBef>
-                <a:spcPts val="4400"/>
-              </a:spcBef>
-              <a:defRPr sz="3900"/>
-            </a:pPr>
-            <a:r>
-              <a:t>:q	离开 vi (常用)</a:t>
-            </a:r>
-          </a:p>
-          <a:p>
-            <a:pPr marL="482600" indent="-482600" defTabSz="626745">
-              <a:spcBef>
-                <a:spcPts val="4400"/>
-              </a:spcBef>
-              <a:defRPr sz="3900"/>
-            </a:pPr>
-            <a:r>
-              <a:t>:q!	若曾修改过档案，又不想储存，使用 ! 为强制离开不储存档案。</a:t>
-            </a:r>
-          </a:p>
-          <a:p>
-            <a:pPr marL="482600" indent="-482600" defTabSz="626745">
-              <a:spcBef>
-                <a:spcPts val="4400"/>
-              </a:spcBef>
-              <a:defRPr sz="3900"/>
-            </a:pPr>
-            <a:r>
-              <a:t>注意一下啊，那个惊叹号 (!) 在 vi 当中，常常具有『强制』的意思～</a:t>
-            </a:r>
-          </a:p>
-          <a:p>
-            <a:pPr marL="482600" indent="-482600" defTabSz="626745">
-              <a:spcBef>
-                <a:spcPts val="4400"/>
-              </a:spcBef>
-              <a:defRPr sz="3900"/>
-            </a:pPr>
-            <a:r>
-              <a:t>:wq	储存后离开，若为 :wq! 则为强制储存后离开 (常用)</a:t>
+            <a:pPr marL="336550" indent="-336550" defTabSz="436880">
+              <a:spcBef>
+                <a:spcPts val="3100"/>
+              </a:spcBef>
+              <a:defRPr sz="2700"/>
+            </a:pPr>
+            <a:r>
+              <a:t>i, I	进入输入模式(Insert mode)：</a:t>
+            </a:r>
+          </a:p>
+          <a:p>
+            <a:pPr marL="336550" indent="-336550" defTabSz="436880">
+              <a:spcBef>
+                <a:spcPts val="3100"/>
+              </a:spcBef>
+              <a:defRPr sz="2700"/>
+            </a:pPr>
+            <a:r>
+              <a:t>i 为『从目前光标所在处输入』， I 为『在目前所在行的第一个非空格符处开始输入』。 (常用)</a:t>
+            </a:r>
+          </a:p>
+          <a:p>
+            <a:pPr marL="336550" indent="-336550" defTabSz="436880">
+              <a:spcBef>
+                <a:spcPts val="3100"/>
+              </a:spcBef>
+              <a:defRPr sz="2700"/>
+            </a:pPr>
+            <a:r>
+              <a:t>a, A	进入输入模式(Insert mode)：</a:t>
+            </a:r>
+          </a:p>
+          <a:p>
+            <a:pPr marL="336550" indent="-336550" defTabSz="436880">
+              <a:spcBef>
+                <a:spcPts val="3100"/>
+              </a:spcBef>
+              <a:defRPr sz="2700"/>
+            </a:pPr>
+            <a:r>
+              <a:t>a 为『从目前光标所在的下一个字符处开始输入』， A 为『从光标所在行的最后一个字符处开始输入』。(常用)</a:t>
+            </a:r>
+          </a:p>
+          <a:p>
+            <a:pPr marL="336550" indent="-336550" defTabSz="436880">
+              <a:spcBef>
+                <a:spcPts val="3100"/>
+              </a:spcBef>
+              <a:defRPr sz="2700"/>
+            </a:pPr>
+            <a:r>
+              <a:t>o, O	进入输入模式(Insert mode)：</a:t>
+            </a:r>
+          </a:p>
+          <a:p>
+            <a:pPr marL="336550" indent="-336550" defTabSz="436880">
+              <a:spcBef>
+                <a:spcPts val="3100"/>
+              </a:spcBef>
+              <a:defRPr sz="2700"/>
+            </a:pPr>
+            <a:r>
+              <a:t>这是英文字母 o 的大小写。o 为『在目前光标所在的下一行处输入新的一行』； O 为在目前光标所在处的上一行输入新的一行！(常用)</a:t>
+            </a:r>
+          </a:p>
+          <a:p>
+            <a:pPr marL="336550" indent="-336550" defTabSz="436880">
+              <a:spcBef>
+                <a:spcPts val="3100"/>
+              </a:spcBef>
+              <a:defRPr sz="2700"/>
+            </a:pPr>
+            <a:r>
+              <a:t>r, R	进入取代模式(Replace mode)：</a:t>
+            </a:r>
+          </a:p>
+          <a:p>
+            <a:pPr marL="336550" indent="-336550" defTabSz="436880">
+              <a:spcBef>
+                <a:spcPts val="3100"/>
+              </a:spcBef>
+              <a:defRPr sz="2700"/>
+            </a:pPr>
+            <a:r>
+              <a:t>r 只会取代光标所在的那一个字符一次；R会一直取代光标所在的文字，直到按下 ESC 为止；(常用)</a:t>
+            </a:r>
+          </a:p>
+          <a:p>
+            <a:pPr marL="336550" indent="-336550" defTabSz="436880">
+              <a:spcBef>
+                <a:spcPts val="3100"/>
+              </a:spcBef>
+              <a:defRPr sz="2700"/>
+            </a:pPr>
+            <a:r>
+              <a:t>[Esc]	退出编辑模式，回到一般模式中(常用)</a:t>
+            </a:r>
+          </a:p>
+          <a:p>
+            <a:pPr marL="336550" indent="-336550" defTabSz="436880">
+              <a:spcBef>
+                <a:spcPts val="3100"/>
+              </a:spcBef>
+              <a:defRPr sz="2700"/>
+            </a:pPr>
+            <a:r>
+              <a:t>编辑模式在vi画面的左下角处会出现『--INSERT--』或『--REPLACE--』的字样</a:t>
             </a:r>
           </a:p>
         </p:txBody>
@@ -11460,7 +11372,7 @@
       </p:grpSpPr>
       <p:sp>
         <p:nvSpPr>
-          <p:cNvPr id="400" name="Shape 400"/>
+          <p:cNvPr id="397" name="Shape 397"/>
           <p:cNvSpPr/>
           <p:nvPr>
             <p:ph type="title"/>
@@ -11476,14 +11388,14 @@
           <a:lstStyle/>
           <a:p>
             <a:r>
-              <a:t>第十三关：代码中批量添加注释</a:t>
-            </a:r>
-          </a:p>
-        </p:txBody>
-      </p:sp>
-      <p:sp>
-        <p:nvSpPr>
-          <p:cNvPr id="401" name="Shape 401"/>
+              <a:t>第十二关：命令行模式</a:t>
+            </a:r>
+          </a:p>
+        </p:txBody>
+      </p:sp>
+      <p:sp>
+        <p:nvSpPr>
+          <p:cNvPr id="398" name="Shape 398"/>
           <p:cNvSpPr/>
           <p:nvPr>
             <p:ph type="body" idx="1"/>
@@ -11498,47 +11410,80 @@
           <a:bodyPr/>
           <a:lstStyle/>
           <a:p>
-            <a:pPr marL="508000" indent="-508000" defTabSz="660400">
-              <a:spcBef>
-                <a:spcPts val="4700"/>
-              </a:spcBef>
-              <a:defRPr sz="4100"/>
-            </a:pPr>
-            <a:r>
-              <a:t>批量注释：Ctrl + v 进入块选择模式，然后移动光标选中你要注释的行（VSCode可以鼠标选择代码块），再按大写的 I 进入行首插入模式输入注释符号如 // 或 #，输入完毕之后，按两下 ESC，Vim 会自动将你选中的所有行首都加上注释，保存退出完成注释。</a:t>
-            </a:r>
-          </a:p>
-          <a:p>
-            <a:pPr marL="508000" indent="-508000" defTabSz="660400">
-              <a:spcBef>
-                <a:spcPts val="4700"/>
-              </a:spcBef>
-              <a:defRPr sz="4100"/>
-            </a:pPr>
-            <a:r>
-              <a:t>取消注释：Ctrl + v 进入块选择模式，选中你要删除的行首的注释符号，注意 // 要选中两个，选好之后按 d 即可删除注释，ESC 保存退出。</a:t>
-            </a:r>
-          </a:p>
-          <a:p>
-            <a:pPr marL="508000" indent="-508000" defTabSz="660400">
-              <a:spcBef>
-                <a:spcPts val="4700"/>
-              </a:spcBef>
-              <a:defRPr sz="4100"/>
-            </a:pPr>
-            <a:r>
-              <a:t>批量注释：使用下面命令在指定的行首添加注释。使用命令格式： :起始行号,结束行号s/^/注释符/g（注意冒号），如:10,20s#^#//#g，:10,20s/^/#/g</a:t>
-            </a:r>
-          </a:p>
-          <a:p>
-            <a:pPr marL="508000" indent="-508000" defTabSz="660400">
-              <a:spcBef>
-                <a:spcPts val="4700"/>
-              </a:spcBef>
-              <a:defRPr sz="4100"/>
-            </a:pPr>
-            <a:r>
-              <a:t>取消注释：使用名命令格式： :起始行号,结束行号s/^注释符//g（注意冒号），如:10,20s#^//##g，:10,20s/#//g</a:t>
+            <a:pPr marL="482600" indent="-482600" defTabSz="626745">
+              <a:spcBef>
+                <a:spcPts val="4400"/>
+              </a:spcBef>
+              <a:defRPr sz="3900"/>
+            </a:pPr>
+            <a:r>
+              <a:t>:w	将编辑的数据写入硬盘档案中(常用)</a:t>
+            </a:r>
+          </a:p>
+          <a:p>
+            <a:pPr marL="482600" indent="-482600" defTabSz="626745">
+              <a:spcBef>
+                <a:spcPts val="4400"/>
+              </a:spcBef>
+              <a:defRPr sz="3900"/>
+            </a:pPr>
+            <a:r>
+              <a:t>:w!	若文件属性为『只读』时，强制写入该档案。不过，到底能不能写入， 还是跟你对该档案的档案权限有关啊！</a:t>
+            </a:r>
+          </a:p>
+          <a:p>
+            <a:pPr marL="482600" indent="-482600" defTabSz="626745">
+              <a:spcBef>
+                <a:spcPts val="4400"/>
+              </a:spcBef>
+              <a:defRPr sz="3900"/>
+            </a:pPr>
+            <a:r>
+              <a:t>:w [filename]	将编辑的数据储存成另一个档案（类似另存新档）</a:t>
+            </a:r>
+          </a:p>
+          <a:p>
+            <a:pPr marL="482600" indent="-482600" defTabSz="626745">
+              <a:spcBef>
+                <a:spcPts val="4400"/>
+              </a:spcBef>
+              <a:defRPr sz="3900"/>
+            </a:pPr>
+            <a:r>
+              <a:t>:q	离开 vi (常用)</a:t>
+            </a:r>
+          </a:p>
+          <a:p>
+            <a:pPr marL="482600" indent="-482600" defTabSz="626745">
+              <a:spcBef>
+                <a:spcPts val="4400"/>
+              </a:spcBef>
+              <a:defRPr sz="3900"/>
+            </a:pPr>
+            <a:r>
+              <a:t>:q!	若曾修改过档案，又不想储存，使用 ! 为强制离开不储存档案。</a:t>
+            </a:r>
+          </a:p>
+          <a:p>
+            <a:pPr marL="482600" indent="-482600" defTabSz="626745">
+              <a:spcBef>
+                <a:spcPts val="4400"/>
+              </a:spcBef>
+              <a:defRPr sz="3900"/>
+            </a:pPr>
+            <a:r>
+              <a:t>注意一下啊，那个惊叹号 (!) 在 vi 当中，常常具有『强制』的意思～</a:t>
+            </a:r>
+          </a:p>
+          <a:p>
+            <a:pPr marL="482600" indent="-482600" defTabSz="626745">
+              <a:spcBef>
+                <a:spcPts val="4400"/>
+              </a:spcBef>
+              <a:defRPr sz="3900"/>
+            </a:pPr>
+            <a:r>
+              <a:t>:wq	储存后离开，若为 :wq! 则为强制储存后离开 (常用)</a:t>
             </a:r>
           </a:p>
         </p:txBody>
@@ -11578,7 +11523,7 @@
       </p:grpSpPr>
       <p:sp>
         <p:nvSpPr>
-          <p:cNvPr id="403" name="Shape 403"/>
+          <p:cNvPr id="400" name="Shape 400"/>
           <p:cNvSpPr/>
           <p:nvPr>
             <p:ph type="title"/>
@@ -11594,14 +11539,14 @@
           <a:lstStyle/>
           <a:p>
             <a:r>
-              <a:t>命令行环境下vim的配置</a:t>
-            </a:r>
-          </a:p>
-        </p:txBody>
-      </p:sp>
-      <p:sp>
-        <p:nvSpPr>
-          <p:cNvPr id="404" name="Shape 404"/>
+              <a:t>第十三关：代码中批量添加注释</a:t>
+            </a:r>
+          </a:p>
+        </p:txBody>
+      </p:sp>
+      <p:sp>
+        <p:nvSpPr>
+          <p:cNvPr id="401" name="Shape 401"/>
           <p:cNvSpPr/>
           <p:nvPr>
             <p:ph type="body" idx="1"/>
@@ -11616,13 +11561,47 @@
           <a:bodyPr/>
           <a:lstStyle/>
           <a:p>
-            <a:r>
-              <a:t>:set nu	显示行号，设定之后，会在每一行的前缀显示该行的行号</a:t>
-            </a:r>
-          </a:p>
-          <a:p>
-            <a:r>
-              <a:t>:set nonu	与 set nu 相反，为取消行号！</a:t>
+            <a:pPr marL="508000" indent="-508000" defTabSz="660400">
+              <a:spcBef>
+                <a:spcPts val="4700"/>
+              </a:spcBef>
+              <a:defRPr sz="4100"/>
+            </a:pPr>
+            <a:r>
+              <a:t>批量注释：Ctrl + v 进入块选择模式，然后移动光标选中你要注释的行（VSCode可以鼠标选择代码块），再按大写的 I 进入行首插入模式输入注释符号如 // 或 #，输入完毕之后，按两下 ESC，Vim 会自动将你选中的所有行首都加上注释，保存退出完成注释。</a:t>
+            </a:r>
+          </a:p>
+          <a:p>
+            <a:pPr marL="508000" indent="-508000" defTabSz="660400">
+              <a:spcBef>
+                <a:spcPts val="4700"/>
+              </a:spcBef>
+              <a:defRPr sz="4100"/>
+            </a:pPr>
+            <a:r>
+              <a:t>取消注释：Ctrl + v 进入块选择模式，选中你要删除的行首的注释符号，注意 // 要选中两个，选好之后按 d 即可删除注释，ESC 保存退出。</a:t>
+            </a:r>
+          </a:p>
+          <a:p>
+            <a:pPr marL="508000" indent="-508000" defTabSz="660400">
+              <a:spcBef>
+                <a:spcPts val="4700"/>
+              </a:spcBef>
+              <a:defRPr sz="4100"/>
+            </a:pPr>
+            <a:r>
+              <a:t>批量注释：使用下面命令在指定的行首添加注释。使用命令格式： :起始行号,结束行号s/^/注释符/g（注意冒号），如:10,20s#^#//#g，:10,20s/^/#/g</a:t>
+            </a:r>
+          </a:p>
+          <a:p>
+            <a:pPr marL="508000" indent="-508000" defTabSz="660400">
+              <a:spcBef>
+                <a:spcPts val="4700"/>
+              </a:spcBef>
+              <a:defRPr sz="4100"/>
+            </a:pPr>
+            <a:r>
+              <a:t>取消注释：使用名命令格式： :起始行号,结束行号s/^注释符//g（注意冒号），如:10,20s#^//##g，:10,20s/#//g</a:t>
             </a:r>
           </a:p>
         </p:txBody>
@@ -11662,7 +11641,7 @@
       </p:grpSpPr>
       <p:sp>
         <p:nvSpPr>
-          <p:cNvPr id="406" name="Shape 406"/>
+          <p:cNvPr id="403" name="Shape 403"/>
           <p:cNvSpPr/>
           <p:nvPr>
             <p:ph type="title"/>
@@ -11676,12 +11655,16 @@
         <p:txBody>
           <a:bodyPr/>
           <a:lstStyle/>
-          <a:p/>
-        </p:txBody>
-      </p:sp>
-      <p:sp>
-        <p:nvSpPr>
-          <p:cNvPr id="407" name="Shape 407"/>
+          <a:p>
+            <a:r>
+              <a:t>命令行环境下vim的配置</a:t>
+            </a:r>
+          </a:p>
+        </p:txBody>
+      </p:sp>
+      <p:sp>
+        <p:nvSpPr>
+          <p:cNvPr id="404" name="Shape 404"/>
           <p:cNvSpPr/>
           <p:nvPr>
             <p:ph type="body" idx="1"/>
@@ -11695,102 +11678,14 @@
         <p:txBody>
           <a:bodyPr/>
           <a:lstStyle/>
-          <a:p/>
-        </p:txBody>
-      </p:sp>
-      <p:pic>
-        <p:nvPicPr>
-          <p:cNvPr id="408" name="image19.png"/>
-          <p:cNvPicPr>
-            <a:picLocks noChangeAspect="1"/>
-          </p:cNvPicPr>
-          <p:nvPr/>
-        </p:nvPicPr>
-        <p:blipFill>
-          <a:blip r:embed="rId1"/>
-          <a:stretch>
-            <a:fillRect/>
-          </a:stretch>
-        </p:blipFill>
-        <p:spPr>
-          <a:xfrm>
-            <a:off x="131826" y="0"/>
-            <a:ext cx="19399427" cy="13716002"/>
-          </a:xfrm>
-          <a:prstGeom prst="rect">
-            <a:avLst/>
-          </a:prstGeom>
-          <a:ln w="12700">
-            <a:miter lim="400000"/>
-            <a:headEnd/>
-            <a:tailEnd/>
-          </a:ln>
-        </p:spPr>
-      </p:pic>
-      <p:pic>
-        <p:nvPicPr>
-          <p:cNvPr id="409" name="image20.png"/>
-          <p:cNvPicPr>
-            <a:picLocks noChangeAspect="1"/>
-          </p:cNvPicPr>
-          <p:nvPr/>
-        </p:nvPicPr>
-        <p:blipFill>
-          <a:blip r:embed="rId2"/>
-          <a:stretch>
-            <a:fillRect/>
-          </a:stretch>
-        </p:blipFill>
-        <p:spPr>
-          <a:xfrm>
-            <a:off x="19864043" y="8760197"/>
-            <a:ext cx="3822191" cy="3822191"/>
-          </a:xfrm>
-          <a:prstGeom prst="rect">
-            <a:avLst/>
-          </a:prstGeom>
-          <a:ln w="12700">
-            <a:miter lim="400000"/>
-            <a:headEnd/>
-            <a:tailEnd/>
-          </a:ln>
-        </p:spPr>
-      </p:pic>
-      <p:sp>
-        <p:nvSpPr>
-          <p:cNvPr id="410" name="Shape 410"/>
-          <p:cNvSpPr/>
-          <p:nvPr/>
-        </p:nvSpPr>
-        <p:spPr>
-          <a:xfrm>
-            <a:off x="19499042" y="12553132"/>
-            <a:ext cx="4552189" cy="635001"/>
-          </a:xfrm>
-          <a:prstGeom prst="rect">
-            <a:avLst/>
-          </a:prstGeom>
-          <a:ln w="12700">
-            <a:miter lim="400000"/>
-          </a:ln>
-        </p:spPr>
-        <p:txBody>
-          <a:bodyPr wrap="none" lIns="50800" tIns="50800" rIns="50800" bIns="50800" anchor="ctr">
-            <a:spAutoFit/>
-          </a:bodyPr>
-          <a:lstStyle>
-            <a:lvl1pPr>
-              <a:defRPr sz="3000">
-                <a:latin typeface="Helvetica Light"/>
-                <a:ea typeface="Helvetica Light"/>
-                <a:cs typeface="Helvetica Light"/>
-                <a:sym typeface="Helvetica Light"/>
-              </a:defRPr>
-            </a:lvl1pPr>
-          </a:lstStyle>
-          <a:p>
-            <a:r>
-              <a:t>史上最全Vim快捷键键位图</a:t>
+          <a:p>
+            <a:r>
+              <a:t>:set nu	显示行号，设定之后，会在每一行的前缀显示该行的行号</a:t>
+            </a:r>
+          </a:p>
+          <a:p>
+            <a:r>
+              <a:t>:set nonu	与 set nu 相反，为取消行号！</a:t>
             </a:r>
           </a:p>
         </p:txBody>
@@ -11830,7 +11725,7 @@
       </p:grpSpPr>
       <p:sp>
         <p:nvSpPr>
-          <p:cNvPr id="412" name="Shape 412"/>
+          <p:cNvPr id="406" name="Shape 406"/>
           <p:cNvSpPr/>
           <p:nvPr>
             <p:ph type="title"/>
@@ -11844,16 +11739,12 @@
         <p:txBody>
           <a:bodyPr/>
           <a:lstStyle/>
-          <a:p>
-            <a:r>
-              <a:t>练习作业</a:t>
-            </a:r>
-          </a:p>
-        </p:txBody>
-      </p:sp>
-      <p:sp>
-        <p:nvSpPr>
-          <p:cNvPr id="413" name="Shape 413"/>
+          <a:p/>
+        </p:txBody>
+      </p:sp>
+      <p:sp>
+        <p:nvSpPr>
+          <p:cNvPr id="407" name="Shape 407"/>
           <p:cNvSpPr/>
           <p:nvPr>
             <p:ph type="body" idx="1"/>
@@ -11867,19 +11758,102 @@
         <p:txBody>
           <a:bodyPr/>
           <a:lstStyle/>
-          <a:p>
-            <a:r>
-              <a:t>将当前文件中xxx字符串全部替换为yyy字符串</a:t>
-            </a:r>
-          </a:p>
-          <a:p>
-            <a:r>
-              <a:t>将当前文件中10-20行的代码注释掉</a:t>
-            </a:r>
-          </a:p>
-          <a:p>
-            <a:r>
-              <a:t>将2-3行代码复制粘贴10次</a:t>
+          <a:p/>
+        </p:txBody>
+      </p:sp>
+      <p:pic>
+        <p:nvPicPr>
+          <p:cNvPr id="408" name="image19.png"/>
+          <p:cNvPicPr>
+            <a:picLocks noChangeAspect="1"/>
+          </p:cNvPicPr>
+          <p:nvPr/>
+        </p:nvPicPr>
+        <p:blipFill>
+          <a:blip r:embed="rId1"/>
+          <a:stretch>
+            <a:fillRect/>
+          </a:stretch>
+        </p:blipFill>
+        <p:spPr>
+          <a:xfrm>
+            <a:off x="131826" y="0"/>
+            <a:ext cx="19399427" cy="13716002"/>
+          </a:xfrm>
+          <a:prstGeom prst="rect">
+            <a:avLst/>
+          </a:prstGeom>
+          <a:ln w="12700">
+            <a:miter lim="400000"/>
+            <a:headEnd/>
+            <a:tailEnd/>
+          </a:ln>
+        </p:spPr>
+      </p:pic>
+      <p:pic>
+        <p:nvPicPr>
+          <p:cNvPr id="409" name="image20.png"/>
+          <p:cNvPicPr>
+            <a:picLocks noChangeAspect="1"/>
+          </p:cNvPicPr>
+          <p:nvPr/>
+        </p:nvPicPr>
+        <p:blipFill>
+          <a:blip r:embed="rId2"/>
+          <a:stretch>
+            <a:fillRect/>
+          </a:stretch>
+        </p:blipFill>
+        <p:spPr>
+          <a:xfrm>
+            <a:off x="19864043" y="8760197"/>
+            <a:ext cx="3822191" cy="3822191"/>
+          </a:xfrm>
+          <a:prstGeom prst="rect">
+            <a:avLst/>
+          </a:prstGeom>
+          <a:ln w="12700">
+            <a:miter lim="400000"/>
+            <a:headEnd/>
+            <a:tailEnd/>
+          </a:ln>
+        </p:spPr>
+      </p:pic>
+      <p:sp>
+        <p:nvSpPr>
+          <p:cNvPr id="410" name="Shape 410"/>
+          <p:cNvSpPr/>
+          <p:nvPr/>
+        </p:nvSpPr>
+        <p:spPr>
+          <a:xfrm>
+            <a:off x="19499042" y="12553132"/>
+            <a:ext cx="4552189" cy="635001"/>
+          </a:xfrm>
+          <a:prstGeom prst="rect">
+            <a:avLst/>
+          </a:prstGeom>
+          <a:ln w="12700">
+            <a:miter lim="400000"/>
+          </a:ln>
+        </p:spPr>
+        <p:txBody>
+          <a:bodyPr wrap="none" lIns="50800" tIns="50800" rIns="50800" bIns="50800" anchor="ctr">
+            <a:spAutoFit/>
+          </a:bodyPr>
+          <a:lstStyle>
+            <a:lvl1pPr>
+              <a:defRPr sz="3000">
+                <a:latin typeface="Helvetica Light"/>
+                <a:ea typeface="Helvetica Light"/>
+                <a:cs typeface="Helvetica Light"/>
+                <a:sym typeface="Helvetica Light"/>
+              </a:defRPr>
+            </a:lvl1pPr>
+          </a:lstStyle>
+          <a:p>
+            <a:r>
+              <a:t>史上最全Vim快捷键键位图</a:t>
             </a:r>
           </a:p>
         </p:txBody>
@@ -11919,83 +11893,60 @@
       </p:grpSpPr>
       <p:sp>
         <p:nvSpPr>
-          <p:cNvPr id="415" name="Shape 415"/>
-          <p:cNvSpPr/>
-          <p:nvPr>
-            <p:ph type="ctrTitle"/>
-          </p:nvPr>
-        </p:nvSpPr>
-        <p:spPr>
-          <a:prstGeom prst="rect">
-            <a:avLst/>
-          </a:prstGeom>
-        </p:spPr>
-        <p:txBody>
-          <a:bodyPr/>
-          <a:lstStyle/>
-          <a:p>
-            <a:r>
-              <a:t>正则表达式十步通关</a:t>
-            </a:r>
-          </a:p>
-        </p:txBody>
-      </p:sp>
-      <p:sp>
-        <p:nvSpPr>
-          <p:cNvPr id="416" name="Shape 416"/>
-          <p:cNvSpPr/>
-          <p:nvPr>
-            <p:ph type="subTitle" sz="quarter" idx="1"/>
-          </p:nvPr>
-        </p:nvSpPr>
-        <p:spPr>
-          <a:xfrm>
-            <a:off x="1778000" y="11852659"/>
-            <a:ext cx="20828000" cy="1587501"/>
-          </a:xfrm>
-          <a:prstGeom prst="rect">
-            <a:avLst/>
-          </a:prstGeom>
-        </p:spPr>
-        <p:txBody>
-          <a:bodyPr/>
-          <a:lstStyle/>
-          <a:p>
-            <a:r>
-              <a:t>扫码获取配套文档</a:t>
-            </a:r>
-          </a:p>
-        </p:txBody>
-      </p:sp>
-      <p:pic>
-        <p:nvPicPr>
-          <p:cNvPr id="417" name="pasted-image.png"/>
-          <p:cNvPicPr>
-            <a:picLocks noChangeAspect="1"/>
-          </p:cNvPicPr>
-          <p:nvPr/>
-        </p:nvPicPr>
-        <p:blipFill>
-          <a:blip r:embed="rId1"/>
-          <a:stretch>
-            <a:fillRect/>
-          </a:stretch>
-        </p:blipFill>
-        <p:spPr>
-          <a:xfrm>
-            <a:off x="10082567" y="7290347"/>
-            <a:ext cx="4218866" cy="4218866"/>
-          </a:xfrm>
-          <a:prstGeom prst="rect">
-            <a:avLst/>
-          </a:prstGeom>
-          <a:ln w="12700">
-            <a:miter lim="400000"/>
-            <a:headEnd/>
-            <a:tailEnd/>
-          </a:ln>
-        </p:spPr>
-      </p:pic>
+          <p:cNvPr id="412" name="Shape 412"/>
+          <p:cNvSpPr/>
+          <p:nvPr>
+            <p:ph type="title"/>
+          </p:nvPr>
+        </p:nvSpPr>
+        <p:spPr>
+          <a:prstGeom prst="rect">
+            <a:avLst/>
+          </a:prstGeom>
+        </p:spPr>
+        <p:txBody>
+          <a:bodyPr/>
+          <a:lstStyle/>
+          <a:p>
+            <a:r>
+              <a:t>练习作业</a:t>
+            </a:r>
+          </a:p>
+        </p:txBody>
+      </p:sp>
+      <p:sp>
+        <p:nvSpPr>
+          <p:cNvPr id="413" name="Shape 413"/>
+          <p:cNvSpPr/>
+          <p:nvPr>
+            <p:ph type="body" idx="1"/>
+          </p:nvPr>
+        </p:nvSpPr>
+        <p:spPr>
+          <a:prstGeom prst="rect">
+            <a:avLst/>
+          </a:prstGeom>
+        </p:spPr>
+        <p:txBody>
+          <a:bodyPr/>
+          <a:lstStyle/>
+          <a:p>
+            <a:r>
+              <a:t>将当前文件中xxx字符串全部替换为yyy字符串</a:t>
+            </a:r>
+          </a:p>
+          <a:p>
+            <a:r>
+              <a:t>将当前文件中10-20行的代码注释掉</a:t>
+            </a:r>
+          </a:p>
+          <a:p>
+            <a:r>
+              <a:t>将2-3行代码复制粘贴10次</a:t>
+            </a:r>
+          </a:p>
+        </p:txBody>
+      </p:sp>
     </p:spTree>
   </p:cSld>
   <p:clrMapOvr>
@@ -12031,73 +11982,83 @@
       </p:grpSpPr>
       <p:sp>
         <p:nvSpPr>
-          <p:cNvPr id="419" name="Shape 419"/>
-          <p:cNvSpPr/>
-          <p:nvPr>
-            <p:ph type="title"/>
-          </p:nvPr>
-        </p:nvSpPr>
-        <p:spPr>
-          <a:prstGeom prst="rect">
-            <a:avLst/>
-          </a:prstGeom>
-        </p:spPr>
-        <p:txBody>
-          <a:bodyPr/>
-          <a:lstStyle/>
-          <a:p>
-            <a:r>
-              <a:t>Regular Expression</a:t>
-            </a:r>
-          </a:p>
-        </p:txBody>
-      </p:sp>
-      <p:sp>
-        <p:nvSpPr>
-          <p:cNvPr id="420" name="Shape 420"/>
-          <p:cNvSpPr/>
-          <p:nvPr>
-            <p:ph type="body" idx="1"/>
-          </p:nvPr>
-        </p:nvSpPr>
-        <p:spPr>
-          <a:prstGeom prst="rect">
-            <a:avLst/>
-          </a:prstGeom>
-        </p:spPr>
-        <p:txBody>
-          <a:bodyPr/>
-          <a:lstStyle/>
-          <a:p>
-            <a:r>
-              <a:t>正则表达式是对字符串操作的一种逻辑公式。</a:t>
-            </a:r>
-          </a:p>
-          <a:p>
-            <a:r>
-              <a:t>正则表达式的应用范围非常之广泛，最初是由Unix普及开来的，后来在广泛运用于Scala 、PHP、C# 、Java、C++ 、Objective-c、Perl 、Swift、VBScript 、Javascript、Ruby 以及Python等等。</a:t>
-            </a:r>
-          </a:p>
-          <a:p>
-            <a:r>
-              <a:t>学习正则表达式，实际上是在学习一种十分灵活的逻辑思维，通过简单快速的方法达到对于字符串的控制。</a:t>
-            </a:r>
-          </a:p>
-          <a:p>
-            <a:pPr>
-              <a:defRPr b="1">
-                <a:latin typeface="+mn-lt"/>
-                <a:ea typeface="+mn-ea"/>
-                <a:cs typeface="+mn-cs"/>
-                <a:sym typeface="Helvetica"/>
-              </a:defRPr>
-            </a:pPr>
-            <a:r>
-              <a:t>正则表达式是程序员手中一把威力无比强大的武器！</a:t>
-            </a:r>
-          </a:p>
-        </p:txBody>
-      </p:sp>
+          <p:cNvPr id="415" name="Shape 415"/>
+          <p:cNvSpPr/>
+          <p:nvPr>
+            <p:ph type="ctrTitle"/>
+          </p:nvPr>
+        </p:nvSpPr>
+        <p:spPr>
+          <a:prstGeom prst="rect">
+            <a:avLst/>
+          </a:prstGeom>
+        </p:spPr>
+        <p:txBody>
+          <a:bodyPr/>
+          <a:lstStyle/>
+          <a:p>
+            <a:r>
+              <a:t>正则表达式十步通关</a:t>
+            </a:r>
+          </a:p>
+        </p:txBody>
+      </p:sp>
+      <p:sp>
+        <p:nvSpPr>
+          <p:cNvPr id="416" name="Shape 416"/>
+          <p:cNvSpPr/>
+          <p:nvPr>
+            <p:ph type="subTitle" sz="quarter" idx="1"/>
+          </p:nvPr>
+        </p:nvSpPr>
+        <p:spPr>
+          <a:xfrm>
+            <a:off x="1778000" y="11852659"/>
+            <a:ext cx="20828000" cy="1587501"/>
+          </a:xfrm>
+          <a:prstGeom prst="rect">
+            <a:avLst/>
+          </a:prstGeom>
+        </p:spPr>
+        <p:txBody>
+          <a:bodyPr/>
+          <a:lstStyle/>
+          <a:p>
+            <a:r>
+              <a:t>扫码获取配套文档</a:t>
+            </a:r>
+          </a:p>
+        </p:txBody>
+      </p:sp>
+      <p:pic>
+        <p:nvPicPr>
+          <p:cNvPr id="417" name="pasted-image.png"/>
+          <p:cNvPicPr>
+            <a:picLocks noChangeAspect="1"/>
+          </p:cNvPicPr>
+          <p:nvPr/>
+        </p:nvPicPr>
+        <p:blipFill>
+          <a:blip r:embed="rId1"/>
+          <a:stretch>
+            <a:fillRect/>
+          </a:stretch>
+        </p:blipFill>
+        <p:spPr>
+          <a:xfrm>
+            <a:off x="10082567" y="7290347"/>
+            <a:ext cx="4218866" cy="4218866"/>
+          </a:xfrm>
+          <a:prstGeom prst="rect">
+            <a:avLst/>
+          </a:prstGeom>
+          <a:ln w="12700">
+            <a:miter lim="400000"/>
+            <a:headEnd/>
+            <a:tailEnd/>
+          </a:ln>
+        </p:spPr>
+      </p:pic>
     </p:spTree>
   </p:cSld>
   <p:clrMapOvr>
@@ -12133,7 +12094,7 @@
       </p:grpSpPr>
       <p:sp>
         <p:nvSpPr>
-          <p:cNvPr id="422" name="Shape 422"/>
+          <p:cNvPr id="419" name="Shape 419"/>
           <p:cNvSpPr/>
           <p:nvPr>
             <p:ph type="title"/>
@@ -12149,14 +12110,14 @@
           <a:lstStyle/>
           <a:p>
             <a:r>
-              <a:t>为什么使用正则表达式？</a:t>
-            </a:r>
-          </a:p>
-        </p:txBody>
-      </p:sp>
-      <p:sp>
-        <p:nvSpPr>
-          <p:cNvPr id="423" name="Shape 423"/>
+              <a:t>Regular Expression</a:t>
+            </a:r>
+          </a:p>
+        </p:txBody>
+      </p:sp>
+      <p:sp>
+        <p:nvSpPr>
+          <p:cNvPr id="420" name="Shape 420"/>
           <p:cNvSpPr/>
           <p:nvPr>
             <p:ph type="body" idx="1"/>
@@ -12171,47 +12132,31 @@
           <a:bodyPr/>
           <a:lstStyle/>
           <a:p>
-            <a:pPr marL="508000" indent="-508000" defTabSz="660400">
-              <a:spcBef>
-                <a:spcPts val="4700"/>
-              </a:spcBef>
-              <a:defRPr sz="4100"/>
-            </a:pPr>
-            <a:r>
-              <a:t>	测试字符串内的模式。例如，可以测试输入字符串，以查看字符串内是否出现电话号码模式或信用卡号码模式。这称为数据验证。</a:t>
-            </a:r>
-          </a:p>
-          <a:p>
-            <a:pPr marL="508000" indent="-508000" defTabSz="660400">
-              <a:spcBef>
-                <a:spcPts val="4700"/>
-              </a:spcBef>
-              <a:defRPr sz="4100"/>
-            </a:pPr>
-            <a:r>
-              <a:t>	替换文本。可以使用正则表达式来识别文档中的特定文本，完全删除该文本或者用其他文本替换它。</a:t>
-            </a:r>
-          </a:p>
-          <a:p>
-            <a:pPr marL="508000" indent="-508000" defTabSz="660400">
-              <a:spcBef>
-                <a:spcPts val="4700"/>
-              </a:spcBef>
-              <a:defRPr sz="4100"/>
-            </a:pPr>
-            <a:r>
-              <a:t>	基于模式匹配从字符串中提取子字符串。可以查找文档内或输入域内特定的文本。</a:t>
-            </a:r>
-          </a:p>
-          <a:p>
-            <a:pPr marL="508000" indent="-508000" defTabSz="660400">
-              <a:spcBef>
-                <a:spcPts val="4700"/>
-              </a:spcBef>
-              <a:defRPr sz="4100"/>
-            </a:pPr>
-            <a:r>
-              <a:t>例如，您可能需要搜索整个网站，删除过时的材料，以及替换某些 HTML 格式标记。在这种情况下，可以使用正则表达式来确定在每个文件中是否出现该材料或该 HTML 格式标记。此过程将受影响的文件列表缩小到包含需要删除或更改的材料的那些文件。然后可以使用正则表达式来删除过时的材料。最后，可以使用正则表达式来搜索和替换标记。</a:t>
+            <a:r>
+              <a:t>正则表达式是对字符串操作的一种逻辑公式。</a:t>
+            </a:r>
+          </a:p>
+          <a:p>
+            <a:r>
+              <a:t>正则表达式的应用范围非常之广泛，最初是由Unix普及开来的，后来在广泛运用于Scala 、PHP、C# 、Java、C++ 、Objective-c、Perl 、Swift、VBScript 、Javascript、Ruby 以及Python等等。</a:t>
+            </a:r>
+          </a:p>
+          <a:p>
+            <a:r>
+              <a:t>学习正则表达式，实际上是在学习一种十分灵活的逻辑思维，通过简单快速的方法达到对于字符串的控制。</a:t>
+            </a:r>
+          </a:p>
+          <a:p>
+            <a:pPr>
+              <a:defRPr b="1">
+                <a:latin typeface="+mn-lt"/>
+                <a:ea typeface="+mn-ea"/>
+                <a:cs typeface="+mn-cs"/>
+                <a:sym typeface="Helvetica"/>
+              </a:defRPr>
+            </a:pPr>
+            <a:r>
+              <a:t>正则表达式是程序员手中一把威力无比强大的武器！</a:t>
             </a:r>
           </a:p>
         </p:txBody>
@@ -12241,118 +12186,46 @@
         <p:cNvGrpSpPr/>
         <p:nvPr/>
       </p:nvGrpSpPr>
-      <p:grpSpPr>
-        <a:xfrm>
-          <a:off x="0" y="0"/>
-          <a:ext cx="0" cy="0"/>
-          <a:chOff x="0" y="0"/>
-          <a:chExt cx="0" cy="0"/>
-        </a:xfrm>
-      </p:grpSpPr>
-      <p:sp>
-        <p:nvSpPr>
-          <p:cNvPr id="425" name="Shape 425"/>
+      <p:grpSpPr/>
+      <p:sp>
+        <p:nvSpPr>
+          <p:cNvPr id="2" name="图片占位符 1"/>
+          <p:cNvSpPr/>
+          <p:nvPr>
+            <p:ph type="pic" idx="13"/>
+          </p:nvPr>
+        </p:nvSpPr>
+        <p:spPr/>
+      </p:sp>
+      <p:sp>
+        <p:nvSpPr>
+          <p:cNvPr id="3" name="标题 2"/>
           <p:cNvSpPr/>
           <p:nvPr>
             <p:ph type="title"/>
           </p:nvPr>
         </p:nvSpPr>
-        <p:spPr>
-          <a:prstGeom prst="rect">
-            <a:avLst/>
-          </a:prstGeom>
-        </p:spPr>
-        <p:txBody>
-          <a:bodyPr/>
-          <a:lstStyle/>
-          <a:p>
-            <a:r>
-              <a:t>第一关：基本的字符串搜索方法</a:t>
-            </a:r>
-          </a:p>
-        </p:txBody>
-      </p:sp>
-      <p:sp>
-        <p:nvSpPr>
-          <p:cNvPr id="426" name="Shape 426"/>
-          <p:cNvSpPr/>
-          <p:nvPr>
-            <p:ph type="body" idx="1"/>
-          </p:nvPr>
-        </p:nvSpPr>
-        <p:spPr>
-          <a:prstGeom prst="rect">
-            <a:avLst/>
-          </a:prstGeom>
-        </p:spPr>
-        <p:txBody>
-          <a:bodyPr/>
-          <a:lstStyle/>
-          <a:p>
-            <a:pPr marL="452120" indent="-452120" defTabSz="587375">
-              <a:spcBef>
-                <a:spcPts val="4000"/>
-              </a:spcBef>
-              <a:defRPr sz="3640"/>
-            </a:pPr>
-            <a:r>
-              <a:t>在VS Code中跨文件搜索（Ctrl+Shift+F）和文件内搜索（Ctrl+F）的输入框输入字符串即可进行基本的字符串搜索。</a:t>
-            </a:r>
-          </a:p>
-          <a:p>
-            <a:pPr marL="452120" indent="-452120" defTabSz="587375">
-              <a:spcBef>
-                <a:spcPts val="4000"/>
-              </a:spcBef>
-              <a:defRPr sz="3640"/>
-            </a:pPr>
-            <a:r>
-              <a:t>文件内搜索（Ctrl+F）可以使用Enter键代表继续搜索下一个，Shift+Enter键代表继续搜索上一个。这两个操作在文件内搜索面板上有对应的两个上下箭头，箭头右侧三条横线的小按钮是指在选定内容中查找（Alt+L）。</a:t>
-            </a:r>
-          </a:p>
-          <a:p>
-            <a:pPr marL="452120" indent="-452120" defTabSz="587375">
-              <a:spcBef>
-                <a:spcPts val="4000"/>
-              </a:spcBef>
-              <a:defRPr sz="3640"/>
-            </a:pPr>
-            <a:r>
-              <a:t>跨文件搜索（Ctrl+Shift+F）和文件内搜索（Ctrl+F）的输入框内部右侧都有三个小按钮：</a:t>
-            </a:r>
-          </a:p>
-          <a:p>
-            <a:pPr marL="452120" indent="-452120" defTabSz="587375">
-              <a:spcBef>
-                <a:spcPts val="4000"/>
-              </a:spcBef>
-              <a:defRPr sz="3640"/>
-            </a:pPr>
-            <a:r>
-              <a:t>	•	第一个选中的话就是搜索时区分大小写（Alt+C）；</a:t>
-            </a:r>
-          </a:p>
-          <a:p>
-            <a:pPr marL="452120" indent="-452120" defTabSz="587375">
-              <a:spcBef>
-                <a:spcPts val="4000"/>
-              </a:spcBef>
-              <a:defRPr sz="3640"/>
-            </a:pPr>
-            <a:r>
-              <a:t>	•	第二个选中的话表示搜索时全字匹配（Alt+W）；</a:t>
-            </a:r>
-          </a:p>
-          <a:p>
-            <a:pPr marL="452120" indent="-452120" defTabSz="587375">
-              <a:spcBef>
-                <a:spcPts val="4000"/>
-              </a:spcBef>
-              <a:defRPr sz="3640"/>
-            </a:pPr>
-            <a:r>
-              <a:t>	•	第三个选中的话表示搜索时采用正则表达式（Alt+R），如果输入框中使用了正则表达式的语法规则，则需要选中第三个按钮或使用Alt+R快捷键。显然上图中还没有使用正则表达式。</a:t>
-            </a:r>
+        <p:spPr/>
+        <p:txBody>
+          <a:bodyPr/>
+          <a:p>
+            <a:endParaRPr lang="zh-CN" altLang="en-US"/>
+          </a:p>
+        </p:txBody>
+      </p:sp>
+      <p:sp>
+        <p:nvSpPr>
+          <p:cNvPr id="4" name="文本占位符 3"/>
+          <p:cNvSpPr/>
+          <p:nvPr>
+            <p:ph type="body" sz="quarter" idx="1"/>
+          </p:nvPr>
+        </p:nvSpPr>
+        <p:spPr/>
+        <p:txBody>
+          <a:bodyPr/>
+          <a:p>
+            <a:endParaRPr lang="zh-CN" altLang="en-US"/>
           </a:p>
         </p:txBody>
       </p:sp>
@@ -12361,14 +12234,7 @@
   <p:clrMapOvr>
     <a:masterClrMapping/>
   </p:clrMapOvr>
-  <mc:AlternateContent xmlns:mc="http://schemas.openxmlformats.org/markup-compatibility/2006">
-    <mc:Choice xmlns:p14="http://schemas.microsoft.com/office/powerpoint/2010/main" Requires="p14">
-      <p:transition spd="med" p14:dur="1000"/>
-    </mc:Choice>
-    <mc:Fallback>
-      <p:transition spd="med"/>
-    </mc:Fallback>
-  </mc:AlternateContent>
+  <p:transition spd="med"/>
 </p:sld>
 </file>
 
@@ -12391,7 +12257,7 @@
       </p:grpSpPr>
       <p:sp>
         <p:nvSpPr>
-          <p:cNvPr id="428" name="Shape 428"/>
+          <p:cNvPr id="422" name="Shape 422"/>
           <p:cNvSpPr/>
           <p:nvPr>
             <p:ph type="title"/>
@@ -12407,14 +12273,14 @@
           <a:lstStyle/>
           <a:p>
             <a:r>
-              <a:t>第一关：基本的字符串搜索方法</a:t>
-            </a:r>
-          </a:p>
-        </p:txBody>
-      </p:sp>
-      <p:sp>
-        <p:nvSpPr>
-          <p:cNvPr id="429" name="Shape 429"/>
+              <a:t>为什么使用正则表达式？</a:t>
+            </a:r>
+          </a:p>
+        </p:txBody>
+      </p:sp>
+      <p:sp>
+        <p:nvSpPr>
+          <p:cNvPr id="423" name="Shape 423"/>
           <p:cNvSpPr/>
           <p:nvPr>
             <p:ph type="body" idx="1"/>
@@ -12429,58 +12295,47 @@
           <a:bodyPr/>
           <a:lstStyle/>
           <a:p>
-            <a:pPr marL="496570" indent="-496570" defTabSz="645160">
-              <a:spcBef>
-                <a:spcPts val="4500"/>
-              </a:spcBef>
-              <a:defRPr sz="4000"/>
-            </a:pPr>
-            <a:r>
-              <a:t>在 Vim 一般命令模式（Normal Mode）下输入/word	向光标之下寻找一个名称为 word 的字符串。例如要在档案内搜寻 vbird 这个字符串，就输入 /vbird 即可！ (常用)</a:t>
-            </a:r>
-          </a:p>
-          <a:p>
-            <a:pPr marL="496570" indent="-496570" defTabSz="645160">
-              <a:spcBef>
-                <a:spcPts val="4500"/>
-              </a:spcBef>
-              <a:defRPr sz="4000"/>
-            </a:pPr>
-            <a:r>
-              <a:t>?word	向光标之上寻找一个字符串名称为 word 的字符串。</a:t>
-            </a:r>
-          </a:p>
-          <a:p>
-            <a:pPr marL="496570" indent="-496570" defTabSz="645160">
-              <a:spcBef>
-                <a:spcPts val="4500"/>
-              </a:spcBef>
-              <a:defRPr sz="4000"/>
-            </a:pPr>
-            <a:r>
-              <a:t>n	这个 n 是英文按键。代表重复前一个搜寻的动作。举例来说， 如果刚刚我们执行 /vbird 去向下搜寻 vbird 这个字符串，则按下 n 后，会向下继续搜寻下一个名称为 vbird 的字符串。如果是执行 ?vbird 的话，那么按下 n 则会向上继续搜寻名称为 vbird 的字符串！</a:t>
-            </a:r>
-          </a:p>
-          <a:p>
-            <a:pPr marL="496570" indent="-496570" defTabSz="645160">
-              <a:spcBef>
-                <a:spcPts val="4500"/>
-              </a:spcBef>
-              <a:defRPr sz="4000"/>
-            </a:pPr>
-            <a:r>
-              <a:t>N	这个 N 是英文按键。与 n 刚好相反，为『反向』进行前一个搜寻动作。 例如 /vbird 后，按下 N 则表示『向上』搜寻 vbird 。</a:t>
-            </a:r>
-          </a:p>
-          <a:p>
-            <a:pPr marL="496570" indent="-496570" defTabSz="645160">
-              <a:spcBef>
-                <a:spcPts val="4500"/>
-              </a:spcBef>
-              <a:defRPr sz="4000"/>
-            </a:pPr>
-            <a:r>
-              <a:t>使用 /word 配合 n 及 N 是非常有帮助的！可以让你重复的找到一些你搜寻的关键词！</a:t>
+            <a:pPr marL="508000" indent="-508000" defTabSz="660400">
+              <a:spcBef>
+                <a:spcPts val="4700"/>
+              </a:spcBef>
+              <a:defRPr sz="4100"/>
+            </a:pPr>
+            <a:r>
+              <a:t>	测试字符串内的模式。例如，可以测试输入字符串，以查看字符串内是否出现电话号码模式或信用卡号码模式。这称为数据验证。</a:t>
+            </a:r>
+          </a:p>
+          <a:p>
+            <a:pPr marL="508000" indent="-508000" defTabSz="660400">
+              <a:spcBef>
+                <a:spcPts val="4700"/>
+              </a:spcBef>
+              <a:defRPr sz="4100"/>
+            </a:pPr>
+            <a:r>
+              <a:t>	替换文本。可以使用正则表达式来识别文档中的特定文本，完全删除该文本或者用其他文本替换它。</a:t>
+            </a:r>
+          </a:p>
+          <a:p>
+            <a:pPr marL="508000" indent="-508000" defTabSz="660400">
+              <a:spcBef>
+                <a:spcPts val="4700"/>
+              </a:spcBef>
+              <a:defRPr sz="4100"/>
+            </a:pPr>
+            <a:r>
+              <a:t>	基于模式匹配从字符串中提取子字符串。可以查找文档内或输入域内特定的文本。</a:t>
+            </a:r>
+          </a:p>
+          <a:p>
+            <a:pPr marL="508000" indent="-508000" defTabSz="660400">
+              <a:spcBef>
+                <a:spcPts val="4700"/>
+              </a:spcBef>
+              <a:defRPr sz="4100"/>
+            </a:pPr>
+            <a:r>
+              <a:t>例如，您可能需要搜索整个网站，删除过时的材料，以及替换某些 HTML 格式标记。在这种情况下，可以使用正则表达式来确定在每个文件中是否出现该材料或该 HTML 格式标记。此过程将受影响的文件列表缩小到包含需要删除或更改的材料的那些文件。然后可以使用正则表达式来删除过时的材料。最后，可以使用正则表达式来搜索和替换标记。</a:t>
             </a:r>
           </a:p>
         </p:txBody>
@@ -12520,7 +12375,7 @@
       </p:grpSpPr>
       <p:sp>
         <p:nvSpPr>
-          <p:cNvPr id="431" name="Shape 431"/>
+          <p:cNvPr id="425" name="Shape 425"/>
           <p:cNvSpPr/>
           <p:nvPr>
             <p:ph type="title"/>
@@ -12533,21 +12388,17 @@
         </p:spPr>
         <p:txBody>
           <a:bodyPr/>
-          <a:lstStyle>
-            <a:lvl1pPr defTabSz="709930">
-              <a:defRPr sz="9600"/>
-            </a:lvl1pPr>
-          </a:lstStyle>
-          <a:p>
-            <a:r>
-              <a:t>第二关：同时搜索多个字符串的方法</a:t>
-            </a:r>
-          </a:p>
-        </p:txBody>
-      </p:sp>
-      <p:sp>
-        <p:nvSpPr>
-          <p:cNvPr id="432" name="Shape 432"/>
+          <a:lstStyle/>
+          <a:p>
+            <a:r>
+              <a:t>第一关：基本的字符串搜索方法</a:t>
+            </a:r>
+          </a:p>
+        </p:txBody>
+      </p:sp>
+      <p:sp>
+        <p:nvSpPr>
+          <p:cNvPr id="426" name="Shape 426"/>
           <p:cNvSpPr/>
           <p:nvPr>
             <p:ph type="body" idx="1"/>
@@ -12562,36 +12413,69 @@
           <a:bodyPr/>
           <a:lstStyle/>
           <a:p>
-            <a:pPr marL="590550" indent="-590550" defTabSz="767715">
-              <a:spcBef>
-                <a:spcPts val="5400"/>
-              </a:spcBef>
-              <a:defRPr sz="4800"/>
-            </a:pPr>
-            <a:r>
-              <a:t>在VS Code跨文件搜索（Ctrl+Shift+F）或文件内搜索（Ctrl+F）时，只要将多个字符串之间增加或运算符“|”，比如"main|int" ，同时选中输入框最右侧使用正则表达式（Alt+R）的小图标，即可同时搜索多个字符串。</a:t>
-            </a:r>
-          </a:p>
-          <a:p>
-            <a:pPr marL="590550" indent="-590550" defTabSz="767715">
-              <a:spcBef>
-                <a:spcPts val="5400"/>
-              </a:spcBef>
-              <a:defRPr sz="4800"/>
-            </a:pPr>
-            <a:r>
-              <a:t>在 Vim 中搜索多个字符串的用法基本一致。如果你想匹配"yes"或"no"，你需要的正则表达式是/yes|no</a:t>
-            </a:r>
-          </a:p>
-          <a:p>
-            <a:pPr marL="590550" indent="-590550" defTabSz="767715">
-              <a:spcBef>
-                <a:spcPts val="5400"/>
-              </a:spcBef>
-              <a:defRPr sz="4800"/>
-            </a:pPr>
-            <a:r>
-              <a:t>你也可以搜索超过两种模式，通过添加更多的模式来添加更多的或运算符来分隔它们，如/yes|no|maybe</a:t>
+            <a:pPr marL="452120" indent="-452120" defTabSz="587375">
+              <a:spcBef>
+                <a:spcPts val="4000"/>
+              </a:spcBef>
+              <a:defRPr sz="3640"/>
+            </a:pPr>
+            <a:r>
+              <a:t>在VS Code中跨文件搜索（Ctrl+Shift+F）和文件内搜索（Ctrl+F）的输入框输入字符串即可进行基本的字符串搜索。</a:t>
+            </a:r>
+          </a:p>
+          <a:p>
+            <a:pPr marL="452120" indent="-452120" defTabSz="587375">
+              <a:spcBef>
+                <a:spcPts val="4000"/>
+              </a:spcBef>
+              <a:defRPr sz="3640"/>
+            </a:pPr>
+            <a:r>
+              <a:t>文件内搜索（Ctrl+F）可以使用Enter键代表继续搜索下一个，Shift+Enter键代表继续搜索上一个。这两个操作在文件内搜索面板上有对应的两个上下箭头，箭头右侧三条横线的小按钮是指在选定内容中查找（Alt+L）。</a:t>
+            </a:r>
+          </a:p>
+          <a:p>
+            <a:pPr marL="452120" indent="-452120" defTabSz="587375">
+              <a:spcBef>
+                <a:spcPts val="4000"/>
+              </a:spcBef>
+              <a:defRPr sz="3640"/>
+            </a:pPr>
+            <a:r>
+              <a:t>跨文件搜索（Ctrl+Shift+F）和文件内搜索（Ctrl+F）的输入框内部右侧都有三个小按钮：</a:t>
+            </a:r>
+          </a:p>
+          <a:p>
+            <a:pPr marL="452120" indent="-452120" defTabSz="587375">
+              <a:spcBef>
+                <a:spcPts val="4000"/>
+              </a:spcBef>
+              <a:defRPr sz="3640"/>
+            </a:pPr>
+            <a:r>
+              <a:t>	•	第一个选中的话就是搜索时区分大小写（Alt+C）；</a:t>
+            </a:r>
+          </a:p>
+          <a:p>
+            <a:pPr marL="452120" indent="-452120" defTabSz="587375">
+              <a:spcBef>
+                <a:spcPts val="4000"/>
+              </a:spcBef>
+              <a:defRPr sz="3640"/>
+            </a:pPr>
+            <a:r>
+              <a:t>	•	第二个选中的话表示搜索时全字匹配（Alt+W）；</a:t>
+            </a:r>
+          </a:p>
+          <a:p>
+            <a:pPr marL="452120" indent="-452120" defTabSz="587375">
+              <a:spcBef>
+                <a:spcPts val="4000"/>
+              </a:spcBef>
+              <a:defRPr sz="3640"/>
+            </a:pPr>
+            <a:r>
+              <a:t>	•	第三个选中的话表示搜索时采用正则表达式（Alt+R），如果输入框中使用了正则表达式的语法规则，则需要选中第三个按钮或使用Alt+R快捷键。显然上图中还没有使用正则表达式。</a:t>
             </a:r>
           </a:p>
         </p:txBody>
@@ -12782,7 +12666,7 @@
       </p:grpSpPr>
       <p:sp>
         <p:nvSpPr>
-          <p:cNvPr id="434" name="Shape 434"/>
+          <p:cNvPr id="428" name="Shape 428"/>
           <p:cNvSpPr/>
           <p:nvPr>
             <p:ph type="title"/>
@@ -12795,21 +12679,17 @@
         </p:spPr>
         <p:txBody>
           <a:bodyPr/>
-          <a:lstStyle>
-            <a:lvl1pPr defTabSz="709930">
-              <a:defRPr sz="9630"/>
-            </a:lvl1pPr>
-          </a:lstStyle>
-          <a:p>
-            <a:r>
-              <a:t>第三关：在匹配字符串时的大小写问题</a:t>
-            </a:r>
-          </a:p>
-        </p:txBody>
-      </p:sp>
-      <p:sp>
-        <p:nvSpPr>
-          <p:cNvPr id="435" name="Shape 435"/>
+          <a:lstStyle/>
+          <a:p>
+            <a:r>
+              <a:t>第一关：基本的字符串搜索方法</a:t>
+            </a:r>
+          </a:p>
+        </p:txBody>
+      </p:sp>
+      <p:sp>
+        <p:nvSpPr>
+          <p:cNvPr id="429" name="Shape 429"/>
           <p:cNvSpPr/>
           <p:nvPr>
             <p:ph type="body" idx="1"/>
@@ -12824,58 +12704,58 @@
           <a:bodyPr/>
           <a:lstStyle/>
           <a:p>
-            <a:pPr marL="476250" indent="-476250" defTabSz="619125">
-              <a:spcBef>
-                <a:spcPts val="4400"/>
-              </a:spcBef>
-              <a:defRPr sz="3900"/>
-            </a:pPr>
-            <a:r>
-              <a:t>在VS Code跨文件搜索（Ctrl+Shift+F）和文件内搜索（Ctrl+F）中，默认是忽略大小写的，只有通过选中搜索输入框中区分大小写（Alt+C）小按钮，才会按照字符串的大小写严格匹配。</a:t>
-            </a:r>
-          </a:p>
-          <a:p>
-            <a:pPr marL="476250" indent="-476250" defTabSz="619125">
-              <a:spcBef>
-                <a:spcPts val="4400"/>
-              </a:spcBef>
-              <a:defRPr sz="3900"/>
-            </a:pPr>
-            <a:r>
-              <a:t>在 Vim 中通过底线命令方式:set ignorecase 设置为忽略大小写；通过:set noignorecase 恢复到大小写敏感的状态，Vim 环境下默认是大小写敏感的。</a:t>
-            </a:r>
-          </a:p>
-          <a:p>
-            <a:pPr marL="476250" indent="-476250" defTabSz="619125">
-              <a:spcBef>
-                <a:spcPts val="4400"/>
-              </a:spcBef>
-              <a:defRPr sz="3900"/>
-            </a:pPr>
-            <a:r>
-              <a:t>Unix类的系统默认都是大小写敏感的，而Windows系统下默认是大小写不敏感的。这大概是VS Code和Vim在大小写的默认设置上不同的原因吧。</a:t>
-            </a:r>
-          </a:p>
-          <a:p>
-            <a:pPr marL="476250" indent="-476250" defTabSz="619125">
-              <a:spcBef>
-                <a:spcPts val="4400"/>
-              </a:spcBef>
-              <a:defRPr sz="3900"/>
-            </a:pPr>
-            <a:r>
-              <a:t>在 Vim 中也可以通过快捷方式\c 表示大小写不敏感，\C 表示大小写敏感，比如/ignorecase\c，这个正则表达式可以匹配”ignorecase”，"igNoreCase"和"IgnoreCase"。</a:t>
-            </a:r>
-          </a:p>
-          <a:p>
-            <a:pPr marL="476250" indent="-476250" defTabSz="619125">
-              <a:spcBef>
-                <a:spcPts val="4400"/>
-              </a:spcBef>
-              <a:defRPr sz="3900"/>
-            </a:pPr>
-            <a:r>
-              <a:t>在VS Code跨文件搜索（Ctrl+Shift+F）和文件内搜索（Ctrl+F）中不支持在正则表达式中使用\c这种快捷方式。</a:t>
+            <a:pPr marL="496570" indent="-496570" defTabSz="645160">
+              <a:spcBef>
+                <a:spcPts val="4500"/>
+              </a:spcBef>
+              <a:defRPr sz="4000"/>
+            </a:pPr>
+            <a:r>
+              <a:t>在 Vim 一般命令模式（Normal Mode）下输入/word	向光标之下寻找一个名称为 word 的字符串。例如要在档案内搜寻 vbird 这个字符串，就输入 /vbird 即可！ (常用)</a:t>
+            </a:r>
+          </a:p>
+          <a:p>
+            <a:pPr marL="496570" indent="-496570" defTabSz="645160">
+              <a:spcBef>
+                <a:spcPts val="4500"/>
+              </a:spcBef>
+              <a:defRPr sz="4000"/>
+            </a:pPr>
+            <a:r>
+              <a:t>?word	向光标之上寻找一个字符串名称为 word 的字符串。</a:t>
+            </a:r>
+          </a:p>
+          <a:p>
+            <a:pPr marL="496570" indent="-496570" defTabSz="645160">
+              <a:spcBef>
+                <a:spcPts val="4500"/>
+              </a:spcBef>
+              <a:defRPr sz="4000"/>
+            </a:pPr>
+            <a:r>
+              <a:t>n	这个 n 是英文按键。代表重复前一个搜寻的动作。举例来说， 如果刚刚我们执行 /vbird 去向下搜寻 vbird 这个字符串，则按下 n 后，会向下继续搜寻下一个名称为 vbird 的字符串。如果是执行 ?vbird 的话，那么按下 n 则会向上继续搜寻名称为 vbird 的字符串！</a:t>
+            </a:r>
+          </a:p>
+          <a:p>
+            <a:pPr marL="496570" indent="-496570" defTabSz="645160">
+              <a:spcBef>
+                <a:spcPts val="4500"/>
+              </a:spcBef>
+              <a:defRPr sz="4000"/>
+            </a:pPr>
+            <a:r>
+              <a:t>N	这个 N 是英文按键。与 n 刚好相反，为『反向』进行前一个搜寻动作。 例如 /vbird 后，按下 N 则表示『向上』搜寻 vbird 。</a:t>
+            </a:r>
+          </a:p>
+          <a:p>
+            <a:pPr marL="496570" indent="-496570" defTabSz="645160">
+              <a:spcBef>
+                <a:spcPts val="4500"/>
+              </a:spcBef>
+              <a:defRPr sz="4000"/>
+            </a:pPr>
+            <a:r>
+              <a:t>使用 /word 配合 n 及 N 是非常有帮助的！可以让你重复的找到一些你搜寻的关键词！</a:t>
             </a:r>
           </a:p>
         </p:txBody>
@@ -12915,7 +12795,7 @@
       </p:grpSpPr>
       <p:sp>
         <p:nvSpPr>
-          <p:cNvPr id="437" name="Shape 437"/>
+          <p:cNvPr id="431" name="Shape 431"/>
           <p:cNvSpPr/>
           <p:nvPr>
             <p:ph type="title"/>
@@ -12928,17 +12808,21 @@
         </p:spPr>
         <p:txBody>
           <a:bodyPr/>
-          <a:lstStyle/>
-          <a:p>
-            <a:r>
-              <a:t>第四关：通配符的基本用法</a:t>
-            </a:r>
-          </a:p>
-        </p:txBody>
-      </p:sp>
-      <p:sp>
-        <p:nvSpPr>
-          <p:cNvPr id="438" name="Shape 438"/>
+          <a:lstStyle>
+            <a:lvl1pPr defTabSz="709930">
+              <a:defRPr sz="9600"/>
+            </a:lvl1pPr>
+          </a:lstStyle>
+          <a:p>
+            <a:r>
+              <a:t>第二关：同时搜索多个字符串的方法</a:t>
+            </a:r>
+          </a:p>
+        </p:txBody>
+      </p:sp>
+      <p:sp>
+        <p:nvSpPr>
+          <p:cNvPr id="432" name="Shape 432"/>
           <p:cNvSpPr/>
           <p:nvPr>
             <p:ph type="body" idx="1"/>
@@ -12953,58 +12837,36 @@
           <a:bodyPr/>
           <a:lstStyle/>
           <a:p>
-            <a:pPr marL="469900" indent="-469900" defTabSz="610235">
-              <a:spcBef>
-                <a:spcPts val="4300"/>
-              </a:spcBef>
-              <a:defRPr sz="3785"/>
-            </a:pPr>
-            <a:r>
-              <a:t>有时不知道模式中的确切字符，就找出所有可能匹配的单词，如果拼写错误会浪费很长时间。幸运的是，可以使用通配符“.”、“+”、“*”、“?”节省时间。</a:t>
-            </a:r>
-          </a:p>
-          <a:p>
-            <a:pPr marL="469900" indent="-469900" defTabSz="610235">
-              <a:spcBef>
-                <a:spcPts val="4300"/>
-              </a:spcBef>
-              <a:defRPr sz="3785"/>
-            </a:pPr>
-            <a:r>
-              <a:t>	•	通配符“.”将匹配任意一个字符。通配符也可称为 dot 和 period。你可以像正则表达式中的任何其他字符一样使用通配符。例如，如果你想匹配“hug”，“huh”，“hut”和“hum”，可以使用正则表达式hu.来匹配这所有四个字符串。</a:t>
-            </a:r>
-          </a:p>
-          <a:p>
-            <a:pPr marL="469900" indent="-469900" defTabSz="610235">
-              <a:spcBef>
-                <a:spcPts val="4300"/>
-              </a:spcBef>
-              <a:defRPr sz="3785"/>
-            </a:pPr>
-            <a:r>
-              <a:t>	•	通配符“+”用来查找出现一次或多次的字符，例如hahhhhh，可以使用正则表达式hah+来匹配。</a:t>
-            </a:r>
-          </a:p>
-          <a:p>
-            <a:pPr marL="469900" indent="-469900" defTabSz="610235">
-              <a:spcBef>
-                <a:spcPts val="4300"/>
-              </a:spcBef>
-              <a:defRPr sz="3785"/>
-            </a:pPr>
-            <a:r>
-              <a:t>	•	通配符“*”匹配零次或多次出现的字符，使用正则表达式hah*来匹配，还可以匹配ha字符串。</a:t>
-            </a:r>
-          </a:p>
-          <a:p>
-            <a:pPr marL="469900" indent="-469900" defTabSz="610235">
-              <a:spcBef>
-                <a:spcPts val="4300"/>
-              </a:spcBef>
-              <a:defRPr sz="3785"/>
-            </a:pPr>
-            <a:r>
-              <a:t>	•	通配符“?”指定可能存在的元素，也就是检查前一个元素存在与否，如正则表达式colou?r、favou?rite中通配符“?”前面的u字符存在和不存在两种情况的字符串都会匹配。</a:t>
+            <a:pPr marL="590550" indent="-590550" defTabSz="767715">
+              <a:spcBef>
+                <a:spcPts val="5400"/>
+              </a:spcBef>
+              <a:defRPr sz="4800"/>
+            </a:pPr>
+            <a:r>
+              <a:t>在VS Code跨文件搜索（Ctrl+Shift+F）或文件内搜索（Ctrl+F）时，只要将多个字符串之间增加或运算符“|”，比如"main|int" ，同时选中输入框最右侧使用正则表达式（Alt+R）的小图标，即可同时搜索多个字符串。</a:t>
+            </a:r>
+          </a:p>
+          <a:p>
+            <a:pPr marL="590550" indent="-590550" defTabSz="767715">
+              <a:spcBef>
+                <a:spcPts val="5400"/>
+              </a:spcBef>
+              <a:defRPr sz="4800"/>
+            </a:pPr>
+            <a:r>
+              <a:t>在 Vim 中搜索多个字符串的用法基本一致。如果你想匹配"yes"或"no"，你需要的正则表达式是/yes|no</a:t>
+            </a:r>
+          </a:p>
+          <a:p>
+            <a:pPr marL="590550" indent="-590550" defTabSz="767715">
+              <a:spcBef>
+                <a:spcPts val="5400"/>
+              </a:spcBef>
+              <a:defRPr sz="4800"/>
+            </a:pPr>
+            <a:r>
+              <a:t>你也可以搜索超过两种模式，通过添加更多的模式来添加更多的或运算符来分隔它们，如/yes|no|maybe</a:t>
             </a:r>
           </a:p>
         </p:txBody>
@@ -13044,7 +12906,7 @@
       </p:grpSpPr>
       <p:sp>
         <p:nvSpPr>
-          <p:cNvPr id="440" name="Shape 440"/>
+          <p:cNvPr id="434" name="Shape 434"/>
           <p:cNvSpPr/>
           <p:nvPr>
             <p:ph type="title"/>
@@ -13057,17 +12919,21 @@
         </p:spPr>
         <p:txBody>
           <a:bodyPr/>
-          <a:lstStyle/>
-          <a:p>
-            <a:r>
-              <a:t>第四关：通配符的基本用法</a:t>
-            </a:r>
-          </a:p>
-        </p:txBody>
-      </p:sp>
-      <p:sp>
-        <p:nvSpPr>
-          <p:cNvPr id="441" name="Shape 441"/>
+          <a:lstStyle>
+            <a:lvl1pPr defTabSz="709930">
+              <a:defRPr sz="9630"/>
+            </a:lvl1pPr>
+          </a:lstStyle>
+          <a:p>
+            <a:r>
+              <a:t>第三关：在匹配字符串时的大小写问题</a:t>
+            </a:r>
+          </a:p>
+        </p:txBody>
+      </p:sp>
+      <p:sp>
+        <p:nvSpPr>
+          <p:cNvPr id="435" name="Shape 435"/>
           <p:cNvSpPr/>
           <p:nvPr>
             <p:ph type="body" idx="1"/>
@@ -13082,58 +12948,58 @@
           <a:bodyPr/>
           <a:lstStyle/>
           <a:p>
-            <a:pPr marL="518795" indent="-518795" defTabSz="674370">
-              <a:spcBef>
-                <a:spcPts val="4700"/>
-              </a:spcBef>
-              <a:defRPr sz="4180"/>
-            </a:pPr>
-            <a:r>
-              <a:t>简要总结一下通配符“.”表示任意一个字符；“?”表示前一个字符是否存在，也就是存在 0 次或 1 次；“+”表示前一个字符出现一次或多次；“*”表示前一个字符出现 0 次、1 次或多次。</a:t>
-            </a:r>
-          </a:p>
-          <a:p>
-            <a:pPr marL="518795" indent="-518795" defTabSz="674370">
-              <a:spcBef>
-                <a:spcPts val="4700"/>
-              </a:spcBef>
-              <a:defRPr sz="4180"/>
-            </a:pPr>
-            <a:r>
-              <a:t>如果是指定只查找某个字符出现3次到5次的情况怎么办呢？可以使用 quantity specifiers 数量说明符指定模式的下限和上限数。数量说明符使用大括号{and}。你将两个数字放在大括号之间用逗号“,”隔开表示上限和下限数。</a:t>
-            </a:r>
-          </a:p>
-          <a:p>
-            <a:pPr marL="518795" indent="-518795" defTabSz="674370">
-              <a:spcBef>
-                <a:spcPts val="4700"/>
-              </a:spcBef>
-              <a:defRPr sz="4180"/>
-            </a:pPr>
-            <a:r>
-              <a:t>	•	要匹配字符串"aaah"中出现 3 到 5 次的 a，你的正则表达式将是a{3,5}h；</a:t>
-            </a:r>
-          </a:p>
-          <a:p>
-            <a:pPr marL="518795" indent="-518795" defTabSz="674370">
-              <a:spcBef>
-                <a:spcPts val="4700"/>
-              </a:spcBef>
-              <a:defRPr sz="4180"/>
-            </a:pPr>
-            <a:r>
-              <a:t>	•	仅匹配字符串"haaah"与至少出现 3 次的字母 a，正则表达式将是/ha{3,}h；</a:t>
-            </a:r>
-          </a:p>
-          <a:p>
-            <a:pPr marL="518795" indent="-518795" defTabSz="674370">
-              <a:spcBef>
-                <a:spcPts val="4700"/>
-              </a:spcBef>
-              <a:defRPr sz="4180"/>
-            </a:pPr>
-            <a:r>
-              <a:t>	•	为了仅匹配"hah"中出现 3 次的字母 a，你的正则表达式将是/ha{3}h。</a:t>
+            <a:pPr marL="476250" indent="-476250" defTabSz="619125">
+              <a:spcBef>
+                <a:spcPts val="4400"/>
+              </a:spcBef>
+              <a:defRPr sz="3900"/>
+            </a:pPr>
+            <a:r>
+              <a:t>在VS Code跨文件搜索（Ctrl+Shift+F）和文件内搜索（Ctrl+F）中，默认是忽略大小写的，只有通过选中搜索输入框中区分大小写（Alt+C）小按钮，才会按照字符串的大小写严格匹配。</a:t>
+            </a:r>
+          </a:p>
+          <a:p>
+            <a:pPr marL="476250" indent="-476250" defTabSz="619125">
+              <a:spcBef>
+                <a:spcPts val="4400"/>
+              </a:spcBef>
+              <a:defRPr sz="3900"/>
+            </a:pPr>
+            <a:r>
+              <a:t>在 Vim 中通过底线命令方式:set ignorecase 设置为忽略大小写；通过:set noignorecase 恢复到大小写敏感的状态，Vim 环境下默认是大小写敏感的。</a:t>
+            </a:r>
+          </a:p>
+          <a:p>
+            <a:pPr marL="476250" indent="-476250" defTabSz="619125">
+              <a:spcBef>
+                <a:spcPts val="4400"/>
+              </a:spcBef>
+              <a:defRPr sz="3900"/>
+            </a:pPr>
+            <a:r>
+              <a:t>Unix类的系统默认都是大小写敏感的，而Windows系统下默认是大小写不敏感的。这大概是VS Code和Vim在大小写的默认设置上不同的原因吧。</a:t>
+            </a:r>
+          </a:p>
+          <a:p>
+            <a:pPr marL="476250" indent="-476250" defTabSz="619125">
+              <a:spcBef>
+                <a:spcPts val="4400"/>
+              </a:spcBef>
+              <a:defRPr sz="3900"/>
+            </a:pPr>
+            <a:r>
+              <a:t>在 Vim 中也可以通过快捷方式\c 表示大小写不敏感，\C 表示大小写敏感，比如/ignorecase\c，这个正则表达式可以匹配”ignorecase”，"igNoreCase"和"IgnoreCase"。</a:t>
+            </a:r>
+          </a:p>
+          <a:p>
+            <a:pPr marL="476250" indent="-476250" defTabSz="619125">
+              <a:spcBef>
+                <a:spcPts val="4400"/>
+              </a:spcBef>
+              <a:defRPr sz="3900"/>
+            </a:pPr>
+            <a:r>
+              <a:t>在VS Code跨文件搜索（Ctrl+Shift+F）和文件内搜索（Ctrl+F）中不支持在正则表达式中使用\c这种快捷方式。</a:t>
             </a:r>
           </a:p>
         </p:txBody>
@@ -13173,7 +13039,7 @@
       </p:grpSpPr>
       <p:sp>
         <p:nvSpPr>
-          <p:cNvPr id="443" name="Shape 443"/>
+          <p:cNvPr id="437" name="Shape 437"/>
           <p:cNvSpPr/>
           <p:nvPr>
             <p:ph type="title"/>
@@ -13186,21 +13052,17 @@
         </p:spPr>
         <p:txBody>
           <a:bodyPr/>
-          <a:lstStyle>
-            <a:lvl1pPr defTabSz="668655">
-              <a:defRPr sz="9000"/>
-            </a:lvl1pPr>
-          </a:lstStyle>
-          <a:p>
-            <a:r>
-              <a:t>第五关：匹配具有多种可能性的字符集</a:t>
-            </a:r>
-          </a:p>
-        </p:txBody>
-      </p:sp>
-      <p:sp>
-        <p:nvSpPr>
-          <p:cNvPr id="444" name="Shape 444"/>
+          <a:lstStyle/>
+          <a:p>
+            <a:r>
+              <a:t>第四关：通配符的基本用法</a:t>
+            </a:r>
+          </a:p>
+        </p:txBody>
+      </p:sp>
+      <p:sp>
+        <p:nvSpPr>
+          <p:cNvPr id="438" name="Shape 438"/>
           <p:cNvSpPr/>
           <p:nvPr>
             <p:ph type="body" idx="1"/>
@@ -13215,36 +13077,58 @@
           <a:bodyPr/>
           <a:lstStyle/>
           <a:p>
-            <a:pPr marL="584200" indent="-584200" defTabSz="758825">
-              <a:spcBef>
-                <a:spcPts val="5400"/>
-              </a:spcBef>
-              <a:defRPr sz="4785"/>
-            </a:pPr>
-            <a:r>
-              <a:t>学习了如何匹配完整的字符串，如word，以及通配符“.”、“+”、“*”、“?”。这些只是正则表达式的两种极端情况，其中一个查找完全匹配，另一个匹配任意字符的方法。</a:t>
-            </a:r>
-          </a:p>
-          <a:p>
-            <a:pPr marL="584200" indent="-584200" defTabSz="758825">
-              <a:spcBef>
-                <a:spcPts val="5400"/>
-              </a:spcBef>
-              <a:defRPr sz="4785"/>
-            </a:pPr>
-            <a:r>
-              <a:t>有这两个极端情况之间的平衡选项，可以使用 character sets 字符集来灵活地搜索文字模式。</a:t>
-            </a:r>
-          </a:p>
-          <a:p>
-            <a:pPr marL="584200" indent="-584200" defTabSz="758825">
-              <a:spcBef>
-                <a:spcPts val="5400"/>
-              </a:spcBef>
-              <a:defRPr sz="4785"/>
-            </a:pPr>
-            <a:r>
-              <a:t>	•	用方括号[and]中来定义一组你希望匹配的字符。character sets 字符集允许你通过将其放在方括号[and]中来定义一组你希望匹配的字符。例如，你要匹配"bag"，"big"和"bug"，而不是"bog"。你可以创建正则表达式/b[aiu]g 来执行此操作。[aiu]是只匹配字符"a","i"或"u"的 character sets 字符集。</a:t>
+            <a:pPr marL="469900" indent="-469900" defTabSz="610235">
+              <a:spcBef>
+                <a:spcPts val="4300"/>
+              </a:spcBef>
+              <a:defRPr sz="3785"/>
+            </a:pPr>
+            <a:r>
+              <a:t>有时不知道模式中的确切字符，就找出所有可能匹配的单词，如果拼写错误会浪费很长时间。幸运的是，可以使用通配符“.”、“+”、“*”、“?”节省时间。</a:t>
+            </a:r>
+          </a:p>
+          <a:p>
+            <a:pPr marL="469900" indent="-469900" defTabSz="610235">
+              <a:spcBef>
+                <a:spcPts val="4300"/>
+              </a:spcBef>
+              <a:defRPr sz="3785"/>
+            </a:pPr>
+            <a:r>
+              <a:t>	•	通配符“.”将匹配任意一个字符。通配符也可称为 dot 和 period。你可以像正则表达式中的任何其他字符一样使用通配符。例如，如果你想匹配“hug”，“huh”，“hut”和“hum”，可以使用正则表达式hu.来匹配这所有四个字符串。</a:t>
+            </a:r>
+          </a:p>
+          <a:p>
+            <a:pPr marL="469900" indent="-469900" defTabSz="610235">
+              <a:spcBef>
+                <a:spcPts val="4300"/>
+              </a:spcBef>
+              <a:defRPr sz="3785"/>
+            </a:pPr>
+            <a:r>
+              <a:t>	•	通配符“+”用来查找出现一次或多次的字符，例如hahhhhh，可以使用正则表达式hah+来匹配。</a:t>
+            </a:r>
+          </a:p>
+          <a:p>
+            <a:pPr marL="469900" indent="-469900" defTabSz="610235">
+              <a:spcBef>
+                <a:spcPts val="4300"/>
+              </a:spcBef>
+              <a:defRPr sz="3785"/>
+            </a:pPr>
+            <a:r>
+              <a:t>	•	通配符“*”匹配零次或多次出现的字符，使用正则表达式hah*来匹配，还可以匹配ha字符串。</a:t>
+            </a:r>
+          </a:p>
+          <a:p>
+            <a:pPr marL="469900" indent="-469900" defTabSz="610235">
+              <a:spcBef>
+                <a:spcPts val="4300"/>
+              </a:spcBef>
+              <a:defRPr sz="3785"/>
+            </a:pPr>
+            <a:r>
+              <a:t>	•	通配符“?”指定可能存在的元素，也就是检查前一个元素存在与否，如正则表达式colou?r、favou?rite中通配符“?”前面的u字符存在和不存在两种情况的字符串都会匹配。</a:t>
             </a:r>
           </a:p>
         </p:txBody>
@@ -13284,7 +13168,7 @@
       </p:grpSpPr>
       <p:sp>
         <p:nvSpPr>
-          <p:cNvPr id="446" name="Shape 446"/>
+          <p:cNvPr id="440" name="Shape 440"/>
           <p:cNvSpPr/>
           <p:nvPr>
             <p:ph type="title"/>
@@ -13297,21 +13181,17 @@
         </p:spPr>
         <p:txBody>
           <a:bodyPr/>
-          <a:lstStyle>
-            <a:lvl1pPr defTabSz="668655">
-              <a:defRPr sz="9000"/>
-            </a:lvl1pPr>
-          </a:lstStyle>
-          <a:p>
-            <a:r>
-              <a:t>第五关：匹配具有多种可能性的字符集</a:t>
-            </a:r>
-          </a:p>
-        </p:txBody>
-      </p:sp>
-      <p:sp>
-        <p:nvSpPr>
-          <p:cNvPr id="447" name="Shape 447"/>
+          <a:lstStyle/>
+          <a:p>
+            <a:r>
+              <a:t>第四关：通配符的基本用法</a:t>
+            </a:r>
+          </a:p>
+        </p:txBody>
+      </p:sp>
+      <p:sp>
+        <p:nvSpPr>
+          <p:cNvPr id="441" name="Shape 441"/>
           <p:cNvSpPr/>
           <p:nvPr>
             <p:ph type="body" idx="1"/>
@@ -13326,25 +13206,58 @@
           <a:bodyPr/>
           <a:lstStyle/>
           <a:p>
-            <a:pPr marL="584200" indent="-584200" defTabSz="758825">
-              <a:spcBef>
-                <a:spcPts val="5400"/>
-              </a:spcBef>
-              <a:defRPr sz="4785"/>
-            </a:pPr>
-            <a:r>
-              <a:t>	•	连字符“-”定义要匹配的字符范围。当你需要匹配一系列字符（例如字母表中的每个字母）时，会需要输入很多字符。幸运的是，有一个内置的功能可以使这个更简短和简单。在 character sets 字符集中，你可以使用连字符“-”定义要匹配的字符范围。例如，要匹配小写字母 a 到 e，你将使用[a-e]。使用连字符“-”匹配一系列字符并不只限于字母，它也可以匹配一系列数字。例如character sets 字符集[0-5]匹配 0 和 5 之间的所有数字，包括 0 和 5。</a:t>
-            </a:r>
-          </a:p>
-          <a:p>
-            <a:pPr marL="584200" indent="-584200" defTabSz="758825">
-              <a:spcBef>
-                <a:spcPts val="5400"/>
-              </a:spcBef>
-              <a:defRPr sz="4785"/>
-            </a:pPr>
-            <a:r>
-              <a:t>	•	字符“^”定义不想要匹配的字符，称为negated character sets 否定字符集。要创建一个 否定字符集，你可以在方括号的开括号之后放置一个插入字符“^”。例如[^aeiou]排除元音的所有字符。</a:t>
+            <a:pPr marL="518795" indent="-518795" defTabSz="674370">
+              <a:spcBef>
+                <a:spcPts val="4700"/>
+              </a:spcBef>
+              <a:defRPr sz="4180"/>
+            </a:pPr>
+            <a:r>
+              <a:t>简要总结一下通配符“.”表示任意一个字符；“?”表示前一个字符是否存在，也就是存在 0 次或 1 次；“+”表示前一个字符出现一次或多次；“*”表示前一个字符出现 0 次、1 次或多次。</a:t>
+            </a:r>
+          </a:p>
+          <a:p>
+            <a:pPr marL="518795" indent="-518795" defTabSz="674370">
+              <a:spcBef>
+                <a:spcPts val="4700"/>
+              </a:spcBef>
+              <a:defRPr sz="4180"/>
+            </a:pPr>
+            <a:r>
+              <a:t>如果是指定只查找某个字符出现3次到5次的情况怎么办呢？可以使用 quantity specifiers 数量说明符指定模式的下限和上限数。数量说明符使用大括号{and}。你将两个数字放在大括号之间用逗号“,”隔开表示上限和下限数。</a:t>
+            </a:r>
+          </a:p>
+          <a:p>
+            <a:pPr marL="518795" indent="-518795" defTabSz="674370">
+              <a:spcBef>
+                <a:spcPts val="4700"/>
+              </a:spcBef>
+              <a:defRPr sz="4180"/>
+            </a:pPr>
+            <a:r>
+              <a:t>	•	要匹配字符串"aaah"中出现 3 到 5 次的 a，你的正则表达式将是a{3,5}h；</a:t>
+            </a:r>
+          </a:p>
+          <a:p>
+            <a:pPr marL="518795" indent="-518795" defTabSz="674370">
+              <a:spcBef>
+                <a:spcPts val="4700"/>
+              </a:spcBef>
+              <a:defRPr sz="4180"/>
+            </a:pPr>
+            <a:r>
+              <a:t>	•	仅匹配字符串"haaah"与至少出现 3 次的字母 a，正则表达式将是/ha{3,}h；</a:t>
+            </a:r>
+          </a:p>
+          <a:p>
+            <a:pPr marL="518795" indent="-518795" defTabSz="674370">
+              <a:spcBef>
+                <a:spcPts val="4700"/>
+              </a:spcBef>
+              <a:defRPr sz="4180"/>
+            </a:pPr>
+            <a:r>
+              <a:t>	•	为了仅匹配"hah"中出现 3 次的字母 a，你的正则表达式将是/ha{3}h。</a:t>
             </a:r>
           </a:p>
         </p:txBody>
@@ -13384,7 +13297,7 @@
       </p:grpSpPr>
       <p:sp>
         <p:nvSpPr>
-          <p:cNvPr id="449" name="Shape 449"/>
+          <p:cNvPr id="443" name="Shape 443"/>
           <p:cNvSpPr/>
           <p:nvPr>
             <p:ph type="title"/>
@@ -13411,7 +13324,7 @@
       </p:sp>
       <p:sp>
         <p:nvSpPr>
-          <p:cNvPr id="450" name="Shape 450"/>
+          <p:cNvPr id="444" name="Shape 444"/>
           <p:cNvSpPr/>
           <p:nvPr>
             <p:ph type="body" idx="1"/>
@@ -13433,7 +13346,7 @@
               <a:defRPr sz="4785"/>
             </a:pPr>
             <a:r>
-              <a:t>	•	连字符“-”定义要匹配的字符范围。当你需要匹配一系列字符（例如字母表中的每个字母）时，会需要输入很多字符。幸运的是，有一个内置的功能可以使这个更简短和简单。在 character sets 字符集中，你可以使用连字符“-”定义要匹配的字符范围。例如，要匹配小写字母 a 到 e，你将使用[a-e]。使用连字符“-”匹配一系列字符并不只限于字母，它也可以匹配一系列数字。例如character sets 字符集[0-5]匹配 0 和 5 之间的所有数字，包括 0 和 5。</a:t>
+              <a:t>学习了如何匹配完整的字符串，如word，以及通配符“.”、“+”、“*”、“?”。这些只是正则表达式的两种极端情况，其中一个查找完全匹配，另一个匹配任意字符的方法。</a:t>
             </a:r>
           </a:p>
           <a:p>
@@ -13444,7 +13357,18 @@
               <a:defRPr sz="4785"/>
             </a:pPr>
             <a:r>
-              <a:t>	•	字符“^”定义不想要匹配的字符，称为negated character sets 否定字符集。要创建一个 否定字符集，你可以在方括号的开括号之后放置一个插入字符“^”。例如[^aeiou]排除元音的所有字符。</a:t>
+              <a:t>有这两个极端情况之间的平衡选项，可以使用 character sets 字符集来灵活地搜索文字模式。</a:t>
+            </a:r>
+          </a:p>
+          <a:p>
+            <a:pPr marL="584200" indent="-584200" defTabSz="758825">
+              <a:spcBef>
+                <a:spcPts val="5400"/>
+              </a:spcBef>
+              <a:defRPr sz="4785"/>
+            </a:pPr>
+            <a:r>
+              <a:t>	•	用方括号[and]中来定义一组你希望匹配的字符。character sets 字符集允许你通过将其放在方括号[and]中来定义一组你希望匹配的字符。例如，你要匹配"bag"，"big"和"bug"，而不是"bog"。你可以创建正则表达式/b[aiu]g 来执行此操作。[aiu]是只匹配字符"a","i"或"u"的 character sets 字符集。</a:t>
             </a:r>
           </a:p>
         </p:txBody>
@@ -13484,7 +13408,7 @@
       </p:grpSpPr>
       <p:sp>
         <p:nvSpPr>
-          <p:cNvPr id="452" name="Shape 452"/>
+          <p:cNvPr id="446" name="Shape 446"/>
           <p:cNvSpPr/>
           <p:nvPr>
             <p:ph type="title"/>
@@ -13511,7 +13435,7 @@
       </p:sp>
       <p:sp>
         <p:nvSpPr>
-          <p:cNvPr id="453" name="Shape 453"/>
+          <p:cNvPr id="447" name="Shape 447"/>
           <p:cNvSpPr/>
           <p:nvPr>
             <p:ph type="body" idx="1"/>
@@ -13526,58 +13450,25 @@
           <a:bodyPr/>
           <a:lstStyle/>
           <a:p>
-            <a:pPr marL="552450" indent="-552450" defTabSz="717550">
-              <a:spcBef>
-                <a:spcPts val="5100"/>
-              </a:spcBef>
-              <a:defRPr sz="4525"/>
-            </a:pPr>
-            <a:r>
-              <a:t>如果匹配的可能的字符太多，写起来不是很方便，因而字符集还提供快捷方式的写法。</a:t>
-            </a:r>
-          </a:p>
-          <a:p>
-            <a:pPr marL="552450" indent="-552450" defTabSz="717550">
-              <a:spcBef>
-                <a:spcPts val="5100"/>
-              </a:spcBef>
-              <a:defRPr sz="4525"/>
-            </a:pPr>
-            <a:r>
-              <a:t>	•	快捷方式\w 匹配字母数字[A-Za-z0-9_]。这个character sets 字符集匹配大小写字母加数字。注意，这个character sets 字符集还包括下划线字符“_”。</a:t>
-            </a:r>
-          </a:p>
-          <a:p>
-            <a:pPr marL="552450" indent="-552450" defTabSz="717550">
-              <a:spcBef>
-                <a:spcPts val="5100"/>
-              </a:spcBef>
-              <a:defRPr sz="4525"/>
-            </a:pPr>
-            <a:r>
-              <a:t>	•	快捷方式\W 搜索\w 的相反方向。需要注意相反的模式使用大写字母。此快捷方式与[^A-Za-z0-9_]相同。</a:t>
-            </a:r>
-          </a:p>
-          <a:p>
-            <a:pPr marL="552450" indent="-552450" defTabSz="717550">
-              <a:spcBef>
-                <a:spcPts val="5100"/>
-              </a:spcBef>
-              <a:defRPr sz="4525"/>
-            </a:pPr>
-            <a:r>
-              <a:t>	•	快捷方式\d 搜索数字字符集[0-9]。</a:t>
-            </a:r>
-          </a:p>
-          <a:p>
-            <a:pPr marL="552450" indent="-552450" defTabSz="717550">
-              <a:spcBef>
-                <a:spcPts val="5100"/>
-              </a:spcBef>
-              <a:defRPr sz="4525"/>
-            </a:pPr>
-            <a:r>
-              <a:t>	•	快捷方式\D查找非数字字符，等于字符集[^0-9]。</a:t>
+            <a:pPr marL="584200" indent="-584200" defTabSz="758825">
+              <a:spcBef>
+                <a:spcPts val="5400"/>
+              </a:spcBef>
+              <a:defRPr sz="4785"/>
+            </a:pPr>
+            <a:r>
+              <a:t>	•	连字符“-”定义要匹配的字符范围。当你需要匹配一系列字符（例如字母表中的每个字母）时，会需要输入很多字符。幸运的是，有一个内置的功能可以使这个更简短和简单。在 character sets 字符集中，你可以使用连字符“-”定义要匹配的字符范围。例如，要匹配小写字母 a 到 e，你将使用[a-e]。使用连字符“-”匹配一系列字符并不只限于字母，它也可以匹配一系列数字。例如character sets 字符集[0-5]匹配 0 和 5 之间的所有数字，包括 0 和 5。</a:t>
+            </a:r>
+          </a:p>
+          <a:p>
+            <a:pPr marL="584200" indent="-584200" defTabSz="758825">
+              <a:spcBef>
+                <a:spcPts val="5400"/>
+              </a:spcBef>
+              <a:defRPr sz="4785"/>
+            </a:pPr>
+            <a:r>
+              <a:t>	•	字符“^”定义不想要匹配的字符，称为negated character sets 否定字符集。要创建一个 否定字符集，你可以在方括号的开括号之后放置一个插入字符“^”。例如[^aeiou]排除元音的所有字符。</a:t>
             </a:r>
           </a:p>
         </p:txBody>
@@ -13617,7 +13508,7 @@
       </p:grpSpPr>
       <p:sp>
         <p:nvSpPr>
-          <p:cNvPr id="455" name="Shape 455"/>
+          <p:cNvPr id="449" name="Shape 449"/>
           <p:cNvSpPr/>
           <p:nvPr>
             <p:ph type="title"/>
@@ -13630,17 +13521,21 @@
         </p:spPr>
         <p:txBody>
           <a:bodyPr/>
-          <a:lstStyle/>
-          <a:p>
-            <a:r>
-              <a:t>第六关：贪婪匹配 vs. 懒惰匹配</a:t>
-            </a:r>
-          </a:p>
-        </p:txBody>
-      </p:sp>
-      <p:sp>
-        <p:nvSpPr>
-          <p:cNvPr id="456" name="Shape 456"/>
+          <a:lstStyle>
+            <a:lvl1pPr defTabSz="668655">
+              <a:defRPr sz="9000"/>
+            </a:lvl1pPr>
+          </a:lstStyle>
+          <a:p>
+            <a:r>
+              <a:t>第五关：匹配具有多种可能性的字符集</a:t>
+            </a:r>
+          </a:p>
+        </p:txBody>
+      </p:sp>
+      <p:sp>
+        <p:nvSpPr>
+          <p:cNvPr id="450" name="Shape 450"/>
           <p:cNvSpPr/>
           <p:nvPr>
             <p:ph type="body" idx="1"/>
@@ -13655,47 +13550,25 @@
           <a:bodyPr/>
           <a:lstStyle/>
           <a:p>
-            <a:pPr marL="495300" indent="-495300" defTabSz="643255">
-              <a:spcBef>
-                <a:spcPts val="4600"/>
-              </a:spcBef>
-              <a:defRPr sz="4055"/>
-            </a:pPr>
-            <a:r>
-              <a:t>在正则表达式中，greedy 贪婪匹配找到符合正则表达式模式的字符串的最长可能部分，并将其作为匹配返回。相反还有 lazy 懒惰匹配，是找到符合正则表达式模式的字符串的最小可能部分。</a:t>
-            </a:r>
-          </a:p>
-          <a:p>
-            <a:pPr marL="495300" indent="-495300" defTabSz="643255">
-              <a:spcBef>
-                <a:spcPts val="4600"/>
-              </a:spcBef>
-              <a:defRPr sz="4055"/>
-            </a:pPr>
-            <a:r>
-              <a:t>你可以将正则表达式t[a-z]*i应用于字符串"titanic"。这个正则表达式基本上是以 t 开始的模式，以 i 结尾，并且之间有0个、1个或多个字母。</a:t>
-            </a:r>
-          </a:p>
-          <a:p>
-            <a:pPr marL="495300" indent="-495300" defTabSz="643255">
-              <a:spcBef>
-                <a:spcPts val="4600"/>
-              </a:spcBef>
-              <a:defRPr sz="4055"/>
-            </a:pPr>
-            <a:r>
-              <a:t>正则表达式是默认的是 greedy 贪婪匹配，所以匹配将返回"titani"。它可以找到最大的子字符串，以符合该模式。</a:t>
-            </a:r>
-          </a:p>
-          <a:p>
-            <a:pPr marL="495300" indent="-495300" defTabSz="643255">
-              <a:spcBef>
-                <a:spcPts val="4600"/>
-              </a:spcBef>
-              <a:defRPr sz="4055"/>
-            </a:pPr>
-            <a:r>
-              <a:t>但是可以使用?字符将其更改为 lazy 懒惰匹配。“titanic”匹配调整后的t[a-z]*?i正则表达式会返回["ti"]。注意这时字符“?”表示 lazy 懒惰匹配，字符“?”还可以作为通配符表示检查前一个元素存在与否。</a:t>
+            <a:pPr marL="584200" indent="-584200" defTabSz="758825">
+              <a:spcBef>
+                <a:spcPts val="5400"/>
+              </a:spcBef>
+              <a:defRPr sz="4785"/>
+            </a:pPr>
+            <a:r>
+              <a:t>	•	连字符“-”定义要匹配的字符范围。当你需要匹配一系列字符（例如字母表中的每个字母）时，会需要输入很多字符。幸运的是，有一个内置的功能可以使这个更简短和简单。在 character sets 字符集中，你可以使用连字符“-”定义要匹配的字符范围。例如，要匹配小写字母 a 到 e，你将使用[a-e]。使用连字符“-”匹配一系列字符并不只限于字母，它也可以匹配一系列数字。例如character sets 字符集[0-5]匹配 0 和 5 之间的所有数字，包括 0 和 5。</a:t>
+            </a:r>
+          </a:p>
+          <a:p>
+            <a:pPr marL="584200" indent="-584200" defTabSz="758825">
+              <a:spcBef>
+                <a:spcPts val="5400"/>
+              </a:spcBef>
+              <a:defRPr sz="4785"/>
+            </a:pPr>
+            <a:r>
+              <a:t>	•	字符“^”定义不想要匹配的字符，称为negated character sets 否定字符集。要创建一个 否定字符集，你可以在方括号的开括号之后放置一个插入字符“^”。例如[^aeiou]排除元音的所有字符。</a:t>
             </a:r>
           </a:p>
         </p:txBody>
@@ -13735,7 +13608,7 @@
       </p:grpSpPr>
       <p:sp>
         <p:nvSpPr>
-          <p:cNvPr id="458" name="Shape 458"/>
+          <p:cNvPr id="452" name="Shape 452"/>
           <p:cNvSpPr/>
           <p:nvPr>
             <p:ph type="title"/>
@@ -13748,17 +13621,21 @@
         </p:spPr>
         <p:txBody>
           <a:bodyPr/>
-          <a:lstStyle/>
-          <a:p>
-            <a:r>
-              <a:t>第六关：贪婪匹配 vs. 懒惰匹配</a:t>
-            </a:r>
-          </a:p>
-        </p:txBody>
-      </p:sp>
-      <p:sp>
-        <p:nvSpPr>
-          <p:cNvPr id="459" name="Shape 459"/>
+          <a:lstStyle>
+            <a:lvl1pPr defTabSz="668655">
+              <a:defRPr sz="9000"/>
+            </a:lvl1pPr>
+          </a:lstStyle>
+          <a:p>
+            <a:r>
+              <a:t>第五关：匹配具有多种可能性的字符集</a:t>
+            </a:r>
+          </a:p>
+        </p:txBody>
+      </p:sp>
+      <p:sp>
+        <p:nvSpPr>
+          <p:cNvPr id="453" name="Shape 453"/>
           <p:cNvSpPr/>
           <p:nvPr>
             <p:ph type="body" idx="1"/>
@@ -13773,8 +13650,58 @@
           <a:bodyPr/>
           <a:lstStyle/>
           <a:p>
-            <a:r>
-              <a:t>练习题：修正正则表达式&lt;.*?&gt;以返回 HTML 标签&lt;h1&gt;而不是文本"&lt;h1&gt;Winter is coming&lt;/h1&gt;”。记住正则表达式中的通配符“.”可匹配任何一个字符，“.*”可匹配任意多个任意字符。</a:t>
+            <a:pPr marL="552450" indent="-552450" defTabSz="717550">
+              <a:spcBef>
+                <a:spcPts val="5100"/>
+              </a:spcBef>
+              <a:defRPr sz="4525"/>
+            </a:pPr>
+            <a:r>
+              <a:t>如果匹配的可能的字符太多，写起来不是很方便，因而字符集还提供快捷方式的写法。</a:t>
+            </a:r>
+          </a:p>
+          <a:p>
+            <a:pPr marL="552450" indent="-552450" defTabSz="717550">
+              <a:spcBef>
+                <a:spcPts val="5100"/>
+              </a:spcBef>
+              <a:defRPr sz="4525"/>
+            </a:pPr>
+            <a:r>
+              <a:t>	•	快捷方式\w 匹配字母数字[A-Za-z0-9_]。这个character sets 字符集匹配大小写字母加数字。注意，这个character sets 字符集还包括下划线字符“_”。</a:t>
+            </a:r>
+          </a:p>
+          <a:p>
+            <a:pPr marL="552450" indent="-552450" defTabSz="717550">
+              <a:spcBef>
+                <a:spcPts val="5100"/>
+              </a:spcBef>
+              <a:defRPr sz="4525"/>
+            </a:pPr>
+            <a:r>
+              <a:t>	•	快捷方式\W 搜索\w 的相反方向。需要注意相反的模式使用大写字母。此快捷方式与[^A-Za-z0-9_]相同。</a:t>
+            </a:r>
+          </a:p>
+          <a:p>
+            <a:pPr marL="552450" indent="-552450" defTabSz="717550">
+              <a:spcBef>
+                <a:spcPts val="5100"/>
+              </a:spcBef>
+              <a:defRPr sz="4525"/>
+            </a:pPr>
+            <a:r>
+              <a:t>	•	快捷方式\d 搜索数字字符集[0-9]。</a:t>
+            </a:r>
+          </a:p>
+          <a:p>
+            <a:pPr marL="552450" indent="-552450" defTabSz="717550">
+              <a:spcBef>
+                <a:spcPts val="5100"/>
+              </a:spcBef>
+              <a:defRPr sz="4525"/>
+            </a:pPr>
+            <a:r>
+              <a:t>	•	快捷方式\D查找非数字字符，等于字符集[^0-9]。</a:t>
             </a:r>
           </a:p>
         </p:txBody>
@@ -13814,7 +13741,7 @@
       </p:grpSpPr>
       <p:sp>
         <p:nvSpPr>
-          <p:cNvPr id="461" name="Shape 461"/>
+          <p:cNvPr id="455" name="Shape 455"/>
           <p:cNvSpPr/>
           <p:nvPr>
             <p:ph type="title"/>
@@ -13827,21 +13754,17 @@
         </p:spPr>
         <p:txBody>
           <a:bodyPr/>
-          <a:lstStyle>
-            <a:lvl1pPr defTabSz="800735">
-              <a:defRPr sz="10865"/>
-            </a:lvl1pPr>
-          </a:lstStyle>
-          <a:p>
-            <a:r>
-              <a:t>第七关：一些特殊位置和特殊字符</a:t>
-            </a:r>
-          </a:p>
-        </p:txBody>
-      </p:sp>
-      <p:sp>
-        <p:nvSpPr>
-          <p:cNvPr id="462" name="Shape 462"/>
+          <a:lstStyle/>
+          <a:p>
+            <a:r>
+              <a:t>第六关：贪婪匹配 vs. 懒惰匹配</a:t>
+            </a:r>
+          </a:p>
+        </p:txBody>
+      </p:sp>
+      <p:sp>
+        <p:nvSpPr>
+          <p:cNvPr id="456" name="Shape 456"/>
           <p:cNvSpPr/>
           <p:nvPr>
             <p:ph type="body" idx="1"/>
@@ -13856,58 +13779,47 @@
           <a:bodyPr/>
           <a:lstStyle/>
           <a:p>
-            <a:pPr marL="508000" indent="-508000" defTabSz="660400">
-              <a:spcBef>
-                <a:spcPts val="4700"/>
-              </a:spcBef>
-              <a:defRPr sz="4160"/>
-            </a:pPr>
-            <a:r>
-              <a:t>正则表达式可用于查找匹配字符串开头和末尾位置的模式。</a:t>
-            </a:r>
-          </a:p>
-          <a:p>
-            <a:pPr marL="508000" indent="-508000" defTabSz="660400">
-              <a:spcBef>
-                <a:spcPts val="4700"/>
-              </a:spcBef>
-              <a:defRPr sz="4160"/>
-            </a:pPr>
-            <a:r>
-              <a:t>在前面你使用 character sets 字符集中的插入字符“^”创建一[^thingsThatWillNotBeMatched]形式的 negated character set 否定字符集。在方括号之外的正则表达式中插入字符“^”用于表示字符串的开头。美元字符“$”表示字符串的末尾。</a:t>
-            </a:r>
-          </a:p>
-          <a:p>
-            <a:pPr marL="508000" indent="-508000" defTabSz="660400">
-              <a:spcBef>
-                <a:spcPts val="4700"/>
-              </a:spcBef>
-              <a:defRPr sz="4160"/>
-            </a:pPr>
-            <a:r>
-              <a:t>	•	插入字符“^”用于表示字符串的开头。</a:t>
-            </a:r>
-          </a:p>
-          <a:p>
-            <a:pPr marL="508000" indent="-508000" defTabSz="660400">
-              <a:spcBef>
-                <a:spcPts val="4700"/>
-              </a:spcBef>
-              <a:defRPr sz="4160"/>
-            </a:pPr>
-            <a:r>
-              <a:t>	•	美元字符“$”表示字符串的末尾。</a:t>
-            </a:r>
-          </a:p>
-          <a:p>
-            <a:pPr marL="508000" indent="-508000" defTabSz="660400">
-              <a:spcBef>
-                <a:spcPts val="4700"/>
-              </a:spcBef>
-              <a:defRPr sz="4160"/>
-            </a:pPr>
-            <a:r>
-              <a:t>如在"Ricky is first and can be found”查找开头的 Ricky 则为^Ricky，查找结尾的 found 则为/found$。</a:t>
+            <a:pPr marL="495300" indent="-495300" defTabSz="643255">
+              <a:spcBef>
+                <a:spcPts val="4600"/>
+              </a:spcBef>
+              <a:defRPr sz="4055"/>
+            </a:pPr>
+            <a:r>
+              <a:t>在正则表达式中，greedy 贪婪匹配找到符合正则表达式模式的字符串的最长可能部分，并将其作为匹配返回。相反还有 lazy 懒惰匹配，是找到符合正则表达式模式的字符串的最小可能部分。</a:t>
+            </a:r>
+          </a:p>
+          <a:p>
+            <a:pPr marL="495300" indent="-495300" defTabSz="643255">
+              <a:spcBef>
+                <a:spcPts val="4600"/>
+              </a:spcBef>
+              <a:defRPr sz="4055"/>
+            </a:pPr>
+            <a:r>
+              <a:t>你可以将正则表达式t[a-z]*i应用于字符串"titanic"。这个正则表达式基本上是以 t 开始的模式，以 i 结尾，并且之间有0个、1个或多个字母。</a:t>
+            </a:r>
+          </a:p>
+          <a:p>
+            <a:pPr marL="495300" indent="-495300" defTabSz="643255">
+              <a:spcBef>
+                <a:spcPts val="4600"/>
+              </a:spcBef>
+              <a:defRPr sz="4055"/>
+            </a:pPr>
+            <a:r>
+              <a:t>正则表达式是默认的是 greedy 贪婪匹配，所以匹配将返回"titani"。它可以找到最大的子字符串，以符合该模式。</a:t>
+            </a:r>
+          </a:p>
+          <a:p>
+            <a:pPr marL="495300" indent="-495300" defTabSz="643255">
+              <a:spcBef>
+                <a:spcPts val="4600"/>
+              </a:spcBef>
+              <a:defRPr sz="4055"/>
+            </a:pPr>
+            <a:r>
+              <a:t>但是可以使用?字符将其更改为 lazy 懒惰匹配。“titanic”匹配调整后的t[a-z]*?i正则表达式会返回["ti"]。注意这时字符“?”表示 lazy 懒惰匹配，字符“?”还可以作为通配符表示检查前一个元素存在与否。</a:t>
             </a:r>
           </a:p>
         </p:txBody>
@@ -14087,7 +13999,7 @@
       </p:grpSpPr>
       <p:sp>
         <p:nvSpPr>
-          <p:cNvPr id="464" name="Shape 464"/>
+          <p:cNvPr id="458" name="Shape 458"/>
           <p:cNvSpPr/>
           <p:nvPr>
             <p:ph type="title"/>
@@ -14100,21 +14012,17 @@
         </p:spPr>
         <p:txBody>
           <a:bodyPr/>
-          <a:lstStyle>
-            <a:lvl1pPr defTabSz="800735">
-              <a:defRPr sz="10865"/>
-            </a:lvl1pPr>
-          </a:lstStyle>
-          <a:p>
-            <a:r>
-              <a:t>第七关：一些特殊位置和特殊字符</a:t>
-            </a:r>
-          </a:p>
-        </p:txBody>
-      </p:sp>
-      <p:sp>
-        <p:nvSpPr>
-          <p:cNvPr id="465" name="Shape 465"/>
+          <a:lstStyle/>
+          <a:p>
+            <a:r>
+              <a:t>第六关：贪婪匹配 vs. 懒惰匹配</a:t>
+            </a:r>
+          </a:p>
+        </p:txBody>
+      </p:sp>
+      <p:sp>
+        <p:nvSpPr>
+          <p:cNvPr id="459" name="Shape 459"/>
           <p:cNvSpPr/>
           <p:nvPr>
             <p:ph type="body" idx="1"/>
@@ -14129,80 +14037,8 @@
           <a:bodyPr/>
           <a:lstStyle/>
           <a:p>
-            <a:pPr marL="444500" indent="-444500" defTabSz="577850">
-              <a:spcBef>
-                <a:spcPts val="4100"/>
-              </a:spcBef>
-              <a:defRPr sz="3640"/>
-            </a:pPr>
-            <a:r>
-              <a:t>可以使用\s 搜索空格，这是一个小写的 s 即 space 之意。此模式不仅匹配空格，还包括回车、制表符、换页和新行字符。你可以将其看作与字符集[\r\t\f\n\v]类似。</a:t>
-            </a:r>
-          </a:p>
-          <a:p>
-            <a:pPr marL="444500" indent="-444500" defTabSz="577850">
-              <a:spcBef>
-                <a:spcPts val="4100"/>
-              </a:spcBef>
-              <a:defRPr sz="3640"/>
-            </a:pPr>
-            <a:r>
-              <a:t>使用\S 搜索非空格，这是一个大写的 S。此模式将不匹配空格、回车符、制表符、换页和新行字符。你可以想象它类似于字符类[^\r\t\f\n\v]。</a:t>
-            </a:r>
-          </a:p>
-          <a:p>
-            <a:pPr marL="444500" indent="-444500" defTabSz="577850">
-              <a:spcBef>
-                <a:spcPts val="4100"/>
-              </a:spcBef>
-              <a:defRPr sz="3640"/>
-            </a:pPr>
-            <a:r>
-              <a:t>	•	\n：换行（光标到下行行首）；</a:t>
-            </a:r>
-          </a:p>
-          <a:p>
-            <a:pPr marL="444500" indent="-444500" defTabSz="577850">
-              <a:spcBef>
-                <a:spcPts val="4100"/>
-              </a:spcBef>
-              <a:defRPr sz="3640"/>
-            </a:pPr>
-            <a:r>
-              <a:t>	•	\r：回车（光标到本行行首）；</a:t>
-            </a:r>
-          </a:p>
-          <a:p>
-            <a:pPr marL="444500" indent="-444500" defTabSz="577850">
-              <a:spcBef>
-                <a:spcPts val="4100"/>
-              </a:spcBef>
-              <a:defRPr sz="3640"/>
-            </a:pPr>
-            <a:r>
-              <a:t>	•	\f：换页；</a:t>
-            </a:r>
-          </a:p>
-          <a:p>
-            <a:pPr marL="444500" indent="-444500" defTabSz="577850">
-              <a:spcBef>
-                <a:spcPts val="4100"/>
-              </a:spcBef>
-              <a:defRPr sz="3640"/>
-            </a:pPr>
-            <a:r>
-              <a:t>	•	\t：水平跳格（水平制表）；</a:t>
-            </a:r>
-          </a:p>
-          <a:p>
-            <a:pPr marL="444500" indent="-444500" defTabSz="577850">
-              <a:spcBef>
-                <a:spcPts val="4100"/>
-              </a:spcBef>
-              <a:defRPr sz="3640"/>
-            </a:pPr>
-            <a:r>
-              <a:t>	•	\v：垂直跳格（垂直制表）。</a:t>
+            <a:r>
+              <a:t>练习题：修正正则表达式&lt;.*?&gt;以返回 HTML 标签&lt;h1&gt;而不是文本"&lt;h1&gt;Winter is coming&lt;/h1&gt;”。记住正则表达式中的通配符“.”可匹配任何一个字符，“.*”可匹配任意多个任意字符。</a:t>
             </a:r>
           </a:p>
         </p:txBody>
@@ -14242,7 +14078,7 @@
       </p:grpSpPr>
       <p:sp>
         <p:nvSpPr>
-          <p:cNvPr id="467" name="Shape 467"/>
+          <p:cNvPr id="461" name="Shape 461"/>
           <p:cNvSpPr/>
           <p:nvPr>
             <p:ph type="title"/>
@@ -14255,17 +14091,21 @@
         </p:spPr>
         <p:txBody>
           <a:bodyPr/>
-          <a:lstStyle/>
-          <a:p>
-            <a:r>
-              <a:t>第八关：使用捕获组复用模式</a:t>
-            </a:r>
-          </a:p>
-        </p:txBody>
-      </p:sp>
-      <p:sp>
-        <p:nvSpPr>
-          <p:cNvPr id="468" name="Shape 468"/>
+          <a:lstStyle>
+            <a:lvl1pPr defTabSz="800735">
+              <a:defRPr sz="10865"/>
+            </a:lvl1pPr>
+          </a:lstStyle>
+          <a:p>
+            <a:r>
+              <a:t>第七关：一些特殊位置和特殊字符</a:t>
+            </a:r>
+          </a:p>
+        </p:txBody>
+      </p:sp>
+      <p:sp>
+        <p:nvSpPr>
+          <p:cNvPr id="462" name="Shape 462"/>
           <p:cNvSpPr/>
           <p:nvPr>
             <p:ph type="body" idx="1"/>
@@ -14280,47 +14120,58 @@
           <a:bodyPr/>
           <a:lstStyle/>
           <a:p>
-            <a:pPr marL="457200" indent="-457200" defTabSz="593725">
-              <a:spcBef>
-                <a:spcPts val="4200"/>
-              </a:spcBef>
-              <a:defRPr sz="3700"/>
-            </a:pPr>
-            <a:r>
-              <a:t>可能搜索的某些模式在字符串中多次出现，手动重复这些正则表达式是浪费时间的。有一个更好的方法可在你的字符串中有多个重复子串时进行指定，那就是capture groups 捕获组。</a:t>
-            </a:r>
-          </a:p>
-          <a:p>
-            <a:pPr marL="457200" indent="-457200" defTabSz="593725">
-              <a:spcBef>
-                <a:spcPts val="4200"/>
-              </a:spcBef>
-              <a:defRPr sz="3700"/>
-            </a:pPr>
-            <a:r>
-              <a:t>用括号(and)可以定义capture groups 捕获组，用于查找重复的子串，即把会重复的模式的正则表达式放在括号内。</a:t>
-            </a:r>
-          </a:p>
-          <a:p>
-            <a:pPr marL="457200" indent="-457200" defTabSz="593725">
-              <a:spcBef>
-                <a:spcPts val="4200"/>
-              </a:spcBef>
-              <a:defRPr sz="3700"/>
-            </a:pPr>
-            <a:r>
-              <a:t>要指定重复字符串的出现位置，可以使用反斜杠“\”，然后使用数字。该数字从 1 开始，并随着用括号定义的捕获组数量而增加。比如\1 来匹配前面通过括号定义的第一个捕获组。</a:t>
-            </a:r>
-          </a:p>
-          <a:p>
-            <a:pPr marL="457200" indent="-457200" defTabSz="593725">
-              <a:spcBef>
-                <a:spcPts val="4200"/>
-              </a:spcBef>
-              <a:defRPr sz="3700"/>
-            </a:pPr>
-            <a:r>
-              <a:t>使用 capture groups 捕获组来匹配字符串中连续出现三次的数字，每个数字由空格分隔，如(\d+)\s\1\s\1。</a:t>
+            <a:pPr marL="508000" indent="-508000" defTabSz="660400">
+              <a:spcBef>
+                <a:spcPts val="4700"/>
+              </a:spcBef>
+              <a:defRPr sz="4160"/>
+            </a:pPr>
+            <a:r>
+              <a:t>正则表达式可用于查找匹配字符串开头和末尾位置的模式。</a:t>
+            </a:r>
+          </a:p>
+          <a:p>
+            <a:pPr marL="508000" indent="-508000" defTabSz="660400">
+              <a:spcBef>
+                <a:spcPts val="4700"/>
+              </a:spcBef>
+              <a:defRPr sz="4160"/>
+            </a:pPr>
+            <a:r>
+              <a:t>在前面你使用 character sets 字符集中的插入字符“^”创建一[^thingsThatWillNotBeMatched]形式的 negated character set 否定字符集。在方括号之外的正则表达式中插入字符“^”用于表示字符串的开头。美元字符“$”表示字符串的末尾。</a:t>
+            </a:r>
+          </a:p>
+          <a:p>
+            <a:pPr marL="508000" indent="-508000" defTabSz="660400">
+              <a:spcBef>
+                <a:spcPts val="4700"/>
+              </a:spcBef>
+              <a:defRPr sz="4160"/>
+            </a:pPr>
+            <a:r>
+              <a:t>	•	插入字符“^”用于表示字符串的开头。</a:t>
+            </a:r>
+          </a:p>
+          <a:p>
+            <a:pPr marL="508000" indent="-508000" defTabSz="660400">
+              <a:spcBef>
+                <a:spcPts val="4700"/>
+              </a:spcBef>
+              <a:defRPr sz="4160"/>
+            </a:pPr>
+            <a:r>
+              <a:t>	•	美元字符“$”表示字符串的末尾。</a:t>
+            </a:r>
+          </a:p>
+          <a:p>
+            <a:pPr marL="508000" indent="-508000" defTabSz="660400">
+              <a:spcBef>
+                <a:spcPts val="4700"/>
+              </a:spcBef>
+              <a:defRPr sz="4160"/>
+            </a:pPr>
+            <a:r>
+              <a:t>如在"Ricky is first and can be found”查找开头的 Ricky 则为^Ricky，查找结尾的 found 则为/found$。</a:t>
             </a:r>
           </a:p>
         </p:txBody>
@@ -14360,7 +14211,7 @@
       </p:grpSpPr>
       <p:sp>
         <p:nvSpPr>
-          <p:cNvPr id="470" name="Shape 470"/>
+          <p:cNvPr id="464" name="Shape 464"/>
           <p:cNvSpPr/>
           <p:nvPr>
             <p:ph type="title"/>
@@ -14374,20 +14225,20 @@
         <p:txBody>
           <a:bodyPr/>
           <a:lstStyle>
-            <a:lvl1pPr defTabSz="709930">
-              <a:defRPr sz="9600"/>
+            <a:lvl1pPr defTabSz="800735">
+              <a:defRPr sz="10865"/>
             </a:lvl1pPr>
           </a:lstStyle>
           <a:p>
             <a:r>
-              <a:t>第九关：基本的字符串搜索替换方法</a:t>
-            </a:r>
-          </a:p>
-        </p:txBody>
-      </p:sp>
-      <p:sp>
-        <p:nvSpPr>
-          <p:cNvPr id="471" name="Shape 471"/>
+              <a:t>第七关：一些特殊位置和特殊字符</a:t>
+            </a:r>
+          </a:p>
+        </p:txBody>
+      </p:sp>
+      <p:sp>
+        <p:nvSpPr>
+          <p:cNvPr id="465" name="Shape 465"/>
           <p:cNvSpPr/>
           <p:nvPr>
             <p:ph type="body" idx="1"/>
@@ -14402,58 +14253,80 @@
           <a:bodyPr/>
           <a:lstStyle/>
           <a:p>
-            <a:pPr marL="413385" indent="-413385" defTabSz="537210">
-              <a:spcBef>
-                <a:spcPts val="3700"/>
-              </a:spcBef>
-              <a:defRPr sz="3360"/>
-            </a:pPr>
-            <a:r>
-              <a:t>在VS Code中基本的字符串搜索替换方法比较简单，只要点击查找输入框左侧的“&gt;”小按钮就可以打开替换输入框，如下图所示。也可以使用快捷键跨文件替换（Ctrl+Shift+H）和文件内替换（Ctrl+H），与跨文件搜索（Ctrl+Shift+F）和文件内搜索（Ctrl+F）相对应。</a:t>
-            </a:r>
-          </a:p>
-          <a:p>
-            <a:pPr marL="413385" indent="-413385" defTabSz="537210">
-              <a:spcBef>
-                <a:spcPts val="3700"/>
-              </a:spcBef>
-              <a:defRPr sz="3360"/>
-            </a:pPr>
-            <a:r>
-              <a:t>在 Vim 中基本的字符串搜索替换方法为:n1,n2s/word1/word2/g，以:开头，n1 与 n2 为数字，即在第 n1 与 n2 行之间寻找 word1 这个字符串，并将该字符串取代为 word2 字符串。举例来说，在 100 到 200 行之间搜寻 regex 并取代为 RegEx 则为:100,200s/regex/RegEx/g。</a:t>
-            </a:r>
-          </a:p>
-          <a:p>
-            <a:pPr marL="413385" indent="-413385" defTabSz="537210">
-              <a:spcBef>
-                <a:spcPts val="3700"/>
-              </a:spcBef>
-              <a:defRPr sz="3360"/>
-            </a:pPr>
-            <a:r>
-              <a:t>其中 s 是 substitute 的简写，表示执行替换字符串操作；最后的/g 是 global 的简写，表示全局替换。另外与/g 的用法相似，/c 是 comfirm 的简写，表示操作时需要确认;/i 是 ignorecase 的简写，表示不区分大小写。</a:t>
-            </a:r>
-          </a:p>
-          <a:p>
-            <a:pPr marL="413385" indent="-413385" defTabSz="537210">
-              <a:spcBef>
-                <a:spcPts val="3700"/>
-              </a:spcBef>
-              <a:defRPr sz="3360"/>
-            </a:pPr>
-            <a:r>
-              <a:t>:1,$s/word1/word2/g 或 :%s/word1/word2/g 从第一行到最后一行寻找 word1 字符串，并将该字符串取代为 word2 字符串。</a:t>
-            </a:r>
-          </a:p>
-          <a:p>
-            <a:pPr marL="413385" indent="-413385" defTabSz="537210">
-              <a:spcBef>
-                <a:spcPts val="3700"/>
-              </a:spcBef>
-              <a:defRPr sz="3360"/>
-            </a:pPr>
-            <a:r>
-              <a:t>:1,$s/word1/word2/gc 或 :%s/word1/word2/gc 从第一行到最后一行寻找 word1 字符串，并将该字符串取代为 word2 字符串，且在取代前显示提示信息给用户确认 (confirm) 是否需要取代。</a:t>
+            <a:pPr marL="444500" indent="-444500" defTabSz="577850">
+              <a:spcBef>
+                <a:spcPts val="4100"/>
+              </a:spcBef>
+              <a:defRPr sz="3640"/>
+            </a:pPr>
+            <a:r>
+              <a:t>可以使用\s 搜索空格，这是一个小写的 s 即 space 之意。此模式不仅匹配空格，还包括回车、制表符、换页和新行字符。你可以将其看作与字符集[\r\t\f\n\v]类似。</a:t>
+            </a:r>
+          </a:p>
+          <a:p>
+            <a:pPr marL="444500" indent="-444500" defTabSz="577850">
+              <a:spcBef>
+                <a:spcPts val="4100"/>
+              </a:spcBef>
+              <a:defRPr sz="3640"/>
+            </a:pPr>
+            <a:r>
+              <a:t>使用\S 搜索非空格，这是一个大写的 S。此模式将不匹配空格、回车符、制表符、换页和新行字符。你可以想象它类似于字符类[^\r\t\f\n\v]。</a:t>
+            </a:r>
+          </a:p>
+          <a:p>
+            <a:pPr marL="444500" indent="-444500" defTabSz="577850">
+              <a:spcBef>
+                <a:spcPts val="4100"/>
+              </a:spcBef>
+              <a:defRPr sz="3640"/>
+            </a:pPr>
+            <a:r>
+              <a:t>	•	\n：换行（光标到下行行首）；</a:t>
+            </a:r>
+          </a:p>
+          <a:p>
+            <a:pPr marL="444500" indent="-444500" defTabSz="577850">
+              <a:spcBef>
+                <a:spcPts val="4100"/>
+              </a:spcBef>
+              <a:defRPr sz="3640"/>
+            </a:pPr>
+            <a:r>
+              <a:t>	•	\r：回车（光标到本行行首）；</a:t>
+            </a:r>
+          </a:p>
+          <a:p>
+            <a:pPr marL="444500" indent="-444500" defTabSz="577850">
+              <a:spcBef>
+                <a:spcPts val="4100"/>
+              </a:spcBef>
+              <a:defRPr sz="3640"/>
+            </a:pPr>
+            <a:r>
+              <a:t>	•	\f：换页；</a:t>
+            </a:r>
+          </a:p>
+          <a:p>
+            <a:pPr marL="444500" indent="-444500" defTabSz="577850">
+              <a:spcBef>
+                <a:spcPts val="4100"/>
+              </a:spcBef>
+              <a:defRPr sz="3640"/>
+            </a:pPr>
+            <a:r>
+              <a:t>	•	\t：水平跳格（水平制表）；</a:t>
+            </a:r>
+          </a:p>
+          <a:p>
+            <a:pPr marL="444500" indent="-444500" defTabSz="577850">
+              <a:spcBef>
+                <a:spcPts val="4100"/>
+              </a:spcBef>
+              <a:defRPr sz="3640"/>
+            </a:pPr>
+            <a:r>
+              <a:t>	•	\v：垂直跳格（垂直制表）。</a:t>
             </a:r>
           </a:p>
         </p:txBody>
@@ -14493,7 +14366,7 @@
       </p:grpSpPr>
       <p:sp>
         <p:nvSpPr>
-          <p:cNvPr id="473" name="Shape 473"/>
+          <p:cNvPr id="467" name="Shape 467"/>
           <p:cNvSpPr/>
           <p:nvPr>
             <p:ph type="title"/>
@@ -14506,21 +14379,17 @@
         </p:spPr>
         <p:txBody>
           <a:bodyPr/>
-          <a:lstStyle>
-            <a:lvl1pPr defTabSz="751205">
-              <a:defRPr sz="10190"/>
-            </a:lvl1pPr>
-          </a:lstStyle>
-          <a:p>
-            <a:r>
-              <a:t>第十关：复用捕获组的方式进行替换</a:t>
-            </a:r>
-          </a:p>
-        </p:txBody>
-      </p:sp>
-      <p:sp>
-        <p:nvSpPr>
-          <p:cNvPr id="474" name="Shape 474"/>
+          <a:lstStyle/>
+          <a:p>
+            <a:r>
+              <a:t>第八关：使用捕获组复用模式</a:t>
+            </a:r>
+          </a:p>
+        </p:txBody>
+      </p:sp>
+      <p:sp>
+        <p:nvSpPr>
+          <p:cNvPr id="468" name="Shape 468"/>
           <p:cNvSpPr/>
           <p:nvPr>
             <p:ph type="body" idx="1"/>
@@ -14535,69 +14404,47 @@
           <a:bodyPr/>
           <a:lstStyle/>
           <a:p>
-            <a:pPr marL="450850" indent="-450850" defTabSz="585470">
-              <a:spcBef>
-                <a:spcPts val="4100"/>
-              </a:spcBef>
-              <a:defRPr sz="3690"/>
-            </a:pPr>
-            <a:r>
-              <a:t>如果我们在搜索替换中希望保留搜索字符串中的某些字符串作为替换字符串的一部分，可以使用美元符号$访问替换字符串中的捕获组。</a:t>
-            </a:r>
-          </a:p>
-          <a:p>
-            <a:pPr marL="450850" indent="-450850" defTabSz="585470">
-              <a:spcBef>
-                <a:spcPts val="4100"/>
-              </a:spcBef>
-              <a:defRPr sz="3690"/>
-            </a:pPr>
-            <a:r>
-              <a:t>比如在搜索正则表达式中的捕获组为(capture groups)，则替换的正则表达式中可以直接使用$1复用搜索正则表达式中的捕获组为(capture groups)。</a:t>
-            </a:r>
-          </a:p>
-          <a:p>
-            <a:pPr marL="450850" indent="-450850" defTabSz="585470">
-              <a:spcBef>
-                <a:spcPts val="4100"/>
-              </a:spcBef>
-              <a:defRPr sz="3690"/>
-            </a:pPr>
-            <a:r>
-              <a:t>在VS Code中，如果想将项目中所有的HTML标题标签中h改为大写H，搜索正则表达式&lt;h(\d)&gt;可以查找出所有标题标签，如&lt;h1&gt;、&lt;h2&gt;、&lt;h3&gt;、&lt;h4&gt;等，其中还定义了捕获组(\d)。</a:t>
-            </a:r>
-          </a:p>
-          <a:p>
-            <a:pPr marL="450850" indent="-450850" defTabSz="585470">
-              <a:spcBef>
-                <a:spcPts val="4100"/>
-              </a:spcBef>
-              <a:defRPr sz="3690"/>
-            </a:pPr>
-            <a:r>
-              <a:t>替换的正则表达式&lt;H$1&gt;使用$1复用了搜索正则表达式中定义的捕获组(\d)。</a:t>
-            </a:r>
-          </a:p>
-          <a:p>
-            <a:pPr marL="450850" indent="-450850" defTabSz="585470">
-              <a:spcBef>
-                <a:spcPts val="4100"/>
-              </a:spcBef>
-              <a:defRPr sz="3690"/>
-            </a:pPr>
-            <a:r>
-              <a:t>在Vim中，复用捕获组的方式进行替换的用法为:1,$s/(capture groups)/$1/g</a:t>
-            </a:r>
-          </a:p>
-          <a:p>
-            <a:pPr marL="450850" indent="-450850" defTabSz="585470">
-              <a:spcBef>
-                <a:spcPts val="4100"/>
-              </a:spcBef>
-              <a:defRPr sz="3690"/>
-            </a:pPr>
-            <a:r>
-              <a:t>如果想在当前文件中将所有的HTML标题标签中h改为大写H则正则表达式为:1,$s/&lt;h(\d)&gt;/&lt;H$1&gt;/g</a:t>
+            <a:pPr marL="457200" indent="-457200" defTabSz="593725">
+              <a:spcBef>
+                <a:spcPts val="4200"/>
+              </a:spcBef>
+              <a:defRPr sz="3700"/>
+            </a:pPr>
+            <a:r>
+              <a:t>可能搜索的某些模式在字符串中多次出现，手动重复这些正则表达式是浪费时间的。有一个更好的方法可在你的字符串中有多个重复子串时进行指定，那就是capture groups 捕获组。</a:t>
+            </a:r>
+          </a:p>
+          <a:p>
+            <a:pPr marL="457200" indent="-457200" defTabSz="593725">
+              <a:spcBef>
+                <a:spcPts val="4200"/>
+              </a:spcBef>
+              <a:defRPr sz="3700"/>
+            </a:pPr>
+            <a:r>
+              <a:t>用括号(and)可以定义capture groups 捕获组，用于查找重复的子串，即把会重复的模式的正则表达式放在括号内。</a:t>
+            </a:r>
+          </a:p>
+          <a:p>
+            <a:pPr marL="457200" indent="-457200" defTabSz="593725">
+              <a:spcBef>
+                <a:spcPts val="4200"/>
+              </a:spcBef>
+              <a:defRPr sz="3700"/>
+            </a:pPr>
+            <a:r>
+              <a:t>要指定重复字符串的出现位置，可以使用反斜杠“\”，然后使用数字。该数字从 1 开始，并随着用括号定义的捕获组数量而增加。比如\1 来匹配前面通过括号定义的第一个捕获组。</a:t>
+            </a:r>
+          </a:p>
+          <a:p>
+            <a:pPr marL="457200" indent="-457200" defTabSz="593725">
+              <a:spcBef>
+                <a:spcPts val="4200"/>
+              </a:spcBef>
+              <a:defRPr sz="3700"/>
+            </a:pPr>
+            <a:r>
+              <a:t>使用 capture groups 捕获组来匹配字符串中连续出现三次的数字，每个数字由空格分隔，如(\d+)\s\1\s\1。</a:t>
             </a:r>
           </a:p>
         </p:txBody>
@@ -14619,6 +14466,283 @@
 </file>
 
 <file path=ppt/slides/slide94.xml><?xml version="1.0" encoding="utf-8"?>
+<p:sld xmlns:a="http://schemas.openxmlformats.org/drawingml/2006/main" xmlns:r="http://schemas.openxmlformats.org/officeDocument/2006/relationships" xmlns:p="http://schemas.openxmlformats.org/presentationml/2006/main">
+  <p:cSld>
+    <p:spTree>
+      <p:nvGrpSpPr>
+        <p:cNvPr id="1" name=""/>
+        <p:cNvGrpSpPr/>
+        <p:nvPr/>
+      </p:nvGrpSpPr>
+      <p:grpSpPr>
+        <a:xfrm>
+          <a:off x="0" y="0"/>
+          <a:ext cx="0" cy="0"/>
+          <a:chOff x="0" y="0"/>
+          <a:chExt cx="0" cy="0"/>
+        </a:xfrm>
+      </p:grpSpPr>
+      <p:sp>
+        <p:nvSpPr>
+          <p:cNvPr id="470" name="Shape 470"/>
+          <p:cNvSpPr/>
+          <p:nvPr>
+            <p:ph type="title"/>
+          </p:nvPr>
+        </p:nvSpPr>
+        <p:spPr>
+          <a:prstGeom prst="rect">
+            <a:avLst/>
+          </a:prstGeom>
+        </p:spPr>
+        <p:txBody>
+          <a:bodyPr/>
+          <a:lstStyle>
+            <a:lvl1pPr defTabSz="709930">
+              <a:defRPr sz="9600"/>
+            </a:lvl1pPr>
+          </a:lstStyle>
+          <a:p>
+            <a:r>
+              <a:t>第九关：基本的字符串搜索替换方法</a:t>
+            </a:r>
+          </a:p>
+        </p:txBody>
+      </p:sp>
+      <p:sp>
+        <p:nvSpPr>
+          <p:cNvPr id="471" name="Shape 471"/>
+          <p:cNvSpPr/>
+          <p:nvPr>
+            <p:ph type="body" idx="1"/>
+          </p:nvPr>
+        </p:nvSpPr>
+        <p:spPr>
+          <a:prstGeom prst="rect">
+            <a:avLst/>
+          </a:prstGeom>
+        </p:spPr>
+        <p:txBody>
+          <a:bodyPr/>
+          <a:lstStyle/>
+          <a:p>
+            <a:pPr marL="413385" indent="-413385" defTabSz="537210">
+              <a:spcBef>
+                <a:spcPts val="3700"/>
+              </a:spcBef>
+              <a:defRPr sz="3360"/>
+            </a:pPr>
+            <a:r>
+              <a:t>在VS Code中基本的字符串搜索替换方法比较简单，只要点击查找输入框左侧的“&gt;”小按钮就可以打开替换输入框，如下图所示。也可以使用快捷键跨文件替换（Ctrl+Shift+H）和文件内替换（Ctrl+H），与跨文件搜索（Ctrl+Shift+F）和文件内搜索（Ctrl+F）相对应。</a:t>
+            </a:r>
+          </a:p>
+          <a:p>
+            <a:pPr marL="413385" indent="-413385" defTabSz="537210">
+              <a:spcBef>
+                <a:spcPts val="3700"/>
+              </a:spcBef>
+              <a:defRPr sz="3360"/>
+            </a:pPr>
+            <a:r>
+              <a:t>在 Vim 中基本的字符串搜索替换方法为:n1,n2s/word1/word2/g，以:开头，n1 与 n2 为数字，即在第 n1 与 n2 行之间寻找 word1 这个字符串，并将该字符串取代为 word2 字符串。举例来说，在 100 到 200 行之间搜寻 regex 并取代为 RegEx 则为:100,200s/regex/RegEx/g。</a:t>
+            </a:r>
+          </a:p>
+          <a:p>
+            <a:pPr marL="413385" indent="-413385" defTabSz="537210">
+              <a:spcBef>
+                <a:spcPts val="3700"/>
+              </a:spcBef>
+              <a:defRPr sz="3360"/>
+            </a:pPr>
+            <a:r>
+              <a:t>其中 s 是 substitute 的简写，表示执行替换字符串操作；最后的/g 是 global 的简写，表示全局替换。另外与/g 的用法相似，/c 是 comfirm 的简写，表示操作时需要确认;/i 是 ignorecase 的简写，表示不区分大小写。</a:t>
+            </a:r>
+          </a:p>
+          <a:p>
+            <a:pPr marL="413385" indent="-413385" defTabSz="537210">
+              <a:spcBef>
+                <a:spcPts val="3700"/>
+              </a:spcBef>
+              <a:defRPr sz="3360"/>
+            </a:pPr>
+            <a:r>
+              <a:t>:1,$s/word1/word2/g 或 :%s/word1/word2/g 从第一行到最后一行寻找 word1 字符串，并将该字符串取代为 word2 字符串。</a:t>
+            </a:r>
+          </a:p>
+          <a:p>
+            <a:pPr marL="413385" indent="-413385" defTabSz="537210">
+              <a:spcBef>
+                <a:spcPts val="3700"/>
+              </a:spcBef>
+              <a:defRPr sz="3360"/>
+            </a:pPr>
+            <a:r>
+              <a:t>:1,$s/word1/word2/gc 或 :%s/word1/word2/gc 从第一行到最后一行寻找 word1 字符串，并将该字符串取代为 word2 字符串，且在取代前显示提示信息给用户确认 (confirm) 是否需要取代。</a:t>
+            </a:r>
+          </a:p>
+        </p:txBody>
+      </p:sp>
+    </p:spTree>
+  </p:cSld>
+  <p:clrMapOvr>
+    <a:masterClrMapping/>
+  </p:clrMapOvr>
+  <mc:AlternateContent xmlns:mc="http://schemas.openxmlformats.org/markup-compatibility/2006">
+    <mc:Choice xmlns:p14="http://schemas.microsoft.com/office/powerpoint/2010/main" Requires="p14">
+      <p:transition spd="med" p14:dur="1000"/>
+    </mc:Choice>
+    <mc:Fallback>
+      <p:transition spd="med"/>
+    </mc:Fallback>
+  </mc:AlternateContent>
+</p:sld>
+</file>
+
+<file path=ppt/slides/slide95.xml><?xml version="1.0" encoding="utf-8"?>
+<p:sld xmlns:a="http://schemas.openxmlformats.org/drawingml/2006/main" xmlns:r="http://schemas.openxmlformats.org/officeDocument/2006/relationships" xmlns:p="http://schemas.openxmlformats.org/presentationml/2006/main">
+  <p:cSld>
+    <p:spTree>
+      <p:nvGrpSpPr>
+        <p:cNvPr id="1" name=""/>
+        <p:cNvGrpSpPr/>
+        <p:nvPr/>
+      </p:nvGrpSpPr>
+      <p:grpSpPr>
+        <a:xfrm>
+          <a:off x="0" y="0"/>
+          <a:ext cx="0" cy="0"/>
+          <a:chOff x="0" y="0"/>
+          <a:chExt cx="0" cy="0"/>
+        </a:xfrm>
+      </p:grpSpPr>
+      <p:sp>
+        <p:nvSpPr>
+          <p:cNvPr id="473" name="Shape 473"/>
+          <p:cNvSpPr/>
+          <p:nvPr>
+            <p:ph type="title"/>
+          </p:nvPr>
+        </p:nvSpPr>
+        <p:spPr>
+          <a:prstGeom prst="rect">
+            <a:avLst/>
+          </a:prstGeom>
+        </p:spPr>
+        <p:txBody>
+          <a:bodyPr/>
+          <a:lstStyle>
+            <a:lvl1pPr defTabSz="751205">
+              <a:defRPr sz="10190"/>
+            </a:lvl1pPr>
+          </a:lstStyle>
+          <a:p>
+            <a:r>
+              <a:t>第十关：复用捕获组的方式进行替换</a:t>
+            </a:r>
+          </a:p>
+        </p:txBody>
+      </p:sp>
+      <p:sp>
+        <p:nvSpPr>
+          <p:cNvPr id="474" name="Shape 474"/>
+          <p:cNvSpPr/>
+          <p:nvPr>
+            <p:ph type="body" idx="1"/>
+          </p:nvPr>
+        </p:nvSpPr>
+        <p:spPr>
+          <a:prstGeom prst="rect">
+            <a:avLst/>
+          </a:prstGeom>
+        </p:spPr>
+        <p:txBody>
+          <a:bodyPr/>
+          <a:lstStyle/>
+          <a:p>
+            <a:pPr marL="450850" indent="-450850" defTabSz="585470">
+              <a:spcBef>
+                <a:spcPts val="4100"/>
+              </a:spcBef>
+              <a:defRPr sz="3690"/>
+            </a:pPr>
+            <a:r>
+              <a:t>如果我们在搜索替换中希望保留搜索字符串中的某些字符串作为替换字符串的一部分，可以使用美元符号$访问替换字符串中的捕获组。</a:t>
+            </a:r>
+          </a:p>
+          <a:p>
+            <a:pPr marL="450850" indent="-450850" defTabSz="585470">
+              <a:spcBef>
+                <a:spcPts val="4100"/>
+              </a:spcBef>
+              <a:defRPr sz="3690"/>
+            </a:pPr>
+            <a:r>
+              <a:t>比如在搜索正则表达式中的捕获组为(capture groups)，则替换的正则表达式中可以直接使用$1复用搜索正则表达式中的捕获组为(capture groups)。</a:t>
+            </a:r>
+          </a:p>
+          <a:p>
+            <a:pPr marL="450850" indent="-450850" defTabSz="585470">
+              <a:spcBef>
+                <a:spcPts val="4100"/>
+              </a:spcBef>
+              <a:defRPr sz="3690"/>
+            </a:pPr>
+            <a:r>
+              <a:t>在VS Code中，如果想将项目中所有的HTML标题标签中h改为大写H，搜索正则表达式&lt;h(\d)&gt;可以查找出所有标题标签，如&lt;h1&gt;、&lt;h2&gt;、&lt;h3&gt;、&lt;h4&gt;等，其中还定义了捕获组(\d)。</a:t>
+            </a:r>
+          </a:p>
+          <a:p>
+            <a:pPr marL="450850" indent="-450850" defTabSz="585470">
+              <a:spcBef>
+                <a:spcPts val="4100"/>
+              </a:spcBef>
+              <a:defRPr sz="3690"/>
+            </a:pPr>
+            <a:r>
+              <a:t>替换的正则表达式&lt;H$1&gt;使用$1复用了搜索正则表达式中定义的捕获组(\d)。</a:t>
+            </a:r>
+          </a:p>
+          <a:p>
+            <a:pPr marL="450850" indent="-450850" defTabSz="585470">
+              <a:spcBef>
+                <a:spcPts val="4100"/>
+              </a:spcBef>
+              <a:defRPr sz="3690"/>
+            </a:pPr>
+            <a:r>
+              <a:t>在Vim中，复用捕获组的方式进行替换的用法为:1,$s/(capture groups)/$1/g</a:t>
+            </a:r>
+          </a:p>
+          <a:p>
+            <a:pPr marL="450850" indent="-450850" defTabSz="585470">
+              <a:spcBef>
+                <a:spcPts val="4100"/>
+              </a:spcBef>
+              <a:defRPr sz="3690"/>
+            </a:pPr>
+            <a:r>
+              <a:t>如果想在当前文件中将所有的HTML标题标签中h改为大写H则正则表达式为:1,$s/&lt;h(\d)&gt;/&lt;H$1&gt;/g</a:t>
+            </a:r>
+          </a:p>
+        </p:txBody>
+      </p:sp>
+    </p:spTree>
+  </p:cSld>
+  <p:clrMapOvr>
+    <a:masterClrMapping/>
+  </p:clrMapOvr>
+  <mc:AlternateContent xmlns:mc="http://schemas.openxmlformats.org/markup-compatibility/2006">
+    <mc:Choice xmlns:p14="http://schemas.microsoft.com/office/powerpoint/2010/main" Requires="p14">
+      <p:transition spd="med" p14:dur="1000"/>
+    </mc:Choice>
+    <mc:Fallback>
+      <p:transition spd="med"/>
+    </mc:Fallback>
+  </mc:AlternateContent>
+</p:sld>
+</file>
+
+<file path=ppt/slides/slide96.xml><?xml version="1.0" encoding="utf-8"?>
 <p:sld xmlns:a="http://schemas.openxmlformats.org/drawingml/2006/main" xmlns:r="http://schemas.openxmlformats.org/officeDocument/2006/relationships" xmlns:p="http://schemas.openxmlformats.org/presentationml/2006/main">
   <p:cSld>
     <p:spTree>
@@ -14920,7 +15044,7 @@
 </p:sld>
 </file>
 
-<file path=ppt/slides/slide95.xml><?xml version="1.0" encoding="utf-8"?>
+<file path=ppt/slides/slide97.xml><?xml version="1.0" encoding="utf-8"?>
 <p:sld xmlns:a="http://schemas.openxmlformats.org/drawingml/2006/main" xmlns:r="http://schemas.openxmlformats.org/officeDocument/2006/relationships" xmlns:p="http://schemas.openxmlformats.org/presentationml/2006/main">
   <p:cSld>
     <p:spTree>
@@ -15038,7 +15162,7 @@
 </p:sld>
 </file>
 
-<file path=ppt/slides/slide96.xml><?xml version="1.0" encoding="utf-8"?>
+<file path=ppt/slides/slide98.xml><?xml version="1.0" encoding="utf-8"?>
 <p:sld xmlns:a="http://schemas.openxmlformats.org/drawingml/2006/main" xmlns:r="http://schemas.openxmlformats.org/officeDocument/2006/relationships" xmlns:p="http://schemas.openxmlformats.org/presentationml/2006/main">
   <p:cSld>
     <p:spTree>
@@ -15236,7 +15360,7 @@
 </p:sld>
 </file>
 
-<file path=ppt/slides/slide97.xml><?xml version="1.0" encoding="utf-8"?>
+<file path=ppt/slides/slide99.xml><?xml version="1.0" encoding="utf-8"?>
 <p:sld xmlns:a="http://schemas.openxmlformats.org/drawingml/2006/main" xmlns:r="http://schemas.openxmlformats.org/officeDocument/2006/relationships" xmlns:p="http://schemas.openxmlformats.org/presentationml/2006/main">
   <p:cSld>
     <p:spTree>

--- a/ppt/工欲善其事必先利其器.pptx
+++ b/ppt/工欲善其事必先利其器.pptx
@@ -5,12 +5,12 @@
     <p:sldMasterId id="2147483648" r:id="rId1"/>
   </p:sldMasterIdLst>
   <p:notesMasterIdLst>
-    <p:notesMasterId r:id="rId102"/>
+    <p:notesMasterId r:id="rId100"/>
   </p:notesMasterIdLst>
   <p:sldIdLst>
     <p:sldId id="256" r:id="rId3"/>
     <p:sldId id="257" r:id="rId4"/>
-    <p:sldId id="258" r:id="rId5"/>
+    <p:sldId id="364" r:id="rId5"/>
     <p:sldId id="259" r:id="rId6"/>
     <p:sldId id="260" r:id="rId7"/>
     <p:sldId id="261" r:id="rId8"/>
@@ -61,8 +61,8 @@
     <p:sldId id="315" r:id="rId53"/>
     <p:sldId id="316" r:id="rId54"/>
     <p:sldId id="317" r:id="rId55"/>
-    <p:sldId id="362" r:id="rId56"/>
-    <p:sldId id="318" r:id="rId57"/>
+    <p:sldId id="318" r:id="rId56"/>
+    <p:sldId id="365" r:id="rId57"/>
     <p:sldId id="319" r:id="rId58"/>
     <p:sldId id="320" r:id="rId59"/>
     <p:sldId id="321" r:id="rId60"/>
@@ -84,29 +84,27 @@
     <p:sldId id="337" r:id="rId76"/>
     <p:sldId id="338" r:id="rId77"/>
     <p:sldId id="339" r:id="rId78"/>
-    <p:sldId id="363" r:id="rId79"/>
-    <p:sldId id="340" r:id="rId80"/>
-    <p:sldId id="341" r:id="rId81"/>
-    <p:sldId id="342" r:id="rId82"/>
-    <p:sldId id="343" r:id="rId83"/>
-    <p:sldId id="344" r:id="rId84"/>
-    <p:sldId id="345" r:id="rId85"/>
-    <p:sldId id="346" r:id="rId86"/>
-    <p:sldId id="347" r:id="rId87"/>
-    <p:sldId id="348" r:id="rId88"/>
-    <p:sldId id="349" r:id="rId89"/>
-    <p:sldId id="350" r:id="rId90"/>
-    <p:sldId id="351" r:id="rId91"/>
-    <p:sldId id="352" r:id="rId92"/>
-    <p:sldId id="353" r:id="rId93"/>
-    <p:sldId id="354" r:id="rId94"/>
-    <p:sldId id="355" r:id="rId95"/>
-    <p:sldId id="356" r:id="rId96"/>
-    <p:sldId id="357" r:id="rId97"/>
-    <p:sldId id="358" r:id="rId98"/>
-    <p:sldId id="359" r:id="rId99"/>
-    <p:sldId id="360" r:id="rId100"/>
-    <p:sldId id="361" r:id="rId101"/>
+    <p:sldId id="340" r:id="rId79"/>
+    <p:sldId id="341" r:id="rId80"/>
+    <p:sldId id="342" r:id="rId81"/>
+    <p:sldId id="343" r:id="rId82"/>
+    <p:sldId id="344" r:id="rId83"/>
+    <p:sldId id="345" r:id="rId84"/>
+    <p:sldId id="346" r:id="rId85"/>
+    <p:sldId id="347" r:id="rId86"/>
+    <p:sldId id="348" r:id="rId87"/>
+    <p:sldId id="349" r:id="rId88"/>
+    <p:sldId id="350" r:id="rId89"/>
+    <p:sldId id="351" r:id="rId90"/>
+    <p:sldId id="352" r:id="rId91"/>
+    <p:sldId id="353" r:id="rId92"/>
+    <p:sldId id="354" r:id="rId93"/>
+    <p:sldId id="355" r:id="rId94"/>
+    <p:sldId id="356" r:id="rId95"/>
+    <p:sldId id="357" r:id="rId96"/>
+    <p:sldId id="358" r:id="rId97"/>
+    <p:sldId id="359" r:id="rId98"/>
+    <p:sldId id="361" r:id="rId99"/>
   </p:sldIdLst>
   <p:sldSz cx="24384000" cy="13716000"/>
   <p:notesSz cx="6858000" cy="9144000"/>
@@ -3231,101 +3229,6 @@
       </p:sp>
       <p:sp>
         <p:nvSpPr>
-          <p:cNvPr id="129" name="Shape 129"/>
-          <p:cNvSpPr/>
-          <p:nvPr>
-            <p:ph type="subTitle" sz="quarter" idx="1"/>
-          </p:nvPr>
-        </p:nvSpPr>
-        <p:spPr>
-          <a:xfrm>
-            <a:off x="1447800" y="8623300"/>
-            <a:ext cx="20828000" cy="1587500"/>
-          </a:xfrm>
-          <a:prstGeom prst="rect">
-            <a:avLst/>
-          </a:prstGeom>
-        </p:spPr>
-        <p:txBody>
-          <a:bodyPr/>
-          <a:lstStyle/>
-          <a:p>
-            <a:r>
-              <a:t>孟宁</a:t>
-            </a:r>
-          </a:p>
-        </p:txBody>
-      </p:sp>
-      <p:pic>
-        <p:nvPicPr>
-          <p:cNvPr id="130" name="image1.png"/>
-          <p:cNvPicPr>
-            <a:picLocks noChangeAspect="1"/>
-          </p:cNvPicPr>
-          <p:nvPr/>
-        </p:nvPicPr>
-        <p:blipFill>
-          <a:blip r:embed="rId1"/>
-          <a:stretch>
-            <a:fillRect/>
-          </a:stretch>
-        </p:blipFill>
-        <p:spPr>
-          <a:xfrm>
-            <a:off x="19086777" y="9340198"/>
-            <a:ext cx="3604908" cy="3604907"/>
-          </a:xfrm>
-          <a:prstGeom prst="rect">
-            <a:avLst/>
-          </a:prstGeom>
-          <a:ln w="12700">
-            <a:miter lim="400000"/>
-            <a:headEnd/>
-            <a:tailEnd/>
-          </a:ln>
-        </p:spPr>
-      </p:pic>
-      <p:sp>
-        <p:nvSpPr>
-          <p:cNvPr id="131" name="Shape 131"/>
-          <p:cNvSpPr/>
-          <p:nvPr/>
-        </p:nvSpPr>
-        <p:spPr>
-          <a:xfrm>
-            <a:off x="20070080" y="12798845"/>
-            <a:ext cx="1638301" cy="635001"/>
-          </a:xfrm>
-          <a:prstGeom prst="rect">
-            <a:avLst/>
-          </a:prstGeom>
-          <a:ln w="12700">
-            <a:miter lim="400000"/>
-          </a:ln>
-        </p:spPr>
-        <p:txBody>
-          <a:bodyPr wrap="none" lIns="50800" tIns="50800" rIns="50800" bIns="50800" anchor="ctr">
-            <a:spAutoFit/>
-          </a:bodyPr>
-          <a:lstStyle>
-            <a:lvl1pPr>
-              <a:defRPr sz="3000">
-                <a:latin typeface="Helvetica Light"/>
-                <a:ea typeface="Helvetica Light"/>
-                <a:cs typeface="Helvetica Light"/>
-                <a:sym typeface="Helvetica Light"/>
-              </a:defRPr>
-            </a:lvl1pPr>
-          </a:lstStyle>
-          <a:p>
-            <a:r>
-              <a:t>关注孟宁</a:t>
-            </a:r>
-          </a:p>
-        </p:txBody>
-      </p:sp>
-      <p:sp>
-        <p:nvSpPr>
           <p:cNvPr id="132" name="Shape 132"/>
           <p:cNvSpPr/>
           <p:nvPr/>
@@ -3358,8 +3261,63 @@
           </a:lstStyle>
           <a:p>
             <a:r>
-              <a:t>Typing - VSCode - Git - Vim - RegEx</a:t>
-            </a:r>
+              <a:rPr lang="en-US"/>
+              <a:t>AI IDE</a:t>
+            </a:r>
+            <a:r>
+              <a:t> - VSCode - Git - Vim - RegEx</a:t>
+            </a:r>
+          </a:p>
+        </p:txBody>
+      </p:sp>
+      <p:sp>
+        <p:nvSpPr>
+          <p:cNvPr id="158" name="Shape 158"/>
+          <p:cNvSpPr/>
+          <p:nvPr/>
+        </p:nvSpPr>
+        <p:spPr>
+          <a:xfrm>
+            <a:off x="1778000" y="8417759"/>
+            <a:ext cx="20828000" cy="1587501"/>
+          </a:xfrm>
+          <a:prstGeom prst="rect">
+            <a:avLst/>
+          </a:prstGeom>
+          <a:ln w="12700">
+            <a:miter lim="400000"/>
+          </a:ln>
+        </p:spPr>
+        <p:txBody>
+          <a:bodyPr lIns="50800" tIns="50800" rIns="50800" bIns="50800">
+            <a:normAutofit/>
+          </a:bodyPr>
+          <a:lstStyle>
+            <a:lvl1pPr>
+              <a:defRPr sz="4400"/>
+            </a:lvl1pPr>
+          </a:lstStyle>
+          <a:p>
+            <a:r>
+              <a:rPr>
+                <a:sym typeface="+mn-ea"/>
+              </a:rPr>
+              <a:t>孟宁</a:t>
+            </a:r>
+            <a:endParaRPr>
+              <a:sym typeface="+mn-ea"/>
+            </a:endParaRPr>
+          </a:p>
+          <a:p>
+            <a:r>
+              <a:rPr lang="en-US" altLang="zh-CN">
+                <a:sym typeface="+mn-ea"/>
+              </a:rPr>
+              <a:t>mengning@ustc.edu.cn</a:t>
+            </a:r>
+            <a:endParaRPr lang="en-US" altLang="zh-CN">
+              <a:sym typeface="+mn-ea"/>
+            </a:endParaRPr>
           </a:p>
         </p:txBody>
       </p:sp>
@@ -3435,10 +3393,8 @@
               </a:defRPr>
             </a:pPr>
             <a:r>
-              <a:rPr/>
               <a:t>https://code.visualstudio.com/shortcuts/keyboard-shortcuts-macos.pdf</a:t>
             </a:r>
-            <a:endParaRPr/>
           </a:p>
         </p:txBody>
       </p:sp>
@@ -3569,10 +3525,8 @@
           </a:lstStyle>
           <a:p>
             <a:r>
-              <a:rPr/>
               <a:t>https://code.visualstudio.com/shortcuts/keyboard-shortcuts-windows.pdf</a:t>
             </a:r>
-            <a:endParaRPr/>
           </a:p>
         </p:txBody>
       </p:sp>
@@ -3680,10 +3634,8 @@
           </a:lstStyle>
           <a:p>
             <a:r>
-              <a:rPr/>
               <a:t>https://code.visualstudio.com/shortcuts/keyboard-shortcuts-macos.pdf</a:t>
             </a:r>
-            <a:endParaRPr/>
           </a:p>
         </p:txBody>
       </p:sp>
@@ -4537,7 +4489,8 @@
           <a:lstStyle/>
           <a:p>
             <a:r>
-              <a:t>Typing</a:t>
+              <a:rPr lang="en-US"/>
+              <a:t>AI IDE</a:t>
             </a:r>
           </a:p>
           <a:p>
@@ -5742,188 +5695,140 @@
         <p:cNvGrpSpPr/>
         <p:nvPr/>
       </p:nvGrpSpPr>
-      <p:grpSpPr>
-        <a:xfrm>
-          <a:off x="0" y="0"/>
-          <a:ext cx="0" cy="0"/>
-          <a:chOff x="0" y="0"/>
-          <a:chExt cx="0" cy="0"/>
-        </a:xfrm>
-      </p:grpSpPr>
-      <p:sp>
-        <p:nvSpPr>
-          <p:cNvPr id="137" name="Shape 137"/>
+      <p:grpSpPr/>
+      <p:sp>
+        <p:nvSpPr>
+          <p:cNvPr id="2" name="标题 1"/>
           <p:cNvSpPr/>
           <p:nvPr>
             <p:ph type="title"/>
           </p:nvPr>
         </p:nvSpPr>
-        <p:spPr>
-          <a:prstGeom prst="rect">
-            <a:avLst/>
-          </a:prstGeom>
-        </p:spPr>
-        <p:txBody>
-          <a:bodyPr/>
-          <a:lstStyle/>
-          <a:p>
-            <a:r>
-              <a:t>Typing</a:t>
-            </a:r>
-          </a:p>
-        </p:txBody>
-      </p:sp>
-      <p:sp>
-        <p:nvSpPr>
-          <p:cNvPr id="138" name="Shape 138"/>
+        <p:spPr/>
+        <p:txBody>
+          <a:bodyPr/>
+          <a:p>
+            <a:r>
+              <a:rPr lang="en-US">
+                <a:sym typeface="+mn-ea"/>
+              </a:rPr>
+              <a:t>AI IDE</a:t>
+            </a:r>
+            <a:endParaRPr lang="zh-CN" altLang="en-US"/>
+          </a:p>
+        </p:txBody>
+      </p:sp>
+      <p:sp>
+        <p:nvSpPr>
+          <p:cNvPr id="3" name="文本占位符 2"/>
           <p:cNvSpPr/>
           <p:nvPr>
             <p:ph type="body" idx="1"/>
           </p:nvPr>
         </p:nvSpPr>
-        <p:spPr>
-          <a:prstGeom prst="rect">
-            <a:avLst/>
-          </a:prstGeom>
-        </p:spPr>
-        <p:txBody>
-          <a:bodyPr/>
-          <a:lstStyle/>
-          <a:p>
-            <a:pPr>
-              <a:defRPr u="sng">
-                <a:solidFill>
-                  <a:srgbClr val="0000FF"/>
-                </a:solidFill>
-                <a:uFill>
-                  <a:solidFill>
-                    <a:srgbClr val="0000FF"/>
-                  </a:solidFill>
-                </a:uFill>
-              </a:defRPr>
-            </a:pPr>
-            <a:r>
-              <a:rPr/>
-              <a:t>https://www.typingclub.com</a:t>
-            </a:r>
-          </a:p>
-          <a:p>
-            <a:r>
-              <a:t>共684关，可以直接进入684关测评</a:t>
-            </a:r>
-          </a:p>
-          <a:p>
-            <a:pPr lvl="1">
-              <a:defRPr u="sng">
-                <a:solidFill>
-                  <a:srgbClr val="0000FF"/>
-                </a:solidFill>
-                <a:uFill>
-                  <a:solidFill>
-                    <a:srgbClr val="0000FF"/>
-                  </a:solidFill>
-                </a:uFill>
-              </a:defRPr>
-            </a:pPr>
-            <a:r>
-              <a:rPr/>
-              <a:t>https://www.typingclub.com/sportal/program-3/8832.play</a:t>
-            </a:r>
-            <a:r>
-              <a:rPr u="none">
-                <a:solidFill>
-                  <a:srgbClr val="000000"/>
-                </a:solidFill>
-                <a:uFillTx/>
-              </a:rPr>
-              <a:t> （请在电脑端打开网址测评）</a:t>
-            </a:r>
-            <a:endParaRPr u="none">
-              <a:solidFill>
-                <a:srgbClr val="000000"/>
-              </a:solidFill>
-              <a:uFillTx/>
-            </a:endParaRPr>
+        <p:spPr/>
+        <p:txBody>
+          <a:bodyPr>
+            <a:normAutofit fontScale="50000"/>
+          </a:bodyPr>
+          <a:p>
+            <a:r>
+              <a:rPr lang="en-US" altLang="zh-CN"/>
+              <a:t>AI</a:t>
+            </a:r>
+            <a:r>
+              <a:rPr lang="zh-CN" altLang="en-US"/>
+              <a:t>代码工具学习调研，至少熟练使用一种</a:t>
+            </a:r>
+            <a:r>
+              <a:rPr lang="en-US" altLang="zh-CN"/>
+              <a:t>AI</a:t>
+            </a:r>
+            <a:r>
+              <a:rPr lang="zh-CN" altLang="en-US"/>
+              <a:t>代码工具，包括安装配置方法，熟练使用</a:t>
+            </a:r>
+            <a:r>
+              <a:rPr lang="en-US" altLang="zh-CN"/>
+              <a:t>AI</a:t>
+            </a:r>
+            <a:r>
+              <a:rPr lang="zh-CN" altLang="en-US"/>
+              <a:t>有关的功能特点（代码补全、生成项目、生成测试用例、规范化整理代码等等）并在具体项目中演示其</a:t>
+            </a:r>
+            <a:r>
+              <a:rPr lang="en-US" altLang="zh-CN"/>
+              <a:t>AI</a:t>
+            </a:r>
+            <a:r>
+              <a:rPr lang="zh-CN" altLang="en-US"/>
+              <a:t>能力。</a:t>
+            </a:r>
+            <a:endParaRPr lang="en-US" altLang="zh-CN"/>
           </a:p>
           <a:p>
             <a:pPr lvl="1"/>
             <a:r>
-              <a:t>测评标准：准确率100%，速度&gt;50WPM（优秀）&gt;30WPM(及格)</a:t>
-            </a:r>
+              <a:rPr lang="en-US" altLang="zh-CN"/>
+              <a:t>https://www.cursor.com</a:t>
+            </a:r>
+            <a:endParaRPr lang="en-US" altLang="zh-CN"/>
           </a:p>
           <a:p>
             <a:pPr lvl="1"/>
             <a:r>
-              <a:t>测评未通过的需要完成1-684关的循序渐进的训练过程</a:t>
-            </a:r>
-          </a:p>
-        </p:txBody>
-      </p:sp>
-      <p:pic>
-        <p:nvPicPr>
-          <p:cNvPr id="139" name="image2.png"/>
-          <p:cNvPicPr>
-            <a:picLocks noChangeAspect="1"/>
-          </p:cNvPicPr>
-          <p:nvPr/>
-        </p:nvPicPr>
-        <p:blipFill>
-          <a:blip r:embed="rId1"/>
-          <a:stretch>
-            <a:fillRect/>
-          </a:stretch>
-        </p:blipFill>
-        <p:spPr>
-          <a:xfrm>
-            <a:off x="17937728" y="233657"/>
-            <a:ext cx="5461003" cy="5461002"/>
-          </a:xfrm>
-          <a:prstGeom prst="rect">
-            <a:avLst/>
-          </a:prstGeom>
-          <a:ln w="12700">
-            <a:miter lim="400000"/>
-            <a:headEnd/>
-            <a:tailEnd/>
-          </a:ln>
-        </p:spPr>
-      </p:pic>
-      <p:sp>
-        <p:nvSpPr>
-          <p:cNvPr id="140" name="Shape 140"/>
-          <p:cNvSpPr/>
-          <p:nvPr/>
-        </p:nvSpPr>
-        <p:spPr>
-          <a:xfrm>
-            <a:off x="18071077" y="5579182"/>
-            <a:ext cx="5194301" cy="990601"/>
-          </a:xfrm>
-          <a:prstGeom prst="rect">
-            <a:avLst/>
-          </a:prstGeom>
-          <a:ln w="12700">
-            <a:miter lim="400000"/>
-          </a:ln>
-        </p:spPr>
-        <p:txBody>
-          <a:bodyPr wrap="none" lIns="50800" tIns="50800" rIns="50800" bIns="50800" anchor="ctr">
-            <a:spAutoFit/>
-          </a:bodyPr>
-          <a:lstStyle>
-            <a:lvl1pPr>
-              <a:defRPr>
-                <a:latin typeface="Helvetica Light"/>
-                <a:ea typeface="Helvetica Light"/>
-                <a:cs typeface="Helvetica Light"/>
-                <a:sym typeface="Helvetica Light"/>
-              </a:defRPr>
-            </a:lvl1pPr>
-          </a:lstStyle>
-          <a:p>
-            <a:r>
-              <a:t>扫码获取测评链接</a:t>
-            </a:r>
+              <a:rPr lang="en-US" altLang="zh-CN"/>
+              <a:t>https://traeide.com/</a:t>
+            </a:r>
+            <a:endParaRPr lang="en-US" altLang="zh-CN"/>
+          </a:p>
+          <a:p>
+            <a:pPr lvl="1"/>
+            <a:r>
+              <a:rPr lang="en-US" altLang="zh-CN"/>
+              <a:t>https://github.com/features/copilot</a:t>
+            </a:r>
+            <a:endParaRPr lang="en-US" altLang="zh-CN"/>
+          </a:p>
+          <a:p>
+            <a:pPr lvl="1"/>
+            <a:r>
+              <a:rPr lang="en-US" altLang="zh-CN"/>
+              <a:t>https://copilot.tencent.com/chat/</a:t>
+            </a:r>
+            <a:endParaRPr lang="en-US" altLang="zh-CN"/>
+          </a:p>
+          <a:p>
+            <a:pPr lvl="1"/>
+            <a:r>
+              <a:rPr lang="en-US" altLang="zh-CN"/>
+              <a:t>https://bolt.new/</a:t>
+            </a:r>
+            <a:endParaRPr lang="en-US" altLang="zh-CN"/>
+          </a:p>
+          <a:p>
+            <a:pPr lvl="1"/>
+            <a:r>
+              <a:rPr lang="en-US" altLang="zh-CN"/>
+              <a:t>https://idx.dev/</a:t>
+            </a:r>
+            <a:endParaRPr lang="en-US" altLang="zh-CN"/>
+          </a:p>
+          <a:p>
+            <a:pPr lvl="1"/>
+            <a:r>
+              <a:rPr lang="zh-CN" altLang="en-US"/>
+              <a:t>自选其他</a:t>
+            </a:r>
+            <a:r>
+              <a:rPr lang="en-US" altLang="zh-CN"/>
+              <a:t>AI</a:t>
+            </a:r>
+            <a:r>
+              <a:rPr lang="zh-CN" altLang="en-US"/>
+              <a:t>代码工具（提前和老师确认备案）</a:t>
+            </a:r>
+            <a:endParaRPr lang="zh-CN" altLang="en-US"/>
           </a:p>
         </p:txBody>
       </p:sp>
@@ -5932,14 +5837,7 @@
   <p:clrMapOvr>
     <a:masterClrMapping/>
   </p:clrMapOvr>
-  <mc:AlternateContent xmlns:mc="http://schemas.openxmlformats.org/markup-compatibility/2006">
-    <mc:Choice xmlns:p14="http://schemas.microsoft.com/office/powerpoint/2010/main" Requires="p14">
-      <p:transition spd="med" p14:dur="1000"/>
-    </mc:Choice>
-    <mc:Fallback>
-      <p:transition spd="med"/>
-    </mc:Fallback>
-  </mc:AlternateContent>
+  <p:transition spd="med"/>
 </p:sld>
 </file>
 
@@ -6072,62 +5970,6 @@
           </a:p>
         </p:txBody>
       </p:sp>
-      <p:sp>
-        <p:nvSpPr>
-          <p:cNvPr id="272" name="Shape 272"/>
-          <p:cNvSpPr/>
-          <p:nvPr>
-            <p:ph type="subTitle" sz="quarter" idx="1"/>
-          </p:nvPr>
-        </p:nvSpPr>
-        <p:spPr>
-          <a:xfrm>
-            <a:off x="1778000" y="11852659"/>
-            <a:ext cx="20828001" cy="1587501"/>
-          </a:xfrm>
-          <a:prstGeom prst="rect">
-            <a:avLst/>
-          </a:prstGeom>
-        </p:spPr>
-        <p:txBody>
-          <a:bodyPr/>
-          <a:lstStyle/>
-          <a:p>
-            <a:r>
-              <a:t>扫码获取配套文档</a:t>
-            </a:r>
-          </a:p>
-        </p:txBody>
-      </p:sp>
-      <p:pic>
-        <p:nvPicPr>
-          <p:cNvPr id="273" name="pasted-image.png"/>
-          <p:cNvPicPr>
-            <a:picLocks noChangeAspect="1"/>
-          </p:cNvPicPr>
-          <p:nvPr/>
-        </p:nvPicPr>
-        <p:blipFill>
-          <a:blip r:embed="rId1"/>
-          <a:stretch>
-            <a:fillRect/>
-          </a:stretch>
-        </p:blipFill>
-        <p:spPr>
-          <a:xfrm>
-            <a:off x="9995910" y="7342386"/>
-            <a:ext cx="4392180" cy="4392181"/>
-          </a:xfrm>
-          <a:prstGeom prst="rect">
-            <a:avLst/>
-          </a:prstGeom>
-          <a:ln w="12700">
-            <a:miter lim="400000"/>
-            <a:headEnd/>
-            <a:tailEnd/>
-          </a:ln>
-        </p:spPr>
-      </p:pic>
     </p:spTree>
   </p:cSld>
   <p:clrMapOvr>
@@ -6369,74 +6211,6 @@
             </a:pPr>
             <a:r>
               <a:t>2018年，Github被微软以75亿美元收购。</a:t>
-            </a:r>
-          </a:p>
-        </p:txBody>
-      </p:sp>
-      <p:pic>
-        <p:nvPicPr>
-          <p:cNvPr id="280" name="image15.png"/>
-          <p:cNvPicPr>
-            <a:picLocks noChangeAspect="1"/>
-          </p:cNvPicPr>
-          <p:nvPr/>
-        </p:nvPicPr>
-        <p:blipFill>
-          <a:blip r:embed="rId1"/>
-          <a:stretch>
-            <a:fillRect/>
-          </a:stretch>
-        </p:blipFill>
-        <p:spPr>
-          <a:xfrm>
-            <a:off x="18296959" y="9683315"/>
-            <a:ext cx="2895889" cy="2895890"/>
-          </a:xfrm>
-          <a:prstGeom prst="rect">
-            <a:avLst/>
-          </a:prstGeom>
-          <a:ln w="12700">
-            <a:miter lim="400000"/>
-            <a:headEnd/>
-            <a:tailEnd/>
-          </a:ln>
-        </p:spPr>
-      </p:pic>
-      <p:sp>
-        <p:nvSpPr>
-          <p:cNvPr id="281" name="Shape 281"/>
-          <p:cNvSpPr/>
-          <p:nvPr/>
-        </p:nvSpPr>
-        <p:spPr>
-          <a:xfrm>
-            <a:off x="18872792" y="12591601"/>
-            <a:ext cx="1744219" cy="635001"/>
-          </a:xfrm>
-          <a:prstGeom prst="rect">
-            <a:avLst/>
-          </a:prstGeom>
-          <a:ln w="12700">
-            <a:miter lim="400000"/>
-          </a:ln>
-        </p:spPr>
-        <p:txBody>
-          <a:bodyPr wrap="none" lIns="50800" tIns="50800" rIns="50800" bIns="50800" anchor="ctr">
-            <a:spAutoFit/>
-          </a:bodyPr>
-          <a:lstStyle>
-            <a:lvl1pPr>
-              <a:defRPr sz="3000">
-                <a:latin typeface="Helvetica Light"/>
-                <a:ea typeface="Helvetica Light"/>
-                <a:cs typeface="Helvetica Light"/>
-                <a:sym typeface="Helvetica Light"/>
-              </a:defRPr>
-            </a:lvl1pPr>
-          </a:lstStyle>
-          <a:p>
-            <a:r>
-              <a:t>Git的诞生</a:t>
             </a:r>
           </a:p>
         </p:txBody>
@@ -7206,76 +6980,30 @@
           </p:nvPr>
         </p:nvSpPr>
         <p:spPr>
-          <a:prstGeom prst="rect">
-            <a:avLst/>
-          </a:prstGeom>
-        </p:spPr>
-        <p:txBody>
-          <a:bodyPr/>
-          <a:lstStyle/>
-          <a:p>
+          <a:xfrm>
+            <a:off x="1607185" y="4193540"/>
+            <a:ext cx="20828000" cy="4648200"/>
+          </a:xfrm>
+          <a:prstGeom prst="rect">
+            <a:avLst/>
+          </a:prstGeom>
+        </p:spPr>
+        <p:txBody>
+          <a:bodyPr/>
+          <a:lstStyle/>
+          <a:p>
+            <a:r>
+              <a:rPr lang="zh-CN"/>
+              <a:t>软件工程案例分析</a:t>
+            </a:r>
+            <a:br/>
             <a:r>
               <a:t>编程神器 Visual Studio Code</a:t>
             </a:r>
-          </a:p>
-        </p:txBody>
-      </p:sp>
-      <p:sp>
-        <p:nvSpPr>
-          <p:cNvPr id="143" name="Shape 143"/>
-          <p:cNvSpPr/>
-          <p:nvPr>
-            <p:ph type="subTitle" sz="quarter" idx="1"/>
-          </p:nvPr>
-        </p:nvSpPr>
-        <p:spPr>
-          <a:xfrm>
-            <a:off x="1778000" y="11735653"/>
-            <a:ext cx="20828001" cy="1587501"/>
-          </a:xfrm>
-          <a:prstGeom prst="rect">
-            <a:avLst/>
-          </a:prstGeom>
-        </p:spPr>
-        <p:txBody>
-          <a:bodyPr/>
-          <a:lstStyle/>
-          <a:p>
-            <a:r>
-              <a:t>扫码获取配套文档</a:t>
-            </a:r>
-          </a:p>
-        </p:txBody>
-      </p:sp>
-      <p:pic>
-        <p:nvPicPr>
-          <p:cNvPr id="144" name="pasted-image.png"/>
-          <p:cNvPicPr>
-            <a:picLocks noChangeAspect="1"/>
-          </p:cNvPicPr>
-          <p:nvPr/>
-        </p:nvPicPr>
-        <p:blipFill>
-          <a:blip r:embed="rId1"/>
-          <a:stretch>
-            <a:fillRect/>
-          </a:stretch>
-        </p:blipFill>
-        <p:spPr>
-          <a:xfrm>
-            <a:off x="10477850" y="8208335"/>
-            <a:ext cx="3428300" cy="3428300"/>
-          </a:xfrm>
-          <a:prstGeom prst="rect">
-            <a:avLst/>
-          </a:prstGeom>
-          <a:ln w="12700">
-            <a:miter lim="400000"/>
-            <a:headEnd/>
-            <a:tailEnd/>
-          </a:ln>
-        </p:spPr>
-      </p:pic>
+            <a:endParaRPr lang="zh-CN"/>
+          </a:p>
+        </p:txBody>
+      </p:sp>
     </p:spTree>
   </p:cSld>
   <p:clrMapOvr>
@@ -8452,81 +8180,12 @@
               </a:defRPr>
             </a:pPr>
             <a:r>
-              <a:rPr/>
               <a:t>https://code.visualstudio.com/#alt-downloads</a:t>
             </a:r>
           </a:p>
           <a:p>
             <a:r>
               <a:t>sudo apt install ./&lt;file&gt;.deb</a:t>
-            </a:r>
-          </a:p>
-        </p:txBody>
-      </p:sp>
-      <p:pic>
-        <p:nvPicPr>
-          <p:cNvPr id="148" name="image3.png"/>
-          <p:cNvPicPr>
-            <a:picLocks noChangeAspect="1"/>
-          </p:cNvPicPr>
-          <p:nvPr/>
-        </p:nvPicPr>
-        <p:blipFill>
-          <a:blip r:embed="rId1"/>
-          <a:stretch>
-            <a:fillRect/>
-          </a:stretch>
-        </p:blipFill>
-        <p:spPr>
-          <a:xfrm>
-            <a:off x="18401881" y="8222381"/>
-            <a:ext cx="3494164" cy="3494162"/>
-          </a:xfrm>
-          <a:prstGeom prst="rect">
-            <a:avLst/>
-          </a:prstGeom>
-          <a:ln w="12700">
-            <a:miter lim="400000"/>
-            <a:headEnd/>
-            <a:tailEnd/>
-          </a:ln>
-        </p:spPr>
-      </p:pic>
-      <p:sp>
-        <p:nvSpPr>
-          <p:cNvPr id="149" name="Shape 149"/>
-          <p:cNvSpPr/>
-          <p:nvPr/>
-        </p:nvSpPr>
-        <p:spPr>
-          <a:xfrm>
-            <a:off x="17226499" y="11772193"/>
-            <a:ext cx="5844922" cy="558801"/>
-          </a:xfrm>
-          <a:prstGeom prst="rect">
-            <a:avLst/>
-          </a:prstGeom>
-          <a:ln w="12700">
-            <a:miter lim="400000"/>
-          </a:ln>
-        </p:spPr>
-        <p:txBody>
-          <a:bodyPr wrap="none" lIns="50800" tIns="50800" rIns="50800" bIns="50800" anchor="ctr">
-            <a:spAutoFit/>
-          </a:bodyPr>
-          <a:lstStyle>
-            <a:lvl1pPr>
-              <a:defRPr sz="3000">
-                <a:latin typeface="Helvetica Light"/>
-                <a:ea typeface="Helvetica Light"/>
-                <a:cs typeface="Helvetica Light"/>
-                <a:sym typeface="Helvetica Light"/>
-              </a:defRPr>
-            </a:lvl1pPr>
-          </a:lstStyle>
-          <a:p>
-            <a:r>
-              <a:t>Visual Studio Code alt-downloads</a:t>
             </a:r>
           </a:p>
         </p:txBody>
@@ -9016,67 +8675,6 @@
         <p:cNvGrpSpPr/>
         <p:nvPr/>
       </p:nvGrpSpPr>
-      <p:grpSpPr/>
-      <p:sp>
-        <p:nvSpPr>
-          <p:cNvPr id="2" name="图片占位符 1"/>
-          <p:cNvSpPr/>
-          <p:nvPr>
-            <p:ph type="pic" idx="13"/>
-          </p:nvPr>
-        </p:nvSpPr>
-        <p:spPr/>
-      </p:sp>
-      <p:sp>
-        <p:nvSpPr>
-          <p:cNvPr id="3" name="标题 2"/>
-          <p:cNvSpPr/>
-          <p:nvPr>
-            <p:ph type="title"/>
-          </p:nvPr>
-        </p:nvSpPr>
-        <p:spPr/>
-        <p:txBody>
-          <a:bodyPr/>
-          <a:p>
-            <a:endParaRPr lang="zh-CN" altLang="en-US"/>
-          </a:p>
-        </p:txBody>
-      </p:sp>
-      <p:sp>
-        <p:nvSpPr>
-          <p:cNvPr id="4" name="文本占位符 3"/>
-          <p:cNvSpPr/>
-          <p:nvPr>
-            <p:ph type="body" sz="quarter" idx="1"/>
-          </p:nvPr>
-        </p:nvSpPr>
-        <p:spPr/>
-        <p:txBody>
-          <a:bodyPr/>
-          <a:p>
-            <a:endParaRPr lang="zh-CN" altLang="en-US"/>
-          </a:p>
-        </p:txBody>
-      </p:sp>
-    </p:spTree>
-  </p:cSld>
-  <p:clrMapOvr>
-    <a:masterClrMapping/>
-  </p:clrMapOvr>
-  <p:transition spd="med"/>
-</p:sld>
-</file>
-
-<file path=ppt/slides/slide55.xml><?xml version="1.0" encoding="utf-8"?>
-<p:sld xmlns:a="http://schemas.openxmlformats.org/drawingml/2006/main" xmlns:r="http://schemas.openxmlformats.org/officeDocument/2006/relationships" xmlns:p="http://schemas.openxmlformats.org/presentationml/2006/main">
-  <p:cSld>
-    <p:spTree>
-      <p:nvGrpSpPr>
-        <p:cNvPr id="1" name=""/>
-        <p:cNvGrpSpPr/>
-        <p:nvPr/>
-      </p:nvGrpSpPr>
       <p:grpSpPr>
         <a:xfrm>
           <a:off x="0" y="0"/>
@@ -9194,6 +8792,127 @@
       <p:transition spd="med"/>
     </mc:Fallback>
   </mc:AlternateContent>
+</p:sld>
+</file>
+
+<file path=ppt/slides/slide55.xml><?xml version="1.0" encoding="utf-8"?>
+<p:sld xmlns:a="http://schemas.openxmlformats.org/drawingml/2006/main" xmlns:r="http://schemas.openxmlformats.org/officeDocument/2006/relationships" xmlns:p="http://schemas.openxmlformats.org/presentationml/2006/main">
+  <p:cSld>
+    <p:spTree>
+      <p:nvGrpSpPr>
+        <p:cNvPr id="1" name=""/>
+        <p:cNvGrpSpPr/>
+        <p:nvPr/>
+      </p:nvGrpSpPr>
+      <p:grpSpPr/>
+      <p:sp>
+        <p:nvSpPr>
+          <p:cNvPr id="2" name="标题 1"/>
+          <p:cNvSpPr/>
+          <p:nvPr>
+            <p:ph type="title"/>
+          </p:nvPr>
+        </p:nvSpPr>
+        <p:spPr/>
+        <p:txBody>
+          <a:bodyPr/>
+          <a:p>
+            <a:r>
+              <a:rPr lang="en-US" altLang="zh-CN"/>
+              <a:t>Git</a:t>
+            </a:r>
+            <a:r>
+              <a:rPr lang="zh-CN" altLang="en-US"/>
+              <a:t>用法</a:t>
+            </a:r>
+            <a:r>
+              <a:rPr lang="zh-CN" altLang="en-US"/>
+              <a:t>练习</a:t>
+            </a:r>
+            <a:endParaRPr lang="zh-CN" altLang="en-US"/>
+          </a:p>
+        </p:txBody>
+      </p:sp>
+      <p:sp>
+        <p:nvSpPr>
+          <p:cNvPr id="3" name="文本占位符 2"/>
+          <p:cNvSpPr/>
+          <p:nvPr>
+            <p:ph type="body" idx="1"/>
+          </p:nvPr>
+        </p:nvSpPr>
+        <p:spPr/>
+        <p:txBody>
+          <a:bodyPr/>
+          <a:p>
+            <a:r>
+              <a:rPr lang="zh-CN" altLang="en-US"/>
+              <a:t>自行搭建一个</a:t>
+            </a:r>
+            <a:r>
+              <a:rPr lang="en-US" altLang="zh-CN"/>
+              <a:t>Git</a:t>
+            </a:r>
+            <a:r>
+              <a:rPr lang="zh-CN" altLang="en-US"/>
+              <a:t>仓库托管平台</a:t>
+            </a:r>
+            <a:endParaRPr lang="zh-CN" altLang="en-US"/>
+          </a:p>
+          <a:p>
+            <a:pPr lvl="1"/>
+            <a:r>
+              <a:rPr lang="zh-CN" altLang="en-US"/>
+              <a:t>推荐：</a:t>
+            </a:r>
+            <a:r>
+              <a:rPr lang="en-US" altLang="zh-CN"/>
+              <a:t>https://github.com/mengning/DevStar</a:t>
+            </a:r>
+            <a:endParaRPr lang="en-US" altLang="zh-CN"/>
+          </a:p>
+          <a:p>
+            <a:r>
+              <a:rPr lang="zh-CN" altLang="en-US"/>
+              <a:t>完整演示一个项目从创建</a:t>
+            </a:r>
+            <a:r>
+              <a:rPr lang="en-US" altLang="zh-CN"/>
+              <a:t>Git</a:t>
+            </a:r>
+            <a:r>
+              <a:rPr lang="zh-CN" altLang="en-US"/>
+              <a:t>仓库到发布一个版本的过程中所需要的</a:t>
+            </a:r>
+            <a:r>
+              <a:rPr lang="en-US" altLang="zh-CN"/>
+              <a:t>Git</a:t>
+            </a:r>
+            <a:r>
+              <a:rPr lang="zh-CN" altLang="en-US"/>
+              <a:t>操作</a:t>
+            </a:r>
+            <a:endParaRPr lang="zh-CN" altLang="en-US"/>
+          </a:p>
+          <a:p>
+            <a:r>
+              <a:rPr lang="zh-CN" altLang="en-US"/>
+              <a:t>将以上过程撰写一篇博客</a:t>
+            </a:r>
+            <a:r>
+              <a:rPr lang="zh-CN" altLang="en-US"/>
+              <a:t>文章</a:t>
+            </a:r>
+            <a:endParaRPr lang="zh-CN" altLang="en-US"/>
+          </a:p>
+        </p:txBody>
+      </p:sp>
+    </p:spTree>
+  </p:cSld>
+  <p:clrMapOvr>
+    <a:masterClrMapping/>
+  </p:clrMapOvr>
+  <p:transition spd="med"/>
 </p:sld>
 </file>
 
@@ -9266,7 +8985,7 @@
       </p:sp>
       <p:pic>
         <p:nvPicPr>
-          <p:cNvPr id="354" name="image1.png"/>
+          <p:cNvPr id="356" name="image17.png"/>
           <p:cNvPicPr>
             <a:picLocks noChangeAspect="1"/>
           </p:cNvPicPr>
@@ -9274,74 +8993,6 @@
         </p:nvPicPr>
         <p:blipFill>
           <a:blip r:embed="rId1"/>
-          <a:stretch>
-            <a:fillRect/>
-          </a:stretch>
-        </p:blipFill>
-        <p:spPr>
-          <a:xfrm>
-            <a:off x="19086777" y="9340198"/>
-            <a:ext cx="3604908" cy="3604907"/>
-          </a:xfrm>
-          <a:prstGeom prst="rect">
-            <a:avLst/>
-          </a:prstGeom>
-          <a:ln w="12700">
-            <a:miter lim="400000"/>
-            <a:headEnd/>
-            <a:tailEnd/>
-          </a:ln>
-        </p:spPr>
-      </p:pic>
-      <p:sp>
-        <p:nvSpPr>
-          <p:cNvPr id="355" name="Shape 355"/>
-          <p:cNvSpPr/>
-          <p:nvPr/>
-        </p:nvSpPr>
-        <p:spPr>
-          <a:xfrm>
-            <a:off x="20070079" y="12798844"/>
-            <a:ext cx="1638301" cy="635001"/>
-          </a:xfrm>
-          <a:prstGeom prst="rect">
-            <a:avLst/>
-          </a:prstGeom>
-          <a:ln w="12700">
-            <a:miter lim="400000"/>
-          </a:ln>
-        </p:spPr>
-        <p:txBody>
-          <a:bodyPr wrap="none" lIns="50800" tIns="50800" rIns="50800" bIns="50800" anchor="ctr">
-            <a:spAutoFit/>
-          </a:bodyPr>
-          <a:lstStyle>
-            <a:lvl1pPr>
-              <a:defRPr sz="3000">
-                <a:latin typeface="Helvetica Light"/>
-                <a:ea typeface="Helvetica Light"/>
-                <a:cs typeface="Helvetica Light"/>
-                <a:sym typeface="Helvetica Light"/>
-              </a:defRPr>
-            </a:lvl1pPr>
-          </a:lstStyle>
-          <a:p>
-            <a:r>
-              <a:t>关注孟宁</a:t>
-            </a:r>
-          </a:p>
-        </p:txBody>
-      </p:sp>
-      <p:pic>
-        <p:nvPicPr>
-          <p:cNvPr id="356" name="image17.png"/>
-          <p:cNvPicPr>
-            <a:picLocks noChangeAspect="1"/>
-          </p:cNvPicPr>
-          <p:nvPr/>
-        </p:nvPicPr>
-        <p:blipFill>
-          <a:blip r:embed="rId2"/>
           <a:stretch>
             <a:fillRect/>
           </a:stretch>
@@ -11777,7 +11428,7 @@
         </p:blipFill>
         <p:spPr>
           <a:xfrm>
-            <a:off x="131826" y="0"/>
+            <a:off x="2758821" y="17145"/>
             <a:ext cx="19399427" cy="13716002"/>
           </a:xfrm>
           <a:prstGeom prst="rect">
@@ -11790,74 +11441,6 @@
           </a:ln>
         </p:spPr>
       </p:pic>
-      <p:pic>
-        <p:nvPicPr>
-          <p:cNvPr id="409" name="image20.png"/>
-          <p:cNvPicPr>
-            <a:picLocks noChangeAspect="1"/>
-          </p:cNvPicPr>
-          <p:nvPr/>
-        </p:nvPicPr>
-        <p:blipFill>
-          <a:blip r:embed="rId2"/>
-          <a:stretch>
-            <a:fillRect/>
-          </a:stretch>
-        </p:blipFill>
-        <p:spPr>
-          <a:xfrm>
-            <a:off x="19864043" y="8760197"/>
-            <a:ext cx="3822191" cy="3822191"/>
-          </a:xfrm>
-          <a:prstGeom prst="rect">
-            <a:avLst/>
-          </a:prstGeom>
-          <a:ln w="12700">
-            <a:miter lim="400000"/>
-            <a:headEnd/>
-            <a:tailEnd/>
-          </a:ln>
-        </p:spPr>
-      </p:pic>
-      <p:sp>
-        <p:nvSpPr>
-          <p:cNvPr id="410" name="Shape 410"/>
-          <p:cNvSpPr/>
-          <p:nvPr/>
-        </p:nvSpPr>
-        <p:spPr>
-          <a:xfrm>
-            <a:off x="19499042" y="12553132"/>
-            <a:ext cx="4552189" cy="635001"/>
-          </a:xfrm>
-          <a:prstGeom prst="rect">
-            <a:avLst/>
-          </a:prstGeom>
-          <a:ln w="12700">
-            <a:miter lim="400000"/>
-          </a:ln>
-        </p:spPr>
-        <p:txBody>
-          <a:bodyPr wrap="none" lIns="50800" tIns="50800" rIns="50800" bIns="50800" anchor="ctr">
-            <a:spAutoFit/>
-          </a:bodyPr>
-          <a:lstStyle>
-            <a:lvl1pPr>
-              <a:defRPr sz="3000">
-                <a:latin typeface="Helvetica Light"/>
-                <a:ea typeface="Helvetica Light"/>
-                <a:cs typeface="Helvetica Light"/>
-                <a:sym typeface="Helvetica Light"/>
-              </a:defRPr>
-            </a:lvl1pPr>
-          </a:lstStyle>
-          <a:p>
-            <a:r>
-              <a:t>史上最全Vim快捷键键位图</a:t>
-            </a:r>
-          </a:p>
-        </p:txBody>
-      </p:sp>
     </p:spTree>
   </p:cSld>
   <p:clrMapOvr>
@@ -12003,62 +11586,6 @@
           </a:p>
         </p:txBody>
       </p:sp>
-      <p:sp>
-        <p:nvSpPr>
-          <p:cNvPr id="416" name="Shape 416"/>
-          <p:cNvSpPr/>
-          <p:nvPr>
-            <p:ph type="subTitle" sz="quarter" idx="1"/>
-          </p:nvPr>
-        </p:nvSpPr>
-        <p:spPr>
-          <a:xfrm>
-            <a:off x="1778000" y="11852659"/>
-            <a:ext cx="20828000" cy="1587501"/>
-          </a:xfrm>
-          <a:prstGeom prst="rect">
-            <a:avLst/>
-          </a:prstGeom>
-        </p:spPr>
-        <p:txBody>
-          <a:bodyPr/>
-          <a:lstStyle/>
-          <a:p>
-            <a:r>
-              <a:t>扫码获取配套文档</a:t>
-            </a:r>
-          </a:p>
-        </p:txBody>
-      </p:sp>
-      <p:pic>
-        <p:nvPicPr>
-          <p:cNvPr id="417" name="pasted-image.png"/>
-          <p:cNvPicPr>
-            <a:picLocks noChangeAspect="1"/>
-          </p:cNvPicPr>
-          <p:nvPr/>
-        </p:nvPicPr>
-        <p:blipFill>
-          <a:blip r:embed="rId1"/>
-          <a:stretch>
-            <a:fillRect/>
-          </a:stretch>
-        </p:blipFill>
-        <p:spPr>
-          <a:xfrm>
-            <a:off x="10082567" y="7290347"/>
-            <a:ext cx="4218866" cy="4218866"/>
-          </a:xfrm>
-          <a:prstGeom prst="rect">
-            <a:avLst/>
-          </a:prstGeom>
-          <a:ln w="12700">
-            <a:miter lim="400000"/>
-            <a:headEnd/>
-            <a:tailEnd/>
-          </a:ln>
-        </p:spPr>
-      </p:pic>
     </p:spTree>
   </p:cSld>
   <p:clrMapOvr>
@@ -12186,46 +11713,96 @@
         <p:cNvGrpSpPr/>
         <p:nvPr/>
       </p:nvGrpSpPr>
-      <p:grpSpPr/>
-      <p:sp>
-        <p:nvSpPr>
-          <p:cNvPr id="2" name="图片占位符 1"/>
-          <p:cNvSpPr/>
-          <p:nvPr>
-            <p:ph type="pic" idx="13"/>
-          </p:nvPr>
-        </p:nvSpPr>
-        <p:spPr/>
-      </p:sp>
-      <p:sp>
-        <p:nvSpPr>
-          <p:cNvPr id="3" name="标题 2"/>
+      <p:grpSpPr>
+        <a:xfrm>
+          <a:off x="0" y="0"/>
+          <a:ext cx="0" cy="0"/>
+          <a:chOff x="0" y="0"/>
+          <a:chExt cx="0" cy="0"/>
+        </a:xfrm>
+      </p:grpSpPr>
+      <p:sp>
+        <p:nvSpPr>
+          <p:cNvPr id="422" name="Shape 422"/>
           <p:cNvSpPr/>
           <p:nvPr>
             <p:ph type="title"/>
           </p:nvPr>
         </p:nvSpPr>
-        <p:spPr/>
-        <p:txBody>
-          <a:bodyPr/>
-          <a:p>
-            <a:endParaRPr lang="zh-CN" altLang="en-US"/>
-          </a:p>
-        </p:txBody>
-      </p:sp>
-      <p:sp>
-        <p:nvSpPr>
-          <p:cNvPr id="4" name="文本占位符 3"/>
-          <p:cNvSpPr/>
-          <p:nvPr>
-            <p:ph type="body" sz="quarter" idx="1"/>
-          </p:nvPr>
-        </p:nvSpPr>
-        <p:spPr/>
-        <p:txBody>
-          <a:bodyPr/>
-          <a:p>
-            <a:endParaRPr lang="zh-CN" altLang="en-US"/>
+        <p:spPr>
+          <a:prstGeom prst="rect">
+            <a:avLst/>
+          </a:prstGeom>
+        </p:spPr>
+        <p:txBody>
+          <a:bodyPr/>
+          <a:lstStyle/>
+          <a:p>
+            <a:r>
+              <a:t>为什么使用正则表达式？</a:t>
+            </a:r>
+          </a:p>
+        </p:txBody>
+      </p:sp>
+      <p:sp>
+        <p:nvSpPr>
+          <p:cNvPr id="423" name="Shape 423"/>
+          <p:cNvSpPr/>
+          <p:nvPr>
+            <p:ph type="body" idx="1"/>
+          </p:nvPr>
+        </p:nvSpPr>
+        <p:spPr>
+          <a:prstGeom prst="rect">
+            <a:avLst/>
+          </a:prstGeom>
+        </p:spPr>
+        <p:txBody>
+          <a:bodyPr/>
+          <a:lstStyle/>
+          <a:p>
+            <a:pPr marL="508000" indent="-508000" defTabSz="660400">
+              <a:spcBef>
+                <a:spcPts val="4700"/>
+              </a:spcBef>
+              <a:defRPr sz="4100"/>
+            </a:pPr>
+            <a:r>
+              <a:t>	测试字符串内的模式。例如，可以测试输入字符串，以查看字符串内是否出现电话号码模式或信用卡号码模式。这称为数据验证。</a:t>
+            </a:r>
+          </a:p>
+          <a:p>
+            <a:pPr marL="508000" indent="-508000" defTabSz="660400">
+              <a:spcBef>
+                <a:spcPts val="4700"/>
+              </a:spcBef>
+              <a:defRPr sz="4100"/>
+            </a:pPr>
+            <a:r>
+              <a:t>	替换文本。可以使用正则表达式来识别文档中的特定文本，完全删除该文本或者用其他文本替换它。</a:t>
+            </a:r>
+          </a:p>
+          <a:p>
+            <a:pPr marL="508000" indent="-508000" defTabSz="660400">
+              <a:spcBef>
+                <a:spcPts val="4700"/>
+              </a:spcBef>
+              <a:defRPr sz="4100"/>
+            </a:pPr>
+            <a:r>
+              <a:t>	基于模式匹配从字符串中提取子字符串。可以查找文档内或输入域内特定的文本。</a:t>
+            </a:r>
+          </a:p>
+          <a:p>
+            <a:pPr marL="508000" indent="-508000" defTabSz="660400">
+              <a:spcBef>
+                <a:spcPts val="4700"/>
+              </a:spcBef>
+              <a:defRPr sz="4100"/>
+            </a:pPr>
+            <a:r>
+              <a:t>例如，您可能需要搜索整个网站，删除过时的材料，以及替换某些 HTML 格式标记。在这种情况下，可以使用正则表达式来确定在每个文件中是否出现该材料或该 HTML 格式标记。此过程将受影响的文件列表缩小到包含需要删除或更改的材料的那些文件。然后可以使用正则表达式来删除过时的材料。最后，可以使用正则表达式来搜索和替换标记。</a:t>
+            </a:r>
           </a:p>
         </p:txBody>
       </p:sp>
@@ -12234,7 +11811,14 @@
   <p:clrMapOvr>
     <a:masterClrMapping/>
   </p:clrMapOvr>
-  <p:transition spd="med"/>
+  <mc:AlternateContent xmlns:mc="http://schemas.openxmlformats.org/markup-compatibility/2006">
+    <mc:Choice xmlns:p14="http://schemas.microsoft.com/office/powerpoint/2010/main" Requires="p14">
+      <p:transition spd="med" p14:dur="1000"/>
+    </mc:Choice>
+    <mc:Fallback>
+      <p:transition spd="med"/>
+    </mc:Fallback>
+  </mc:AlternateContent>
 </p:sld>
 </file>
 
@@ -12257,7 +11841,7 @@
       </p:grpSpPr>
       <p:sp>
         <p:nvSpPr>
-          <p:cNvPr id="422" name="Shape 422"/>
+          <p:cNvPr id="425" name="Shape 425"/>
           <p:cNvSpPr/>
           <p:nvPr>
             <p:ph type="title"/>
@@ -12273,14 +11857,14 @@
           <a:lstStyle/>
           <a:p>
             <a:r>
-              <a:t>为什么使用正则表达式？</a:t>
-            </a:r>
-          </a:p>
-        </p:txBody>
-      </p:sp>
-      <p:sp>
-        <p:nvSpPr>
-          <p:cNvPr id="423" name="Shape 423"/>
+              <a:t>第一关：基本的字符串搜索方法</a:t>
+            </a:r>
+          </a:p>
+        </p:txBody>
+      </p:sp>
+      <p:sp>
+        <p:nvSpPr>
+          <p:cNvPr id="426" name="Shape 426"/>
           <p:cNvSpPr/>
           <p:nvPr>
             <p:ph type="body" idx="1"/>
@@ -12295,47 +11879,69 @@
           <a:bodyPr/>
           <a:lstStyle/>
           <a:p>
-            <a:pPr marL="508000" indent="-508000" defTabSz="660400">
-              <a:spcBef>
-                <a:spcPts val="4700"/>
-              </a:spcBef>
-              <a:defRPr sz="4100"/>
-            </a:pPr>
-            <a:r>
-              <a:t>	测试字符串内的模式。例如，可以测试输入字符串，以查看字符串内是否出现电话号码模式或信用卡号码模式。这称为数据验证。</a:t>
-            </a:r>
-          </a:p>
-          <a:p>
-            <a:pPr marL="508000" indent="-508000" defTabSz="660400">
-              <a:spcBef>
-                <a:spcPts val="4700"/>
-              </a:spcBef>
-              <a:defRPr sz="4100"/>
-            </a:pPr>
-            <a:r>
-              <a:t>	替换文本。可以使用正则表达式来识别文档中的特定文本，完全删除该文本或者用其他文本替换它。</a:t>
-            </a:r>
-          </a:p>
-          <a:p>
-            <a:pPr marL="508000" indent="-508000" defTabSz="660400">
-              <a:spcBef>
-                <a:spcPts val="4700"/>
-              </a:spcBef>
-              <a:defRPr sz="4100"/>
-            </a:pPr>
-            <a:r>
-              <a:t>	基于模式匹配从字符串中提取子字符串。可以查找文档内或输入域内特定的文本。</a:t>
-            </a:r>
-          </a:p>
-          <a:p>
-            <a:pPr marL="508000" indent="-508000" defTabSz="660400">
-              <a:spcBef>
-                <a:spcPts val="4700"/>
-              </a:spcBef>
-              <a:defRPr sz="4100"/>
-            </a:pPr>
-            <a:r>
-              <a:t>例如，您可能需要搜索整个网站，删除过时的材料，以及替换某些 HTML 格式标记。在这种情况下，可以使用正则表达式来确定在每个文件中是否出现该材料或该 HTML 格式标记。此过程将受影响的文件列表缩小到包含需要删除或更改的材料的那些文件。然后可以使用正则表达式来删除过时的材料。最后，可以使用正则表达式来搜索和替换标记。</a:t>
+            <a:pPr marL="452120" indent="-452120" defTabSz="587375">
+              <a:spcBef>
+                <a:spcPts val="4000"/>
+              </a:spcBef>
+              <a:defRPr sz="3640"/>
+            </a:pPr>
+            <a:r>
+              <a:t>在VS Code中跨文件搜索（Ctrl+Shift+F）和文件内搜索（Ctrl+F）的输入框输入字符串即可进行基本的字符串搜索。</a:t>
+            </a:r>
+          </a:p>
+          <a:p>
+            <a:pPr marL="452120" indent="-452120" defTabSz="587375">
+              <a:spcBef>
+                <a:spcPts val="4000"/>
+              </a:spcBef>
+              <a:defRPr sz="3640"/>
+            </a:pPr>
+            <a:r>
+              <a:t>文件内搜索（Ctrl+F）可以使用Enter键代表继续搜索下一个，Shift+Enter键代表继续搜索上一个。这两个操作在文件内搜索面板上有对应的两个上下箭头，箭头右侧三条横线的小按钮是指在选定内容中查找（Alt+L）。</a:t>
+            </a:r>
+          </a:p>
+          <a:p>
+            <a:pPr marL="452120" indent="-452120" defTabSz="587375">
+              <a:spcBef>
+                <a:spcPts val="4000"/>
+              </a:spcBef>
+              <a:defRPr sz="3640"/>
+            </a:pPr>
+            <a:r>
+              <a:t>跨文件搜索（Ctrl+Shift+F）和文件内搜索（Ctrl+F）的输入框内部右侧都有三个小按钮：</a:t>
+            </a:r>
+          </a:p>
+          <a:p>
+            <a:pPr marL="452120" indent="-452120" defTabSz="587375">
+              <a:spcBef>
+                <a:spcPts val="4000"/>
+              </a:spcBef>
+              <a:defRPr sz="3640"/>
+            </a:pPr>
+            <a:r>
+              <a:t>	•	第一个选中的话就是搜索时区分大小写（Alt+C）；</a:t>
+            </a:r>
+          </a:p>
+          <a:p>
+            <a:pPr marL="452120" indent="-452120" defTabSz="587375">
+              <a:spcBef>
+                <a:spcPts val="4000"/>
+              </a:spcBef>
+              <a:defRPr sz="3640"/>
+            </a:pPr>
+            <a:r>
+              <a:t>	•	第二个选中的话表示搜索时全字匹配（Alt+W）；</a:t>
+            </a:r>
+          </a:p>
+          <a:p>
+            <a:pPr marL="452120" indent="-452120" defTabSz="587375">
+              <a:spcBef>
+                <a:spcPts val="4000"/>
+              </a:spcBef>
+              <a:defRPr sz="3640"/>
+            </a:pPr>
+            <a:r>
+              <a:t>	•	第三个选中的话表示搜索时采用正则表达式（Alt+R），如果输入框中使用了正则表达式的语法规则，则需要选中第三个按钮或使用Alt+R快捷键。显然上图中还没有使用正则表达式。</a:t>
             </a:r>
           </a:p>
         </p:txBody>
@@ -12375,7 +11981,7 @@
       </p:grpSpPr>
       <p:sp>
         <p:nvSpPr>
-          <p:cNvPr id="425" name="Shape 425"/>
+          <p:cNvPr id="428" name="Shape 428"/>
           <p:cNvSpPr/>
           <p:nvPr>
             <p:ph type="title"/>
@@ -12398,7 +12004,7 @@
       </p:sp>
       <p:sp>
         <p:nvSpPr>
-          <p:cNvPr id="426" name="Shape 426"/>
+          <p:cNvPr id="429" name="Shape 429"/>
           <p:cNvSpPr/>
           <p:nvPr>
             <p:ph type="body" idx="1"/>
@@ -12413,69 +12019,58 @@
           <a:bodyPr/>
           <a:lstStyle/>
           <a:p>
-            <a:pPr marL="452120" indent="-452120" defTabSz="587375">
-              <a:spcBef>
-                <a:spcPts val="4000"/>
-              </a:spcBef>
-              <a:defRPr sz="3640"/>
-            </a:pPr>
-            <a:r>
-              <a:t>在VS Code中跨文件搜索（Ctrl+Shift+F）和文件内搜索（Ctrl+F）的输入框输入字符串即可进行基本的字符串搜索。</a:t>
-            </a:r>
-          </a:p>
-          <a:p>
-            <a:pPr marL="452120" indent="-452120" defTabSz="587375">
-              <a:spcBef>
-                <a:spcPts val="4000"/>
-              </a:spcBef>
-              <a:defRPr sz="3640"/>
-            </a:pPr>
-            <a:r>
-              <a:t>文件内搜索（Ctrl+F）可以使用Enter键代表继续搜索下一个，Shift+Enter键代表继续搜索上一个。这两个操作在文件内搜索面板上有对应的两个上下箭头，箭头右侧三条横线的小按钮是指在选定内容中查找（Alt+L）。</a:t>
-            </a:r>
-          </a:p>
-          <a:p>
-            <a:pPr marL="452120" indent="-452120" defTabSz="587375">
-              <a:spcBef>
-                <a:spcPts val="4000"/>
-              </a:spcBef>
-              <a:defRPr sz="3640"/>
-            </a:pPr>
-            <a:r>
-              <a:t>跨文件搜索（Ctrl+Shift+F）和文件内搜索（Ctrl+F）的输入框内部右侧都有三个小按钮：</a:t>
-            </a:r>
-          </a:p>
-          <a:p>
-            <a:pPr marL="452120" indent="-452120" defTabSz="587375">
-              <a:spcBef>
-                <a:spcPts val="4000"/>
-              </a:spcBef>
-              <a:defRPr sz="3640"/>
-            </a:pPr>
-            <a:r>
-              <a:t>	•	第一个选中的话就是搜索时区分大小写（Alt+C）；</a:t>
-            </a:r>
-          </a:p>
-          <a:p>
-            <a:pPr marL="452120" indent="-452120" defTabSz="587375">
-              <a:spcBef>
-                <a:spcPts val="4000"/>
-              </a:spcBef>
-              <a:defRPr sz="3640"/>
-            </a:pPr>
-            <a:r>
-              <a:t>	•	第二个选中的话表示搜索时全字匹配（Alt+W）；</a:t>
-            </a:r>
-          </a:p>
-          <a:p>
-            <a:pPr marL="452120" indent="-452120" defTabSz="587375">
-              <a:spcBef>
-                <a:spcPts val="4000"/>
-              </a:spcBef>
-              <a:defRPr sz="3640"/>
-            </a:pPr>
-            <a:r>
-              <a:t>	•	第三个选中的话表示搜索时采用正则表达式（Alt+R），如果输入框中使用了正则表达式的语法规则，则需要选中第三个按钮或使用Alt+R快捷键。显然上图中还没有使用正则表达式。</a:t>
+            <a:pPr marL="496570" indent="-496570" defTabSz="645160">
+              <a:spcBef>
+                <a:spcPts val="4500"/>
+              </a:spcBef>
+              <a:defRPr sz="4000"/>
+            </a:pPr>
+            <a:r>
+              <a:t>在 Vim 一般命令模式（Normal Mode）下输入/word	向光标之下寻找一个名称为 word 的字符串。例如要在档案内搜寻 vbird 这个字符串，就输入 /vbird 即可！ (常用)</a:t>
+            </a:r>
+          </a:p>
+          <a:p>
+            <a:pPr marL="496570" indent="-496570" defTabSz="645160">
+              <a:spcBef>
+                <a:spcPts val="4500"/>
+              </a:spcBef>
+              <a:defRPr sz="4000"/>
+            </a:pPr>
+            <a:r>
+              <a:t>?word	向光标之上寻找一个字符串名称为 word 的字符串。</a:t>
+            </a:r>
+          </a:p>
+          <a:p>
+            <a:pPr marL="496570" indent="-496570" defTabSz="645160">
+              <a:spcBef>
+                <a:spcPts val="4500"/>
+              </a:spcBef>
+              <a:defRPr sz="4000"/>
+            </a:pPr>
+            <a:r>
+              <a:t>n	这个 n 是英文按键。代表重复前一个搜寻的动作。举例来说， 如果刚刚我们执行 /vbird 去向下搜寻 vbird 这个字符串，则按下 n 后，会向下继续搜寻下一个名称为 vbird 的字符串。如果是执行 ?vbird 的话，那么按下 n 则会向上继续搜寻名称为 vbird 的字符串！</a:t>
+            </a:r>
+          </a:p>
+          <a:p>
+            <a:pPr marL="496570" indent="-496570" defTabSz="645160">
+              <a:spcBef>
+                <a:spcPts val="4500"/>
+              </a:spcBef>
+              <a:defRPr sz="4000"/>
+            </a:pPr>
+            <a:r>
+              <a:t>N	这个 N 是英文按键。与 n 刚好相反，为『反向』进行前一个搜寻动作。 例如 /vbird 后，按下 N 则表示『向上』搜寻 vbird 。</a:t>
+            </a:r>
+          </a:p>
+          <a:p>
+            <a:pPr marL="496570" indent="-496570" defTabSz="645160">
+              <a:spcBef>
+                <a:spcPts val="4500"/>
+              </a:spcBef>
+              <a:defRPr sz="4000"/>
+            </a:pPr>
+            <a:r>
+              <a:t>使用 /word 配合 n 及 N 是非常有帮助的！可以让你重复的找到一些你搜寻的关键词！</a:t>
             </a:r>
           </a:p>
         </p:txBody>
@@ -12666,7 +12261,7 @@
       </p:grpSpPr>
       <p:sp>
         <p:nvSpPr>
-          <p:cNvPr id="428" name="Shape 428"/>
+          <p:cNvPr id="431" name="Shape 431"/>
           <p:cNvSpPr/>
           <p:nvPr>
             <p:ph type="title"/>
@@ -12679,17 +12274,21 @@
         </p:spPr>
         <p:txBody>
           <a:bodyPr/>
-          <a:lstStyle/>
-          <a:p>
-            <a:r>
-              <a:t>第一关：基本的字符串搜索方法</a:t>
-            </a:r>
-          </a:p>
-        </p:txBody>
-      </p:sp>
-      <p:sp>
-        <p:nvSpPr>
-          <p:cNvPr id="429" name="Shape 429"/>
+          <a:lstStyle>
+            <a:lvl1pPr defTabSz="709930">
+              <a:defRPr sz="9600"/>
+            </a:lvl1pPr>
+          </a:lstStyle>
+          <a:p>
+            <a:r>
+              <a:t>第二关：同时搜索多个字符串的方法</a:t>
+            </a:r>
+          </a:p>
+        </p:txBody>
+      </p:sp>
+      <p:sp>
+        <p:nvSpPr>
+          <p:cNvPr id="432" name="Shape 432"/>
           <p:cNvSpPr/>
           <p:nvPr>
             <p:ph type="body" idx="1"/>
@@ -12704,58 +12303,36 @@
           <a:bodyPr/>
           <a:lstStyle/>
           <a:p>
-            <a:pPr marL="496570" indent="-496570" defTabSz="645160">
-              <a:spcBef>
-                <a:spcPts val="4500"/>
-              </a:spcBef>
-              <a:defRPr sz="4000"/>
-            </a:pPr>
-            <a:r>
-              <a:t>在 Vim 一般命令模式（Normal Mode）下输入/word	向光标之下寻找一个名称为 word 的字符串。例如要在档案内搜寻 vbird 这个字符串，就输入 /vbird 即可！ (常用)</a:t>
-            </a:r>
-          </a:p>
-          <a:p>
-            <a:pPr marL="496570" indent="-496570" defTabSz="645160">
-              <a:spcBef>
-                <a:spcPts val="4500"/>
-              </a:spcBef>
-              <a:defRPr sz="4000"/>
-            </a:pPr>
-            <a:r>
-              <a:t>?word	向光标之上寻找一个字符串名称为 word 的字符串。</a:t>
-            </a:r>
-          </a:p>
-          <a:p>
-            <a:pPr marL="496570" indent="-496570" defTabSz="645160">
-              <a:spcBef>
-                <a:spcPts val="4500"/>
-              </a:spcBef>
-              <a:defRPr sz="4000"/>
-            </a:pPr>
-            <a:r>
-              <a:t>n	这个 n 是英文按键。代表重复前一个搜寻的动作。举例来说， 如果刚刚我们执行 /vbird 去向下搜寻 vbird 这个字符串，则按下 n 后，会向下继续搜寻下一个名称为 vbird 的字符串。如果是执行 ?vbird 的话，那么按下 n 则会向上继续搜寻名称为 vbird 的字符串！</a:t>
-            </a:r>
-          </a:p>
-          <a:p>
-            <a:pPr marL="496570" indent="-496570" defTabSz="645160">
-              <a:spcBef>
-                <a:spcPts val="4500"/>
-              </a:spcBef>
-              <a:defRPr sz="4000"/>
-            </a:pPr>
-            <a:r>
-              <a:t>N	这个 N 是英文按键。与 n 刚好相反，为『反向』进行前一个搜寻动作。 例如 /vbird 后，按下 N 则表示『向上』搜寻 vbird 。</a:t>
-            </a:r>
-          </a:p>
-          <a:p>
-            <a:pPr marL="496570" indent="-496570" defTabSz="645160">
-              <a:spcBef>
-                <a:spcPts val="4500"/>
-              </a:spcBef>
-              <a:defRPr sz="4000"/>
-            </a:pPr>
-            <a:r>
-              <a:t>使用 /word 配合 n 及 N 是非常有帮助的！可以让你重复的找到一些你搜寻的关键词！</a:t>
+            <a:pPr marL="590550" indent="-590550" defTabSz="767715">
+              <a:spcBef>
+                <a:spcPts val="5400"/>
+              </a:spcBef>
+              <a:defRPr sz="4800"/>
+            </a:pPr>
+            <a:r>
+              <a:t>在VS Code跨文件搜索（Ctrl+Shift+F）或文件内搜索（Ctrl+F）时，只要将多个字符串之间增加或运算符“|”，比如"main|int" ，同时选中输入框最右侧使用正则表达式（Alt+R）的小图标，即可同时搜索多个字符串。</a:t>
+            </a:r>
+          </a:p>
+          <a:p>
+            <a:pPr marL="590550" indent="-590550" defTabSz="767715">
+              <a:spcBef>
+                <a:spcPts val="5400"/>
+              </a:spcBef>
+              <a:defRPr sz="4800"/>
+            </a:pPr>
+            <a:r>
+              <a:t>在 Vim 中搜索多个字符串的用法基本一致。如果你想匹配"yes"或"no"，你需要的正则表达式是/yes|no</a:t>
+            </a:r>
+          </a:p>
+          <a:p>
+            <a:pPr marL="590550" indent="-590550" defTabSz="767715">
+              <a:spcBef>
+                <a:spcPts val="5400"/>
+              </a:spcBef>
+              <a:defRPr sz="4800"/>
+            </a:pPr>
+            <a:r>
+              <a:t>你也可以搜索超过两种模式，通过添加更多的模式来添加更多的或运算符来分隔它们，如/yes|no|maybe</a:t>
             </a:r>
           </a:p>
         </p:txBody>
@@ -12795,7 +12372,7 @@
       </p:grpSpPr>
       <p:sp>
         <p:nvSpPr>
-          <p:cNvPr id="431" name="Shape 431"/>
+          <p:cNvPr id="434" name="Shape 434"/>
           <p:cNvSpPr/>
           <p:nvPr>
             <p:ph type="title"/>
@@ -12810,19 +12387,19 @@
           <a:bodyPr/>
           <a:lstStyle>
             <a:lvl1pPr defTabSz="709930">
-              <a:defRPr sz="9600"/>
+              <a:defRPr sz="9630"/>
             </a:lvl1pPr>
           </a:lstStyle>
           <a:p>
             <a:r>
-              <a:t>第二关：同时搜索多个字符串的方法</a:t>
-            </a:r>
-          </a:p>
-        </p:txBody>
-      </p:sp>
-      <p:sp>
-        <p:nvSpPr>
-          <p:cNvPr id="432" name="Shape 432"/>
+              <a:t>第三关：在匹配字符串时的大小写问题</a:t>
+            </a:r>
+          </a:p>
+        </p:txBody>
+      </p:sp>
+      <p:sp>
+        <p:nvSpPr>
+          <p:cNvPr id="435" name="Shape 435"/>
           <p:cNvSpPr/>
           <p:nvPr>
             <p:ph type="body" idx="1"/>
@@ -12837,36 +12414,58 @@
           <a:bodyPr/>
           <a:lstStyle/>
           <a:p>
-            <a:pPr marL="590550" indent="-590550" defTabSz="767715">
-              <a:spcBef>
-                <a:spcPts val="5400"/>
-              </a:spcBef>
-              <a:defRPr sz="4800"/>
-            </a:pPr>
-            <a:r>
-              <a:t>在VS Code跨文件搜索（Ctrl+Shift+F）或文件内搜索（Ctrl+F）时，只要将多个字符串之间增加或运算符“|”，比如"main|int" ，同时选中输入框最右侧使用正则表达式（Alt+R）的小图标，即可同时搜索多个字符串。</a:t>
-            </a:r>
-          </a:p>
-          <a:p>
-            <a:pPr marL="590550" indent="-590550" defTabSz="767715">
-              <a:spcBef>
-                <a:spcPts val="5400"/>
-              </a:spcBef>
-              <a:defRPr sz="4800"/>
-            </a:pPr>
-            <a:r>
-              <a:t>在 Vim 中搜索多个字符串的用法基本一致。如果你想匹配"yes"或"no"，你需要的正则表达式是/yes|no</a:t>
-            </a:r>
-          </a:p>
-          <a:p>
-            <a:pPr marL="590550" indent="-590550" defTabSz="767715">
-              <a:spcBef>
-                <a:spcPts val="5400"/>
-              </a:spcBef>
-              <a:defRPr sz="4800"/>
-            </a:pPr>
-            <a:r>
-              <a:t>你也可以搜索超过两种模式，通过添加更多的模式来添加更多的或运算符来分隔它们，如/yes|no|maybe</a:t>
+            <a:pPr marL="476250" indent="-476250" defTabSz="619125">
+              <a:spcBef>
+                <a:spcPts val="4400"/>
+              </a:spcBef>
+              <a:defRPr sz="3900"/>
+            </a:pPr>
+            <a:r>
+              <a:t>在VS Code跨文件搜索（Ctrl+Shift+F）和文件内搜索（Ctrl+F）中，默认是忽略大小写的，只有通过选中搜索输入框中区分大小写（Alt+C）小按钮，才会按照字符串的大小写严格匹配。</a:t>
+            </a:r>
+          </a:p>
+          <a:p>
+            <a:pPr marL="476250" indent="-476250" defTabSz="619125">
+              <a:spcBef>
+                <a:spcPts val="4400"/>
+              </a:spcBef>
+              <a:defRPr sz="3900"/>
+            </a:pPr>
+            <a:r>
+              <a:t>在 Vim 中通过底线命令方式:set ignorecase 设置为忽略大小写；通过:set noignorecase 恢复到大小写敏感的状态，Vim 环境下默认是大小写敏感的。</a:t>
+            </a:r>
+          </a:p>
+          <a:p>
+            <a:pPr marL="476250" indent="-476250" defTabSz="619125">
+              <a:spcBef>
+                <a:spcPts val="4400"/>
+              </a:spcBef>
+              <a:defRPr sz="3900"/>
+            </a:pPr>
+            <a:r>
+              <a:t>Unix类的系统默认都是大小写敏感的，而Windows系统下默认是大小写不敏感的。这大概是VS Code和Vim在大小写的默认设置上不同的原因吧。</a:t>
+            </a:r>
+          </a:p>
+          <a:p>
+            <a:pPr marL="476250" indent="-476250" defTabSz="619125">
+              <a:spcBef>
+                <a:spcPts val="4400"/>
+              </a:spcBef>
+              <a:defRPr sz="3900"/>
+            </a:pPr>
+            <a:r>
+              <a:t>在 Vim 中也可以通过快捷方式\c 表示大小写不敏感，\C 表示大小写敏感，比如/ignorecase\c，这个正则表达式可以匹配”ignorecase”，"igNoreCase"和"IgnoreCase"。</a:t>
+            </a:r>
+          </a:p>
+          <a:p>
+            <a:pPr marL="476250" indent="-476250" defTabSz="619125">
+              <a:spcBef>
+                <a:spcPts val="4400"/>
+              </a:spcBef>
+              <a:defRPr sz="3900"/>
+            </a:pPr>
+            <a:r>
+              <a:t>在VS Code跨文件搜索（Ctrl+Shift+F）和文件内搜索（Ctrl+F）中不支持在正则表达式中使用\c这种快捷方式。</a:t>
             </a:r>
           </a:p>
         </p:txBody>
@@ -12906,7 +12505,7 @@
       </p:grpSpPr>
       <p:sp>
         <p:nvSpPr>
-          <p:cNvPr id="434" name="Shape 434"/>
+          <p:cNvPr id="437" name="Shape 437"/>
           <p:cNvSpPr/>
           <p:nvPr>
             <p:ph type="title"/>
@@ -12919,21 +12518,17 @@
         </p:spPr>
         <p:txBody>
           <a:bodyPr/>
-          <a:lstStyle>
-            <a:lvl1pPr defTabSz="709930">
-              <a:defRPr sz="9630"/>
-            </a:lvl1pPr>
-          </a:lstStyle>
-          <a:p>
-            <a:r>
-              <a:t>第三关：在匹配字符串时的大小写问题</a:t>
-            </a:r>
-          </a:p>
-        </p:txBody>
-      </p:sp>
-      <p:sp>
-        <p:nvSpPr>
-          <p:cNvPr id="435" name="Shape 435"/>
+          <a:lstStyle/>
+          <a:p>
+            <a:r>
+              <a:t>第四关：通配符的基本用法</a:t>
+            </a:r>
+          </a:p>
+        </p:txBody>
+      </p:sp>
+      <p:sp>
+        <p:nvSpPr>
+          <p:cNvPr id="438" name="Shape 438"/>
           <p:cNvSpPr/>
           <p:nvPr>
             <p:ph type="body" idx="1"/>
@@ -12948,58 +12543,58 @@
           <a:bodyPr/>
           <a:lstStyle/>
           <a:p>
-            <a:pPr marL="476250" indent="-476250" defTabSz="619125">
-              <a:spcBef>
-                <a:spcPts val="4400"/>
-              </a:spcBef>
-              <a:defRPr sz="3900"/>
-            </a:pPr>
-            <a:r>
-              <a:t>在VS Code跨文件搜索（Ctrl+Shift+F）和文件内搜索（Ctrl+F）中，默认是忽略大小写的，只有通过选中搜索输入框中区分大小写（Alt+C）小按钮，才会按照字符串的大小写严格匹配。</a:t>
-            </a:r>
-          </a:p>
-          <a:p>
-            <a:pPr marL="476250" indent="-476250" defTabSz="619125">
-              <a:spcBef>
-                <a:spcPts val="4400"/>
-              </a:spcBef>
-              <a:defRPr sz="3900"/>
-            </a:pPr>
-            <a:r>
-              <a:t>在 Vim 中通过底线命令方式:set ignorecase 设置为忽略大小写；通过:set noignorecase 恢复到大小写敏感的状态，Vim 环境下默认是大小写敏感的。</a:t>
-            </a:r>
-          </a:p>
-          <a:p>
-            <a:pPr marL="476250" indent="-476250" defTabSz="619125">
-              <a:spcBef>
-                <a:spcPts val="4400"/>
-              </a:spcBef>
-              <a:defRPr sz="3900"/>
-            </a:pPr>
-            <a:r>
-              <a:t>Unix类的系统默认都是大小写敏感的，而Windows系统下默认是大小写不敏感的。这大概是VS Code和Vim在大小写的默认设置上不同的原因吧。</a:t>
-            </a:r>
-          </a:p>
-          <a:p>
-            <a:pPr marL="476250" indent="-476250" defTabSz="619125">
-              <a:spcBef>
-                <a:spcPts val="4400"/>
-              </a:spcBef>
-              <a:defRPr sz="3900"/>
-            </a:pPr>
-            <a:r>
-              <a:t>在 Vim 中也可以通过快捷方式\c 表示大小写不敏感，\C 表示大小写敏感，比如/ignorecase\c，这个正则表达式可以匹配”ignorecase”，"igNoreCase"和"IgnoreCase"。</a:t>
-            </a:r>
-          </a:p>
-          <a:p>
-            <a:pPr marL="476250" indent="-476250" defTabSz="619125">
-              <a:spcBef>
-                <a:spcPts val="4400"/>
-              </a:spcBef>
-              <a:defRPr sz="3900"/>
-            </a:pPr>
-            <a:r>
-              <a:t>在VS Code跨文件搜索（Ctrl+Shift+F）和文件内搜索（Ctrl+F）中不支持在正则表达式中使用\c这种快捷方式。</a:t>
+            <a:pPr marL="469900" indent="-469900" defTabSz="610235">
+              <a:spcBef>
+                <a:spcPts val="4300"/>
+              </a:spcBef>
+              <a:defRPr sz="3785"/>
+            </a:pPr>
+            <a:r>
+              <a:t>有时不知道模式中的确切字符，就找出所有可能匹配的单词，如果拼写错误会浪费很长时间。幸运的是，可以使用通配符“.”、“+”、“*”、“?”节省时间。</a:t>
+            </a:r>
+          </a:p>
+          <a:p>
+            <a:pPr marL="469900" indent="-469900" defTabSz="610235">
+              <a:spcBef>
+                <a:spcPts val="4300"/>
+              </a:spcBef>
+              <a:defRPr sz="3785"/>
+            </a:pPr>
+            <a:r>
+              <a:t>	•	通配符“.”将匹配任意一个字符。通配符也可称为 dot 和 period。你可以像正则表达式中的任何其他字符一样使用通配符。例如，如果你想匹配“hug”，“huh”，“hut”和“hum”，可以使用正则表达式hu.来匹配这所有四个字符串。</a:t>
+            </a:r>
+          </a:p>
+          <a:p>
+            <a:pPr marL="469900" indent="-469900" defTabSz="610235">
+              <a:spcBef>
+                <a:spcPts val="4300"/>
+              </a:spcBef>
+              <a:defRPr sz="3785"/>
+            </a:pPr>
+            <a:r>
+              <a:t>	•	通配符“+”用来查找出现一次或多次的字符，例如hahhhhh，可以使用正则表达式hah+来匹配。</a:t>
+            </a:r>
+          </a:p>
+          <a:p>
+            <a:pPr marL="469900" indent="-469900" defTabSz="610235">
+              <a:spcBef>
+                <a:spcPts val="4300"/>
+              </a:spcBef>
+              <a:defRPr sz="3785"/>
+            </a:pPr>
+            <a:r>
+              <a:t>	•	通配符“*”匹配零次或多次出现的字符，使用正则表达式hah*来匹配，还可以匹配ha字符串。</a:t>
+            </a:r>
+          </a:p>
+          <a:p>
+            <a:pPr marL="469900" indent="-469900" defTabSz="610235">
+              <a:spcBef>
+                <a:spcPts val="4300"/>
+              </a:spcBef>
+              <a:defRPr sz="3785"/>
+            </a:pPr>
+            <a:r>
+              <a:t>	•	通配符“?”指定可能存在的元素，也就是检查前一个元素存在与否，如正则表达式colou?r、favou?rite中通配符“?”前面的u字符存在和不存在两种情况的字符串都会匹配。</a:t>
             </a:r>
           </a:p>
         </p:txBody>
@@ -13039,7 +12634,7 @@
       </p:grpSpPr>
       <p:sp>
         <p:nvSpPr>
-          <p:cNvPr id="437" name="Shape 437"/>
+          <p:cNvPr id="440" name="Shape 440"/>
           <p:cNvSpPr/>
           <p:nvPr>
             <p:ph type="title"/>
@@ -13062,7 +12657,7 @@
       </p:sp>
       <p:sp>
         <p:nvSpPr>
-          <p:cNvPr id="438" name="Shape 438"/>
+          <p:cNvPr id="441" name="Shape 441"/>
           <p:cNvSpPr/>
           <p:nvPr>
             <p:ph type="body" idx="1"/>
@@ -13077,58 +12672,58 @@
           <a:bodyPr/>
           <a:lstStyle/>
           <a:p>
-            <a:pPr marL="469900" indent="-469900" defTabSz="610235">
-              <a:spcBef>
-                <a:spcPts val="4300"/>
-              </a:spcBef>
-              <a:defRPr sz="3785"/>
-            </a:pPr>
-            <a:r>
-              <a:t>有时不知道模式中的确切字符，就找出所有可能匹配的单词，如果拼写错误会浪费很长时间。幸运的是，可以使用通配符“.”、“+”、“*”、“?”节省时间。</a:t>
-            </a:r>
-          </a:p>
-          <a:p>
-            <a:pPr marL="469900" indent="-469900" defTabSz="610235">
-              <a:spcBef>
-                <a:spcPts val="4300"/>
-              </a:spcBef>
-              <a:defRPr sz="3785"/>
-            </a:pPr>
-            <a:r>
-              <a:t>	•	通配符“.”将匹配任意一个字符。通配符也可称为 dot 和 period。你可以像正则表达式中的任何其他字符一样使用通配符。例如，如果你想匹配“hug”，“huh”，“hut”和“hum”，可以使用正则表达式hu.来匹配这所有四个字符串。</a:t>
-            </a:r>
-          </a:p>
-          <a:p>
-            <a:pPr marL="469900" indent="-469900" defTabSz="610235">
-              <a:spcBef>
-                <a:spcPts val="4300"/>
-              </a:spcBef>
-              <a:defRPr sz="3785"/>
-            </a:pPr>
-            <a:r>
-              <a:t>	•	通配符“+”用来查找出现一次或多次的字符，例如hahhhhh，可以使用正则表达式hah+来匹配。</a:t>
-            </a:r>
-          </a:p>
-          <a:p>
-            <a:pPr marL="469900" indent="-469900" defTabSz="610235">
-              <a:spcBef>
-                <a:spcPts val="4300"/>
-              </a:spcBef>
-              <a:defRPr sz="3785"/>
-            </a:pPr>
-            <a:r>
-              <a:t>	•	通配符“*”匹配零次或多次出现的字符，使用正则表达式hah*来匹配，还可以匹配ha字符串。</a:t>
-            </a:r>
-          </a:p>
-          <a:p>
-            <a:pPr marL="469900" indent="-469900" defTabSz="610235">
-              <a:spcBef>
-                <a:spcPts val="4300"/>
-              </a:spcBef>
-              <a:defRPr sz="3785"/>
-            </a:pPr>
-            <a:r>
-              <a:t>	•	通配符“?”指定可能存在的元素，也就是检查前一个元素存在与否，如正则表达式colou?r、favou?rite中通配符“?”前面的u字符存在和不存在两种情况的字符串都会匹配。</a:t>
+            <a:pPr marL="518795" indent="-518795" defTabSz="674370">
+              <a:spcBef>
+                <a:spcPts val="4700"/>
+              </a:spcBef>
+              <a:defRPr sz="4180"/>
+            </a:pPr>
+            <a:r>
+              <a:t>简要总结一下通配符“.”表示任意一个字符；“?”表示前一个字符是否存在，也就是存在 0 次或 1 次；“+”表示前一个字符出现一次或多次；“*”表示前一个字符出现 0 次、1 次或多次。</a:t>
+            </a:r>
+          </a:p>
+          <a:p>
+            <a:pPr marL="518795" indent="-518795" defTabSz="674370">
+              <a:spcBef>
+                <a:spcPts val="4700"/>
+              </a:spcBef>
+              <a:defRPr sz="4180"/>
+            </a:pPr>
+            <a:r>
+              <a:t>如果是指定只查找某个字符出现3次到5次的情况怎么办呢？可以使用 quantity specifiers 数量说明符指定模式的下限和上限数。数量说明符使用大括号{and}。你将两个数字放在大括号之间用逗号“,”隔开表示上限和下限数。</a:t>
+            </a:r>
+          </a:p>
+          <a:p>
+            <a:pPr marL="518795" indent="-518795" defTabSz="674370">
+              <a:spcBef>
+                <a:spcPts val="4700"/>
+              </a:spcBef>
+              <a:defRPr sz="4180"/>
+            </a:pPr>
+            <a:r>
+              <a:t>	•	要匹配字符串"aaah"中出现 3 到 5 次的 a，你的正则表达式将是a{3,5}h；</a:t>
+            </a:r>
+          </a:p>
+          <a:p>
+            <a:pPr marL="518795" indent="-518795" defTabSz="674370">
+              <a:spcBef>
+                <a:spcPts val="4700"/>
+              </a:spcBef>
+              <a:defRPr sz="4180"/>
+            </a:pPr>
+            <a:r>
+              <a:t>	•	仅匹配字符串"haaah"与至少出现 3 次的字母 a，正则表达式将是/ha{3,}h；</a:t>
+            </a:r>
+          </a:p>
+          <a:p>
+            <a:pPr marL="518795" indent="-518795" defTabSz="674370">
+              <a:spcBef>
+                <a:spcPts val="4700"/>
+              </a:spcBef>
+              <a:defRPr sz="4180"/>
+            </a:pPr>
+            <a:r>
+              <a:t>	•	为了仅匹配"hah"中出现 3 次的字母 a，你的正则表达式将是/ha{3}h。</a:t>
             </a:r>
           </a:p>
         </p:txBody>
@@ -13168,7 +12763,7 @@
       </p:grpSpPr>
       <p:sp>
         <p:nvSpPr>
-          <p:cNvPr id="440" name="Shape 440"/>
+          <p:cNvPr id="443" name="Shape 443"/>
           <p:cNvSpPr/>
           <p:nvPr>
             <p:ph type="title"/>
@@ -13181,17 +12776,21 @@
         </p:spPr>
         <p:txBody>
           <a:bodyPr/>
-          <a:lstStyle/>
-          <a:p>
-            <a:r>
-              <a:t>第四关：通配符的基本用法</a:t>
-            </a:r>
-          </a:p>
-        </p:txBody>
-      </p:sp>
-      <p:sp>
-        <p:nvSpPr>
-          <p:cNvPr id="441" name="Shape 441"/>
+          <a:lstStyle>
+            <a:lvl1pPr defTabSz="668655">
+              <a:defRPr sz="9000"/>
+            </a:lvl1pPr>
+          </a:lstStyle>
+          <a:p>
+            <a:r>
+              <a:t>第五关：匹配具有多种可能性的字符集</a:t>
+            </a:r>
+          </a:p>
+        </p:txBody>
+      </p:sp>
+      <p:sp>
+        <p:nvSpPr>
+          <p:cNvPr id="444" name="Shape 444"/>
           <p:cNvSpPr/>
           <p:nvPr>
             <p:ph type="body" idx="1"/>
@@ -13206,58 +12805,36 @@
           <a:bodyPr/>
           <a:lstStyle/>
           <a:p>
-            <a:pPr marL="518795" indent="-518795" defTabSz="674370">
-              <a:spcBef>
-                <a:spcPts val="4700"/>
-              </a:spcBef>
-              <a:defRPr sz="4180"/>
-            </a:pPr>
-            <a:r>
-              <a:t>简要总结一下通配符“.”表示任意一个字符；“?”表示前一个字符是否存在，也就是存在 0 次或 1 次；“+”表示前一个字符出现一次或多次；“*”表示前一个字符出现 0 次、1 次或多次。</a:t>
-            </a:r>
-          </a:p>
-          <a:p>
-            <a:pPr marL="518795" indent="-518795" defTabSz="674370">
-              <a:spcBef>
-                <a:spcPts val="4700"/>
-              </a:spcBef>
-              <a:defRPr sz="4180"/>
-            </a:pPr>
-            <a:r>
-              <a:t>如果是指定只查找某个字符出现3次到5次的情况怎么办呢？可以使用 quantity specifiers 数量说明符指定模式的下限和上限数。数量说明符使用大括号{and}。你将两个数字放在大括号之间用逗号“,”隔开表示上限和下限数。</a:t>
-            </a:r>
-          </a:p>
-          <a:p>
-            <a:pPr marL="518795" indent="-518795" defTabSz="674370">
-              <a:spcBef>
-                <a:spcPts val="4700"/>
-              </a:spcBef>
-              <a:defRPr sz="4180"/>
-            </a:pPr>
-            <a:r>
-              <a:t>	•	要匹配字符串"aaah"中出现 3 到 5 次的 a，你的正则表达式将是a{3,5}h；</a:t>
-            </a:r>
-          </a:p>
-          <a:p>
-            <a:pPr marL="518795" indent="-518795" defTabSz="674370">
-              <a:spcBef>
-                <a:spcPts val="4700"/>
-              </a:spcBef>
-              <a:defRPr sz="4180"/>
-            </a:pPr>
-            <a:r>
-              <a:t>	•	仅匹配字符串"haaah"与至少出现 3 次的字母 a，正则表达式将是/ha{3,}h；</a:t>
-            </a:r>
-          </a:p>
-          <a:p>
-            <a:pPr marL="518795" indent="-518795" defTabSz="674370">
-              <a:spcBef>
-                <a:spcPts val="4700"/>
-              </a:spcBef>
-              <a:defRPr sz="4180"/>
-            </a:pPr>
-            <a:r>
-              <a:t>	•	为了仅匹配"hah"中出现 3 次的字母 a，你的正则表达式将是/ha{3}h。</a:t>
+            <a:pPr marL="584200" indent="-584200" defTabSz="758825">
+              <a:spcBef>
+                <a:spcPts val="5400"/>
+              </a:spcBef>
+              <a:defRPr sz="4785"/>
+            </a:pPr>
+            <a:r>
+              <a:t>学习了如何匹配完整的字符串，如word，以及通配符“.”、“+”、“*”、“?”。这些只是正则表达式的两种极端情况，其中一个查找完全匹配，另一个匹配任意字符的方法。</a:t>
+            </a:r>
+          </a:p>
+          <a:p>
+            <a:pPr marL="584200" indent="-584200" defTabSz="758825">
+              <a:spcBef>
+                <a:spcPts val="5400"/>
+              </a:spcBef>
+              <a:defRPr sz="4785"/>
+            </a:pPr>
+            <a:r>
+              <a:t>有这两个极端情况之间的平衡选项，可以使用 character sets 字符集来灵活地搜索文字模式。</a:t>
+            </a:r>
+          </a:p>
+          <a:p>
+            <a:pPr marL="584200" indent="-584200" defTabSz="758825">
+              <a:spcBef>
+                <a:spcPts val="5400"/>
+              </a:spcBef>
+              <a:defRPr sz="4785"/>
+            </a:pPr>
+            <a:r>
+              <a:t>	•	用方括号[and]中来定义一组你希望匹配的字符。character sets 字符集允许你通过将其放在方括号[and]中来定义一组你希望匹配的字符。例如，你要匹配"bag"，"big"和"bug"，而不是"bog"。你可以创建正则表达式/b[aiu]g 来执行此操作。[aiu]是只匹配字符"a","i"或"u"的 character sets 字符集。</a:t>
             </a:r>
           </a:p>
         </p:txBody>
@@ -13297,7 +12874,7 @@
       </p:grpSpPr>
       <p:sp>
         <p:nvSpPr>
-          <p:cNvPr id="443" name="Shape 443"/>
+          <p:cNvPr id="446" name="Shape 446"/>
           <p:cNvSpPr/>
           <p:nvPr>
             <p:ph type="title"/>
@@ -13324,7 +12901,7 @@
       </p:sp>
       <p:sp>
         <p:nvSpPr>
-          <p:cNvPr id="444" name="Shape 444"/>
+          <p:cNvPr id="447" name="Shape 447"/>
           <p:cNvSpPr/>
           <p:nvPr>
             <p:ph type="body" idx="1"/>
@@ -13346,7 +12923,7 @@
               <a:defRPr sz="4785"/>
             </a:pPr>
             <a:r>
-              <a:t>学习了如何匹配完整的字符串，如word，以及通配符“.”、“+”、“*”、“?”。这些只是正则表达式的两种极端情况，其中一个查找完全匹配，另一个匹配任意字符的方法。</a:t>
+              <a:t>	•	连字符“-”定义要匹配的字符范围。当你需要匹配一系列字符（例如字母表中的每个字母）时，会需要输入很多字符。幸运的是，有一个内置的功能可以使这个更简短和简单。在 character sets 字符集中，你可以使用连字符“-”定义要匹配的字符范围。例如，要匹配小写字母 a 到 e，你将使用[a-e]。使用连字符“-”匹配一系列字符并不只限于字母，它也可以匹配一系列数字。例如character sets 字符集[0-5]匹配 0 和 5 之间的所有数字，包括 0 和 5。</a:t>
             </a:r>
           </a:p>
           <a:p>
@@ -13357,18 +12934,7 @@
               <a:defRPr sz="4785"/>
             </a:pPr>
             <a:r>
-              <a:t>有这两个极端情况之间的平衡选项，可以使用 character sets 字符集来灵活地搜索文字模式。</a:t>
-            </a:r>
-          </a:p>
-          <a:p>
-            <a:pPr marL="584200" indent="-584200" defTabSz="758825">
-              <a:spcBef>
-                <a:spcPts val="5400"/>
-              </a:spcBef>
-              <a:defRPr sz="4785"/>
-            </a:pPr>
-            <a:r>
-              <a:t>	•	用方括号[and]中来定义一组你希望匹配的字符。character sets 字符集允许你通过将其放在方括号[and]中来定义一组你希望匹配的字符。例如，你要匹配"bag"，"big"和"bug"，而不是"bog"。你可以创建正则表达式/b[aiu]g 来执行此操作。[aiu]是只匹配字符"a","i"或"u"的 character sets 字符集。</a:t>
+              <a:t>	•	字符“^”定义不想要匹配的字符，称为negated character sets 否定字符集。要创建一个 否定字符集，你可以在方括号的开括号之后放置一个插入字符“^”。例如[^aeiou]排除元音的所有字符。</a:t>
             </a:r>
           </a:p>
         </p:txBody>
@@ -13408,7 +12974,7 @@
       </p:grpSpPr>
       <p:sp>
         <p:nvSpPr>
-          <p:cNvPr id="446" name="Shape 446"/>
+          <p:cNvPr id="449" name="Shape 449"/>
           <p:cNvSpPr/>
           <p:nvPr>
             <p:ph type="title"/>
@@ -13435,7 +13001,7 @@
       </p:sp>
       <p:sp>
         <p:nvSpPr>
-          <p:cNvPr id="447" name="Shape 447"/>
+          <p:cNvPr id="450" name="Shape 450"/>
           <p:cNvSpPr/>
           <p:nvPr>
             <p:ph type="body" idx="1"/>
@@ -13508,7 +13074,7 @@
       </p:grpSpPr>
       <p:sp>
         <p:nvSpPr>
-          <p:cNvPr id="449" name="Shape 449"/>
+          <p:cNvPr id="452" name="Shape 452"/>
           <p:cNvSpPr/>
           <p:nvPr>
             <p:ph type="title"/>
@@ -13535,7 +13101,7 @@
       </p:sp>
       <p:sp>
         <p:nvSpPr>
-          <p:cNvPr id="450" name="Shape 450"/>
+          <p:cNvPr id="453" name="Shape 453"/>
           <p:cNvSpPr/>
           <p:nvPr>
             <p:ph type="body" idx="1"/>
@@ -13550,25 +13116,58 @@
           <a:bodyPr/>
           <a:lstStyle/>
           <a:p>
-            <a:pPr marL="584200" indent="-584200" defTabSz="758825">
-              <a:spcBef>
-                <a:spcPts val="5400"/>
-              </a:spcBef>
-              <a:defRPr sz="4785"/>
-            </a:pPr>
-            <a:r>
-              <a:t>	•	连字符“-”定义要匹配的字符范围。当你需要匹配一系列字符（例如字母表中的每个字母）时，会需要输入很多字符。幸运的是，有一个内置的功能可以使这个更简短和简单。在 character sets 字符集中，你可以使用连字符“-”定义要匹配的字符范围。例如，要匹配小写字母 a 到 e，你将使用[a-e]。使用连字符“-”匹配一系列字符并不只限于字母，它也可以匹配一系列数字。例如character sets 字符集[0-5]匹配 0 和 5 之间的所有数字，包括 0 和 5。</a:t>
-            </a:r>
-          </a:p>
-          <a:p>
-            <a:pPr marL="584200" indent="-584200" defTabSz="758825">
-              <a:spcBef>
-                <a:spcPts val="5400"/>
-              </a:spcBef>
-              <a:defRPr sz="4785"/>
-            </a:pPr>
-            <a:r>
-              <a:t>	•	字符“^”定义不想要匹配的字符，称为negated character sets 否定字符集。要创建一个 否定字符集，你可以在方括号的开括号之后放置一个插入字符“^”。例如[^aeiou]排除元音的所有字符。</a:t>
+            <a:pPr marL="552450" indent="-552450" defTabSz="717550">
+              <a:spcBef>
+                <a:spcPts val="5100"/>
+              </a:spcBef>
+              <a:defRPr sz="4525"/>
+            </a:pPr>
+            <a:r>
+              <a:t>如果匹配的可能的字符太多，写起来不是很方便，因而字符集还提供快捷方式的写法。</a:t>
+            </a:r>
+          </a:p>
+          <a:p>
+            <a:pPr marL="552450" indent="-552450" defTabSz="717550">
+              <a:spcBef>
+                <a:spcPts val="5100"/>
+              </a:spcBef>
+              <a:defRPr sz="4525"/>
+            </a:pPr>
+            <a:r>
+              <a:t>	•	快捷方式\w 匹配字母数字[A-Za-z0-9_]。这个character sets 字符集匹配大小写字母加数字。注意，这个character sets 字符集还包括下划线字符“_”。</a:t>
+            </a:r>
+          </a:p>
+          <a:p>
+            <a:pPr marL="552450" indent="-552450" defTabSz="717550">
+              <a:spcBef>
+                <a:spcPts val="5100"/>
+              </a:spcBef>
+              <a:defRPr sz="4525"/>
+            </a:pPr>
+            <a:r>
+              <a:t>	•	快捷方式\W 搜索\w 的相反方向。需要注意相反的模式使用大写字母。此快捷方式与[^A-Za-z0-9_]相同。</a:t>
+            </a:r>
+          </a:p>
+          <a:p>
+            <a:pPr marL="552450" indent="-552450" defTabSz="717550">
+              <a:spcBef>
+                <a:spcPts val="5100"/>
+              </a:spcBef>
+              <a:defRPr sz="4525"/>
+            </a:pPr>
+            <a:r>
+              <a:t>	•	快捷方式\d 搜索数字字符集[0-9]。</a:t>
+            </a:r>
+          </a:p>
+          <a:p>
+            <a:pPr marL="552450" indent="-552450" defTabSz="717550">
+              <a:spcBef>
+                <a:spcPts val="5100"/>
+              </a:spcBef>
+              <a:defRPr sz="4525"/>
+            </a:pPr>
+            <a:r>
+              <a:t>	•	快捷方式\D查找非数字字符，等于字符集[^0-9]。</a:t>
             </a:r>
           </a:p>
         </p:txBody>
@@ -13608,7 +13207,7 @@
       </p:grpSpPr>
       <p:sp>
         <p:nvSpPr>
-          <p:cNvPr id="452" name="Shape 452"/>
+          <p:cNvPr id="455" name="Shape 455"/>
           <p:cNvSpPr/>
           <p:nvPr>
             <p:ph type="title"/>
@@ -13621,21 +13220,17 @@
         </p:spPr>
         <p:txBody>
           <a:bodyPr/>
-          <a:lstStyle>
-            <a:lvl1pPr defTabSz="668655">
-              <a:defRPr sz="9000"/>
-            </a:lvl1pPr>
-          </a:lstStyle>
-          <a:p>
-            <a:r>
-              <a:t>第五关：匹配具有多种可能性的字符集</a:t>
-            </a:r>
-          </a:p>
-        </p:txBody>
-      </p:sp>
-      <p:sp>
-        <p:nvSpPr>
-          <p:cNvPr id="453" name="Shape 453"/>
+          <a:lstStyle/>
+          <a:p>
+            <a:r>
+              <a:t>第六关：贪婪匹配 vs. 懒惰匹配</a:t>
+            </a:r>
+          </a:p>
+        </p:txBody>
+      </p:sp>
+      <p:sp>
+        <p:nvSpPr>
+          <p:cNvPr id="456" name="Shape 456"/>
           <p:cNvSpPr/>
           <p:nvPr>
             <p:ph type="body" idx="1"/>
@@ -13650,58 +13245,47 @@
           <a:bodyPr/>
           <a:lstStyle/>
           <a:p>
-            <a:pPr marL="552450" indent="-552450" defTabSz="717550">
-              <a:spcBef>
-                <a:spcPts val="5100"/>
-              </a:spcBef>
-              <a:defRPr sz="4525"/>
-            </a:pPr>
-            <a:r>
-              <a:t>如果匹配的可能的字符太多，写起来不是很方便，因而字符集还提供快捷方式的写法。</a:t>
-            </a:r>
-          </a:p>
-          <a:p>
-            <a:pPr marL="552450" indent="-552450" defTabSz="717550">
-              <a:spcBef>
-                <a:spcPts val="5100"/>
-              </a:spcBef>
-              <a:defRPr sz="4525"/>
-            </a:pPr>
-            <a:r>
-              <a:t>	•	快捷方式\w 匹配字母数字[A-Za-z0-9_]。这个character sets 字符集匹配大小写字母加数字。注意，这个character sets 字符集还包括下划线字符“_”。</a:t>
-            </a:r>
-          </a:p>
-          <a:p>
-            <a:pPr marL="552450" indent="-552450" defTabSz="717550">
-              <a:spcBef>
-                <a:spcPts val="5100"/>
-              </a:spcBef>
-              <a:defRPr sz="4525"/>
-            </a:pPr>
-            <a:r>
-              <a:t>	•	快捷方式\W 搜索\w 的相反方向。需要注意相反的模式使用大写字母。此快捷方式与[^A-Za-z0-9_]相同。</a:t>
-            </a:r>
-          </a:p>
-          <a:p>
-            <a:pPr marL="552450" indent="-552450" defTabSz="717550">
-              <a:spcBef>
-                <a:spcPts val="5100"/>
-              </a:spcBef>
-              <a:defRPr sz="4525"/>
-            </a:pPr>
-            <a:r>
-              <a:t>	•	快捷方式\d 搜索数字字符集[0-9]。</a:t>
-            </a:r>
-          </a:p>
-          <a:p>
-            <a:pPr marL="552450" indent="-552450" defTabSz="717550">
-              <a:spcBef>
-                <a:spcPts val="5100"/>
-              </a:spcBef>
-              <a:defRPr sz="4525"/>
-            </a:pPr>
-            <a:r>
-              <a:t>	•	快捷方式\D查找非数字字符，等于字符集[^0-9]。</a:t>
+            <a:pPr marL="495300" indent="-495300" defTabSz="643255">
+              <a:spcBef>
+                <a:spcPts val="4600"/>
+              </a:spcBef>
+              <a:defRPr sz="4055"/>
+            </a:pPr>
+            <a:r>
+              <a:t>在正则表达式中，greedy 贪婪匹配找到符合正则表达式模式的字符串的最长可能部分，并将其作为匹配返回。相反还有 lazy 懒惰匹配，是找到符合正则表达式模式的字符串的最小可能部分。</a:t>
+            </a:r>
+          </a:p>
+          <a:p>
+            <a:pPr marL="495300" indent="-495300" defTabSz="643255">
+              <a:spcBef>
+                <a:spcPts val="4600"/>
+              </a:spcBef>
+              <a:defRPr sz="4055"/>
+            </a:pPr>
+            <a:r>
+              <a:t>你可以将正则表达式t[a-z]*i应用于字符串"titanic"。这个正则表达式基本上是以 t 开始的模式，以 i 结尾，并且之间有0个、1个或多个字母。</a:t>
+            </a:r>
+          </a:p>
+          <a:p>
+            <a:pPr marL="495300" indent="-495300" defTabSz="643255">
+              <a:spcBef>
+                <a:spcPts val="4600"/>
+              </a:spcBef>
+              <a:defRPr sz="4055"/>
+            </a:pPr>
+            <a:r>
+              <a:t>正则表达式是默认的是 greedy 贪婪匹配，所以匹配将返回"titani"。它可以找到最大的子字符串，以符合该模式。</a:t>
+            </a:r>
+          </a:p>
+          <a:p>
+            <a:pPr marL="495300" indent="-495300" defTabSz="643255">
+              <a:spcBef>
+                <a:spcPts val="4600"/>
+              </a:spcBef>
+              <a:defRPr sz="4055"/>
+            </a:pPr>
+            <a:r>
+              <a:t>但是可以使用?字符将其更改为 lazy 懒惰匹配。“titanic”匹配调整后的t[a-z]*?i正则表达式会返回["ti"]。注意这时字符“?”表示 lazy 懒惰匹配，字符“?”还可以作为通配符表示检查前一个元素存在与否。</a:t>
             </a:r>
           </a:p>
         </p:txBody>
@@ -13741,7 +13325,7 @@
       </p:grpSpPr>
       <p:sp>
         <p:nvSpPr>
-          <p:cNvPr id="455" name="Shape 455"/>
+          <p:cNvPr id="458" name="Shape 458"/>
           <p:cNvSpPr/>
           <p:nvPr>
             <p:ph type="title"/>
@@ -13764,7 +13348,7 @@
       </p:sp>
       <p:sp>
         <p:nvSpPr>
-          <p:cNvPr id="456" name="Shape 456"/>
+          <p:cNvPr id="459" name="Shape 459"/>
           <p:cNvSpPr/>
           <p:nvPr>
             <p:ph type="body" idx="1"/>
@@ -13779,47 +13363,8 @@
           <a:bodyPr/>
           <a:lstStyle/>
           <a:p>
-            <a:pPr marL="495300" indent="-495300" defTabSz="643255">
-              <a:spcBef>
-                <a:spcPts val="4600"/>
-              </a:spcBef>
-              <a:defRPr sz="4055"/>
-            </a:pPr>
-            <a:r>
-              <a:t>在正则表达式中，greedy 贪婪匹配找到符合正则表达式模式的字符串的最长可能部分，并将其作为匹配返回。相反还有 lazy 懒惰匹配，是找到符合正则表达式模式的字符串的最小可能部分。</a:t>
-            </a:r>
-          </a:p>
-          <a:p>
-            <a:pPr marL="495300" indent="-495300" defTabSz="643255">
-              <a:spcBef>
-                <a:spcPts val="4600"/>
-              </a:spcBef>
-              <a:defRPr sz="4055"/>
-            </a:pPr>
-            <a:r>
-              <a:t>你可以将正则表达式t[a-z]*i应用于字符串"titanic"。这个正则表达式基本上是以 t 开始的模式，以 i 结尾，并且之间有0个、1个或多个字母。</a:t>
-            </a:r>
-          </a:p>
-          <a:p>
-            <a:pPr marL="495300" indent="-495300" defTabSz="643255">
-              <a:spcBef>
-                <a:spcPts val="4600"/>
-              </a:spcBef>
-              <a:defRPr sz="4055"/>
-            </a:pPr>
-            <a:r>
-              <a:t>正则表达式是默认的是 greedy 贪婪匹配，所以匹配将返回"titani"。它可以找到最大的子字符串，以符合该模式。</a:t>
-            </a:r>
-          </a:p>
-          <a:p>
-            <a:pPr marL="495300" indent="-495300" defTabSz="643255">
-              <a:spcBef>
-                <a:spcPts val="4600"/>
-              </a:spcBef>
-              <a:defRPr sz="4055"/>
-            </a:pPr>
-            <a:r>
-              <a:t>但是可以使用?字符将其更改为 lazy 懒惰匹配。“titanic”匹配调整后的t[a-z]*?i正则表达式会返回["ti"]。注意这时字符“?”表示 lazy 懒惰匹配，字符“?”还可以作为通配符表示检查前一个元素存在与否。</a:t>
+            <a:r>
+              <a:t>练习题：修正正则表达式&lt;.*?&gt;以返回 HTML 标签&lt;h1&gt;而不是文本"&lt;h1&gt;Winter is coming&lt;/h1&gt;”。记住正则表达式中的通配符“.”可匹配任何一个字符，“.*”可匹配任意多个任意字符。</a:t>
             </a:r>
           </a:p>
         </p:txBody>
@@ -13999,7 +13544,7 @@
       </p:grpSpPr>
       <p:sp>
         <p:nvSpPr>
-          <p:cNvPr id="458" name="Shape 458"/>
+          <p:cNvPr id="461" name="Shape 461"/>
           <p:cNvSpPr/>
           <p:nvPr>
             <p:ph type="title"/>
@@ -14012,17 +13557,21 @@
         </p:spPr>
         <p:txBody>
           <a:bodyPr/>
-          <a:lstStyle/>
-          <a:p>
-            <a:r>
-              <a:t>第六关：贪婪匹配 vs. 懒惰匹配</a:t>
-            </a:r>
-          </a:p>
-        </p:txBody>
-      </p:sp>
-      <p:sp>
-        <p:nvSpPr>
-          <p:cNvPr id="459" name="Shape 459"/>
+          <a:lstStyle>
+            <a:lvl1pPr defTabSz="800735">
+              <a:defRPr sz="10865"/>
+            </a:lvl1pPr>
+          </a:lstStyle>
+          <a:p>
+            <a:r>
+              <a:t>第七关：一些特殊位置和特殊字符</a:t>
+            </a:r>
+          </a:p>
+        </p:txBody>
+      </p:sp>
+      <p:sp>
+        <p:nvSpPr>
+          <p:cNvPr id="462" name="Shape 462"/>
           <p:cNvSpPr/>
           <p:nvPr>
             <p:ph type="body" idx="1"/>
@@ -14037,8 +13586,58 @@
           <a:bodyPr/>
           <a:lstStyle/>
           <a:p>
-            <a:r>
-              <a:t>练习题：修正正则表达式&lt;.*?&gt;以返回 HTML 标签&lt;h1&gt;而不是文本"&lt;h1&gt;Winter is coming&lt;/h1&gt;”。记住正则表达式中的通配符“.”可匹配任何一个字符，“.*”可匹配任意多个任意字符。</a:t>
+            <a:pPr marL="508000" indent="-508000" defTabSz="660400">
+              <a:spcBef>
+                <a:spcPts val="4700"/>
+              </a:spcBef>
+              <a:defRPr sz="4160"/>
+            </a:pPr>
+            <a:r>
+              <a:t>正则表达式可用于查找匹配字符串开头和末尾位置的模式。</a:t>
+            </a:r>
+          </a:p>
+          <a:p>
+            <a:pPr marL="508000" indent="-508000" defTabSz="660400">
+              <a:spcBef>
+                <a:spcPts val="4700"/>
+              </a:spcBef>
+              <a:defRPr sz="4160"/>
+            </a:pPr>
+            <a:r>
+              <a:t>在前面你使用 character sets 字符集中的插入字符“^”创建一[^thingsThatWillNotBeMatched]形式的 negated character set 否定字符集。在方括号之外的正则表达式中插入字符“^”用于表示字符串的开头。美元字符“$”表示字符串的末尾。</a:t>
+            </a:r>
+          </a:p>
+          <a:p>
+            <a:pPr marL="508000" indent="-508000" defTabSz="660400">
+              <a:spcBef>
+                <a:spcPts val="4700"/>
+              </a:spcBef>
+              <a:defRPr sz="4160"/>
+            </a:pPr>
+            <a:r>
+              <a:t>	•	插入字符“^”用于表示字符串的开头。</a:t>
+            </a:r>
+          </a:p>
+          <a:p>
+            <a:pPr marL="508000" indent="-508000" defTabSz="660400">
+              <a:spcBef>
+                <a:spcPts val="4700"/>
+              </a:spcBef>
+              <a:defRPr sz="4160"/>
+            </a:pPr>
+            <a:r>
+              <a:t>	•	美元字符“$”表示字符串的末尾。</a:t>
+            </a:r>
+          </a:p>
+          <a:p>
+            <a:pPr marL="508000" indent="-508000" defTabSz="660400">
+              <a:spcBef>
+                <a:spcPts val="4700"/>
+              </a:spcBef>
+              <a:defRPr sz="4160"/>
+            </a:pPr>
+            <a:r>
+              <a:t>如在"Ricky is first and can be found”查找开头的 Ricky 则为^Ricky，查找结尾的 found 则为/found$。</a:t>
             </a:r>
           </a:p>
         </p:txBody>
@@ -14078,7 +13677,7 @@
       </p:grpSpPr>
       <p:sp>
         <p:nvSpPr>
-          <p:cNvPr id="461" name="Shape 461"/>
+          <p:cNvPr id="464" name="Shape 464"/>
           <p:cNvSpPr/>
           <p:nvPr>
             <p:ph type="title"/>
@@ -14105,7 +13704,7 @@
       </p:sp>
       <p:sp>
         <p:nvSpPr>
-          <p:cNvPr id="462" name="Shape 462"/>
+          <p:cNvPr id="465" name="Shape 465"/>
           <p:cNvSpPr/>
           <p:nvPr>
             <p:ph type="body" idx="1"/>
@@ -14120,58 +13719,80 @@
           <a:bodyPr/>
           <a:lstStyle/>
           <a:p>
-            <a:pPr marL="508000" indent="-508000" defTabSz="660400">
-              <a:spcBef>
-                <a:spcPts val="4700"/>
-              </a:spcBef>
-              <a:defRPr sz="4160"/>
-            </a:pPr>
-            <a:r>
-              <a:t>正则表达式可用于查找匹配字符串开头和末尾位置的模式。</a:t>
-            </a:r>
-          </a:p>
-          <a:p>
-            <a:pPr marL="508000" indent="-508000" defTabSz="660400">
-              <a:spcBef>
-                <a:spcPts val="4700"/>
-              </a:spcBef>
-              <a:defRPr sz="4160"/>
-            </a:pPr>
-            <a:r>
-              <a:t>在前面你使用 character sets 字符集中的插入字符“^”创建一[^thingsThatWillNotBeMatched]形式的 negated character set 否定字符集。在方括号之外的正则表达式中插入字符“^”用于表示字符串的开头。美元字符“$”表示字符串的末尾。</a:t>
-            </a:r>
-          </a:p>
-          <a:p>
-            <a:pPr marL="508000" indent="-508000" defTabSz="660400">
-              <a:spcBef>
-                <a:spcPts val="4700"/>
-              </a:spcBef>
-              <a:defRPr sz="4160"/>
-            </a:pPr>
-            <a:r>
-              <a:t>	•	插入字符“^”用于表示字符串的开头。</a:t>
-            </a:r>
-          </a:p>
-          <a:p>
-            <a:pPr marL="508000" indent="-508000" defTabSz="660400">
-              <a:spcBef>
-                <a:spcPts val="4700"/>
-              </a:spcBef>
-              <a:defRPr sz="4160"/>
-            </a:pPr>
-            <a:r>
-              <a:t>	•	美元字符“$”表示字符串的末尾。</a:t>
-            </a:r>
-          </a:p>
-          <a:p>
-            <a:pPr marL="508000" indent="-508000" defTabSz="660400">
-              <a:spcBef>
-                <a:spcPts val="4700"/>
-              </a:spcBef>
-              <a:defRPr sz="4160"/>
-            </a:pPr>
-            <a:r>
-              <a:t>如在"Ricky is first and can be found”查找开头的 Ricky 则为^Ricky，查找结尾的 found 则为/found$。</a:t>
+            <a:pPr marL="444500" indent="-444500" defTabSz="577850">
+              <a:spcBef>
+                <a:spcPts val="4100"/>
+              </a:spcBef>
+              <a:defRPr sz="3640"/>
+            </a:pPr>
+            <a:r>
+              <a:t>可以使用\s 搜索空格，这是一个小写的 s 即 space 之意。此模式不仅匹配空格，还包括回车、制表符、换页和新行字符。你可以将其看作与字符集[\r\t\f\n\v]类似。</a:t>
+            </a:r>
+          </a:p>
+          <a:p>
+            <a:pPr marL="444500" indent="-444500" defTabSz="577850">
+              <a:spcBef>
+                <a:spcPts val="4100"/>
+              </a:spcBef>
+              <a:defRPr sz="3640"/>
+            </a:pPr>
+            <a:r>
+              <a:t>使用\S 搜索非空格，这是一个大写的 S。此模式将不匹配空格、回车符、制表符、换页和新行字符。你可以想象它类似于字符类[^\r\t\f\n\v]。</a:t>
+            </a:r>
+          </a:p>
+          <a:p>
+            <a:pPr marL="444500" indent="-444500" defTabSz="577850">
+              <a:spcBef>
+                <a:spcPts val="4100"/>
+              </a:spcBef>
+              <a:defRPr sz="3640"/>
+            </a:pPr>
+            <a:r>
+              <a:t>	•	\n：换行（光标到下行行首）；</a:t>
+            </a:r>
+          </a:p>
+          <a:p>
+            <a:pPr marL="444500" indent="-444500" defTabSz="577850">
+              <a:spcBef>
+                <a:spcPts val="4100"/>
+              </a:spcBef>
+              <a:defRPr sz="3640"/>
+            </a:pPr>
+            <a:r>
+              <a:t>	•	\r：回车（光标到本行行首）；</a:t>
+            </a:r>
+          </a:p>
+          <a:p>
+            <a:pPr marL="444500" indent="-444500" defTabSz="577850">
+              <a:spcBef>
+                <a:spcPts val="4100"/>
+              </a:spcBef>
+              <a:defRPr sz="3640"/>
+            </a:pPr>
+            <a:r>
+              <a:t>	•	\f：换页；</a:t>
+            </a:r>
+          </a:p>
+          <a:p>
+            <a:pPr marL="444500" indent="-444500" defTabSz="577850">
+              <a:spcBef>
+                <a:spcPts val="4100"/>
+              </a:spcBef>
+              <a:defRPr sz="3640"/>
+            </a:pPr>
+            <a:r>
+              <a:t>	•	\t：水平跳格（水平制表）；</a:t>
+            </a:r>
+          </a:p>
+          <a:p>
+            <a:pPr marL="444500" indent="-444500" defTabSz="577850">
+              <a:spcBef>
+                <a:spcPts val="4100"/>
+              </a:spcBef>
+              <a:defRPr sz="3640"/>
+            </a:pPr>
+            <a:r>
+              <a:t>	•	\v：垂直跳格（垂直制表）。</a:t>
             </a:r>
           </a:p>
         </p:txBody>
@@ -14211,7 +13832,7 @@
       </p:grpSpPr>
       <p:sp>
         <p:nvSpPr>
-          <p:cNvPr id="464" name="Shape 464"/>
+          <p:cNvPr id="467" name="Shape 467"/>
           <p:cNvSpPr/>
           <p:nvPr>
             <p:ph type="title"/>
@@ -14224,21 +13845,17 @@
         </p:spPr>
         <p:txBody>
           <a:bodyPr/>
-          <a:lstStyle>
-            <a:lvl1pPr defTabSz="800735">
-              <a:defRPr sz="10865"/>
-            </a:lvl1pPr>
-          </a:lstStyle>
-          <a:p>
-            <a:r>
-              <a:t>第七关：一些特殊位置和特殊字符</a:t>
-            </a:r>
-          </a:p>
-        </p:txBody>
-      </p:sp>
-      <p:sp>
-        <p:nvSpPr>
-          <p:cNvPr id="465" name="Shape 465"/>
+          <a:lstStyle/>
+          <a:p>
+            <a:r>
+              <a:t>第八关：使用捕获组复用模式</a:t>
+            </a:r>
+          </a:p>
+        </p:txBody>
+      </p:sp>
+      <p:sp>
+        <p:nvSpPr>
+          <p:cNvPr id="468" name="Shape 468"/>
           <p:cNvSpPr/>
           <p:nvPr>
             <p:ph type="body" idx="1"/>
@@ -14253,80 +13870,47 @@
           <a:bodyPr/>
           <a:lstStyle/>
           <a:p>
-            <a:pPr marL="444500" indent="-444500" defTabSz="577850">
-              <a:spcBef>
-                <a:spcPts val="4100"/>
-              </a:spcBef>
-              <a:defRPr sz="3640"/>
-            </a:pPr>
-            <a:r>
-              <a:t>可以使用\s 搜索空格，这是一个小写的 s 即 space 之意。此模式不仅匹配空格，还包括回车、制表符、换页和新行字符。你可以将其看作与字符集[\r\t\f\n\v]类似。</a:t>
-            </a:r>
-          </a:p>
-          <a:p>
-            <a:pPr marL="444500" indent="-444500" defTabSz="577850">
-              <a:spcBef>
-                <a:spcPts val="4100"/>
-              </a:spcBef>
-              <a:defRPr sz="3640"/>
-            </a:pPr>
-            <a:r>
-              <a:t>使用\S 搜索非空格，这是一个大写的 S。此模式将不匹配空格、回车符、制表符、换页和新行字符。你可以想象它类似于字符类[^\r\t\f\n\v]。</a:t>
-            </a:r>
-          </a:p>
-          <a:p>
-            <a:pPr marL="444500" indent="-444500" defTabSz="577850">
-              <a:spcBef>
-                <a:spcPts val="4100"/>
-              </a:spcBef>
-              <a:defRPr sz="3640"/>
-            </a:pPr>
-            <a:r>
-              <a:t>	•	\n：换行（光标到下行行首）；</a:t>
-            </a:r>
-          </a:p>
-          <a:p>
-            <a:pPr marL="444500" indent="-444500" defTabSz="577850">
-              <a:spcBef>
-                <a:spcPts val="4100"/>
-              </a:spcBef>
-              <a:defRPr sz="3640"/>
-            </a:pPr>
-            <a:r>
-              <a:t>	•	\r：回车（光标到本行行首）；</a:t>
-            </a:r>
-          </a:p>
-          <a:p>
-            <a:pPr marL="444500" indent="-444500" defTabSz="577850">
-              <a:spcBef>
-                <a:spcPts val="4100"/>
-              </a:spcBef>
-              <a:defRPr sz="3640"/>
-            </a:pPr>
-            <a:r>
-              <a:t>	•	\f：换页；</a:t>
-            </a:r>
-          </a:p>
-          <a:p>
-            <a:pPr marL="444500" indent="-444500" defTabSz="577850">
-              <a:spcBef>
-                <a:spcPts val="4100"/>
-              </a:spcBef>
-              <a:defRPr sz="3640"/>
-            </a:pPr>
-            <a:r>
-              <a:t>	•	\t：水平跳格（水平制表）；</a:t>
-            </a:r>
-          </a:p>
-          <a:p>
-            <a:pPr marL="444500" indent="-444500" defTabSz="577850">
-              <a:spcBef>
-                <a:spcPts val="4100"/>
-              </a:spcBef>
-              <a:defRPr sz="3640"/>
-            </a:pPr>
-            <a:r>
-              <a:t>	•	\v：垂直跳格（垂直制表）。</a:t>
+            <a:pPr marL="457200" indent="-457200" defTabSz="593725">
+              <a:spcBef>
+                <a:spcPts val="4200"/>
+              </a:spcBef>
+              <a:defRPr sz="3700"/>
+            </a:pPr>
+            <a:r>
+              <a:t>可能搜索的某些模式在字符串中多次出现，手动重复这些正则表达式是浪费时间的。有一个更好的方法可在你的字符串中有多个重复子串时进行指定，那就是capture groups 捕获组。</a:t>
+            </a:r>
+          </a:p>
+          <a:p>
+            <a:pPr marL="457200" indent="-457200" defTabSz="593725">
+              <a:spcBef>
+                <a:spcPts val="4200"/>
+              </a:spcBef>
+              <a:defRPr sz="3700"/>
+            </a:pPr>
+            <a:r>
+              <a:t>用括号(and)可以定义capture groups 捕获组，用于查找重复的子串，即把会重复的模式的正则表达式放在括号内。</a:t>
+            </a:r>
+          </a:p>
+          <a:p>
+            <a:pPr marL="457200" indent="-457200" defTabSz="593725">
+              <a:spcBef>
+                <a:spcPts val="4200"/>
+              </a:spcBef>
+              <a:defRPr sz="3700"/>
+            </a:pPr>
+            <a:r>
+              <a:t>要指定重复字符串的出现位置，可以使用反斜杠“\”，然后使用数字。该数字从 1 开始，并随着用括号定义的捕获组数量而增加。比如\1 来匹配前面通过括号定义的第一个捕获组。</a:t>
+            </a:r>
+          </a:p>
+          <a:p>
+            <a:pPr marL="457200" indent="-457200" defTabSz="593725">
+              <a:spcBef>
+                <a:spcPts val="4200"/>
+              </a:spcBef>
+              <a:defRPr sz="3700"/>
+            </a:pPr>
+            <a:r>
+              <a:t>使用 capture groups 捕获组来匹配字符串中连续出现三次的数字，每个数字由空格分隔，如(\d+)\s\1\s\1。</a:t>
             </a:r>
           </a:p>
         </p:txBody>
@@ -14366,7 +13950,7 @@
       </p:grpSpPr>
       <p:sp>
         <p:nvSpPr>
-          <p:cNvPr id="467" name="Shape 467"/>
+          <p:cNvPr id="470" name="Shape 470"/>
           <p:cNvSpPr/>
           <p:nvPr>
             <p:ph type="title"/>
@@ -14379,17 +13963,21 @@
         </p:spPr>
         <p:txBody>
           <a:bodyPr/>
-          <a:lstStyle/>
-          <a:p>
-            <a:r>
-              <a:t>第八关：使用捕获组复用模式</a:t>
-            </a:r>
-          </a:p>
-        </p:txBody>
-      </p:sp>
-      <p:sp>
-        <p:nvSpPr>
-          <p:cNvPr id="468" name="Shape 468"/>
+          <a:lstStyle>
+            <a:lvl1pPr defTabSz="709930">
+              <a:defRPr sz="9600"/>
+            </a:lvl1pPr>
+          </a:lstStyle>
+          <a:p>
+            <a:r>
+              <a:t>第九关：基本的字符串搜索替换方法</a:t>
+            </a:r>
+          </a:p>
+        </p:txBody>
+      </p:sp>
+      <p:sp>
+        <p:nvSpPr>
+          <p:cNvPr id="471" name="Shape 471"/>
           <p:cNvSpPr/>
           <p:nvPr>
             <p:ph type="body" idx="1"/>
@@ -14404,47 +13992,58 @@
           <a:bodyPr/>
           <a:lstStyle/>
           <a:p>
-            <a:pPr marL="457200" indent="-457200" defTabSz="593725">
-              <a:spcBef>
-                <a:spcPts val="4200"/>
-              </a:spcBef>
-              <a:defRPr sz="3700"/>
-            </a:pPr>
-            <a:r>
-              <a:t>可能搜索的某些模式在字符串中多次出现，手动重复这些正则表达式是浪费时间的。有一个更好的方法可在你的字符串中有多个重复子串时进行指定，那就是capture groups 捕获组。</a:t>
-            </a:r>
-          </a:p>
-          <a:p>
-            <a:pPr marL="457200" indent="-457200" defTabSz="593725">
-              <a:spcBef>
-                <a:spcPts val="4200"/>
-              </a:spcBef>
-              <a:defRPr sz="3700"/>
-            </a:pPr>
-            <a:r>
-              <a:t>用括号(and)可以定义capture groups 捕获组，用于查找重复的子串，即把会重复的模式的正则表达式放在括号内。</a:t>
-            </a:r>
-          </a:p>
-          <a:p>
-            <a:pPr marL="457200" indent="-457200" defTabSz="593725">
-              <a:spcBef>
-                <a:spcPts val="4200"/>
-              </a:spcBef>
-              <a:defRPr sz="3700"/>
-            </a:pPr>
-            <a:r>
-              <a:t>要指定重复字符串的出现位置，可以使用反斜杠“\”，然后使用数字。该数字从 1 开始，并随着用括号定义的捕获组数量而增加。比如\1 来匹配前面通过括号定义的第一个捕获组。</a:t>
-            </a:r>
-          </a:p>
-          <a:p>
-            <a:pPr marL="457200" indent="-457200" defTabSz="593725">
-              <a:spcBef>
-                <a:spcPts val="4200"/>
-              </a:spcBef>
-              <a:defRPr sz="3700"/>
-            </a:pPr>
-            <a:r>
-              <a:t>使用 capture groups 捕获组来匹配字符串中连续出现三次的数字，每个数字由空格分隔，如(\d+)\s\1\s\1。</a:t>
+            <a:pPr marL="413385" indent="-413385" defTabSz="537210">
+              <a:spcBef>
+                <a:spcPts val="3700"/>
+              </a:spcBef>
+              <a:defRPr sz="3360"/>
+            </a:pPr>
+            <a:r>
+              <a:t>在VS Code中基本的字符串搜索替换方法比较简单，只要点击查找输入框左侧的“&gt;”小按钮就可以打开替换输入框，如下图所示。也可以使用快捷键跨文件替换（Ctrl+Shift+H）和文件内替换（Ctrl+H），与跨文件搜索（Ctrl+Shift+F）和文件内搜索（Ctrl+F）相对应。</a:t>
+            </a:r>
+          </a:p>
+          <a:p>
+            <a:pPr marL="413385" indent="-413385" defTabSz="537210">
+              <a:spcBef>
+                <a:spcPts val="3700"/>
+              </a:spcBef>
+              <a:defRPr sz="3360"/>
+            </a:pPr>
+            <a:r>
+              <a:t>在 Vim 中基本的字符串搜索替换方法为:n1,n2s/word1/word2/g，以:开头，n1 与 n2 为数字，即在第 n1 与 n2 行之间寻找 word1 这个字符串，并将该字符串取代为 word2 字符串。举例来说，在 100 到 200 行之间搜寻 regex 并取代为 RegEx 则为:100,200s/regex/RegEx/g。</a:t>
+            </a:r>
+          </a:p>
+          <a:p>
+            <a:pPr marL="413385" indent="-413385" defTabSz="537210">
+              <a:spcBef>
+                <a:spcPts val="3700"/>
+              </a:spcBef>
+              <a:defRPr sz="3360"/>
+            </a:pPr>
+            <a:r>
+              <a:t>其中 s 是 substitute 的简写，表示执行替换字符串操作；最后的/g 是 global 的简写，表示全局替换。另外与/g 的用法相似，/c 是 comfirm 的简写，表示操作时需要确认;/i 是 ignorecase 的简写，表示不区分大小写。</a:t>
+            </a:r>
+          </a:p>
+          <a:p>
+            <a:pPr marL="413385" indent="-413385" defTabSz="537210">
+              <a:spcBef>
+                <a:spcPts val="3700"/>
+              </a:spcBef>
+              <a:defRPr sz="3360"/>
+            </a:pPr>
+            <a:r>
+              <a:t>:1,$s/word1/word2/g 或 :%s/word1/word2/g 从第一行到最后一行寻找 word1 字符串，并将该字符串取代为 word2 字符串。</a:t>
+            </a:r>
+          </a:p>
+          <a:p>
+            <a:pPr marL="413385" indent="-413385" defTabSz="537210">
+              <a:spcBef>
+                <a:spcPts val="3700"/>
+              </a:spcBef>
+              <a:defRPr sz="3360"/>
+            </a:pPr>
+            <a:r>
+              <a:t>:1,$s/word1/word2/gc 或 :%s/word1/word2/gc 从第一行到最后一行寻找 word1 字符串，并将该字符串取代为 word2 字符串，且在取代前显示提示信息给用户确认 (confirm) 是否需要取代。</a:t>
             </a:r>
           </a:p>
         </p:txBody>
@@ -14484,7 +14083,7 @@
       </p:grpSpPr>
       <p:sp>
         <p:nvSpPr>
-          <p:cNvPr id="470" name="Shape 470"/>
+          <p:cNvPr id="473" name="Shape 473"/>
           <p:cNvSpPr/>
           <p:nvPr>
             <p:ph type="title"/>
@@ -14498,20 +14097,20 @@
         <p:txBody>
           <a:bodyPr/>
           <a:lstStyle>
-            <a:lvl1pPr defTabSz="709930">
-              <a:defRPr sz="9600"/>
+            <a:lvl1pPr defTabSz="751205">
+              <a:defRPr sz="10190"/>
             </a:lvl1pPr>
           </a:lstStyle>
           <a:p>
             <a:r>
-              <a:t>第九关：基本的字符串搜索替换方法</a:t>
-            </a:r>
-          </a:p>
-        </p:txBody>
-      </p:sp>
-      <p:sp>
-        <p:nvSpPr>
-          <p:cNvPr id="471" name="Shape 471"/>
+              <a:t>第十关：复用捕获组的方式进行替换</a:t>
+            </a:r>
+          </a:p>
+        </p:txBody>
+      </p:sp>
+      <p:sp>
+        <p:nvSpPr>
+          <p:cNvPr id="474" name="Shape 474"/>
           <p:cNvSpPr/>
           <p:nvPr>
             <p:ph type="body" idx="1"/>
@@ -14526,58 +14125,69 @@
           <a:bodyPr/>
           <a:lstStyle/>
           <a:p>
-            <a:pPr marL="413385" indent="-413385" defTabSz="537210">
-              <a:spcBef>
-                <a:spcPts val="3700"/>
-              </a:spcBef>
-              <a:defRPr sz="3360"/>
-            </a:pPr>
-            <a:r>
-              <a:t>在VS Code中基本的字符串搜索替换方法比较简单，只要点击查找输入框左侧的“&gt;”小按钮就可以打开替换输入框，如下图所示。也可以使用快捷键跨文件替换（Ctrl+Shift+H）和文件内替换（Ctrl+H），与跨文件搜索（Ctrl+Shift+F）和文件内搜索（Ctrl+F）相对应。</a:t>
-            </a:r>
-          </a:p>
-          <a:p>
-            <a:pPr marL="413385" indent="-413385" defTabSz="537210">
-              <a:spcBef>
-                <a:spcPts val="3700"/>
-              </a:spcBef>
-              <a:defRPr sz="3360"/>
-            </a:pPr>
-            <a:r>
-              <a:t>在 Vim 中基本的字符串搜索替换方法为:n1,n2s/word1/word2/g，以:开头，n1 与 n2 为数字，即在第 n1 与 n2 行之间寻找 word1 这个字符串，并将该字符串取代为 word2 字符串。举例来说，在 100 到 200 行之间搜寻 regex 并取代为 RegEx 则为:100,200s/regex/RegEx/g。</a:t>
-            </a:r>
-          </a:p>
-          <a:p>
-            <a:pPr marL="413385" indent="-413385" defTabSz="537210">
-              <a:spcBef>
-                <a:spcPts val="3700"/>
-              </a:spcBef>
-              <a:defRPr sz="3360"/>
-            </a:pPr>
-            <a:r>
-              <a:t>其中 s 是 substitute 的简写，表示执行替换字符串操作；最后的/g 是 global 的简写，表示全局替换。另外与/g 的用法相似，/c 是 comfirm 的简写，表示操作时需要确认;/i 是 ignorecase 的简写，表示不区分大小写。</a:t>
-            </a:r>
-          </a:p>
-          <a:p>
-            <a:pPr marL="413385" indent="-413385" defTabSz="537210">
-              <a:spcBef>
-                <a:spcPts val="3700"/>
-              </a:spcBef>
-              <a:defRPr sz="3360"/>
-            </a:pPr>
-            <a:r>
-              <a:t>:1,$s/word1/word2/g 或 :%s/word1/word2/g 从第一行到最后一行寻找 word1 字符串，并将该字符串取代为 word2 字符串。</a:t>
-            </a:r>
-          </a:p>
-          <a:p>
-            <a:pPr marL="413385" indent="-413385" defTabSz="537210">
-              <a:spcBef>
-                <a:spcPts val="3700"/>
-              </a:spcBef>
-              <a:defRPr sz="3360"/>
-            </a:pPr>
-            <a:r>
-              <a:t>:1,$s/word1/word2/gc 或 :%s/word1/word2/gc 从第一行到最后一行寻找 word1 字符串，并将该字符串取代为 word2 字符串，且在取代前显示提示信息给用户确认 (confirm) 是否需要取代。</a:t>
+            <a:pPr marL="450850" indent="-450850" defTabSz="585470">
+              <a:spcBef>
+                <a:spcPts val="4100"/>
+              </a:spcBef>
+              <a:defRPr sz="3690"/>
+            </a:pPr>
+            <a:r>
+              <a:t>如果我们在搜索替换中希望保留搜索字符串中的某些字符串作为替换字符串的一部分，可以使用美元符号$访问替换字符串中的捕获组。</a:t>
+            </a:r>
+          </a:p>
+          <a:p>
+            <a:pPr marL="450850" indent="-450850" defTabSz="585470">
+              <a:spcBef>
+                <a:spcPts val="4100"/>
+              </a:spcBef>
+              <a:defRPr sz="3690"/>
+            </a:pPr>
+            <a:r>
+              <a:t>比如在搜索正则表达式中的捕获组为(capture groups)，则替换的正则表达式中可以直接使用$1复用搜索正则表达式中的捕获组为(capture groups)。</a:t>
+            </a:r>
+          </a:p>
+          <a:p>
+            <a:pPr marL="450850" indent="-450850" defTabSz="585470">
+              <a:spcBef>
+                <a:spcPts val="4100"/>
+              </a:spcBef>
+              <a:defRPr sz="3690"/>
+            </a:pPr>
+            <a:r>
+              <a:t>在VS Code中，如果想将项目中所有的HTML标题标签中h改为大写H，搜索正则表达式&lt;h(\d)&gt;可以查找出所有标题标签，如&lt;h1&gt;、&lt;h2&gt;、&lt;h3&gt;、&lt;h4&gt;等，其中还定义了捕获组(\d)。</a:t>
+            </a:r>
+          </a:p>
+          <a:p>
+            <a:pPr marL="450850" indent="-450850" defTabSz="585470">
+              <a:spcBef>
+                <a:spcPts val="4100"/>
+              </a:spcBef>
+              <a:defRPr sz="3690"/>
+            </a:pPr>
+            <a:r>
+              <a:t>替换的正则表达式&lt;H$1&gt;使用$1复用了搜索正则表达式中定义的捕获组(\d)。</a:t>
+            </a:r>
+          </a:p>
+          <a:p>
+            <a:pPr marL="450850" indent="-450850" defTabSz="585470">
+              <a:spcBef>
+                <a:spcPts val="4100"/>
+              </a:spcBef>
+              <a:defRPr sz="3690"/>
+            </a:pPr>
+            <a:r>
+              <a:t>在Vim中，复用捕获组的方式进行替换的用法为:1,$s/(capture groups)/$1/g</a:t>
+            </a:r>
+          </a:p>
+          <a:p>
+            <a:pPr marL="450850" indent="-450850" defTabSz="585470">
+              <a:spcBef>
+                <a:spcPts val="4100"/>
+              </a:spcBef>
+              <a:defRPr sz="3690"/>
+            </a:pPr>
+            <a:r>
+              <a:t>如果想在当前文件中将所有的HTML标题标签中h改为大写H则正则表达式为:1,$s/&lt;h(\d)&gt;/&lt;H$1&gt;/g</a:t>
             </a:r>
           </a:p>
         </p:txBody>
@@ -14599,150 +14209,6 @@
 </file>
 
 <file path=ppt/slides/slide95.xml><?xml version="1.0" encoding="utf-8"?>
-<p:sld xmlns:a="http://schemas.openxmlformats.org/drawingml/2006/main" xmlns:r="http://schemas.openxmlformats.org/officeDocument/2006/relationships" xmlns:p="http://schemas.openxmlformats.org/presentationml/2006/main">
-  <p:cSld>
-    <p:spTree>
-      <p:nvGrpSpPr>
-        <p:cNvPr id="1" name=""/>
-        <p:cNvGrpSpPr/>
-        <p:nvPr/>
-      </p:nvGrpSpPr>
-      <p:grpSpPr>
-        <a:xfrm>
-          <a:off x="0" y="0"/>
-          <a:ext cx="0" cy="0"/>
-          <a:chOff x="0" y="0"/>
-          <a:chExt cx="0" cy="0"/>
-        </a:xfrm>
-      </p:grpSpPr>
-      <p:sp>
-        <p:nvSpPr>
-          <p:cNvPr id="473" name="Shape 473"/>
-          <p:cNvSpPr/>
-          <p:nvPr>
-            <p:ph type="title"/>
-          </p:nvPr>
-        </p:nvSpPr>
-        <p:spPr>
-          <a:prstGeom prst="rect">
-            <a:avLst/>
-          </a:prstGeom>
-        </p:spPr>
-        <p:txBody>
-          <a:bodyPr/>
-          <a:lstStyle>
-            <a:lvl1pPr defTabSz="751205">
-              <a:defRPr sz="10190"/>
-            </a:lvl1pPr>
-          </a:lstStyle>
-          <a:p>
-            <a:r>
-              <a:t>第十关：复用捕获组的方式进行替换</a:t>
-            </a:r>
-          </a:p>
-        </p:txBody>
-      </p:sp>
-      <p:sp>
-        <p:nvSpPr>
-          <p:cNvPr id="474" name="Shape 474"/>
-          <p:cNvSpPr/>
-          <p:nvPr>
-            <p:ph type="body" idx="1"/>
-          </p:nvPr>
-        </p:nvSpPr>
-        <p:spPr>
-          <a:prstGeom prst="rect">
-            <a:avLst/>
-          </a:prstGeom>
-        </p:spPr>
-        <p:txBody>
-          <a:bodyPr/>
-          <a:lstStyle/>
-          <a:p>
-            <a:pPr marL="450850" indent="-450850" defTabSz="585470">
-              <a:spcBef>
-                <a:spcPts val="4100"/>
-              </a:spcBef>
-              <a:defRPr sz="3690"/>
-            </a:pPr>
-            <a:r>
-              <a:t>如果我们在搜索替换中希望保留搜索字符串中的某些字符串作为替换字符串的一部分，可以使用美元符号$访问替换字符串中的捕获组。</a:t>
-            </a:r>
-          </a:p>
-          <a:p>
-            <a:pPr marL="450850" indent="-450850" defTabSz="585470">
-              <a:spcBef>
-                <a:spcPts val="4100"/>
-              </a:spcBef>
-              <a:defRPr sz="3690"/>
-            </a:pPr>
-            <a:r>
-              <a:t>比如在搜索正则表达式中的捕获组为(capture groups)，则替换的正则表达式中可以直接使用$1复用搜索正则表达式中的捕获组为(capture groups)。</a:t>
-            </a:r>
-          </a:p>
-          <a:p>
-            <a:pPr marL="450850" indent="-450850" defTabSz="585470">
-              <a:spcBef>
-                <a:spcPts val="4100"/>
-              </a:spcBef>
-              <a:defRPr sz="3690"/>
-            </a:pPr>
-            <a:r>
-              <a:t>在VS Code中，如果想将项目中所有的HTML标题标签中h改为大写H，搜索正则表达式&lt;h(\d)&gt;可以查找出所有标题标签，如&lt;h1&gt;、&lt;h2&gt;、&lt;h3&gt;、&lt;h4&gt;等，其中还定义了捕获组(\d)。</a:t>
-            </a:r>
-          </a:p>
-          <a:p>
-            <a:pPr marL="450850" indent="-450850" defTabSz="585470">
-              <a:spcBef>
-                <a:spcPts val="4100"/>
-              </a:spcBef>
-              <a:defRPr sz="3690"/>
-            </a:pPr>
-            <a:r>
-              <a:t>替换的正则表达式&lt;H$1&gt;使用$1复用了搜索正则表达式中定义的捕获组(\d)。</a:t>
-            </a:r>
-          </a:p>
-          <a:p>
-            <a:pPr marL="450850" indent="-450850" defTabSz="585470">
-              <a:spcBef>
-                <a:spcPts val="4100"/>
-              </a:spcBef>
-              <a:defRPr sz="3690"/>
-            </a:pPr>
-            <a:r>
-              <a:t>在Vim中，复用捕获组的方式进行替换的用法为:1,$s/(capture groups)/$1/g</a:t>
-            </a:r>
-          </a:p>
-          <a:p>
-            <a:pPr marL="450850" indent="-450850" defTabSz="585470">
-              <a:spcBef>
-                <a:spcPts val="4100"/>
-              </a:spcBef>
-              <a:defRPr sz="3690"/>
-            </a:pPr>
-            <a:r>
-              <a:t>如果想在当前文件中将所有的HTML标题标签中h改为大写H则正则表达式为:1,$s/&lt;h(\d)&gt;/&lt;H$1&gt;/g</a:t>
-            </a:r>
-          </a:p>
-        </p:txBody>
-      </p:sp>
-    </p:spTree>
-  </p:cSld>
-  <p:clrMapOvr>
-    <a:masterClrMapping/>
-  </p:clrMapOvr>
-  <mc:AlternateContent xmlns:mc="http://schemas.openxmlformats.org/markup-compatibility/2006">
-    <mc:Choice xmlns:p14="http://schemas.microsoft.com/office/powerpoint/2010/main" Requires="p14">
-      <p:transition spd="med" p14:dur="1000"/>
-    </mc:Choice>
-    <mc:Fallback>
-      <p:transition spd="med"/>
-    </mc:Fallback>
-  </mc:AlternateContent>
-</p:sld>
-</file>
-
-<file path=ppt/slides/slide96.xml><?xml version="1.0" encoding="utf-8"?>
 <p:sld xmlns:a="http://schemas.openxmlformats.org/drawingml/2006/main" xmlns:r="http://schemas.openxmlformats.org/officeDocument/2006/relationships" xmlns:p="http://schemas.openxmlformats.org/presentationml/2006/main">
   <p:cSld>
     <p:spTree>
@@ -15044,6 +14510,124 @@
 </p:sld>
 </file>
 
+<file path=ppt/slides/slide96.xml><?xml version="1.0" encoding="utf-8"?>
+<p:sld xmlns:a="http://schemas.openxmlformats.org/drawingml/2006/main" xmlns:r="http://schemas.openxmlformats.org/officeDocument/2006/relationships" xmlns:p="http://schemas.openxmlformats.org/presentationml/2006/main">
+  <p:cSld>
+    <p:spTree>
+      <p:nvGrpSpPr>
+        <p:cNvPr id="1" name=""/>
+        <p:cNvGrpSpPr/>
+        <p:nvPr/>
+      </p:nvGrpSpPr>
+      <p:grpSpPr>
+        <a:xfrm>
+          <a:off x="0" y="0"/>
+          <a:ext cx="0" cy="0"/>
+          <a:chOff x="0" y="0"/>
+          <a:chExt cx="0" cy="0"/>
+        </a:xfrm>
+      </p:grpSpPr>
+      <p:sp>
+        <p:nvSpPr>
+          <p:cNvPr id="480" name="Shape 480"/>
+          <p:cNvSpPr/>
+          <p:nvPr>
+            <p:ph type="title"/>
+          </p:nvPr>
+        </p:nvSpPr>
+        <p:spPr>
+          <a:prstGeom prst="rect">
+            <a:avLst/>
+          </a:prstGeom>
+        </p:spPr>
+        <p:txBody>
+          <a:bodyPr/>
+          <a:lstStyle/>
+          <a:p>
+            <a:r>
+              <a:t>练习题</a:t>
+            </a:r>
+          </a:p>
+        </p:txBody>
+      </p:sp>
+      <p:sp>
+        <p:nvSpPr>
+          <p:cNvPr id="481" name="Shape 481"/>
+          <p:cNvSpPr/>
+          <p:nvPr>
+            <p:ph type="body" idx="1"/>
+          </p:nvPr>
+        </p:nvSpPr>
+        <p:spPr>
+          <a:prstGeom prst="rect">
+            <a:avLst/>
+          </a:prstGeom>
+        </p:spPr>
+        <p:txBody>
+          <a:bodyPr/>
+          <a:lstStyle/>
+          <a:p>
+            <a:pPr marL="508000" indent="-508000" defTabSz="660400">
+              <a:spcBef>
+                <a:spcPts val="4700"/>
+              </a:spcBef>
+              <a:defRPr sz="4160"/>
+            </a:pPr>
+            <a:r>
+              <a:t>代码中批量添加和取消注释</a:t>
+            </a:r>
+          </a:p>
+          <a:p>
+            <a:pPr marL="508000" indent="-508000" defTabSz="660400">
+              <a:spcBef>
+                <a:spcPts val="4700"/>
+              </a:spcBef>
+              <a:defRPr sz="4160"/>
+            </a:pPr>
+            <a:r>
+              <a:t>在Vim中使用下面命令在指定的行首添加注释。使用命令格式为 :起始行号,结束行号 s/^/注释符/g，注意以冒号开头，如以//为注释符号:10,20s#^#//#g，以#为注释符号:10,20s/^/#/g。</a:t>
+            </a:r>
+          </a:p>
+          <a:p>
+            <a:pPr marL="508000" indent="-508000" defTabSz="660400">
+              <a:spcBef>
+                <a:spcPts val="4700"/>
+              </a:spcBef>
+              <a:defRPr sz="4160"/>
+            </a:pPr>
+            <a:r>
+              <a:t>在Vim中使用下面命令取消指定行首的注释，使用的命令格式为 :起始行号,结束行号 s/^注释符//g，注意以冒号开头，如以//为注释符号:10,20s#^//##g，以#为注释符号:10,20s/#//g。</a:t>
+            </a:r>
+          </a:p>
+          <a:p>
+            <a:pPr marL="508000" indent="-508000" defTabSz="660400">
+              <a:spcBef>
+                <a:spcPts val="4700"/>
+              </a:spcBef>
+              <a:defRPr sz="4160"/>
+            </a:pPr>
+            <a:r>
+              <a:t>在VS Code中批量添加注释的快捷键为 Ctrl+/和 Ctrl+Shift+A 可以快捷地进行代码注释，Ctrl+/用于单行代码注释和取消注释，Ctrl+Shift+A 用于代码块的注释和取消注释。</a:t>
+            </a:r>
+          </a:p>
+        </p:txBody>
+      </p:sp>
+    </p:spTree>
+  </p:cSld>
+  <p:clrMapOvr>
+    <a:masterClrMapping/>
+  </p:clrMapOvr>
+  <mc:AlternateContent xmlns:mc="http://schemas.openxmlformats.org/markup-compatibility/2006">
+    <mc:Choice xmlns:p14="http://schemas.microsoft.com/office/powerpoint/2010/main" Requires="p14">
+      <p:transition spd="med" p14:dur="1000"/>
+    </mc:Choice>
+    <mc:Fallback>
+      <p:transition spd="med"/>
+    </mc:Fallback>
+  </mc:AlternateContent>
+</p:sld>
+</file>
+
 <file path=ppt/slides/slide97.xml><?xml version="1.0" encoding="utf-8"?>
 <p:sld xmlns:a="http://schemas.openxmlformats.org/drawingml/2006/main" xmlns:r="http://schemas.openxmlformats.org/officeDocument/2006/relationships" xmlns:p="http://schemas.openxmlformats.org/presentationml/2006/main">
   <p:cSld>
@@ -15063,7 +14647,7 @@
       </p:grpSpPr>
       <p:sp>
         <p:nvSpPr>
-          <p:cNvPr id="480" name="Shape 480"/>
+          <p:cNvPr id="489" name="Shape 489"/>
           <p:cNvSpPr/>
           <p:nvPr>
             <p:ph type="title"/>
@@ -15079,14 +14663,14 @@
           <a:lstStyle/>
           <a:p>
             <a:r>
-              <a:t>练习题</a:t>
-            </a:r>
-          </a:p>
-        </p:txBody>
-      </p:sp>
-      <p:sp>
-        <p:nvSpPr>
-          <p:cNvPr id="481" name="Shape 481"/>
+              <a:t>参考资料</a:t>
+            </a:r>
+          </a:p>
+        </p:txBody>
+      </p:sp>
+      <p:sp>
+        <p:nvSpPr>
+          <p:cNvPr id="490" name="Shape 490"/>
           <p:cNvSpPr/>
           <p:nvPr>
             <p:ph type="body" idx="1"/>
@@ -15101,321 +14685,12 @@
           <a:bodyPr/>
           <a:lstStyle/>
           <a:p>
-            <a:pPr marL="508000" indent="-508000" defTabSz="660400">
-              <a:spcBef>
-                <a:spcPts val="4700"/>
-              </a:spcBef>
-              <a:defRPr sz="4160"/>
-            </a:pPr>
-            <a:r>
-              <a:t>代码中批量添加和取消注释</a:t>
-            </a:r>
-          </a:p>
-          <a:p>
-            <a:pPr marL="508000" indent="-508000" defTabSz="660400">
-              <a:spcBef>
-                <a:spcPts val="4700"/>
-              </a:spcBef>
-              <a:defRPr sz="4160"/>
-            </a:pPr>
-            <a:r>
-              <a:t>在Vim中使用下面命令在指定的行首添加注释。使用命令格式为 :起始行号,结束行号 s/^/注释符/g，注意以冒号开头，如以//为注释符号:10,20s#^#//#g，以#为注释符号:10,20s/^/#/g。</a:t>
-            </a:r>
-          </a:p>
-          <a:p>
-            <a:pPr marL="508000" indent="-508000" defTabSz="660400">
-              <a:spcBef>
-                <a:spcPts val="4700"/>
-              </a:spcBef>
-              <a:defRPr sz="4160"/>
-            </a:pPr>
-            <a:r>
-              <a:t>在Vim中使用下面命令取消指定行首的注释，使用的命令格式为 :起始行号,结束行号 s/^注释符//g，注意以冒号开头，如以//为注释符号:10,20s#^//##g，以#为注释符号:10,20s/#//g。</a:t>
-            </a:r>
-          </a:p>
-          <a:p>
-            <a:pPr marL="508000" indent="-508000" defTabSz="660400">
-              <a:spcBef>
-                <a:spcPts val="4700"/>
-              </a:spcBef>
-              <a:defRPr sz="4160"/>
-            </a:pPr>
-            <a:r>
-              <a:t>在VS Code中批量添加注释的快捷键为 Ctrl+/和 Ctrl+Shift+A 可以快捷地进行代码注释，Ctrl+/用于单行代码注释和取消注释，Ctrl+Shift+A 用于代码块的注释和取消注释。</a:t>
-            </a:r>
-          </a:p>
-        </p:txBody>
-      </p:sp>
-    </p:spTree>
-  </p:cSld>
-  <p:clrMapOvr>
-    <a:masterClrMapping/>
-  </p:clrMapOvr>
-  <mc:AlternateContent xmlns:mc="http://schemas.openxmlformats.org/markup-compatibility/2006">
-    <mc:Choice xmlns:p14="http://schemas.microsoft.com/office/powerpoint/2010/main" Requires="p14">
-      <p:transition spd="med" p14:dur="1000"/>
-    </mc:Choice>
-    <mc:Fallback>
-      <p:transition spd="med"/>
-    </mc:Fallback>
-  </mc:AlternateContent>
-</p:sld>
-</file>
-
-<file path=ppt/slides/slide98.xml><?xml version="1.0" encoding="utf-8"?>
-<p:sld xmlns:a="http://schemas.openxmlformats.org/drawingml/2006/main" xmlns:r="http://schemas.openxmlformats.org/officeDocument/2006/relationships" xmlns:p="http://schemas.openxmlformats.org/presentationml/2006/main">
-  <p:cSld>
-    <p:spTree>
-      <p:nvGrpSpPr>
-        <p:cNvPr id="1" name=""/>
-        <p:cNvGrpSpPr/>
-        <p:nvPr/>
-      </p:nvGrpSpPr>
-      <p:grpSpPr>
-        <a:xfrm>
-          <a:off x="0" y="0"/>
-          <a:ext cx="0" cy="0"/>
-          <a:chOff x="0" y="0"/>
-          <a:chExt cx="0" cy="0"/>
-        </a:xfrm>
-      </p:grpSpPr>
-      <p:sp>
-        <p:nvSpPr>
-          <p:cNvPr id="483" name="Shape 483"/>
-          <p:cNvSpPr/>
-          <p:nvPr>
-            <p:ph type="ctrTitle"/>
-          </p:nvPr>
-        </p:nvSpPr>
-        <p:spPr>
-          <a:prstGeom prst="rect">
-            <a:avLst/>
-          </a:prstGeom>
-        </p:spPr>
-        <p:txBody>
-          <a:bodyPr/>
-          <a:lstStyle/>
-          <a:p>
-            <a:r>
-              <a:t>码农的自我修养之必备技能</a:t>
-            </a:r>
-          </a:p>
-          <a:p>
-            <a:pPr>
-              <a:defRPr sz="4400"/>
-            </a:pPr>
-            <a:r>
-              <a:t>工欲善其事 必先利其器</a:t>
-            </a:r>
-          </a:p>
-        </p:txBody>
-      </p:sp>
-      <p:sp>
-        <p:nvSpPr>
-          <p:cNvPr id="484" name="Shape 484"/>
-          <p:cNvSpPr/>
-          <p:nvPr>
-            <p:ph type="subTitle" sz="quarter" idx="1"/>
-          </p:nvPr>
-        </p:nvSpPr>
-        <p:spPr>
-          <a:xfrm>
-            <a:off x="1447800" y="8623300"/>
-            <a:ext cx="20828000" cy="1587500"/>
-          </a:xfrm>
-          <a:prstGeom prst="rect">
-            <a:avLst/>
-          </a:prstGeom>
-        </p:spPr>
-        <p:txBody>
-          <a:bodyPr/>
-          <a:lstStyle/>
-          <a:p>
-            <a:r>
-              <a:t>孟宁</a:t>
-            </a:r>
-          </a:p>
-        </p:txBody>
-      </p:sp>
-      <p:pic>
-        <p:nvPicPr>
-          <p:cNvPr id="485" name="image1.png"/>
-          <p:cNvPicPr>
-            <a:picLocks noChangeAspect="1"/>
-          </p:cNvPicPr>
-          <p:nvPr/>
-        </p:nvPicPr>
-        <p:blipFill>
-          <a:blip r:embed="rId1"/>
-          <a:stretch>
-            <a:fillRect/>
-          </a:stretch>
-        </p:blipFill>
-        <p:spPr>
-          <a:xfrm>
-            <a:off x="19086777" y="9340198"/>
-            <a:ext cx="3604908" cy="3604907"/>
-          </a:xfrm>
-          <a:prstGeom prst="rect">
-            <a:avLst/>
-          </a:prstGeom>
-          <a:ln w="12700">
-            <a:miter lim="400000"/>
-            <a:headEnd/>
-            <a:tailEnd/>
-          </a:ln>
-        </p:spPr>
-      </p:pic>
-      <p:sp>
-        <p:nvSpPr>
-          <p:cNvPr id="486" name="Shape 486"/>
-          <p:cNvSpPr/>
-          <p:nvPr/>
-        </p:nvSpPr>
-        <p:spPr>
-          <a:xfrm>
-            <a:off x="20070079" y="12798844"/>
-            <a:ext cx="1638301" cy="635001"/>
-          </a:xfrm>
-          <a:prstGeom prst="rect">
-            <a:avLst/>
-          </a:prstGeom>
-          <a:ln w="12700">
-            <a:miter lim="400000"/>
-          </a:ln>
-        </p:spPr>
-        <p:txBody>
-          <a:bodyPr wrap="none" lIns="50800" tIns="50800" rIns="50800" bIns="50800" anchor="ctr">
-            <a:spAutoFit/>
-          </a:bodyPr>
-          <a:lstStyle>
-            <a:lvl1pPr>
-              <a:defRPr sz="3000">
-                <a:latin typeface="Helvetica Light"/>
-                <a:ea typeface="Helvetica Light"/>
-                <a:cs typeface="Helvetica Light"/>
-                <a:sym typeface="Helvetica Light"/>
-              </a:defRPr>
-            </a:lvl1pPr>
-          </a:lstStyle>
-          <a:p>
-            <a:r>
-              <a:t>关注孟宁</a:t>
-            </a:r>
-          </a:p>
-        </p:txBody>
-      </p:sp>
-      <p:sp>
-        <p:nvSpPr>
-          <p:cNvPr id="487" name="Shape 487"/>
-          <p:cNvSpPr/>
-          <p:nvPr/>
-        </p:nvSpPr>
-        <p:spPr>
-          <a:xfrm>
-            <a:off x="1447800" y="7080250"/>
-            <a:ext cx="20828000" cy="774700"/>
-          </a:xfrm>
-          <a:prstGeom prst="rect">
-            <a:avLst/>
-          </a:prstGeom>
-          <a:ln w="12700">
-            <a:miter lim="400000"/>
-          </a:ln>
-        </p:spPr>
-        <p:txBody>
-          <a:bodyPr lIns="50800" tIns="50800" rIns="50800" bIns="50800">
-            <a:normAutofit/>
-          </a:bodyPr>
-          <a:lstStyle>
-            <a:lvl1pPr>
-              <a:defRPr sz="4400">
-                <a:latin typeface="Helvetica Light"/>
-                <a:ea typeface="Helvetica Light"/>
-                <a:cs typeface="Helvetica Light"/>
-                <a:sym typeface="Helvetica Light"/>
-              </a:defRPr>
-            </a:lvl1pPr>
-          </a:lstStyle>
-          <a:p>
-            <a:r>
-              <a:t>Typing - VSCode - Git - Vim - RegEx</a:t>
-            </a:r>
-          </a:p>
-        </p:txBody>
-      </p:sp>
-    </p:spTree>
-  </p:cSld>
-  <p:clrMapOvr>
-    <a:masterClrMapping/>
-  </p:clrMapOvr>
-  <mc:AlternateContent xmlns:mc="http://schemas.openxmlformats.org/markup-compatibility/2006">
-    <mc:Choice xmlns:p14="http://schemas.microsoft.com/office/powerpoint/2010/main" Requires="p14">
-      <p:transition spd="med" p14:dur="1000"/>
-    </mc:Choice>
-    <mc:Fallback>
-      <p:transition spd="med"/>
-    </mc:Fallback>
-  </mc:AlternateContent>
-</p:sld>
-</file>
-
-<file path=ppt/slides/slide99.xml><?xml version="1.0" encoding="utf-8"?>
-<p:sld xmlns:a="http://schemas.openxmlformats.org/drawingml/2006/main" xmlns:r="http://schemas.openxmlformats.org/officeDocument/2006/relationships" xmlns:p="http://schemas.openxmlformats.org/presentationml/2006/main">
-  <p:cSld>
-    <p:spTree>
-      <p:nvGrpSpPr>
-        <p:cNvPr id="1" name=""/>
-        <p:cNvGrpSpPr/>
-        <p:nvPr/>
-      </p:nvGrpSpPr>
-      <p:grpSpPr>
-        <a:xfrm>
-          <a:off x="0" y="0"/>
-          <a:ext cx="0" cy="0"/>
-          <a:chOff x="0" y="0"/>
-          <a:chExt cx="0" cy="0"/>
-        </a:xfrm>
-      </p:grpSpPr>
-      <p:sp>
-        <p:nvSpPr>
-          <p:cNvPr id="489" name="Shape 489"/>
-          <p:cNvSpPr/>
-          <p:nvPr>
-            <p:ph type="title"/>
-          </p:nvPr>
-        </p:nvSpPr>
-        <p:spPr>
-          <a:prstGeom prst="rect">
-            <a:avLst/>
-          </a:prstGeom>
-        </p:spPr>
-        <p:txBody>
-          <a:bodyPr/>
-          <a:lstStyle/>
-          <a:p>
-            <a:r>
-              <a:t>参考资料</a:t>
-            </a:r>
-          </a:p>
-        </p:txBody>
-      </p:sp>
-      <p:sp>
-        <p:nvSpPr>
-          <p:cNvPr id="490" name="Shape 490"/>
-          <p:cNvSpPr/>
-          <p:nvPr>
-            <p:ph type="body" idx="1"/>
-          </p:nvPr>
-        </p:nvSpPr>
-        <p:spPr>
-          <a:prstGeom prst="rect">
-            <a:avLst/>
-          </a:prstGeom>
-        </p:spPr>
-        <p:txBody>
-          <a:bodyPr/>
-          <a:lstStyle/>
+            <a:r>
+              <a:rPr lang="en-US" altLang="zh-CN"/>
+              <a:t>https://github.com/mengning/DevStar</a:t>
+            </a:r>
+            <a:endParaRPr lang="en-US" altLang="zh-CN"/>
+          </a:p>
           <a:p>
             <a:r>
               <a:t>https://github.com/mengning/linuxstart/</a:t>
@@ -15435,7 +14710,6 @@
               </a:defRPr>
             </a:pPr>
             <a:r>
-              <a:rPr/>
               <a:t>https://mp.weixin.qq.com/s/4sKrDYzAFv8dAAP_tiYCMw</a:t>
             </a:r>
           </a:p>
@@ -15453,7 +14727,6 @@
               </a:defRPr>
             </a:pPr>
             <a:r>
-              <a:rPr/>
               <a:t>https://www.w3cschool.cn/zhengzebiaodashi/</a:t>
             </a:r>
           </a:p>
@@ -15471,10 +14744,8 @@
               </a:defRPr>
             </a:pPr>
             <a:r>
-              <a:rPr/>
               <a:t>http://www.ruanyifeng.com/blog/2014/06/git_remote.html</a:t>
             </a:r>
-            <a:endParaRPr/>
           </a:p>
         </p:txBody>
       </p:sp>
